--- a/OptimizeStreetTeamDeployment.pptx
+++ b/OptimizeStreetTeamDeployment.pptx
@@ -6,13 +6,17 @@
   </p:sldMasterIdLst>
   <p:sldIdLst>
     <p:sldId id="256" r:id="rId2"/>
-    <p:sldId id="257" r:id="rId3"/>
-    <p:sldId id="258" r:id="rId4"/>
-    <p:sldId id="259" r:id="rId5"/>
-    <p:sldId id="260" r:id="rId6"/>
-    <p:sldId id="261" r:id="rId7"/>
-    <p:sldId id="262" r:id="rId8"/>
-    <p:sldId id="263" r:id="rId9"/>
+    <p:sldId id="258" r:id="rId3"/>
+    <p:sldId id="259" r:id="rId4"/>
+    <p:sldId id="260" r:id="rId5"/>
+    <p:sldId id="266" r:id="rId6"/>
+    <p:sldId id="267" r:id="rId7"/>
+    <p:sldId id="268" r:id="rId8"/>
+    <p:sldId id="261" r:id="rId9"/>
+    <p:sldId id="262" r:id="rId10"/>
+    <p:sldId id="263" r:id="rId11"/>
+    <p:sldId id="264" r:id="rId12"/>
+    <p:sldId id="265" r:id="rId13"/>
   </p:sldIdLst>
   <p:sldSz cx="12192000" cy="6858000"/>
   <p:notesSz cx="6858000" cy="9144000"/>
@@ -111,6 +115,11 @@
       </a:defRPr>
     </a:lvl9pPr>
   </p:defaultTextStyle>
+  <p:extLst>
+    <p:ext uri="{EFAFB233-063F-42B5-8137-9DF3F51BA10A}">
+      <p15:sldGuideLst xmlns:p15="http://schemas.microsoft.com/office/powerpoint/2012/main"/>
+    </p:ext>
+  </p:extLst>
 </p:presentation>
 </file>
 
@@ -297,7 +306,7 @@
           <a:p>
             <a:fld id="{4AAD347D-5ACD-4C99-B74B-A9C85AD731AF}" type="datetimeFigureOut">
               <a:rPr lang="en-US" dirty="0"/>
-              <a:t>7/10/2019</a:t>
+              <a:t>7/11/2019</a:t>
             </a:fld>
             <a:endParaRPr lang="en-US" dirty="0"/>
           </a:p>
@@ -567,7 +576,7 @@
           <a:p>
             <a:fld id="{4509A250-FF31-4206-8172-F9D3106AACB1}" type="datetimeFigureOut">
               <a:rPr lang="en-US" dirty="0"/>
-              <a:t>7/10/2019</a:t>
+              <a:t>7/11/2019</a:t>
             </a:fld>
             <a:endParaRPr lang="en-US" dirty="0"/>
           </a:p>
@@ -756,7 +765,7 @@
           <a:p>
             <a:fld id="{4509A250-FF31-4206-8172-F9D3106AACB1}" type="datetimeFigureOut">
               <a:rPr lang="en-US" dirty="0"/>
-              <a:t>7/10/2019</a:t>
+              <a:t>7/11/2019</a:t>
             </a:fld>
             <a:endParaRPr lang="en-US" dirty="0"/>
           </a:p>
@@ -1019,7 +1028,7 @@
           <a:p>
             <a:fld id="{4509A250-FF31-4206-8172-F9D3106AACB1}" type="datetimeFigureOut">
               <a:rPr lang="en-US" dirty="0"/>
-              <a:t>7/10/2019</a:t>
+              <a:t>7/11/2019</a:t>
             </a:fld>
             <a:endParaRPr lang="en-US" dirty="0"/>
           </a:p>
@@ -1346,7 +1355,7 @@
           <a:p>
             <a:fld id="{4509A250-FF31-4206-8172-F9D3106AACB1}" type="datetimeFigureOut">
               <a:rPr lang="en-US" dirty="0"/>
-              <a:t>7/10/2019</a:t>
+              <a:t>7/11/2019</a:t>
             </a:fld>
             <a:endParaRPr lang="en-US" dirty="0"/>
           </a:p>
@@ -1951,7 +1960,7 @@
           <a:p>
             <a:fld id="{4509A250-FF31-4206-8172-F9D3106AACB1}" type="datetimeFigureOut">
               <a:rPr lang="en-US" dirty="0"/>
-              <a:t>7/10/2019</a:t>
+              <a:t>7/11/2019</a:t>
             </a:fld>
             <a:endParaRPr lang="en-US" dirty="0"/>
           </a:p>
@@ -2793,7 +2802,7 @@
           <a:p>
             <a:fld id="{4509A250-FF31-4206-8172-F9D3106AACB1}" type="datetimeFigureOut">
               <a:rPr lang="en-US" dirty="0"/>
-              <a:t>7/10/2019</a:t>
+              <a:t>7/11/2019</a:t>
             </a:fld>
             <a:endParaRPr lang="en-US" dirty="0"/>
           </a:p>
@@ -2958,7 +2967,7 @@
           <a:p>
             <a:fld id="{4509A250-FF31-4206-8172-F9D3106AACB1}" type="datetimeFigureOut">
               <a:rPr lang="en-US" dirty="0"/>
-              <a:t>7/10/2019</a:t>
+              <a:t>7/11/2019</a:t>
             </a:fld>
             <a:endParaRPr lang="en-US" dirty="0"/>
           </a:p>
@@ -3133,7 +3142,7 @@
           <a:p>
             <a:fld id="{4509A250-FF31-4206-8172-F9D3106AACB1}" type="datetimeFigureOut">
               <a:rPr lang="en-US" dirty="0"/>
-              <a:t>7/10/2019</a:t>
+              <a:t>7/11/2019</a:t>
             </a:fld>
             <a:endParaRPr lang="en-US" dirty="0"/>
           </a:p>
@@ -3298,7 +3307,7 @@
           <a:p>
             <a:fld id="{4509A250-FF31-4206-8172-F9D3106AACB1}" type="datetimeFigureOut">
               <a:rPr lang="en-US" dirty="0"/>
-              <a:t>7/10/2019</a:t>
+              <a:t>7/11/2019</a:t>
             </a:fld>
             <a:endParaRPr lang="en-US" dirty="0"/>
           </a:p>
@@ -3537,7 +3546,7 @@
           <a:p>
             <a:fld id="{4509A250-FF31-4206-8172-F9D3106AACB1}" type="datetimeFigureOut">
               <a:rPr lang="en-US" dirty="0"/>
-              <a:t>7/10/2019</a:t>
+              <a:t>7/11/2019</a:t>
             </a:fld>
             <a:endParaRPr lang="en-US" dirty="0"/>
           </a:p>
@@ -3824,7 +3833,7 @@
           <a:p>
             <a:fld id="{4509A250-FF31-4206-8172-F9D3106AACB1}" type="datetimeFigureOut">
               <a:rPr lang="en-US" dirty="0"/>
-              <a:t>7/10/2019</a:t>
+              <a:t>7/11/2019</a:t>
             </a:fld>
             <a:endParaRPr lang="en-US" dirty="0"/>
           </a:p>
@@ -4257,7 +4266,7 @@
           <a:p>
             <a:fld id="{4509A250-FF31-4206-8172-F9D3106AACB1}" type="datetimeFigureOut">
               <a:rPr lang="en-US" dirty="0"/>
-              <a:t>7/10/2019</a:t>
+              <a:t>7/11/2019</a:t>
             </a:fld>
             <a:endParaRPr lang="en-US" dirty="0"/>
           </a:p>
@@ -4370,7 +4379,7 @@
           <a:p>
             <a:fld id="{4509A250-FF31-4206-8172-F9D3106AACB1}" type="datetimeFigureOut">
               <a:rPr lang="en-US" dirty="0"/>
-              <a:t>7/10/2019</a:t>
+              <a:t>7/11/2019</a:t>
             </a:fld>
             <a:endParaRPr lang="en-US" dirty="0"/>
           </a:p>
@@ -4460,7 +4469,7 @@
           <a:p>
             <a:fld id="{4509A250-FF31-4206-8172-F9D3106AACB1}" type="datetimeFigureOut">
               <a:rPr lang="en-US" dirty="0"/>
-              <a:t>7/10/2019</a:t>
+              <a:t>7/11/2019</a:t>
             </a:fld>
             <a:endParaRPr lang="en-US" dirty="0"/>
           </a:p>
@@ -4734,7 +4743,7 @@
           <a:p>
             <a:fld id="{4509A250-FF31-4206-8172-F9D3106AACB1}" type="datetimeFigureOut">
               <a:rPr lang="en-US" dirty="0"/>
-              <a:t>7/10/2019</a:t>
+              <a:t>7/11/2019</a:t>
             </a:fld>
             <a:endParaRPr lang="en-US" dirty="0"/>
           </a:p>
@@ -5004,7 +5013,7 @@
           <a:p>
             <a:fld id="{4509A250-FF31-4206-8172-F9D3106AACB1}" type="datetimeFigureOut">
               <a:rPr lang="en-US" dirty="0"/>
-              <a:t>7/10/2019</a:t>
+              <a:t>7/11/2019</a:t>
             </a:fld>
             <a:endParaRPr lang="en-US" dirty="0"/>
           </a:p>
@@ -5428,7 +5437,7 @@
           <a:p>
             <a:fld id="{4509A250-FF31-4206-8172-F9D3106AACB1}" type="datetimeFigureOut">
               <a:rPr lang="en-US" dirty="0"/>
-              <a:t>7/10/2019</a:t>
+              <a:t>7/11/2019</a:t>
             </a:fld>
             <a:endParaRPr lang="en-US" dirty="0"/>
           </a:p>
@@ -5996,6 +6005,286 @@
 </p:sld>
 </file>
 
+<file path=ppt/slides/slide10.xml><?xml version="1.0" encoding="utf-8"?>
+<p:sld xmlns:a="http://schemas.openxmlformats.org/drawingml/2006/main" xmlns:r="http://schemas.openxmlformats.org/officeDocument/2006/relationships" xmlns:p="http://schemas.openxmlformats.org/presentationml/2006/main">
+  <p:cSld>
+    <p:spTree>
+      <p:nvGrpSpPr>
+        <p:cNvPr id="1" name=""/>
+        <p:cNvGrpSpPr/>
+        <p:nvPr/>
+      </p:nvGrpSpPr>
+      <p:grpSpPr>
+        <a:xfrm>
+          <a:off x="0" y="0"/>
+          <a:ext cx="0" cy="0"/>
+          <a:chOff x="0" y="0"/>
+          <a:chExt cx="0" cy="0"/>
+        </a:xfrm>
+      </p:grpSpPr>
+      <p:sp>
+        <p:nvSpPr>
+          <p:cNvPr id="2" name="Title 1">
+            <a:extLst>
+              <a:ext uri="{FF2B5EF4-FFF2-40B4-BE49-F238E27FC236}">
+                <a16:creationId xmlns:a16="http://schemas.microsoft.com/office/drawing/2014/main" id="{D6DF9255-77C0-4CE4-8381-A1F6CDB455DF}"/>
+              </a:ext>
+            </a:extLst>
+          </p:cNvPr>
+          <p:cNvSpPr>
+            <a:spLocks noGrp="1"/>
+          </p:cNvSpPr>
+          <p:nvPr>
+            <p:ph type="title"/>
+          </p:nvPr>
+        </p:nvSpPr>
+        <p:spPr/>
+        <p:txBody>
+          <a:bodyPr/>
+          <a:lstStyle/>
+          <a:p>
+            <a:r>
+              <a:rPr lang="en-US" dirty="0"/>
+              <a:t>Next Steps</a:t>
+            </a:r>
+            <a:endParaRPr lang="en-SG" dirty="0"/>
+          </a:p>
+        </p:txBody>
+      </p:sp>
+      <p:sp>
+        <p:nvSpPr>
+          <p:cNvPr id="3" name="Content Placeholder 2">
+            <a:extLst>
+              <a:ext uri="{FF2B5EF4-FFF2-40B4-BE49-F238E27FC236}">
+                <a16:creationId xmlns:a16="http://schemas.microsoft.com/office/drawing/2014/main" id="{A00A855A-9451-488B-BE27-74C47B39724B}"/>
+              </a:ext>
+            </a:extLst>
+          </p:cNvPr>
+          <p:cNvSpPr>
+            <a:spLocks noGrp="1"/>
+          </p:cNvSpPr>
+          <p:nvPr>
+            <p:ph idx="1"/>
+          </p:nvPr>
+        </p:nvSpPr>
+        <p:spPr/>
+        <p:txBody>
+          <a:bodyPr>
+            <a:normAutofit/>
+          </a:bodyPr>
+          <a:lstStyle/>
+          <a:p>
+            <a:r>
+              <a:rPr lang="en-SG" sz="2400" dirty="0"/>
+              <a:t>Tourist data?</a:t>
+            </a:r>
+          </a:p>
+          <a:p>
+            <a:r>
+              <a:rPr lang="en-SG" sz="2400" dirty="0"/>
+              <a:t>More yearly data needed to recommend monthly seasonality</a:t>
+            </a:r>
+          </a:p>
+          <a:p>
+            <a:r>
+              <a:rPr lang="en-SG" sz="2400" dirty="0"/>
+              <a:t>An efficient process that deploys teams and collects signature results in real time</a:t>
+            </a:r>
+          </a:p>
+          <a:p>
+            <a:endParaRPr lang="en-SG" sz="2400" dirty="0"/>
+          </a:p>
+          <a:p>
+            <a:r>
+              <a:rPr lang="en-SG" sz="2400" dirty="0"/>
+              <a:t>Top 5 stations differ from MTA published results</a:t>
+            </a:r>
+          </a:p>
+          <a:p>
+            <a:endParaRPr lang="en-SG" sz="2400" dirty="0"/>
+          </a:p>
+        </p:txBody>
+      </p:sp>
+    </p:spTree>
+    <p:extLst>
+      <p:ext uri="{BB962C8B-B14F-4D97-AF65-F5344CB8AC3E}">
+        <p14:creationId xmlns:p14="http://schemas.microsoft.com/office/powerpoint/2010/main" val="1025635242"/>
+      </p:ext>
+    </p:extLst>
+  </p:cSld>
+  <p:clrMapOvr>
+    <a:masterClrMapping/>
+  </p:clrMapOvr>
+</p:sld>
+</file>
+
+<file path=ppt/slides/slide11.xml><?xml version="1.0" encoding="utf-8"?>
+<p:sld xmlns:a="http://schemas.openxmlformats.org/drawingml/2006/main" xmlns:r="http://schemas.openxmlformats.org/officeDocument/2006/relationships" xmlns:p="http://schemas.openxmlformats.org/presentationml/2006/main">
+  <p:cSld>
+    <p:spTree>
+      <p:nvGrpSpPr>
+        <p:cNvPr id="1" name=""/>
+        <p:cNvGrpSpPr/>
+        <p:nvPr/>
+      </p:nvGrpSpPr>
+      <p:grpSpPr>
+        <a:xfrm>
+          <a:off x="0" y="0"/>
+          <a:ext cx="0" cy="0"/>
+          <a:chOff x="0" y="0"/>
+          <a:chExt cx="0" cy="0"/>
+        </a:xfrm>
+      </p:grpSpPr>
+      <p:sp>
+        <p:nvSpPr>
+          <p:cNvPr id="2" name="Title 1">
+            <a:extLst>
+              <a:ext uri="{FF2B5EF4-FFF2-40B4-BE49-F238E27FC236}">
+                <a16:creationId xmlns:a16="http://schemas.microsoft.com/office/drawing/2014/main" id="{40C12D8A-3E71-431F-BDC4-F0339C2DBCF2}"/>
+              </a:ext>
+            </a:extLst>
+          </p:cNvPr>
+          <p:cNvSpPr>
+            <a:spLocks noGrp="1"/>
+          </p:cNvSpPr>
+          <p:nvPr>
+            <p:ph type="title"/>
+          </p:nvPr>
+        </p:nvSpPr>
+        <p:spPr/>
+        <p:txBody>
+          <a:bodyPr/>
+          <a:lstStyle/>
+          <a:p>
+            <a:endParaRPr lang="en-SG"/>
+          </a:p>
+        </p:txBody>
+      </p:sp>
+      <p:sp>
+        <p:nvSpPr>
+          <p:cNvPr id="3" name="Content Placeholder 2">
+            <a:extLst>
+              <a:ext uri="{FF2B5EF4-FFF2-40B4-BE49-F238E27FC236}">
+                <a16:creationId xmlns:a16="http://schemas.microsoft.com/office/drawing/2014/main" id="{01569AD5-6745-4C38-B8F0-331D2FFC7618}"/>
+              </a:ext>
+            </a:extLst>
+          </p:cNvPr>
+          <p:cNvSpPr>
+            <a:spLocks noGrp="1"/>
+          </p:cNvSpPr>
+          <p:nvPr>
+            <p:ph idx="1"/>
+          </p:nvPr>
+        </p:nvSpPr>
+        <p:spPr/>
+        <p:txBody>
+          <a:bodyPr/>
+          <a:lstStyle/>
+          <a:p>
+            <a:pPr marL="0" indent="0" algn="ctr">
+              <a:buNone/>
+            </a:pPr>
+            <a:r>
+              <a:rPr lang="en-US" dirty="0"/>
+              <a:t>Thank you</a:t>
+            </a:r>
+            <a:endParaRPr lang="en-SG" dirty="0"/>
+          </a:p>
+        </p:txBody>
+      </p:sp>
+    </p:spTree>
+    <p:extLst>
+      <p:ext uri="{BB962C8B-B14F-4D97-AF65-F5344CB8AC3E}">
+        <p14:creationId xmlns:p14="http://schemas.microsoft.com/office/powerpoint/2010/main" val="2472098977"/>
+      </p:ext>
+    </p:extLst>
+  </p:cSld>
+  <p:clrMapOvr>
+    <a:masterClrMapping/>
+  </p:clrMapOvr>
+</p:sld>
+</file>
+
+<file path=ppt/slides/slide12.xml><?xml version="1.0" encoding="utf-8"?>
+<p:sld xmlns:a="http://schemas.openxmlformats.org/drawingml/2006/main" xmlns:r="http://schemas.openxmlformats.org/officeDocument/2006/relationships" xmlns:p="http://schemas.openxmlformats.org/presentationml/2006/main">
+  <p:cSld>
+    <p:spTree>
+      <p:nvGrpSpPr>
+        <p:cNvPr id="1" name=""/>
+        <p:cNvGrpSpPr/>
+        <p:nvPr/>
+      </p:nvGrpSpPr>
+      <p:grpSpPr>
+        <a:xfrm>
+          <a:off x="0" y="0"/>
+          <a:ext cx="0" cy="0"/>
+          <a:chOff x="0" y="0"/>
+          <a:chExt cx="0" cy="0"/>
+        </a:xfrm>
+      </p:grpSpPr>
+      <p:sp>
+        <p:nvSpPr>
+          <p:cNvPr id="2" name="Title 1">
+            <a:extLst>
+              <a:ext uri="{FF2B5EF4-FFF2-40B4-BE49-F238E27FC236}">
+                <a16:creationId xmlns:a16="http://schemas.microsoft.com/office/drawing/2014/main" id="{6EA17836-9A8B-4A7F-9690-501C361067B4}"/>
+              </a:ext>
+            </a:extLst>
+          </p:cNvPr>
+          <p:cNvSpPr>
+            <a:spLocks noGrp="1"/>
+          </p:cNvSpPr>
+          <p:nvPr>
+            <p:ph type="title"/>
+          </p:nvPr>
+        </p:nvSpPr>
+        <p:spPr/>
+        <p:txBody>
+          <a:bodyPr/>
+          <a:lstStyle/>
+          <a:p>
+            <a:endParaRPr lang="en-SG"/>
+          </a:p>
+        </p:txBody>
+      </p:sp>
+      <p:sp>
+        <p:nvSpPr>
+          <p:cNvPr id="3" name="Content Placeholder 2">
+            <a:extLst>
+              <a:ext uri="{FF2B5EF4-FFF2-40B4-BE49-F238E27FC236}">
+                <a16:creationId xmlns:a16="http://schemas.microsoft.com/office/drawing/2014/main" id="{A226CA27-9C28-4D58-83CA-7CBDC24D1355}"/>
+              </a:ext>
+            </a:extLst>
+          </p:cNvPr>
+          <p:cNvSpPr>
+            <a:spLocks noGrp="1"/>
+          </p:cNvSpPr>
+          <p:nvPr>
+            <p:ph idx="1"/>
+          </p:nvPr>
+        </p:nvSpPr>
+        <p:spPr/>
+        <p:txBody>
+          <a:bodyPr/>
+          <a:lstStyle/>
+          <a:p>
+            <a:endParaRPr lang="en-SG"/>
+          </a:p>
+        </p:txBody>
+      </p:sp>
+    </p:spTree>
+    <p:extLst>
+      <p:ext uri="{BB962C8B-B14F-4D97-AF65-F5344CB8AC3E}">
+        <p14:creationId xmlns:p14="http://schemas.microsoft.com/office/powerpoint/2010/main" val="3771423779"/>
+      </p:ext>
+    </p:extLst>
+  </p:cSld>
+  <p:clrMapOvr>
+    <a:masterClrMapping/>
+  </p:clrMapOvr>
+</p:sld>
+</file>
+
 <file path=ppt/slides/slide2.xml><?xml version="1.0" encoding="utf-8"?>
 <p:sld xmlns:a="http://schemas.openxmlformats.org/drawingml/2006/main" xmlns:r="http://schemas.openxmlformats.org/officeDocument/2006/relationships" xmlns:p="http://schemas.openxmlformats.org/presentationml/2006/main">
   <p:cSld>
@@ -6018,7 +6307,7 @@
           <p:cNvPr id="2" name="Title 1">
             <a:extLst>
               <a:ext uri="{FF2B5EF4-FFF2-40B4-BE49-F238E27FC236}">
-                <a16:creationId xmlns:a16="http://schemas.microsoft.com/office/drawing/2014/main" id="{610FB7B1-E920-49EC-97D2-4F6134AF6856}"/>
+                <a16:creationId xmlns:a16="http://schemas.microsoft.com/office/drawing/2014/main" id="{025FB699-DDAB-4BFB-A1DD-6DF9B428F4C7}"/>
               </a:ext>
             </a:extLst>
           </p:cNvPr>
@@ -6029,23 +6318,16 @@
             <p:ph type="title"/>
           </p:nvPr>
         </p:nvSpPr>
-        <p:spPr>
-          <a:xfrm>
-            <a:off x="6740038" y="1860669"/>
-            <a:ext cx="4938261" cy="983737"/>
-          </a:xfrm>
-        </p:spPr>
-        <p:txBody>
-          <a:bodyPr/>
-          <a:lstStyle/>
-          <a:p>
-            <a:br>
-              <a:rPr lang="en-SG" sz="3200" dirty="0"/>
-            </a:br>
-            <a:r>
-              <a:rPr lang="en-SG" sz="3200" dirty="0"/>
-              <a:t>Specific focus</a:t>
-            </a:r>
+        <p:spPr/>
+        <p:txBody>
+          <a:bodyPr/>
+          <a:lstStyle/>
+          <a:p>
+            <a:r>
+              <a:rPr lang="en-US" dirty="0"/>
+              <a:t>Project goals</a:t>
+            </a:r>
+            <a:endParaRPr lang="en-SG" dirty="0"/>
           </a:p>
         </p:txBody>
       </p:sp>
@@ -6054,7 +6336,7 @@
           <p:cNvPr id="3" name="Content Placeholder 2">
             <a:extLst>
               <a:ext uri="{FF2B5EF4-FFF2-40B4-BE49-F238E27FC236}">
-                <a16:creationId xmlns:a16="http://schemas.microsoft.com/office/drawing/2014/main" id="{851715CA-B5A6-49FD-AF07-A1DC7D5F588C}"/>
+                <a16:creationId xmlns:a16="http://schemas.microsoft.com/office/drawing/2014/main" id="{51A0DBE7-1F2E-4360-AC1F-E1972161E363}"/>
               </a:ext>
             </a:extLst>
           </p:cNvPr>
@@ -6067,383 +6349,52 @@
         </p:nvSpPr>
         <p:spPr>
           <a:xfrm>
-            <a:off x="6979641" y="3460870"/>
-            <a:ext cx="4697677" cy="2946920"/>
+            <a:off x="1103312" y="1300294"/>
+            <a:ext cx="8946541" cy="4948105"/>
           </a:xfrm>
         </p:spPr>
         <p:txBody>
-          <a:bodyPr/>
-          <a:lstStyle/>
-          <a:p>
-            <a:r>
-              <a:rPr lang="en-SG" dirty="0"/>
-              <a:t>To optimize the effectiveness of street team work (at subway stations exits/entrances to collect signups and email addresses) </a:t>
-            </a:r>
-          </a:p>
-          <a:p>
-            <a:r>
-              <a:rPr lang="en-SG" dirty="0"/>
-              <a:t>High signups and extensive reach to a large crowd will translate to high awareness and high participation rate</a:t>
-            </a:r>
-          </a:p>
-        </p:txBody>
-      </p:sp>
-      <p:sp>
-        <p:nvSpPr>
-          <p:cNvPr id="4" name="Title 1">
-            <a:extLst>
-              <a:ext uri="{FF2B5EF4-FFF2-40B4-BE49-F238E27FC236}">
-                <a16:creationId xmlns:a16="http://schemas.microsoft.com/office/drawing/2014/main" id="{96D0768E-E788-4F8E-B9B9-F3ACF9E7FE42}"/>
-              </a:ext>
-            </a:extLst>
-          </p:cNvPr>
-          <p:cNvSpPr txBox="1">
-            <a:spLocks/>
-          </p:cNvSpPr>
-          <p:nvPr/>
-        </p:nvSpPr>
-        <p:spPr>
-          <a:xfrm>
-            <a:off x="791520" y="612109"/>
-            <a:ext cx="4938261" cy="1400530"/>
-          </a:xfrm>
-          <a:prstGeom prst="rect">
-            <a:avLst/>
-          </a:prstGeom>
-        </p:spPr>
-        <p:txBody>
-          <a:bodyPr vert="horz" lIns="91440" tIns="45720" rIns="91440" bIns="45720" rtlCol="0" anchor="t">
-            <a:noAutofit/>
-          </a:bodyPr>
-          <a:lstStyle>
-            <a:lvl1pPr algn="l" defTabSz="457200" rtl="0" eaLnBrk="1" latinLnBrk="0" hangingPunct="1">
-              <a:spcBef>
-                <a:spcPct val="0"/>
-              </a:spcBef>
-              <a:buNone/>
-              <a:defRPr sz="4200" b="0" i="0" kern="1200">
-                <a:solidFill>
-                  <a:schemeClr val="tx2"/>
-                </a:solidFill>
-                <a:latin typeface="+mj-lt"/>
-                <a:ea typeface="+mj-ea"/>
-                <a:cs typeface="+mj-cs"/>
-              </a:defRPr>
-            </a:lvl1pPr>
-            <a:lvl2pPr eaLnBrk="1" hangingPunct="1">
-              <a:defRPr>
-                <a:solidFill>
-                  <a:schemeClr val="tx2"/>
-                </a:solidFill>
-              </a:defRPr>
-            </a:lvl2pPr>
-            <a:lvl3pPr eaLnBrk="1" hangingPunct="1">
-              <a:defRPr>
-                <a:solidFill>
-                  <a:schemeClr val="tx2"/>
-                </a:solidFill>
-              </a:defRPr>
-            </a:lvl3pPr>
-            <a:lvl4pPr eaLnBrk="1" hangingPunct="1">
-              <a:defRPr>
-                <a:solidFill>
-                  <a:schemeClr val="tx2"/>
-                </a:solidFill>
-              </a:defRPr>
-            </a:lvl4pPr>
-            <a:lvl5pPr eaLnBrk="1" hangingPunct="1">
-              <a:defRPr>
-                <a:solidFill>
-                  <a:schemeClr val="tx2"/>
-                </a:solidFill>
-              </a:defRPr>
-            </a:lvl5pPr>
-            <a:lvl6pPr eaLnBrk="1" hangingPunct="1">
-              <a:defRPr>
-                <a:solidFill>
-                  <a:schemeClr val="tx2"/>
-                </a:solidFill>
-              </a:defRPr>
-            </a:lvl6pPr>
-            <a:lvl7pPr eaLnBrk="1" hangingPunct="1">
-              <a:defRPr>
-                <a:solidFill>
-                  <a:schemeClr val="tx2"/>
-                </a:solidFill>
-              </a:defRPr>
-            </a:lvl7pPr>
-            <a:lvl8pPr eaLnBrk="1" hangingPunct="1">
-              <a:defRPr>
-                <a:solidFill>
-                  <a:schemeClr val="tx2"/>
-                </a:solidFill>
-              </a:defRPr>
-            </a:lvl8pPr>
-            <a:lvl9pPr eaLnBrk="1" hangingPunct="1">
-              <a:defRPr>
-                <a:solidFill>
-                  <a:schemeClr val="tx2"/>
-                </a:solidFill>
-              </a:defRPr>
-            </a:lvl9pPr>
-          </a:lstStyle>
-          <a:p>
-            <a:r>
-              <a:rPr lang="en-SG" sz="3200" dirty="0" err="1"/>
-              <a:t>WomenTechWomenYes</a:t>
-            </a:r>
-            <a:r>
-              <a:rPr lang="en-SG" sz="3200" dirty="0"/>
-              <a:t> (WTWY) focus</a:t>
-            </a:r>
-          </a:p>
-        </p:txBody>
-      </p:sp>
-      <p:sp>
-        <p:nvSpPr>
-          <p:cNvPr id="5" name="Content Placeholder 2">
-            <a:extLst>
-              <a:ext uri="{FF2B5EF4-FFF2-40B4-BE49-F238E27FC236}">
-                <a16:creationId xmlns:a16="http://schemas.microsoft.com/office/drawing/2014/main" id="{D5AD98BC-EAA5-4ED8-ACB4-5A0B2E05D074}"/>
-              </a:ext>
-            </a:extLst>
-          </p:cNvPr>
-          <p:cNvSpPr txBox="1">
-            <a:spLocks/>
-          </p:cNvSpPr>
-          <p:nvPr/>
-        </p:nvSpPr>
-        <p:spPr>
-          <a:xfrm>
-            <a:off x="1031123" y="2212309"/>
-            <a:ext cx="4697677" cy="4195481"/>
-          </a:xfrm>
-          <a:prstGeom prst="rect">
-            <a:avLst/>
-          </a:prstGeom>
-        </p:spPr>
-        <p:txBody>
-          <a:bodyPr vert="horz" lIns="91440" tIns="45720" rIns="91440" bIns="45720" rtlCol="0">
+          <a:bodyPr>
             <a:normAutofit/>
           </a:bodyPr>
-          <a:lstStyle>
-            <a:lvl1pPr marL="342900" indent="-342900" algn="l" defTabSz="457200" rtl="0" eaLnBrk="1" latinLnBrk="0" hangingPunct="1">
-              <a:spcBef>
-                <a:spcPts val="1000"/>
-              </a:spcBef>
-              <a:spcAft>
-                <a:spcPts val="0"/>
-              </a:spcAft>
-              <a:buClr>
-                <a:schemeClr val="accent1"/>
-              </a:buClr>
-              <a:buSzPct val="80000"/>
-              <a:buFont typeface="Wingdings 3" charset="2"/>
-              <a:buChar char=""/>
-              <a:defRPr sz="2000" b="0" i="0" kern="1200">
-                <a:solidFill>
-                  <a:schemeClr val="tx1"/>
-                </a:solidFill>
-                <a:latin typeface="+mj-lt"/>
-                <a:ea typeface="+mj-ea"/>
-                <a:cs typeface="+mj-cs"/>
-              </a:defRPr>
-            </a:lvl1pPr>
-            <a:lvl2pPr marL="742950" indent="-285750" algn="l" defTabSz="457200" rtl="0" eaLnBrk="1" latinLnBrk="0" hangingPunct="1">
-              <a:spcBef>
-                <a:spcPts val="1000"/>
-              </a:spcBef>
-              <a:spcAft>
-                <a:spcPts val="0"/>
-              </a:spcAft>
-              <a:buClr>
-                <a:schemeClr val="accent1"/>
-              </a:buClr>
-              <a:buSzPct val="80000"/>
-              <a:buFont typeface="Wingdings 3" charset="2"/>
-              <a:buChar char=""/>
-              <a:defRPr sz="1800" b="0" i="0" kern="1200">
-                <a:solidFill>
-                  <a:schemeClr val="tx1"/>
-                </a:solidFill>
-                <a:latin typeface="+mj-lt"/>
-                <a:ea typeface="+mj-ea"/>
-                <a:cs typeface="+mj-cs"/>
-              </a:defRPr>
-            </a:lvl2pPr>
-            <a:lvl3pPr marL="1143000" indent="-228600" algn="l" defTabSz="457200" rtl="0" eaLnBrk="1" latinLnBrk="0" hangingPunct="1">
-              <a:spcBef>
-                <a:spcPts val="1000"/>
-              </a:spcBef>
-              <a:spcAft>
-                <a:spcPts val="0"/>
-              </a:spcAft>
-              <a:buClr>
-                <a:schemeClr val="accent1"/>
-              </a:buClr>
-              <a:buSzPct val="80000"/>
-              <a:buFont typeface="Wingdings 3" charset="2"/>
-              <a:buChar char=""/>
-              <a:defRPr sz="1600" b="0" i="0" kern="1200">
-                <a:solidFill>
-                  <a:schemeClr val="tx1"/>
-                </a:solidFill>
-                <a:latin typeface="+mj-lt"/>
-                <a:ea typeface="+mj-ea"/>
-                <a:cs typeface="+mj-cs"/>
-              </a:defRPr>
-            </a:lvl3pPr>
-            <a:lvl4pPr marL="1600200" indent="-228600" algn="l" defTabSz="457200" rtl="0" eaLnBrk="1" latinLnBrk="0" hangingPunct="1">
-              <a:spcBef>
-                <a:spcPts val="1000"/>
-              </a:spcBef>
-              <a:spcAft>
-                <a:spcPts val="0"/>
-              </a:spcAft>
-              <a:buClr>
-                <a:schemeClr val="accent1"/>
-              </a:buClr>
-              <a:buSzPct val="80000"/>
-              <a:buFont typeface="Wingdings 3" charset="2"/>
-              <a:buChar char=""/>
-              <a:defRPr sz="1400" b="0" i="0" kern="1200">
-                <a:solidFill>
-                  <a:schemeClr val="tx1"/>
-                </a:solidFill>
-                <a:latin typeface="+mj-lt"/>
-                <a:ea typeface="+mj-ea"/>
-                <a:cs typeface="+mj-cs"/>
-              </a:defRPr>
-            </a:lvl4pPr>
-            <a:lvl5pPr marL="2057400" indent="-228600" algn="l" defTabSz="457200" rtl="0" eaLnBrk="1" latinLnBrk="0" hangingPunct="1">
-              <a:spcBef>
-                <a:spcPts val="1000"/>
-              </a:spcBef>
-              <a:spcAft>
-                <a:spcPts val="0"/>
-              </a:spcAft>
-              <a:buClr>
-                <a:schemeClr val="accent1"/>
-              </a:buClr>
-              <a:buSzPct val="80000"/>
-              <a:buFont typeface="Wingdings 3" charset="2"/>
-              <a:buChar char=""/>
-              <a:defRPr sz="1400" b="0" i="0" kern="1200">
-                <a:solidFill>
-                  <a:schemeClr val="tx1"/>
-                </a:solidFill>
-                <a:latin typeface="+mj-lt"/>
-                <a:ea typeface="+mj-ea"/>
-                <a:cs typeface="+mj-cs"/>
-              </a:defRPr>
-            </a:lvl5pPr>
-            <a:lvl6pPr marL="2514600" indent="-228600" algn="l" defTabSz="457200" rtl="0" eaLnBrk="1" latinLnBrk="0" hangingPunct="1">
-              <a:spcBef>
-                <a:spcPts val="1000"/>
-              </a:spcBef>
-              <a:spcAft>
-                <a:spcPts val="0"/>
-              </a:spcAft>
-              <a:buClr>
-                <a:schemeClr val="accent1"/>
-              </a:buClr>
-              <a:buSzPct val="80000"/>
-              <a:buFont typeface="Wingdings 3" charset="2"/>
-              <a:buChar char=""/>
-              <a:defRPr sz="1400" b="0" i="0" kern="1200">
-                <a:solidFill>
-                  <a:schemeClr val="tx1"/>
-                </a:solidFill>
-                <a:latin typeface="+mj-lt"/>
-                <a:ea typeface="+mj-ea"/>
-                <a:cs typeface="+mj-cs"/>
-              </a:defRPr>
-            </a:lvl6pPr>
-            <a:lvl7pPr marL="2971800" indent="-228600" algn="l" defTabSz="457200" rtl="0" eaLnBrk="1" latinLnBrk="0" hangingPunct="1">
-              <a:spcBef>
-                <a:spcPts val="1000"/>
-              </a:spcBef>
-              <a:spcAft>
-                <a:spcPts val="0"/>
-              </a:spcAft>
-              <a:buClr>
-                <a:schemeClr val="accent1"/>
-              </a:buClr>
-              <a:buSzPct val="80000"/>
-              <a:buFont typeface="Wingdings 3" charset="2"/>
-              <a:buChar char=""/>
-              <a:defRPr sz="1400" b="0" i="0" kern="1200">
-                <a:solidFill>
-                  <a:schemeClr val="tx1"/>
-                </a:solidFill>
-                <a:latin typeface="+mj-lt"/>
-                <a:ea typeface="+mj-ea"/>
-                <a:cs typeface="+mj-cs"/>
-              </a:defRPr>
-            </a:lvl7pPr>
-            <a:lvl8pPr marL="3429000" indent="-228600" algn="l" defTabSz="457200" rtl="0" eaLnBrk="1" latinLnBrk="0" hangingPunct="1">
-              <a:spcBef>
-                <a:spcPts val="1000"/>
-              </a:spcBef>
-              <a:spcAft>
-                <a:spcPts val="0"/>
-              </a:spcAft>
-              <a:buClr>
-                <a:schemeClr val="accent1"/>
-              </a:buClr>
-              <a:buSzPct val="80000"/>
-              <a:buFont typeface="Wingdings 3" charset="2"/>
-              <a:buChar char=""/>
-              <a:defRPr sz="1400" b="0" i="0" kern="1200">
-                <a:solidFill>
-                  <a:schemeClr val="tx1"/>
-                </a:solidFill>
-                <a:latin typeface="+mj-lt"/>
-                <a:ea typeface="+mj-ea"/>
-                <a:cs typeface="+mj-cs"/>
-              </a:defRPr>
-            </a:lvl8pPr>
-            <a:lvl9pPr marL="3886200" indent="-228600" algn="l" defTabSz="457200" rtl="0" eaLnBrk="1" latinLnBrk="0" hangingPunct="1">
-              <a:spcBef>
-                <a:spcPts val="1000"/>
-              </a:spcBef>
-              <a:spcAft>
-                <a:spcPts val="0"/>
-              </a:spcAft>
-              <a:buClr>
-                <a:schemeClr val="accent1"/>
-              </a:buClr>
-              <a:buSzPct val="80000"/>
-              <a:buFont typeface="Wingdings 3" charset="2"/>
-              <a:buChar char=""/>
-              <a:defRPr sz="1400" b="0" i="0" kern="1200">
-                <a:solidFill>
-                  <a:schemeClr val="tx1"/>
-                </a:solidFill>
-                <a:latin typeface="+mj-lt"/>
-                <a:ea typeface="+mj-ea"/>
-                <a:cs typeface="+mj-cs"/>
-              </a:defRPr>
-            </a:lvl9pPr>
-          </a:lstStyle>
+          <a:lstStyle/>
           <a:p>
             <a:r>
               <a:rPr lang="en-SG" sz="2400" dirty="0"/>
-              <a:t>Women's participation in technology in New York City</a:t>
-            </a:r>
-          </a:p>
-          <a:p>
-            <a:pPr lvl="1"/>
-            <a:r>
-              <a:rPr lang="en-SG" sz="2000" dirty="0"/>
-              <a:t>To build awareness about the cause of WTWY</a:t>
-            </a:r>
-          </a:p>
-          <a:p>
-            <a:pPr lvl="1"/>
-            <a:r>
-              <a:rPr lang="en-SG" sz="2000" dirty="0"/>
-              <a:t>To have high participation rate for annual gala event</a:t>
+              <a:t>To identifying stations with high traffic and </a:t>
+            </a:r>
+            <a:r>
+              <a:rPr lang="en-SG" sz="2400" dirty="0" err="1"/>
+              <a:t>favorable</a:t>
+            </a:r>
+            <a:r>
+              <a:rPr lang="en-SG" sz="2400" dirty="0"/>
+              <a:t> demographics</a:t>
+            </a:r>
+          </a:p>
+          <a:p>
+            <a:endParaRPr lang="en-SG" sz="2400" dirty="0"/>
+          </a:p>
+          <a:p>
+            <a:pPr marL="0" indent="0">
+              <a:buNone/>
+            </a:pPr>
+            <a:r>
+              <a:rPr lang="en-SG" sz="2800" dirty="0"/>
+              <a:t>Assumptions:</a:t>
+            </a:r>
+            <a:endParaRPr lang="en-SG" sz="2400" dirty="0"/>
+          </a:p>
+          <a:p>
+            <a:r>
+              <a:rPr lang="en-SG" sz="2400" dirty="0"/>
+              <a:t>The busiest stations = more reach </a:t>
+            </a:r>
+          </a:p>
+          <a:p>
+            <a:r>
+              <a:rPr lang="en-SG" sz="2400" dirty="0"/>
+              <a:t>Turnstile activities = traffic volume</a:t>
             </a:r>
           </a:p>
         </p:txBody>
@@ -6451,7 +6402,7 @@
     </p:spTree>
     <p:extLst>
       <p:ext uri="{BB962C8B-B14F-4D97-AF65-F5344CB8AC3E}">
-        <p14:creationId xmlns:p14="http://schemas.microsoft.com/office/powerpoint/2010/main" val="892648283"/>
+        <p14:creationId xmlns:p14="http://schemas.microsoft.com/office/powerpoint/2010/main" val="2124047865"/>
       </p:ext>
     </p:extLst>
   </p:cSld>
@@ -6483,7 +6434,7 @@
           <p:cNvPr id="2" name="Title 1">
             <a:extLst>
               <a:ext uri="{FF2B5EF4-FFF2-40B4-BE49-F238E27FC236}">
-                <a16:creationId xmlns:a16="http://schemas.microsoft.com/office/drawing/2014/main" id="{025FB699-DDAB-4BFB-A1DD-6DF9B428F4C7}"/>
+                <a16:creationId xmlns:a16="http://schemas.microsoft.com/office/drawing/2014/main" id="{5DFE5440-A6ED-4D72-8231-C6057589E7F6}"/>
               </a:ext>
             </a:extLst>
           </p:cNvPr>
@@ -6501,7 +6452,7 @@
           <a:p>
             <a:r>
               <a:rPr lang="en-US" dirty="0"/>
-              <a:t>Project goals</a:t>
+              <a:t>Data processed</a:t>
             </a:r>
             <a:endParaRPr lang="en-SG" dirty="0"/>
           </a:p>
@@ -6512,7 +6463,7 @@
           <p:cNvPr id="3" name="Content Placeholder 2">
             <a:extLst>
               <a:ext uri="{FF2B5EF4-FFF2-40B4-BE49-F238E27FC236}">
-                <a16:creationId xmlns:a16="http://schemas.microsoft.com/office/drawing/2014/main" id="{51A0DBE7-1F2E-4360-AC1F-E1972161E363}"/>
+                <a16:creationId xmlns:a16="http://schemas.microsoft.com/office/drawing/2014/main" id="{002E72F0-D31B-4B42-9BA5-73D0C6A3A657}"/>
               </a:ext>
             </a:extLst>
           </p:cNvPr>
@@ -6525,8 +6476,8 @@
         </p:nvSpPr>
         <p:spPr>
           <a:xfrm>
-            <a:off x="1103312" y="1300294"/>
-            <a:ext cx="8946541" cy="4948105"/>
+            <a:off x="1103312" y="1510018"/>
+            <a:ext cx="8946541" cy="4738381"/>
           </a:xfrm>
         </p:spPr>
         <p:txBody>
@@ -6537,40 +6488,19 @@
           <a:p>
             <a:r>
               <a:rPr lang="en-SG" sz="2400" dirty="0"/>
-              <a:t>To identifying stations with high traffic and </a:t>
-            </a:r>
-            <a:r>
-              <a:rPr lang="en-SG" sz="2400" dirty="0" err="1"/>
-              <a:t>favorable</a:t>
-            </a:r>
+              <a:t>MTA subway data from data.ny.gov</a:t>
+            </a:r>
+          </a:p>
+          <a:p>
             <a:r>
               <a:rPr lang="en-SG" sz="2400" dirty="0"/>
-              <a:t> demographics</a:t>
-            </a:r>
-          </a:p>
-          <a:p>
-            <a:endParaRPr lang="en-SG" sz="2400" dirty="0"/>
-          </a:p>
-          <a:p>
-            <a:pPr marL="0" indent="0">
-              <a:buNone/>
-            </a:pPr>
-            <a:r>
-              <a:rPr lang="en-SG" sz="2800" dirty="0"/>
-              <a:t>Assumptions:</a:t>
-            </a:r>
-            <a:endParaRPr lang="en-SG" sz="2400" dirty="0"/>
+              <a:t>Demographic data from U.S. Census Bureau </a:t>
+            </a:r>
           </a:p>
           <a:p>
             <a:r>
               <a:rPr lang="en-SG" sz="2400" dirty="0"/>
-              <a:t>The busiest stations will provide more reach (potential signatures)</a:t>
-            </a:r>
-          </a:p>
-          <a:p>
-            <a:r>
-              <a:rPr lang="en-SG" sz="2400" dirty="0"/>
-              <a:t>Turnstile entrance and exit data is representative of traffic volume in each station</a:t>
+              <a:t>Mapping New York City Census Data on Kaggle.com</a:t>
             </a:r>
           </a:p>
         </p:txBody>
@@ -6578,7 +6508,7 @@
     </p:spTree>
     <p:extLst>
       <p:ext uri="{BB962C8B-B14F-4D97-AF65-F5344CB8AC3E}">
-        <p14:creationId xmlns:p14="http://schemas.microsoft.com/office/powerpoint/2010/main" val="2124047865"/>
+        <p14:creationId xmlns:p14="http://schemas.microsoft.com/office/powerpoint/2010/main" val="1107901152"/>
       </p:ext>
     </p:extLst>
   </p:cSld>
@@ -6610,7 +6540,7 @@
           <p:cNvPr id="2" name="Title 1">
             <a:extLst>
               <a:ext uri="{FF2B5EF4-FFF2-40B4-BE49-F238E27FC236}">
-                <a16:creationId xmlns:a16="http://schemas.microsoft.com/office/drawing/2014/main" id="{5DFE5440-A6ED-4D72-8231-C6057589E7F6}"/>
+                <a16:creationId xmlns:a16="http://schemas.microsoft.com/office/drawing/2014/main" id="{8BAAC7A6-57DA-489D-A467-D28AE49D7A8C}"/>
               </a:ext>
             </a:extLst>
           </p:cNvPr>
@@ -6628,7 +6558,7 @@
           <a:p>
             <a:r>
               <a:rPr lang="en-US" dirty="0"/>
-              <a:t>Approach</a:t>
+              <a:t>Areas explored</a:t>
             </a:r>
             <a:endParaRPr lang="en-SG" dirty="0"/>
           </a:p>
@@ -6639,7 +6569,7 @@
           <p:cNvPr id="3" name="Content Placeholder 2">
             <a:extLst>
               <a:ext uri="{FF2B5EF4-FFF2-40B4-BE49-F238E27FC236}">
-                <a16:creationId xmlns:a16="http://schemas.microsoft.com/office/drawing/2014/main" id="{002E72F0-D31B-4B42-9BA5-73D0C6A3A657}"/>
+                <a16:creationId xmlns:a16="http://schemas.microsoft.com/office/drawing/2014/main" id="{293FCE9B-C27D-4872-8320-609F4718D3AB}"/>
               </a:ext>
             </a:extLst>
           </p:cNvPr>
@@ -6650,90 +6580,27 @@
             <p:ph idx="1"/>
           </p:nvPr>
         </p:nvSpPr>
-        <p:spPr>
-          <a:xfrm>
-            <a:off x="1103312" y="1283516"/>
-            <a:ext cx="8946541" cy="4964883"/>
-          </a:xfrm>
-        </p:spPr>
+        <p:spPr/>
         <p:txBody>
           <a:bodyPr>
-            <a:normAutofit fontScale="92500" lnSpcReduction="10000"/>
+            <a:normAutofit/>
           </a:bodyPr>
           <a:lstStyle/>
           <a:p>
             <a:r>
               <a:rPr lang="en-SG" sz="2400" dirty="0"/>
-              <a:t>Import data, </a:t>
-            </a:r>
-          </a:p>
-          <a:p>
-            <a:r>
-              <a:rPr lang="en-SG" sz="2400" dirty="0"/>
-              <a:t>clean data </a:t>
-            </a:r>
-          </a:p>
-          <a:p>
-            <a:r>
-              <a:rPr lang="en-SG" sz="2400" dirty="0"/>
-              <a:t>group data</a:t>
-            </a:r>
-          </a:p>
-          <a:p>
-            <a:r>
-              <a:rPr lang="en-SG" sz="2400" dirty="0"/>
-              <a:t>finalise summary statistics</a:t>
-            </a:r>
-          </a:p>
-          <a:p>
-            <a:r>
-              <a:rPr lang="en-SG" sz="2400" dirty="0"/>
-              <a:t>plot final statistical results</a:t>
+              <a:t>Traffic volume by station</a:t>
             </a:r>
           </a:p>
           <a:p>
             <a:endParaRPr lang="en-SG" sz="2400" dirty="0"/>
-          </a:p>
-          <a:p>
-            <a:pPr marL="0" indent="0">
-              <a:buNone/>
-            </a:pPr>
-            <a:r>
-              <a:rPr lang="en-SG" sz="3000" dirty="0"/>
-              <a:t>Data available:</a:t>
-            </a:r>
-            <a:endParaRPr lang="en-SG" sz="2400" dirty="0"/>
-          </a:p>
-          <a:p>
-            <a:r>
-              <a:rPr lang="en-SG" sz="2400" dirty="0"/>
-              <a:t>MTA subway data from data.ny.gov</a:t>
-            </a:r>
-          </a:p>
-          <a:p>
-            <a:r>
-              <a:rPr lang="en-SG" sz="2400" dirty="0"/>
-              <a:t>Demographic data from U.S. Census Bureau </a:t>
-            </a:r>
-          </a:p>
-          <a:p>
-            <a:r>
-              <a:rPr lang="en-SG" sz="2400" dirty="0"/>
-              <a:t>Mapping New York City Census Data on Kaggle.com</a:t>
-            </a:r>
-          </a:p>
-          <a:p>
-            <a:r>
-              <a:rPr lang="en-SG" sz="2400" dirty="0"/>
-              <a:t>tourist data? only locals are relevant</a:t>
-            </a:r>
           </a:p>
         </p:txBody>
       </p:sp>
     </p:spTree>
     <p:extLst>
       <p:ext uri="{BB962C8B-B14F-4D97-AF65-F5344CB8AC3E}">
-        <p14:creationId xmlns:p14="http://schemas.microsoft.com/office/powerpoint/2010/main" val="1107901152"/>
+        <p14:creationId xmlns:p14="http://schemas.microsoft.com/office/powerpoint/2010/main" val="2040795128"/>
       </p:ext>
     </p:extLst>
   </p:cSld>
@@ -6814,31 +6681,7 @@
           <a:p>
             <a:r>
               <a:rPr lang="en-SG" sz="2400" dirty="0"/>
-              <a:t>Traffic volume by station</a:t>
-            </a:r>
-          </a:p>
-          <a:p>
-            <a:r>
-              <a:rPr lang="en-SG" sz="2400" dirty="0"/>
-              <a:t>Traffic volume by time (morning/lunch/afternoon/evening)</a:t>
-            </a:r>
-          </a:p>
-          <a:p>
-            <a:r>
-              <a:rPr lang="en-SG" sz="2400" dirty="0"/>
               <a:t>weekly patterns of ridership (weekday/weekend) - weekly dip on the weekends</a:t>
-            </a:r>
-          </a:p>
-          <a:p>
-            <a:r>
-              <a:rPr lang="en-SG" sz="2400" dirty="0"/>
-              <a:t>Geographic &amp; demographic information about areas around stations </a:t>
-            </a:r>
-          </a:p>
-          <a:p>
-            <a:r>
-              <a:rPr lang="en-SG" sz="2400" dirty="0"/>
-              <a:t>profiles of those most likely to contribute</a:t>
             </a:r>
           </a:p>
         </p:txBody>
@@ -6846,7 +6689,7 @@
     </p:spTree>
     <p:extLst>
       <p:ext uri="{BB962C8B-B14F-4D97-AF65-F5344CB8AC3E}">
-        <p14:creationId xmlns:p14="http://schemas.microsoft.com/office/powerpoint/2010/main" val="2040795128"/>
+        <p14:creationId xmlns:p14="http://schemas.microsoft.com/office/powerpoint/2010/main" val="3948009706"/>
       </p:ext>
     </p:extLst>
   </p:cSld>
@@ -6878,7 +6721,7 @@
           <p:cNvPr id="2" name="Title 1">
             <a:extLst>
               <a:ext uri="{FF2B5EF4-FFF2-40B4-BE49-F238E27FC236}">
-                <a16:creationId xmlns:a16="http://schemas.microsoft.com/office/drawing/2014/main" id="{DF8F9451-74E0-4DF3-99CC-EE32E248C9BB}"/>
+                <a16:creationId xmlns:a16="http://schemas.microsoft.com/office/drawing/2014/main" id="{8BAAC7A6-57DA-489D-A467-D28AE49D7A8C}"/>
               </a:ext>
             </a:extLst>
           </p:cNvPr>
@@ -6896,7 +6739,7 @@
           <a:p>
             <a:r>
               <a:rPr lang="en-US" dirty="0"/>
-              <a:t>Results</a:t>
+              <a:t>Areas explored</a:t>
             </a:r>
             <a:endParaRPr lang="en-SG" dirty="0"/>
           </a:p>
@@ -6907,7 +6750,7 @@
           <p:cNvPr id="3" name="Content Placeholder 2">
             <a:extLst>
               <a:ext uri="{FF2B5EF4-FFF2-40B4-BE49-F238E27FC236}">
-                <a16:creationId xmlns:a16="http://schemas.microsoft.com/office/drawing/2014/main" id="{470B84C3-8A2D-4DF3-A4E6-BF16D8207E67}"/>
+                <a16:creationId xmlns:a16="http://schemas.microsoft.com/office/drawing/2014/main" id="{293FCE9B-C27D-4872-8320-609F4718D3AB}"/>
               </a:ext>
             </a:extLst>
           </p:cNvPr>
@@ -6918,12 +6761,7 @@
             <p:ph idx="1"/>
           </p:nvPr>
         </p:nvSpPr>
-        <p:spPr>
-          <a:xfrm>
-            <a:off x="1103312" y="1266738"/>
-            <a:ext cx="8946541" cy="4981661"/>
-          </a:xfrm>
-        </p:spPr>
+        <p:spPr/>
         <p:txBody>
           <a:bodyPr>
             <a:normAutofit/>
@@ -6932,87 +6770,15 @@
           <a:p>
             <a:r>
               <a:rPr lang="en-SG" sz="2400" dirty="0"/>
-              <a:t>Top 5 busiest station</a:t>
-            </a:r>
-          </a:p>
-          <a:p>
-            <a:pPr marL="457200" lvl="1" indent="0">
-              <a:buNone/>
-            </a:pPr>
-            <a:r>
-              <a:rPr lang="en-SG" sz="2000" dirty="0"/>
-              <a:t>1. Penn Station</a:t>
-            </a:r>
-            <a:br>
-              <a:rPr lang="en-SG" sz="2000" dirty="0"/>
-            </a:br>
-            <a:r>
-              <a:rPr lang="en-SG" sz="2000" dirty="0"/>
-              <a:t>2. 23rd Street</a:t>
-            </a:r>
-            <a:br>
-              <a:rPr lang="en-SG" sz="2000" dirty="0"/>
-            </a:br>
-            <a:r>
-              <a:rPr lang="en-SG" sz="2000" dirty="0"/>
-              <a:t>3. Herald Square</a:t>
-            </a:r>
-            <a:br>
-              <a:rPr lang="en-SG" sz="2000" dirty="0"/>
-            </a:br>
-            <a:r>
-              <a:rPr lang="en-SG" sz="2000" dirty="0"/>
-              <a:t>4. Times Square</a:t>
-            </a:r>
-            <a:br>
-              <a:rPr lang="en-SG" sz="2000" dirty="0"/>
-            </a:br>
-            <a:r>
-              <a:rPr lang="en-SG" sz="2000" dirty="0"/>
-              <a:t>5. Grand Central</a:t>
-            </a:r>
-          </a:p>
-          <a:p>
-            <a:r>
-              <a:rPr lang="en-SG" sz="2400" dirty="0"/>
-              <a:t>Peak traffic day (weekday)</a:t>
-            </a:r>
-          </a:p>
-          <a:p>
-            <a:r>
-              <a:rPr lang="en-SG" sz="2400" dirty="0"/>
-              <a:t>Peak traffic time (rush hours, lunch, evening)</a:t>
-            </a:r>
-          </a:p>
-          <a:p>
-            <a:r>
-              <a:rPr lang="en-SG" sz="2400" dirty="0"/>
-              <a:t>Demographics by gender</a:t>
-            </a:r>
-          </a:p>
-          <a:p>
-            <a:r>
-              <a:rPr lang="en-SG" sz="2400" dirty="0"/>
-              <a:t>Demographics by income (confirm that demographics were </a:t>
-            </a:r>
-            <a:r>
-              <a:rPr lang="en-SG" sz="2400" dirty="0" err="1"/>
-              <a:t>favorable</a:t>
-            </a:r>
-            <a:r>
-              <a:rPr lang="en-SG" sz="2400" dirty="0"/>
-              <a:t> for each station)</a:t>
-            </a:r>
-          </a:p>
-          <a:p>
-            <a:endParaRPr lang="en-SG" sz="2400" dirty="0"/>
+              <a:t>Traffic volume by time (morning/lunch/afternoon/evening)</a:t>
+            </a:r>
           </a:p>
         </p:txBody>
       </p:sp>
     </p:spTree>
     <p:extLst>
       <p:ext uri="{BB962C8B-B14F-4D97-AF65-F5344CB8AC3E}">
-        <p14:creationId xmlns:p14="http://schemas.microsoft.com/office/powerpoint/2010/main" val="1559373475"/>
+        <p14:creationId xmlns:p14="http://schemas.microsoft.com/office/powerpoint/2010/main" val="423824939"/>
       </p:ext>
     </p:extLst>
   </p:cSld>
@@ -7044,7 +6810,7 @@
           <p:cNvPr id="2" name="Title 1">
             <a:extLst>
               <a:ext uri="{FF2B5EF4-FFF2-40B4-BE49-F238E27FC236}">
-                <a16:creationId xmlns:a16="http://schemas.microsoft.com/office/drawing/2014/main" id="{80BAC244-E4EC-4EA2-B6C9-46A4F5798A9A}"/>
+                <a16:creationId xmlns:a16="http://schemas.microsoft.com/office/drawing/2014/main" id="{8BAAC7A6-57DA-489D-A467-D28AE49D7A8C}"/>
               </a:ext>
             </a:extLst>
           </p:cNvPr>
@@ -7062,7 +6828,7 @@
           <a:p>
             <a:r>
               <a:rPr lang="en-US" dirty="0"/>
-              <a:t>Conclusion</a:t>
+              <a:t>Areas explored</a:t>
             </a:r>
             <a:endParaRPr lang="en-SG" dirty="0"/>
           </a:p>
@@ -7073,7 +6839,7 @@
           <p:cNvPr id="3" name="Content Placeholder 2">
             <a:extLst>
               <a:ext uri="{FF2B5EF4-FFF2-40B4-BE49-F238E27FC236}">
-                <a16:creationId xmlns:a16="http://schemas.microsoft.com/office/drawing/2014/main" id="{3E0AB762-B5BB-4ADF-A25C-F49C88A1DE3F}"/>
+                <a16:creationId xmlns:a16="http://schemas.microsoft.com/office/drawing/2014/main" id="{293FCE9B-C27D-4872-8320-609F4718D3AB}"/>
               </a:ext>
             </a:extLst>
           </p:cNvPr>
@@ -7087,77 +6853,13 @@
         <p:spPr/>
         <p:txBody>
           <a:bodyPr>
-            <a:normAutofit fontScale="92500" lnSpcReduction="10000"/>
+            <a:normAutofit/>
           </a:bodyPr>
           <a:lstStyle/>
           <a:p>
-            <a:pPr marL="0" indent="0">
-              <a:buNone/>
-            </a:pPr>
-            <a:r>
-              <a:rPr lang="en-SG" sz="2800" dirty="0"/>
-              <a:t>Time</a:t>
-            </a:r>
-            <a:endParaRPr lang="en-SG" sz="2400" dirty="0"/>
-          </a:p>
-          <a:p>
             <a:r>
               <a:rPr lang="en-SG" sz="2400" dirty="0"/>
-              <a:t>evening hours preferred</a:t>
-            </a:r>
-          </a:p>
-          <a:p>
-            <a:r>
-              <a:rPr lang="en-SG" sz="2400" dirty="0"/>
-              <a:t>people rush to work in the morning</a:t>
-            </a:r>
-          </a:p>
-          <a:p>
-            <a:endParaRPr lang="en-SG" sz="2400" dirty="0"/>
-          </a:p>
-          <a:p>
-            <a:pPr marL="0" indent="0">
-              <a:buNone/>
-            </a:pPr>
-            <a:r>
-              <a:rPr lang="en-SG" sz="2800" dirty="0"/>
-              <a:t>Place</a:t>
-            </a:r>
-            <a:endParaRPr lang="en-SG" sz="2400" dirty="0"/>
-          </a:p>
-          <a:p>
-            <a:pPr marL="0" indent="0">
-              <a:buNone/>
-            </a:pPr>
-            <a:r>
-              <a:rPr lang="en-SG" sz="2400" dirty="0"/>
-              <a:t>Top 5 stations identified</a:t>
-            </a:r>
-          </a:p>
-          <a:p>
-            <a:r>
-              <a:rPr lang="en-SG" sz="2400" dirty="0"/>
-              <a:t>high female population: majority (&gt;50%) female population</a:t>
-            </a:r>
-          </a:p>
-          <a:p>
-            <a:r>
-              <a:rPr lang="en-SG" sz="2400" dirty="0"/>
-              <a:t>high income </a:t>
-            </a:r>
-            <a:r>
-              <a:rPr lang="en-SG" sz="2400" dirty="0" err="1"/>
-              <a:t>residenial</a:t>
-            </a:r>
-            <a:r>
-              <a:rPr lang="en-SG" sz="2400" dirty="0"/>
-              <a:t> area</a:t>
-            </a:r>
-          </a:p>
-          <a:p>
-            <a:r>
-              <a:rPr lang="en-SG" sz="2400" dirty="0"/>
-              <a:t>high traffic flow in &amp; out of station</a:t>
+              <a:t>Geographic &amp; demographic information about areas around stations to gather profiles of those most likely to contribute</a:t>
             </a:r>
           </a:p>
         </p:txBody>
@@ -7165,7 +6867,7 @@
     </p:spTree>
     <p:extLst>
       <p:ext uri="{BB962C8B-B14F-4D97-AF65-F5344CB8AC3E}">
-        <p14:creationId xmlns:p14="http://schemas.microsoft.com/office/powerpoint/2010/main" val="3534613728"/>
+        <p14:creationId xmlns:p14="http://schemas.microsoft.com/office/powerpoint/2010/main" val="674561551"/>
       </p:ext>
     </p:extLst>
   </p:cSld>
@@ -7197,7 +6899,7 @@
           <p:cNvPr id="2" name="Title 1">
             <a:extLst>
               <a:ext uri="{FF2B5EF4-FFF2-40B4-BE49-F238E27FC236}">
-                <a16:creationId xmlns:a16="http://schemas.microsoft.com/office/drawing/2014/main" id="{D6DF9255-77C0-4CE4-8381-A1F6CDB455DF}"/>
+                <a16:creationId xmlns:a16="http://schemas.microsoft.com/office/drawing/2014/main" id="{DF8F9451-74E0-4DF3-99CC-EE32E248C9BB}"/>
               </a:ext>
             </a:extLst>
           </p:cNvPr>
@@ -7215,7 +6917,7 @@
           <a:p>
             <a:r>
               <a:rPr lang="en-US" dirty="0"/>
-              <a:t>Next Steps</a:t>
+              <a:t>Results</a:t>
             </a:r>
             <a:endParaRPr lang="en-SG" dirty="0"/>
           </a:p>
@@ -7226,7 +6928,7 @@
           <p:cNvPr id="3" name="Content Placeholder 2">
             <a:extLst>
               <a:ext uri="{FF2B5EF4-FFF2-40B4-BE49-F238E27FC236}">
-                <a16:creationId xmlns:a16="http://schemas.microsoft.com/office/drawing/2014/main" id="{A00A855A-9451-488B-BE27-74C47B39724B}"/>
+                <a16:creationId xmlns:a16="http://schemas.microsoft.com/office/drawing/2014/main" id="{470B84C3-8A2D-4DF3-A4E6-BF16D8207E67}"/>
               </a:ext>
             </a:extLst>
           </p:cNvPr>
@@ -7237,7 +6939,12 @@
             <p:ph idx="1"/>
           </p:nvPr>
         </p:nvSpPr>
-        <p:spPr/>
+        <p:spPr>
+          <a:xfrm>
+            <a:off x="1103312" y="1266738"/>
+            <a:ext cx="8946541" cy="4981661"/>
+          </a:xfrm>
+        </p:spPr>
         <p:txBody>
           <a:bodyPr>
             <a:normAutofit/>
@@ -7246,21 +6953,240 @@
           <a:p>
             <a:r>
               <a:rPr lang="en-SG" sz="2400" dirty="0"/>
-              <a:t>Tourist data?</a:t>
+              <a:t>Top 5 busiest station</a:t>
+            </a:r>
+          </a:p>
+          <a:p>
+            <a:pPr marL="457200" lvl="1" indent="0">
+              <a:buNone/>
+            </a:pPr>
+            <a:r>
+              <a:rPr lang="en-SG" sz="2000" dirty="0"/>
+              <a:t>1. Penn Station</a:t>
+            </a:r>
+            <a:br>
+              <a:rPr lang="en-SG" sz="2000" dirty="0"/>
+            </a:br>
+            <a:r>
+              <a:rPr lang="en-SG" sz="2000" dirty="0"/>
+              <a:t>2. 23rd Street</a:t>
+            </a:r>
+            <a:br>
+              <a:rPr lang="en-SG" sz="2000" dirty="0"/>
+            </a:br>
+            <a:r>
+              <a:rPr lang="en-SG" sz="2000" dirty="0"/>
+              <a:t>3. Herald Square</a:t>
+            </a:r>
+            <a:br>
+              <a:rPr lang="en-SG" sz="2000" dirty="0"/>
+            </a:br>
+            <a:r>
+              <a:rPr lang="en-SG" sz="2000" dirty="0"/>
+              <a:t>4. Times Square</a:t>
+            </a:r>
+            <a:br>
+              <a:rPr lang="en-SG" sz="2000" dirty="0"/>
+            </a:br>
+            <a:r>
+              <a:rPr lang="en-SG" sz="2000" dirty="0"/>
+              <a:t>5. Grand Central</a:t>
             </a:r>
           </a:p>
           <a:p>
             <a:r>
               <a:rPr lang="en-SG" sz="2400" dirty="0"/>
-              <a:t>An efficient process that deploys teams and collects signature results in real time</a:t>
-            </a:r>
+              <a:t>Peak traffic day (Wednesday)</a:t>
+            </a:r>
+          </a:p>
+          <a:p>
+            <a:r>
+              <a:rPr lang="en-SG" sz="2400" dirty="0"/>
+              <a:t>Peak traffic time (rush hours, lunch, evening)</a:t>
+            </a:r>
+          </a:p>
+          <a:p>
+            <a:r>
+              <a:rPr lang="en-SG" sz="2400" dirty="0"/>
+              <a:t>Demographics by gender</a:t>
+            </a:r>
+          </a:p>
+          <a:p>
+            <a:r>
+              <a:rPr lang="en-SG" sz="2400" dirty="0"/>
+              <a:t>Demographics by income (confirm that demographics were </a:t>
+            </a:r>
+            <a:r>
+              <a:rPr lang="en-SG" sz="2400" dirty="0" err="1"/>
+              <a:t>favorable</a:t>
+            </a:r>
+            <a:r>
+              <a:rPr lang="en-SG" sz="2400" dirty="0"/>
+              <a:t> for each station)</a:t>
+            </a:r>
+          </a:p>
+          <a:p>
+            <a:endParaRPr lang="en-SG" sz="2400" dirty="0"/>
           </a:p>
         </p:txBody>
       </p:sp>
     </p:spTree>
     <p:extLst>
       <p:ext uri="{BB962C8B-B14F-4D97-AF65-F5344CB8AC3E}">
-        <p14:creationId xmlns:p14="http://schemas.microsoft.com/office/powerpoint/2010/main" val="1025635242"/>
+        <p14:creationId xmlns:p14="http://schemas.microsoft.com/office/powerpoint/2010/main" val="1559373475"/>
+      </p:ext>
+    </p:extLst>
+  </p:cSld>
+  <p:clrMapOvr>
+    <a:masterClrMapping/>
+  </p:clrMapOvr>
+</p:sld>
+</file>
+
+<file path=ppt/slides/slide9.xml><?xml version="1.0" encoding="utf-8"?>
+<p:sld xmlns:a="http://schemas.openxmlformats.org/drawingml/2006/main" xmlns:r="http://schemas.openxmlformats.org/officeDocument/2006/relationships" xmlns:p="http://schemas.openxmlformats.org/presentationml/2006/main">
+  <p:cSld>
+    <p:spTree>
+      <p:nvGrpSpPr>
+        <p:cNvPr id="1" name=""/>
+        <p:cNvGrpSpPr/>
+        <p:nvPr/>
+      </p:nvGrpSpPr>
+      <p:grpSpPr>
+        <a:xfrm>
+          <a:off x="0" y="0"/>
+          <a:ext cx="0" cy="0"/>
+          <a:chOff x="0" y="0"/>
+          <a:chExt cx="0" cy="0"/>
+        </a:xfrm>
+      </p:grpSpPr>
+      <p:sp>
+        <p:nvSpPr>
+          <p:cNvPr id="2" name="Title 1">
+            <a:extLst>
+              <a:ext uri="{FF2B5EF4-FFF2-40B4-BE49-F238E27FC236}">
+                <a16:creationId xmlns:a16="http://schemas.microsoft.com/office/drawing/2014/main" id="{80BAC244-E4EC-4EA2-B6C9-46A4F5798A9A}"/>
+              </a:ext>
+            </a:extLst>
+          </p:cNvPr>
+          <p:cNvSpPr>
+            <a:spLocks noGrp="1"/>
+          </p:cNvSpPr>
+          <p:nvPr>
+            <p:ph type="title"/>
+          </p:nvPr>
+        </p:nvSpPr>
+        <p:spPr/>
+        <p:txBody>
+          <a:bodyPr/>
+          <a:lstStyle/>
+          <a:p>
+            <a:r>
+              <a:rPr lang="en-US" dirty="0"/>
+              <a:t>Recommendation</a:t>
+            </a:r>
+            <a:endParaRPr lang="en-SG" dirty="0"/>
+          </a:p>
+        </p:txBody>
+      </p:sp>
+      <p:sp>
+        <p:nvSpPr>
+          <p:cNvPr id="3" name="Content Placeholder 2">
+            <a:extLst>
+              <a:ext uri="{FF2B5EF4-FFF2-40B4-BE49-F238E27FC236}">
+                <a16:creationId xmlns:a16="http://schemas.microsoft.com/office/drawing/2014/main" id="{3E0AB762-B5BB-4ADF-A25C-F49C88A1DE3F}"/>
+              </a:ext>
+            </a:extLst>
+          </p:cNvPr>
+          <p:cNvSpPr>
+            <a:spLocks noGrp="1"/>
+          </p:cNvSpPr>
+          <p:nvPr>
+            <p:ph idx="1"/>
+          </p:nvPr>
+        </p:nvSpPr>
+        <p:spPr/>
+        <p:txBody>
+          <a:bodyPr>
+            <a:normAutofit fontScale="92500" lnSpcReduction="10000"/>
+          </a:bodyPr>
+          <a:lstStyle/>
+          <a:p>
+            <a:pPr marL="0" indent="0">
+              <a:buNone/>
+            </a:pPr>
+            <a:r>
+              <a:rPr lang="en-SG" sz="2800" dirty="0"/>
+              <a:t>Time</a:t>
+            </a:r>
+            <a:endParaRPr lang="en-SG" sz="2400" dirty="0"/>
+          </a:p>
+          <a:p>
+            <a:r>
+              <a:rPr lang="en-SG" sz="2400" dirty="0"/>
+              <a:t>evening hours preferred</a:t>
+            </a:r>
+          </a:p>
+          <a:p>
+            <a:r>
+              <a:rPr lang="en-SG" sz="2400" dirty="0"/>
+              <a:t>people rush to work in the morning</a:t>
+            </a:r>
+          </a:p>
+          <a:p>
+            <a:endParaRPr lang="en-SG" sz="2400" dirty="0"/>
+          </a:p>
+          <a:p>
+            <a:pPr marL="0" indent="0">
+              <a:buNone/>
+            </a:pPr>
+            <a:r>
+              <a:rPr lang="en-SG" sz="2800" dirty="0"/>
+              <a:t>Place</a:t>
+            </a:r>
+            <a:endParaRPr lang="en-SG" sz="2400" dirty="0"/>
+          </a:p>
+          <a:p>
+            <a:pPr marL="0" indent="0">
+              <a:buNone/>
+            </a:pPr>
+            <a:r>
+              <a:rPr lang="en-SG" sz="2400" dirty="0"/>
+              <a:t>Top 5 stations identified</a:t>
+            </a:r>
+          </a:p>
+          <a:p>
+            <a:r>
+              <a:rPr lang="en-SG" sz="2400" dirty="0"/>
+              <a:t>high female population: majority (&gt;50%) female population</a:t>
+            </a:r>
+          </a:p>
+          <a:p>
+            <a:r>
+              <a:rPr lang="en-SG" sz="2400" dirty="0"/>
+              <a:t>high income </a:t>
+            </a:r>
+            <a:r>
+              <a:rPr lang="en-SG" sz="2400" dirty="0" err="1"/>
+              <a:t>residenial</a:t>
+            </a:r>
+            <a:r>
+              <a:rPr lang="en-SG" sz="2400" dirty="0"/>
+              <a:t> area</a:t>
+            </a:r>
+          </a:p>
+          <a:p>
+            <a:r>
+              <a:rPr lang="en-SG" sz="2400" dirty="0"/>
+              <a:t>high traffic flow in &amp; out of station</a:t>
+            </a:r>
+          </a:p>
+        </p:txBody>
+      </p:sp>
+    </p:spTree>
+    <p:extLst>
+      <p:ext uri="{BB962C8B-B14F-4D97-AF65-F5344CB8AC3E}">
+        <p14:creationId xmlns:p14="http://schemas.microsoft.com/office/powerpoint/2010/main" val="3534613728"/>
       </p:ext>
     </p:extLst>
   </p:cSld>

--- a/OptimizeStreetTeamDeployment.pptx
+++ b/OptimizeStreetTeamDeployment.pptx
@@ -12,11 +12,12 @@
     <p:sldId id="266" r:id="rId6"/>
     <p:sldId id="267" r:id="rId7"/>
     <p:sldId id="268" r:id="rId8"/>
-    <p:sldId id="261" r:id="rId9"/>
-    <p:sldId id="262" r:id="rId10"/>
-    <p:sldId id="263" r:id="rId11"/>
-    <p:sldId id="264" r:id="rId12"/>
-    <p:sldId id="265" r:id="rId13"/>
+    <p:sldId id="269" r:id="rId9"/>
+    <p:sldId id="261" r:id="rId10"/>
+    <p:sldId id="262" r:id="rId11"/>
+    <p:sldId id="263" r:id="rId12"/>
+    <p:sldId id="264" r:id="rId13"/>
+    <p:sldId id="265" r:id="rId14"/>
   </p:sldIdLst>
   <p:sldSz cx="12192000" cy="6858000"/>
   <p:notesSz cx="6858000" cy="9144000"/>
@@ -6027,7 +6028,7 @@
           <p:cNvPr id="2" name="Title 1">
             <a:extLst>
               <a:ext uri="{FF2B5EF4-FFF2-40B4-BE49-F238E27FC236}">
-                <a16:creationId xmlns:a16="http://schemas.microsoft.com/office/drawing/2014/main" id="{D6DF9255-77C0-4CE4-8381-A1F6CDB455DF}"/>
+                <a16:creationId xmlns:a16="http://schemas.microsoft.com/office/drawing/2014/main" id="{80BAC244-E4EC-4EA2-B6C9-46A4F5798A9A}"/>
               </a:ext>
             </a:extLst>
           </p:cNvPr>
@@ -6045,7 +6046,7 @@
           <a:p>
             <a:r>
               <a:rPr lang="en-US" dirty="0"/>
-              <a:t>Next Steps</a:t>
+              <a:t>Recommendation</a:t>
             </a:r>
             <a:endParaRPr lang="en-SG" dirty="0"/>
           </a:p>
@@ -6056,7 +6057,7 @@
           <p:cNvPr id="3" name="Content Placeholder 2">
             <a:extLst>
               <a:ext uri="{FF2B5EF4-FFF2-40B4-BE49-F238E27FC236}">
-                <a16:creationId xmlns:a16="http://schemas.microsoft.com/office/drawing/2014/main" id="{A00A855A-9451-488B-BE27-74C47B39724B}"/>
+                <a16:creationId xmlns:a16="http://schemas.microsoft.com/office/drawing/2014/main" id="{3E0AB762-B5BB-4ADF-A25C-F49C88A1DE3F}"/>
               </a:ext>
             </a:extLst>
           </p:cNvPr>
@@ -6070,45 +6071,85 @@
         <p:spPr/>
         <p:txBody>
           <a:bodyPr>
-            <a:normAutofit/>
+            <a:normAutofit fontScale="92500" lnSpcReduction="10000"/>
           </a:bodyPr>
           <a:lstStyle/>
           <a:p>
+            <a:pPr marL="0" indent="0">
+              <a:buNone/>
+            </a:pPr>
+            <a:r>
+              <a:rPr lang="en-SG" sz="2800" dirty="0"/>
+              <a:t>Time</a:t>
+            </a:r>
+            <a:endParaRPr lang="en-SG" sz="2400" dirty="0"/>
+          </a:p>
+          <a:p>
             <a:r>
               <a:rPr lang="en-SG" sz="2400" dirty="0"/>
-              <a:t>Tourist data?</a:t>
+              <a:t>evening hours preferred</a:t>
             </a:r>
           </a:p>
           <a:p>
             <a:r>
               <a:rPr lang="en-SG" sz="2400" dirty="0"/>
-              <a:t>More yearly data needed to recommend monthly seasonality</a:t>
-            </a:r>
-          </a:p>
-          <a:p>
+              <a:t>people rush to work in the morning</a:t>
+            </a:r>
+          </a:p>
+          <a:p>
+            <a:endParaRPr lang="en-SG" sz="2400" dirty="0"/>
+          </a:p>
+          <a:p>
+            <a:pPr marL="0" indent="0">
+              <a:buNone/>
+            </a:pPr>
+            <a:r>
+              <a:rPr lang="en-SG" sz="2800" dirty="0"/>
+              <a:t>Place</a:t>
+            </a:r>
+            <a:endParaRPr lang="en-SG" sz="2400" dirty="0"/>
+          </a:p>
+          <a:p>
+            <a:pPr marL="0" indent="0">
+              <a:buNone/>
+            </a:pPr>
             <a:r>
               <a:rPr lang="en-SG" sz="2400" dirty="0"/>
-              <a:t>An efficient process that deploys teams and collects signature results in real time</a:t>
-            </a:r>
-          </a:p>
-          <a:p>
-            <a:endParaRPr lang="en-SG" sz="2400" dirty="0"/>
+              <a:t>Top 5 stations identified</a:t>
+            </a:r>
           </a:p>
           <a:p>
             <a:r>
               <a:rPr lang="en-SG" sz="2400" dirty="0"/>
-              <a:t>Top 5 stations differ from MTA published results</a:t>
-            </a:r>
-          </a:p>
-          <a:p>
-            <a:endParaRPr lang="en-SG" sz="2400" dirty="0"/>
+              <a:t>high female population: majority (&gt;50%) female population</a:t>
+            </a:r>
+          </a:p>
+          <a:p>
+            <a:r>
+              <a:rPr lang="en-SG" sz="2400" dirty="0"/>
+              <a:t>high income </a:t>
+            </a:r>
+            <a:r>
+              <a:rPr lang="en-SG" sz="2400" dirty="0" err="1"/>
+              <a:t>residenial</a:t>
+            </a:r>
+            <a:r>
+              <a:rPr lang="en-SG" sz="2400" dirty="0"/>
+              <a:t> area</a:t>
+            </a:r>
+          </a:p>
+          <a:p>
+            <a:r>
+              <a:rPr lang="en-SG" sz="2400" dirty="0"/>
+              <a:t>high traffic flow in &amp; out of station</a:t>
+            </a:r>
           </a:p>
         </p:txBody>
       </p:sp>
     </p:spTree>
     <p:extLst>
       <p:ext uri="{BB962C8B-B14F-4D97-AF65-F5344CB8AC3E}">
-        <p14:creationId xmlns:p14="http://schemas.microsoft.com/office/powerpoint/2010/main" val="1025635242"/>
+        <p14:creationId xmlns:p14="http://schemas.microsoft.com/office/powerpoint/2010/main" val="3534613728"/>
       </p:ext>
     </p:extLst>
   </p:cSld>
@@ -6140,6 +6181,119 @@
           <p:cNvPr id="2" name="Title 1">
             <a:extLst>
               <a:ext uri="{FF2B5EF4-FFF2-40B4-BE49-F238E27FC236}">
+                <a16:creationId xmlns:a16="http://schemas.microsoft.com/office/drawing/2014/main" id="{D6DF9255-77C0-4CE4-8381-A1F6CDB455DF}"/>
+              </a:ext>
+            </a:extLst>
+          </p:cNvPr>
+          <p:cNvSpPr>
+            <a:spLocks noGrp="1"/>
+          </p:cNvSpPr>
+          <p:nvPr>
+            <p:ph type="title"/>
+          </p:nvPr>
+        </p:nvSpPr>
+        <p:spPr/>
+        <p:txBody>
+          <a:bodyPr/>
+          <a:lstStyle/>
+          <a:p>
+            <a:r>
+              <a:rPr lang="en-US" dirty="0"/>
+              <a:t>Next Steps</a:t>
+            </a:r>
+            <a:endParaRPr lang="en-SG" dirty="0"/>
+          </a:p>
+        </p:txBody>
+      </p:sp>
+      <p:sp>
+        <p:nvSpPr>
+          <p:cNvPr id="3" name="Content Placeholder 2">
+            <a:extLst>
+              <a:ext uri="{FF2B5EF4-FFF2-40B4-BE49-F238E27FC236}">
+                <a16:creationId xmlns:a16="http://schemas.microsoft.com/office/drawing/2014/main" id="{A00A855A-9451-488B-BE27-74C47B39724B}"/>
+              </a:ext>
+            </a:extLst>
+          </p:cNvPr>
+          <p:cNvSpPr>
+            <a:spLocks noGrp="1"/>
+          </p:cNvSpPr>
+          <p:nvPr>
+            <p:ph idx="1"/>
+          </p:nvPr>
+        </p:nvSpPr>
+        <p:spPr/>
+        <p:txBody>
+          <a:bodyPr>
+            <a:normAutofit/>
+          </a:bodyPr>
+          <a:lstStyle/>
+          <a:p>
+            <a:r>
+              <a:rPr lang="en-SG" sz="2400" dirty="0"/>
+              <a:t>Tourist data?</a:t>
+            </a:r>
+          </a:p>
+          <a:p>
+            <a:r>
+              <a:rPr lang="en-SG" sz="2400" dirty="0"/>
+              <a:t>More yearly data needed to recommend monthly seasonality</a:t>
+            </a:r>
+          </a:p>
+          <a:p>
+            <a:r>
+              <a:rPr lang="en-SG" sz="2400" dirty="0"/>
+              <a:t>An efficient process that deploys teams and collects signature results in real time</a:t>
+            </a:r>
+          </a:p>
+          <a:p>
+            <a:endParaRPr lang="en-SG" sz="2400" dirty="0"/>
+          </a:p>
+          <a:p>
+            <a:r>
+              <a:rPr lang="en-SG" sz="2400" dirty="0"/>
+              <a:t>Top 5 stations differ from MTA published results</a:t>
+            </a:r>
+          </a:p>
+          <a:p>
+            <a:endParaRPr lang="en-SG" sz="2400" dirty="0"/>
+          </a:p>
+        </p:txBody>
+      </p:sp>
+    </p:spTree>
+    <p:extLst>
+      <p:ext uri="{BB962C8B-B14F-4D97-AF65-F5344CB8AC3E}">
+        <p14:creationId xmlns:p14="http://schemas.microsoft.com/office/powerpoint/2010/main" val="1025635242"/>
+      </p:ext>
+    </p:extLst>
+  </p:cSld>
+  <p:clrMapOvr>
+    <a:masterClrMapping/>
+  </p:clrMapOvr>
+</p:sld>
+</file>
+
+<file path=ppt/slides/slide12.xml><?xml version="1.0" encoding="utf-8"?>
+<p:sld xmlns:a="http://schemas.openxmlformats.org/drawingml/2006/main" xmlns:r="http://schemas.openxmlformats.org/officeDocument/2006/relationships" xmlns:p="http://schemas.openxmlformats.org/presentationml/2006/main">
+  <p:cSld>
+    <p:spTree>
+      <p:nvGrpSpPr>
+        <p:cNvPr id="1" name=""/>
+        <p:cNvGrpSpPr/>
+        <p:nvPr/>
+      </p:nvGrpSpPr>
+      <p:grpSpPr>
+        <a:xfrm>
+          <a:off x="0" y="0"/>
+          <a:ext cx="0" cy="0"/>
+          <a:chOff x="0" y="0"/>
+          <a:chExt cx="0" cy="0"/>
+        </a:xfrm>
+      </p:grpSpPr>
+      <p:sp>
+        <p:nvSpPr>
+          <p:cNvPr id="2" name="Title 1">
+            <a:extLst>
+              <a:ext uri="{FF2B5EF4-FFF2-40B4-BE49-F238E27FC236}">
                 <a16:creationId xmlns:a16="http://schemas.microsoft.com/office/drawing/2014/main" id="{40C12D8A-3E71-431F-BDC4-F0339C2DBCF2}"/>
               </a:ext>
             </a:extLst>
@@ -6205,7 +6359,7 @@
 </p:sld>
 </file>
 
-<file path=ppt/slides/slide12.xml><?xml version="1.0" encoding="utf-8"?>
+<file path=ppt/slides/slide13.xml><?xml version="1.0" encoding="utf-8"?>
 <p:sld xmlns:a="http://schemas.openxmlformats.org/drawingml/2006/main" xmlns:r="http://schemas.openxmlformats.org/officeDocument/2006/relationships" xmlns:p="http://schemas.openxmlformats.org/presentationml/2006/main">
   <p:cSld>
     <p:spTree>
@@ -6388,14 +6542,17 @@
           <a:p>
             <a:r>
               <a:rPr lang="en-SG" sz="2400" dirty="0"/>
+              <a:t>Turnstile activities = traffic volume </a:t>
+            </a:r>
+          </a:p>
+          <a:p>
+            <a:r>
+              <a:rPr lang="en-SG" sz="2400" dirty="0"/>
               <a:t>The busiest stations = more reach </a:t>
             </a:r>
           </a:p>
           <a:p>
-            <a:r>
-              <a:rPr lang="en-SG" sz="2400" dirty="0"/>
-              <a:t>Turnstile activities = traffic volume</a:t>
-            </a:r>
+            <a:endParaRPr lang="en-SG" sz="2400" dirty="0"/>
           </a:p>
         </p:txBody>
       </p:sp>
@@ -6791,6 +6948,30 @@
 <file path=ppt/slides/slide7.xml><?xml version="1.0" encoding="utf-8"?>
 <p:sld xmlns:a="http://schemas.openxmlformats.org/drawingml/2006/main" xmlns:r="http://schemas.openxmlformats.org/officeDocument/2006/relationships" xmlns:p="http://schemas.openxmlformats.org/presentationml/2006/main">
   <p:cSld>
+    <p:bg>
+      <p:bgPr>
+        <a:blipFill rotWithShape="1">
+          <a:blip r:embed="rId2">
+            <a:duotone>
+              <a:schemeClr val="bg2">
+                <a:shade val="62000"/>
+                <a:hueMod val="108000"/>
+                <a:satMod val="164000"/>
+                <a:lumMod val="69000"/>
+              </a:schemeClr>
+              <a:schemeClr val="bg2">
+                <a:tint val="96000"/>
+                <a:hueMod val="90000"/>
+                <a:satMod val="130000"/>
+                <a:lumMod val="134000"/>
+              </a:schemeClr>
+            </a:duotone>
+          </a:blip>
+          <a:stretch/>
+        </a:blipFill>
+        <a:effectLst/>
+      </p:bgPr>
+    </p:bg>
     <p:spTree>
       <p:nvGrpSpPr>
         <p:cNvPr id="1" name=""/>
@@ -6821,13 +7002,20 @@
             <p:ph type="title"/>
           </p:nvPr>
         </p:nvSpPr>
-        <p:spPr/>
-        <p:txBody>
-          <a:bodyPr/>
+        <p:spPr>
+          <a:xfrm>
+            <a:off x="648931" y="629266"/>
+            <a:ext cx="4166510" cy="1622321"/>
+          </a:xfrm>
+        </p:spPr>
+        <p:txBody>
+          <a:bodyPr>
+            <a:normAutofit/>
+          </a:bodyPr>
           <a:lstStyle/>
           <a:p>
             <a:r>
-              <a:rPr lang="en-US" dirty="0"/>
+              <a:rPr lang="en-US"/>
               <a:t>Areas explored</a:t>
             </a:r>
             <a:endParaRPr lang="en-SG" dirty="0"/>
@@ -6850,7 +7038,12 @@
             <p:ph idx="1"/>
           </p:nvPr>
         </p:nvSpPr>
-        <p:spPr/>
+        <p:spPr>
+          <a:xfrm>
+            <a:off x="648931" y="2438400"/>
+            <a:ext cx="4166509" cy="3785419"/>
+          </a:xfrm>
+        </p:spPr>
         <p:txBody>
           <a:bodyPr>
             <a:normAutofit/>
@@ -6858,11 +7051,717 @@
           <a:lstStyle/>
           <a:p>
             <a:r>
-              <a:rPr lang="en-SG" sz="2400" dirty="0"/>
+              <a:rPr lang="en-SG" dirty="0"/>
               <a:t>Geographic &amp; demographic information about areas around stations to gather profiles of those most likely to contribute</a:t>
             </a:r>
           </a:p>
         </p:txBody>
+      </p:sp>
+      <p:sp>
+        <p:nvSpPr>
+          <p:cNvPr id="9" name="Freeform 31">
+            <a:extLst>
+              <a:ext uri="{FF2B5EF4-FFF2-40B4-BE49-F238E27FC236}">
+                <a16:creationId xmlns:a16="http://schemas.microsoft.com/office/drawing/2014/main" id="{D6CEF2A9-EF08-4FB3-AFFB-C5F77AB6E028}"/>
+              </a:ext>
+              <a:ext uri="{C183D7F6-B498-43B3-948B-1728B52AA6E4}">
+                <adec:decorative xmlns:adec="http://schemas.microsoft.com/office/drawing/2017/decorative" val="1"/>
+              </a:ext>
+            </a:extLst>
+          </p:cNvPr>
+          <p:cNvSpPr>
+            <a:spLocks noGrp="1" noRot="1" noChangeAspect="1" noMove="1" noResize="1" noEditPoints="1" noAdjustHandles="1" noChangeArrowheads="1" noChangeShapeType="1" noTextEdit="1"/>
+          </p:cNvSpPr>
+          <p:nvPr>
+            <p:extLst>
+              <p:ext uri="{386F3935-93C4-4BCD-93E2-E3B085C9AB24}">
+                <p16:designElem xmlns:p16="http://schemas.microsoft.com/office/powerpoint/2015/main" val="1"/>
+              </p:ext>
+            </p:extLst>
+          </p:nvPr>
+        </p:nvSpPr>
+        <p:spPr>
+          <a:xfrm>
+            <a:off x="4994020" y="-1"/>
+            <a:ext cx="559472" cy="3709642"/>
+          </a:xfrm>
+          <a:custGeom>
+            <a:avLst/>
+            <a:gdLst>
+              <a:gd name="connsiteX0" fmla="*/ 0 w 559472"/>
+              <a:gd name="connsiteY0" fmla="*/ 0 h 3709642"/>
+              <a:gd name="connsiteX1" fmla="*/ 473952 w 559472"/>
+              <a:gd name="connsiteY1" fmla="*/ 0 h 3709642"/>
+              <a:gd name="connsiteX2" fmla="*/ 485840 w 559472"/>
+              <a:gd name="connsiteY2" fmla="*/ 161194 h 3709642"/>
+              <a:gd name="connsiteX3" fmla="*/ 523949 w 559472"/>
+              <a:gd name="connsiteY3" fmla="*/ 3672197 h 3709642"/>
+              <a:gd name="connsiteX4" fmla="*/ 454748 w 559472"/>
+              <a:gd name="connsiteY4" fmla="*/ 3709642 h 3709642"/>
+              <a:gd name="connsiteX5" fmla="*/ 448224 w 559472"/>
+              <a:gd name="connsiteY5" fmla="*/ 3510471 h 3709642"/>
+              <a:gd name="connsiteX6" fmla="*/ 443564 w 559472"/>
+              <a:gd name="connsiteY6" fmla="*/ 3408563 h 3709642"/>
+              <a:gd name="connsiteX7" fmla="*/ 438902 w 559472"/>
+              <a:gd name="connsiteY7" fmla="*/ 3304407 h 3709642"/>
+              <a:gd name="connsiteX8" fmla="*/ 433941 w 559472"/>
+              <a:gd name="connsiteY8" fmla="*/ 3198777 h 3709642"/>
+              <a:gd name="connsiteX9" fmla="*/ 427584 w 559472"/>
+              <a:gd name="connsiteY9" fmla="*/ 3092510 h 3709642"/>
+              <a:gd name="connsiteX10" fmla="*/ 420988 w 559472"/>
+              <a:gd name="connsiteY10" fmla="*/ 2984390 h 3709642"/>
+              <a:gd name="connsiteX11" fmla="*/ 414330 w 559472"/>
+              <a:gd name="connsiteY11" fmla="*/ 2874401 h 3709642"/>
+              <a:gd name="connsiteX12" fmla="*/ 406840 w 559472"/>
+              <a:gd name="connsiteY12" fmla="*/ 2762980 h 3709642"/>
+              <a:gd name="connsiteX13" fmla="*/ 397745 w 559472"/>
+              <a:gd name="connsiteY13" fmla="*/ 2650566 h 3709642"/>
+              <a:gd name="connsiteX14" fmla="*/ 389154 w 559472"/>
+              <a:gd name="connsiteY14" fmla="*/ 2536612 h 3709642"/>
+              <a:gd name="connsiteX15" fmla="*/ 379225 w 559472"/>
+              <a:gd name="connsiteY15" fmla="*/ 2421642 h 3709642"/>
+              <a:gd name="connsiteX16" fmla="*/ 368316 w 559472"/>
+              <a:gd name="connsiteY16" fmla="*/ 2305627 h 3709642"/>
+              <a:gd name="connsiteX17" fmla="*/ 357466 w 559472"/>
+              <a:gd name="connsiteY17" fmla="*/ 2189233 h 3709642"/>
+              <a:gd name="connsiteX18" fmla="*/ 344982 w 559472"/>
+              <a:gd name="connsiteY18" fmla="*/ 2071473 h 3709642"/>
+              <a:gd name="connsiteX19" fmla="*/ 332466 w 559472"/>
+              <a:gd name="connsiteY19" fmla="*/ 1952216 h 3709642"/>
+              <a:gd name="connsiteX20" fmla="*/ 319121 w 559472"/>
+              <a:gd name="connsiteY20" fmla="*/ 1833776 h 3709642"/>
+              <a:gd name="connsiteX21" fmla="*/ 304408 w 559472"/>
+              <a:gd name="connsiteY21" fmla="*/ 1713948 h 3709642"/>
+              <a:gd name="connsiteX22" fmla="*/ 288685 w 559472"/>
+              <a:gd name="connsiteY22" fmla="*/ 1592703 h 3709642"/>
+              <a:gd name="connsiteX23" fmla="*/ 273050 w 559472"/>
+              <a:gd name="connsiteY23" fmla="*/ 1471451 h 3709642"/>
+              <a:gd name="connsiteX24" fmla="*/ 255813 w 559472"/>
+              <a:gd name="connsiteY24" fmla="*/ 1350328 h 3709642"/>
+              <a:gd name="connsiteX25" fmla="*/ 237060 w 559472"/>
+              <a:gd name="connsiteY25" fmla="*/ 1227080 h 3709642"/>
+              <a:gd name="connsiteX26" fmla="*/ 218488 w 559472"/>
+              <a:gd name="connsiteY26" fmla="*/ 1106065 h 3709642"/>
+              <a:gd name="connsiteX27" fmla="*/ 198221 w 559472"/>
+              <a:gd name="connsiteY27" fmla="*/ 982940 h 3709642"/>
+              <a:gd name="connsiteX28" fmla="*/ 177152 w 559472"/>
+              <a:gd name="connsiteY28" fmla="*/ 858755 h 3709642"/>
+              <a:gd name="connsiteX29" fmla="*/ 155551 w 559472"/>
+              <a:gd name="connsiteY29" fmla="*/ 736861 h 3709642"/>
+              <a:gd name="connsiteX30" fmla="*/ 131782 w 559472"/>
+              <a:gd name="connsiteY30" fmla="*/ 613645 h 3709642"/>
+              <a:gd name="connsiteX31" fmla="*/ 107123 w 559472"/>
+              <a:gd name="connsiteY31" fmla="*/ 490500 h 3709642"/>
+              <a:gd name="connsiteX32" fmla="*/ 82552 w 559472"/>
+              <a:gd name="connsiteY32" fmla="*/ 367348 h 3709642"/>
+              <a:gd name="connsiteX33" fmla="*/ 55608 w 559472"/>
+              <a:gd name="connsiteY33" fmla="*/ 244762 h 3709642"/>
+              <a:gd name="connsiteX34" fmla="*/ 28130 w 559472"/>
+              <a:gd name="connsiteY34" fmla="*/ 122220 h 3709642"/>
+              <a:gd name="connsiteX35" fmla="*/ 0 w 559472"/>
+              <a:gd name="connsiteY35" fmla="*/ 0 h 3709642"/>
+            </a:gdLst>
+            <a:ahLst/>
+            <a:cxnLst>
+              <a:cxn ang="0">
+                <a:pos x="connsiteX0" y="connsiteY0"/>
+              </a:cxn>
+              <a:cxn ang="0">
+                <a:pos x="connsiteX1" y="connsiteY1"/>
+              </a:cxn>
+              <a:cxn ang="0">
+                <a:pos x="connsiteX2" y="connsiteY2"/>
+              </a:cxn>
+              <a:cxn ang="0">
+                <a:pos x="connsiteX3" y="connsiteY3"/>
+              </a:cxn>
+              <a:cxn ang="0">
+                <a:pos x="connsiteX4" y="connsiteY4"/>
+              </a:cxn>
+              <a:cxn ang="0">
+                <a:pos x="connsiteX5" y="connsiteY5"/>
+              </a:cxn>
+              <a:cxn ang="0">
+                <a:pos x="connsiteX6" y="connsiteY6"/>
+              </a:cxn>
+              <a:cxn ang="0">
+                <a:pos x="connsiteX7" y="connsiteY7"/>
+              </a:cxn>
+              <a:cxn ang="0">
+                <a:pos x="connsiteX8" y="connsiteY8"/>
+              </a:cxn>
+              <a:cxn ang="0">
+                <a:pos x="connsiteX9" y="connsiteY9"/>
+              </a:cxn>
+              <a:cxn ang="0">
+                <a:pos x="connsiteX10" y="connsiteY10"/>
+              </a:cxn>
+              <a:cxn ang="0">
+                <a:pos x="connsiteX11" y="connsiteY11"/>
+              </a:cxn>
+              <a:cxn ang="0">
+                <a:pos x="connsiteX12" y="connsiteY12"/>
+              </a:cxn>
+              <a:cxn ang="0">
+                <a:pos x="connsiteX13" y="connsiteY13"/>
+              </a:cxn>
+              <a:cxn ang="0">
+                <a:pos x="connsiteX14" y="connsiteY14"/>
+              </a:cxn>
+              <a:cxn ang="0">
+                <a:pos x="connsiteX15" y="connsiteY15"/>
+              </a:cxn>
+              <a:cxn ang="0">
+                <a:pos x="connsiteX16" y="connsiteY16"/>
+              </a:cxn>
+              <a:cxn ang="0">
+                <a:pos x="connsiteX17" y="connsiteY17"/>
+              </a:cxn>
+              <a:cxn ang="0">
+                <a:pos x="connsiteX18" y="connsiteY18"/>
+              </a:cxn>
+              <a:cxn ang="0">
+                <a:pos x="connsiteX19" y="connsiteY19"/>
+              </a:cxn>
+              <a:cxn ang="0">
+                <a:pos x="connsiteX20" y="connsiteY20"/>
+              </a:cxn>
+              <a:cxn ang="0">
+                <a:pos x="connsiteX21" y="connsiteY21"/>
+              </a:cxn>
+              <a:cxn ang="0">
+                <a:pos x="connsiteX22" y="connsiteY22"/>
+              </a:cxn>
+              <a:cxn ang="0">
+                <a:pos x="connsiteX23" y="connsiteY23"/>
+              </a:cxn>
+              <a:cxn ang="0">
+                <a:pos x="connsiteX24" y="connsiteY24"/>
+              </a:cxn>
+              <a:cxn ang="0">
+                <a:pos x="connsiteX25" y="connsiteY25"/>
+              </a:cxn>
+              <a:cxn ang="0">
+                <a:pos x="connsiteX26" y="connsiteY26"/>
+              </a:cxn>
+              <a:cxn ang="0">
+                <a:pos x="connsiteX27" y="connsiteY27"/>
+              </a:cxn>
+              <a:cxn ang="0">
+                <a:pos x="connsiteX28" y="connsiteY28"/>
+              </a:cxn>
+              <a:cxn ang="0">
+                <a:pos x="connsiteX29" y="connsiteY29"/>
+              </a:cxn>
+              <a:cxn ang="0">
+                <a:pos x="connsiteX30" y="connsiteY30"/>
+              </a:cxn>
+              <a:cxn ang="0">
+                <a:pos x="connsiteX31" y="connsiteY31"/>
+              </a:cxn>
+              <a:cxn ang="0">
+                <a:pos x="connsiteX32" y="connsiteY32"/>
+              </a:cxn>
+              <a:cxn ang="0">
+                <a:pos x="connsiteX33" y="connsiteY33"/>
+              </a:cxn>
+              <a:cxn ang="0">
+                <a:pos x="connsiteX34" y="connsiteY34"/>
+              </a:cxn>
+              <a:cxn ang="0">
+                <a:pos x="connsiteX35" y="connsiteY35"/>
+              </a:cxn>
+            </a:cxnLst>
+            <a:rect l="l" t="t" r="r" b="b"/>
+            <a:pathLst>
+              <a:path w="559472" h="3709642">
+                <a:moveTo>
+                  <a:pt x="0" y="0"/>
+                </a:moveTo>
+                <a:lnTo>
+                  <a:pt x="473952" y="0"/>
+                </a:lnTo>
+                <a:lnTo>
+                  <a:pt x="485840" y="161194"/>
+                </a:lnTo>
+                <a:cubicBezTo>
+                  <a:pt x="552063" y="1147770"/>
+                  <a:pt x="592441" y="3086737"/>
+                  <a:pt x="523949" y="3672197"/>
+                </a:cubicBezTo>
+                <a:cubicBezTo>
+                  <a:pt x="500842" y="3684557"/>
+                  <a:pt x="477855" y="3697282"/>
+                  <a:pt x="454748" y="3709642"/>
+                </a:cubicBezTo>
+                <a:lnTo>
+                  <a:pt x="448224" y="3510471"/>
+                </a:lnTo>
+                <a:lnTo>
+                  <a:pt x="443564" y="3408563"/>
+                </a:lnTo>
+                <a:lnTo>
+                  <a:pt x="438902" y="3304407"/>
+                </a:lnTo>
+                <a:lnTo>
+                  <a:pt x="433941" y="3198777"/>
+                </a:lnTo>
+                <a:lnTo>
+                  <a:pt x="427584" y="3092510"/>
+                </a:lnTo>
+                <a:lnTo>
+                  <a:pt x="420988" y="2984390"/>
+                </a:lnTo>
+                <a:lnTo>
+                  <a:pt x="414330" y="2874401"/>
+                </a:lnTo>
+                <a:lnTo>
+                  <a:pt x="406840" y="2762980"/>
+                </a:lnTo>
+                <a:lnTo>
+                  <a:pt x="397745" y="2650566"/>
+                </a:lnTo>
+                <a:lnTo>
+                  <a:pt x="389154" y="2536612"/>
+                </a:lnTo>
+                <a:lnTo>
+                  <a:pt x="379225" y="2421642"/>
+                </a:lnTo>
+                <a:lnTo>
+                  <a:pt x="368316" y="2305627"/>
+                </a:lnTo>
+                <a:lnTo>
+                  <a:pt x="357466" y="2189233"/>
+                </a:lnTo>
+                <a:lnTo>
+                  <a:pt x="344982" y="2071473"/>
+                </a:lnTo>
+                <a:lnTo>
+                  <a:pt x="332466" y="1952216"/>
+                </a:lnTo>
+                <a:lnTo>
+                  <a:pt x="319121" y="1833776"/>
+                </a:lnTo>
+                <a:lnTo>
+                  <a:pt x="304408" y="1713948"/>
+                </a:lnTo>
+                <a:lnTo>
+                  <a:pt x="288685" y="1592703"/>
+                </a:lnTo>
+                <a:lnTo>
+                  <a:pt x="273050" y="1471451"/>
+                </a:lnTo>
+                <a:lnTo>
+                  <a:pt x="255813" y="1350328"/>
+                </a:lnTo>
+                <a:lnTo>
+                  <a:pt x="237060" y="1227080"/>
+                </a:lnTo>
+                <a:lnTo>
+                  <a:pt x="218488" y="1106065"/>
+                </a:lnTo>
+                <a:lnTo>
+                  <a:pt x="198221" y="982940"/>
+                </a:lnTo>
+                <a:lnTo>
+                  <a:pt x="177152" y="858755"/>
+                </a:lnTo>
+                <a:lnTo>
+                  <a:pt x="155551" y="736861"/>
+                </a:lnTo>
+                <a:lnTo>
+                  <a:pt x="131782" y="613645"/>
+                </a:lnTo>
+                <a:lnTo>
+                  <a:pt x="107123" y="490500"/>
+                </a:lnTo>
+                <a:lnTo>
+                  <a:pt x="82552" y="367348"/>
+                </a:lnTo>
+                <a:lnTo>
+                  <a:pt x="55608" y="244762"/>
+                </a:lnTo>
+                <a:lnTo>
+                  <a:pt x="28130" y="122220"/>
+                </a:lnTo>
+                <a:lnTo>
+                  <a:pt x="0" y="0"/>
+                </a:lnTo>
+                <a:close/>
+              </a:path>
+            </a:pathLst>
+          </a:custGeom>
+          <a:solidFill>
+            <a:schemeClr val="tx1">
+              <a:alpha val="20000"/>
+            </a:schemeClr>
+          </a:solidFill>
+          <a:ln>
+            <a:noFill/>
+          </a:ln>
+        </p:spPr>
+        <p:txBody>
+          <a:bodyPr rtlCol="0" anchor="ctr"/>
+          <a:lstStyle/>
+          <a:p>
+            <a:pPr algn="ctr"/>
+            <a:endParaRPr lang="en-US"/>
+          </a:p>
+        </p:txBody>
+      </p:sp>
+      <p:sp>
+        <p:nvSpPr>
+          <p:cNvPr id="11" name="Rectangle 10">
+            <a:extLst>
+              <a:ext uri="{FF2B5EF4-FFF2-40B4-BE49-F238E27FC236}">
+                <a16:creationId xmlns:a16="http://schemas.microsoft.com/office/drawing/2014/main" id="{4109C3C2-C0A8-4559-8462-8007573DF44C}"/>
+              </a:ext>
+              <a:ext uri="{C183D7F6-B498-43B3-948B-1728B52AA6E4}">
+                <adec:decorative xmlns:adec="http://schemas.microsoft.com/office/drawing/2017/decorative" val="1"/>
+              </a:ext>
+            </a:extLst>
+          </p:cNvPr>
+          <p:cNvSpPr>
+            <a:spLocks noGrp="1" noRot="1" noChangeAspect="1" noMove="1" noResize="1" noEditPoints="1" noAdjustHandles="1" noChangeArrowheads="1" noChangeShapeType="1" noTextEdit="1"/>
+          </p:cNvSpPr>
+          <p:nvPr>
+            <p:extLst>
+              <p:ext uri="{386F3935-93C4-4BCD-93E2-E3B085C9AB24}">
+                <p16:designElem xmlns:p16="http://schemas.microsoft.com/office/powerpoint/2015/main" val="1"/>
+              </p:ext>
+            </p:extLst>
+          </p:nvPr>
+        </p:nvSpPr>
+        <p:spPr>
+          <a:xfrm>
+            <a:off x="6093992" y="0"/>
+            <a:ext cx="6098427" cy="6858000"/>
+          </a:xfrm>
+          <a:prstGeom prst="rect">
+            <a:avLst/>
+          </a:prstGeom>
+          <a:solidFill>
+            <a:srgbClr val="FFFFFF"/>
+          </a:solidFill>
+          <a:ln>
+            <a:noFill/>
+          </a:ln>
+        </p:spPr>
+        <p:style>
+          <a:lnRef idx="2">
+            <a:schemeClr val="accent1">
+              <a:shade val="50000"/>
+            </a:schemeClr>
+          </a:lnRef>
+          <a:fillRef idx="1">
+            <a:schemeClr val="accent1"/>
+          </a:fillRef>
+          <a:effectRef idx="0">
+            <a:schemeClr val="accent1"/>
+          </a:effectRef>
+          <a:fontRef idx="minor">
+            <a:schemeClr val="lt1"/>
+          </a:fontRef>
+        </p:style>
+        <p:txBody>
+          <a:bodyPr rtlCol="0" anchor="ctr"/>
+          <a:lstStyle/>
+          <a:p>
+            <a:pPr algn="ctr"/>
+            <a:endParaRPr lang="en-US"/>
+          </a:p>
+        </p:txBody>
+      </p:sp>
+      <p:sp>
+        <p:nvSpPr>
+          <p:cNvPr id="13" name="Freeform 5">
+            <a:extLst>
+              <a:ext uri="{FF2B5EF4-FFF2-40B4-BE49-F238E27FC236}">
+                <a16:creationId xmlns:a16="http://schemas.microsoft.com/office/drawing/2014/main" id="{4C535542-B72A-4DE0-BE5A-5EA00508C77D}"/>
+              </a:ext>
+              <a:ext uri="{C183D7F6-B498-43B3-948B-1728B52AA6E4}">
+                <adec:decorative xmlns:adec="http://schemas.microsoft.com/office/drawing/2017/decorative" val="1"/>
+              </a:ext>
+            </a:extLst>
+          </p:cNvPr>
+          <p:cNvSpPr>
+            <a:spLocks noGrp="1" noRot="1" noChangeAspect="1" noMove="1" noResize="1" noEditPoints="1" noAdjustHandles="1" noChangeArrowheads="1" noChangeShapeType="1" noTextEdit="1"/>
+          </p:cNvSpPr>
+          <p:nvPr>
+            <p:extLst>
+              <p:ext uri="{386F3935-93C4-4BCD-93E2-E3B085C9AB24}">
+                <p16:designElem xmlns:p16="http://schemas.microsoft.com/office/powerpoint/2015/main" val="1"/>
+              </p:ext>
+            </p:extLst>
+          </p:nvPr>
+        </p:nvSpPr>
+        <p:spPr bwMode="gray">
+          <a:xfrm rot="16200000">
+            <a:off x="2450577" y="2756642"/>
+            <a:ext cx="6858000" cy="1344715"/>
+          </a:xfrm>
+          <a:custGeom>
+            <a:avLst/>
+            <a:gdLst/>
+            <a:ahLst/>
+            <a:cxnLst/>
+            <a:rect l="l" t="t" r="r" b="b"/>
+            <a:pathLst>
+              <a:path w="10000" h="8000">
+                <a:moveTo>
+                  <a:pt x="0" y="0"/>
+                </a:moveTo>
+                <a:lnTo>
+                  <a:pt x="0" y="7970"/>
+                </a:lnTo>
+                <a:lnTo>
+                  <a:pt x="10000" y="8000"/>
+                </a:lnTo>
+                <a:lnTo>
+                  <a:pt x="10000" y="7"/>
+                </a:lnTo>
+                <a:lnTo>
+                  <a:pt x="10000" y="7"/>
+                </a:lnTo>
+                <a:lnTo>
+                  <a:pt x="9773" y="156"/>
+                </a:lnTo>
+                <a:lnTo>
+                  <a:pt x="9547" y="298"/>
+                </a:lnTo>
+                <a:lnTo>
+                  <a:pt x="9320" y="437"/>
+                </a:lnTo>
+                <a:lnTo>
+                  <a:pt x="9092" y="556"/>
+                </a:lnTo>
+                <a:lnTo>
+                  <a:pt x="8865" y="676"/>
+                </a:lnTo>
+                <a:lnTo>
+                  <a:pt x="8637" y="788"/>
+                </a:lnTo>
+                <a:lnTo>
+                  <a:pt x="8412" y="884"/>
+                </a:lnTo>
+                <a:lnTo>
+                  <a:pt x="8184" y="975"/>
+                </a:lnTo>
+                <a:lnTo>
+                  <a:pt x="7957" y="1058"/>
+                </a:lnTo>
+                <a:lnTo>
+                  <a:pt x="7734" y="1130"/>
+                </a:lnTo>
+                <a:lnTo>
+                  <a:pt x="7508" y="1202"/>
+                </a:lnTo>
+                <a:lnTo>
+                  <a:pt x="7285" y="1262"/>
+                </a:lnTo>
+                <a:lnTo>
+                  <a:pt x="7062" y="1309"/>
+                </a:lnTo>
+                <a:lnTo>
+                  <a:pt x="6840" y="1358"/>
+                </a:lnTo>
+                <a:lnTo>
+                  <a:pt x="6620" y="1399"/>
+                </a:lnTo>
+                <a:lnTo>
+                  <a:pt x="6402" y="1428"/>
+                </a:lnTo>
+                <a:lnTo>
+                  <a:pt x="6184" y="1453"/>
+                </a:lnTo>
+                <a:lnTo>
+                  <a:pt x="5968" y="1477"/>
+                </a:lnTo>
+                <a:lnTo>
+                  <a:pt x="5755" y="1488"/>
+                </a:lnTo>
+                <a:lnTo>
+                  <a:pt x="5542" y="1500"/>
+                </a:lnTo>
+                <a:lnTo>
+                  <a:pt x="5332" y="1506"/>
+                </a:lnTo>
+                <a:lnTo>
+                  <a:pt x="5124" y="1500"/>
+                </a:lnTo>
+                <a:lnTo>
+                  <a:pt x="4918" y="1500"/>
+                </a:lnTo>
+                <a:lnTo>
+                  <a:pt x="4714" y="1488"/>
+                </a:lnTo>
+                <a:lnTo>
+                  <a:pt x="4514" y="1470"/>
+                </a:lnTo>
+                <a:lnTo>
+                  <a:pt x="4316" y="1453"/>
+                </a:lnTo>
+                <a:lnTo>
+                  <a:pt x="4122" y="1434"/>
+                </a:lnTo>
+                <a:lnTo>
+                  <a:pt x="3929" y="1405"/>
+                </a:lnTo>
+                <a:lnTo>
+                  <a:pt x="3739" y="1374"/>
+                </a:lnTo>
+                <a:lnTo>
+                  <a:pt x="3553" y="1346"/>
+                </a:lnTo>
+                <a:lnTo>
+                  <a:pt x="3190" y="1267"/>
+                </a:lnTo>
+                <a:lnTo>
+                  <a:pt x="2842" y="1183"/>
+                </a:lnTo>
+                <a:lnTo>
+                  <a:pt x="2508" y="1095"/>
+                </a:lnTo>
+                <a:lnTo>
+                  <a:pt x="2192" y="998"/>
+                </a:lnTo>
+                <a:lnTo>
+                  <a:pt x="1890" y="897"/>
+                </a:lnTo>
+                <a:lnTo>
+                  <a:pt x="1610" y="788"/>
+                </a:lnTo>
+                <a:lnTo>
+                  <a:pt x="1347" y="681"/>
+                </a:lnTo>
+                <a:lnTo>
+                  <a:pt x="1105" y="574"/>
+                </a:lnTo>
+                <a:lnTo>
+                  <a:pt x="883" y="473"/>
+                </a:lnTo>
+                <a:lnTo>
+                  <a:pt x="686" y="377"/>
+                </a:lnTo>
+                <a:lnTo>
+                  <a:pt x="508" y="286"/>
+                </a:lnTo>
+                <a:lnTo>
+                  <a:pt x="358" y="210"/>
+                </a:lnTo>
+                <a:lnTo>
+                  <a:pt x="232" y="138"/>
+                </a:lnTo>
+                <a:lnTo>
+                  <a:pt x="59" y="35"/>
+                </a:lnTo>
+                <a:lnTo>
+                  <a:pt x="0" y="0"/>
+                </a:lnTo>
+                <a:lnTo>
+                  <a:pt x="0" y="0"/>
+                </a:lnTo>
+                <a:close/>
+              </a:path>
+            </a:pathLst>
+          </a:custGeom>
+          <a:solidFill>
+            <a:srgbClr val="FFFFFF"/>
+          </a:solidFill>
+          <a:ln>
+            <a:noFill/>
+          </a:ln>
+        </p:spPr>
+      </p:sp>
+      <p:pic>
+        <p:nvPicPr>
+          <p:cNvPr id="4" name="Graphic 3">
+            <a:extLst>
+              <a:ext uri="{FF2B5EF4-FFF2-40B4-BE49-F238E27FC236}">
+                <a16:creationId xmlns:a16="http://schemas.microsoft.com/office/drawing/2014/main" id="{EE26F668-B29D-4154-97E1-37997719AF0D}"/>
+              </a:ext>
+            </a:extLst>
+          </p:cNvPr>
+          <p:cNvPicPr>
+            <a:picLocks noChangeAspect="1"/>
+          </p:cNvPicPr>
+          <p:nvPr/>
+        </p:nvPicPr>
+        <p:blipFill>
+          <a:blip r:embed="rId3">
+            <a:extLst>
+              <a:ext uri="{96DAC541-7B7A-43D3-8B79-37D633B846F1}">
+                <asvg:svgBlip xmlns:asvg="http://schemas.microsoft.com/office/drawing/2016/SVG/main" r:embed="rId4"/>
+              </a:ext>
+            </a:extLst>
+          </a:blip>
+          <a:stretch>
+            <a:fillRect/>
+          </a:stretch>
+        </p:blipFill>
+        <p:spPr>
+          <a:xfrm>
+            <a:off x="5553975" y="1143000"/>
+            <a:ext cx="6638025" cy="4646617"/>
+          </a:xfrm>
+          <a:prstGeom prst="rect">
+            <a:avLst/>
+          </a:prstGeom>
+          <a:effectLst/>
+        </p:spPr>
+      </p:pic>
+      <p:sp>
+        <p:nvSpPr>
+          <p:cNvPr id="15" name="Rectangle 14">
+            <a:extLst>
+              <a:ext uri="{FF2B5EF4-FFF2-40B4-BE49-F238E27FC236}">
+                <a16:creationId xmlns:a16="http://schemas.microsoft.com/office/drawing/2014/main" id="{11DF0705-615B-4CF3-A16F-8C14680D8BA6}"/>
+              </a:ext>
+              <a:ext uri="{C183D7F6-B498-43B3-948B-1728B52AA6E4}">
+                <adec:decorative xmlns:adec="http://schemas.microsoft.com/office/drawing/2017/decorative" val="1"/>
+              </a:ext>
+            </a:extLst>
+          </p:cNvPr>
+          <p:cNvSpPr>
+            <a:spLocks noGrp="1" noRot="1" noChangeAspect="1" noMove="1" noResize="1" noEditPoints="1" noAdjustHandles="1" noChangeArrowheads="1" noChangeShapeType="1" noTextEdit="1"/>
+          </p:cNvSpPr>
+          <p:nvPr>
+            <p:extLst>
+              <p:ext uri="{386F3935-93C4-4BCD-93E2-E3B085C9AB24}">
+                <p16:designElem xmlns:p16="http://schemas.microsoft.com/office/powerpoint/2015/main" val="1"/>
+              </p:ext>
+            </p:extLst>
+          </p:nvPr>
+        </p:nvSpPr>
+        <p:spPr>
+          <a:xfrm>
+            <a:off x="10442448" y="0"/>
+            <a:ext cx="685800" cy="1143000"/>
+          </a:xfrm>
+          <a:prstGeom prst="rect">
+            <a:avLst/>
+          </a:prstGeom>
+          <a:solidFill>
+            <a:schemeClr val="accent1"/>
+          </a:solidFill>
+          <a:ln>
+            <a:noFill/>
+          </a:ln>
+        </p:spPr>
+        <p:style>
+          <a:lnRef idx="1">
+            <a:schemeClr val="accent1"/>
+          </a:lnRef>
+          <a:fillRef idx="3">
+            <a:schemeClr val="accent1"/>
+          </a:fillRef>
+          <a:effectRef idx="2">
+            <a:schemeClr val="accent1"/>
+          </a:effectRef>
+          <a:fontRef idx="minor">
+            <a:schemeClr val="lt1"/>
+          </a:fontRef>
+        </p:style>
       </p:sp>
     </p:spTree>
     <p:extLst>
@@ -6880,6 +7779,30 @@
 <file path=ppt/slides/slide8.xml><?xml version="1.0" encoding="utf-8"?>
 <p:sld xmlns:a="http://schemas.openxmlformats.org/drawingml/2006/main" xmlns:r="http://schemas.openxmlformats.org/officeDocument/2006/relationships" xmlns:p="http://schemas.openxmlformats.org/presentationml/2006/main">
   <p:cSld>
+    <p:bg>
+      <p:bgPr>
+        <a:blipFill rotWithShape="1">
+          <a:blip r:embed="rId2">
+            <a:duotone>
+              <a:schemeClr val="bg2">
+                <a:shade val="62000"/>
+                <a:hueMod val="108000"/>
+                <a:satMod val="164000"/>
+                <a:lumMod val="69000"/>
+              </a:schemeClr>
+              <a:schemeClr val="bg2">
+                <a:tint val="96000"/>
+                <a:hueMod val="90000"/>
+                <a:satMod val="130000"/>
+                <a:lumMod val="134000"/>
+              </a:schemeClr>
+            </a:duotone>
+          </a:blip>
+          <a:stretch/>
+        </a:blipFill>
+        <a:effectLst/>
+      </p:bgPr>
+    </p:bg>
     <p:spTree>
       <p:nvGrpSpPr>
         <p:cNvPr id="1" name=""/>
@@ -6899,7 +7822,7 @@
           <p:cNvPr id="2" name="Title 1">
             <a:extLst>
               <a:ext uri="{FF2B5EF4-FFF2-40B4-BE49-F238E27FC236}">
-                <a16:creationId xmlns:a16="http://schemas.microsoft.com/office/drawing/2014/main" id="{DF8F9451-74E0-4DF3-99CC-EE32E248C9BB}"/>
+                <a16:creationId xmlns:a16="http://schemas.microsoft.com/office/drawing/2014/main" id="{8BAAC7A6-57DA-489D-A467-D28AE49D7A8C}"/>
               </a:ext>
             </a:extLst>
           </p:cNvPr>
@@ -6910,39 +7833,10 @@
             <p:ph type="title"/>
           </p:nvPr>
         </p:nvSpPr>
-        <p:spPr/>
-        <p:txBody>
-          <a:bodyPr/>
-          <a:lstStyle/>
-          <a:p>
-            <a:r>
-              <a:rPr lang="en-US" dirty="0"/>
-              <a:t>Results</a:t>
-            </a:r>
-            <a:endParaRPr lang="en-SG" dirty="0"/>
-          </a:p>
-        </p:txBody>
-      </p:sp>
-      <p:sp>
-        <p:nvSpPr>
-          <p:cNvPr id="3" name="Content Placeholder 2">
-            <a:extLst>
-              <a:ext uri="{FF2B5EF4-FFF2-40B4-BE49-F238E27FC236}">
-                <a16:creationId xmlns:a16="http://schemas.microsoft.com/office/drawing/2014/main" id="{470B84C3-8A2D-4DF3-A4E6-BF16D8207E67}"/>
-              </a:ext>
-            </a:extLst>
-          </p:cNvPr>
-          <p:cNvSpPr>
-            <a:spLocks noGrp="1"/>
-          </p:cNvSpPr>
-          <p:nvPr>
-            <p:ph idx="1"/>
-          </p:nvPr>
-        </p:nvSpPr>
         <p:spPr>
           <a:xfrm>
-            <a:off x="1103312" y="1266738"/>
-            <a:ext cx="8946541" cy="4981661"/>
+            <a:off x="648931" y="629266"/>
+            <a:ext cx="4166510" cy="1622321"/>
           </a:xfrm>
         </p:spPr>
         <p:txBody>
@@ -6952,88 +7846,757 @@
           <a:lstStyle/>
           <a:p>
             <a:r>
-              <a:rPr lang="en-SG" sz="2400" dirty="0"/>
-              <a:t>Top 5 busiest station</a:t>
-            </a:r>
-          </a:p>
-          <a:p>
-            <a:pPr marL="457200" lvl="1" indent="0">
-              <a:buNone/>
-            </a:pPr>
-            <a:r>
-              <a:rPr lang="en-SG" sz="2000" dirty="0"/>
-              <a:t>1. Penn Station</a:t>
-            </a:r>
-            <a:br>
-              <a:rPr lang="en-SG" sz="2000" dirty="0"/>
-            </a:br>
-            <a:r>
-              <a:rPr lang="en-SG" sz="2000" dirty="0"/>
-              <a:t>2. 23rd Street</a:t>
-            </a:r>
-            <a:br>
-              <a:rPr lang="en-SG" sz="2000" dirty="0"/>
-            </a:br>
-            <a:r>
-              <a:rPr lang="en-SG" sz="2000" dirty="0"/>
-              <a:t>3. Herald Square</a:t>
-            </a:r>
-            <a:br>
-              <a:rPr lang="en-SG" sz="2000" dirty="0"/>
-            </a:br>
-            <a:r>
-              <a:rPr lang="en-SG" sz="2000" dirty="0"/>
-              <a:t>4. Times Square</a:t>
-            </a:r>
-            <a:br>
-              <a:rPr lang="en-SG" sz="2000" dirty="0"/>
-            </a:br>
-            <a:r>
-              <a:rPr lang="en-SG" sz="2000" dirty="0"/>
-              <a:t>5. Grand Central</a:t>
-            </a:r>
-          </a:p>
-          <a:p>
-            <a:r>
-              <a:rPr lang="en-SG" sz="2400" dirty="0"/>
-              <a:t>Peak traffic day (Wednesday)</a:t>
-            </a:r>
-          </a:p>
-          <a:p>
-            <a:r>
-              <a:rPr lang="en-SG" sz="2400" dirty="0"/>
-              <a:t>Peak traffic time (rush hours, lunch, evening)</a:t>
-            </a:r>
-          </a:p>
-          <a:p>
-            <a:r>
-              <a:rPr lang="en-SG" sz="2400" dirty="0"/>
-              <a:t>Demographics by gender</a:t>
-            </a:r>
-          </a:p>
-          <a:p>
-            <a:r>
-              <a:rPr lang="en-SG" sz="2400" dirty="0"/>
-              <a:t>Demographics by income (confirm that demographics were </a:t>
-            </a:r>
-            <a:r>
-              <a:rPr lang="en-SG" sz="2400" dirty="0" err="1"/>
-              <a:t>favorable</a:t>
-            </a:r>
-            <a:r>
-              <a:rPr lang="en-SG" sz="2400" dirty="0"/>
-              <a:t> for each station)</a:t>
-            </a:r>
-          </a:p>
-          <a:p>
-            <a:endParaRPr lang="en-SG" sz="2400" dirty="0"/>
-          </a:p>
-        </p:txBody>
-      </p:sp>
+              <a:rPr lang="en-US"/>
+              <a:t>Areas explored</a:t>
+            </a:r>
+            <a:endParaRPr lang="en-SG" dirty="0"/>
+          </a:p>
+        </p:txBody>
+      </p:sp>
+      <p:sp>
+        <p:nvSpPr>
+          <p:cNvPr id="3" name="Content Placeholder 2">
+            <a:extLst>
+              <a:ext uri="{FF2B5EF4-FFF2-40B4-BE49-F238E27FC236}">
+                <a16:creationId xmlns:a16="http://schemas.microsoft.com/office/drawing/2014/main" id="{293FCE9B-C27D-4872-8320-609F4718D3AB}"/>
+              </a:ext>
+            </a:extLst>
+          </p:cNvPr>
+          <p:cNvSpPr>
+            <a:spLocks noGrp="1"/>
+          </p:cNvSpPr>
+          <p:nvPr>
+            <p:ph idx="1"/>
+          </p:nvPr>
+        </p:nvSpPr>
+        <p:spPr>
+          <a:xfrm>
+            <a:off x="648931" y="2438400"/>
+            <a:ext cx="4166509" cy="3785419"/>
+          </a:xfrm>
+        </p:spPr>
+        <p:txBody>
+          <a:bodyPr>
+            <a:normAutofit/>
+          </a:bodyPr>
+          <a:lstStyle/>
+          <a:p>
+            <a:r>
+              <a:rPr lang="en-SG" dirty="0"/>
+              <a:t>Geographic &amp; demographic information about areas around stations to gather profiles of those most likely to contribute</a:t>
+            </a:r>
+          </a:p>
+        </p:txBody>
+      </p:sp>
+      <p:sp>
+        <p:nvSpPr>
+          <p:cNvPr id="9" name="Freeform 31">
+            <a:extLst>
+              <a:ext uri="{FF2B5EF4-FFF2-40B4-BE49-F238E27FC236}">
+                <a16:creationId xmlns:a16="http://schemas.microsoft.com/office/drawing/2014/main" id="{D6CEF2A9-EF08-4FB3-AFFB-C5F77AB6E028}"/>
+              </a:ext>
+              <a:ext uri="{C183D7F6-B498-43B3-948B-1728B52AA6E4}">
+                <adec:decorative xmlns:adec="http://schemas.microsoft.com/office/drawing/2017/decorative" val="1"/>
+              </a:ext>
+            </a:extLst>
+          </p:cNvPr>
+          <p:cNvSpPr>
+            <a:spLocks noGrp="1" noRot="1" noChangeAspect="1" noMove="1" noResize="1" noEditPoints="1" noAdjustHandles="1" noChangeArrowheads="1" noChangeShapeType="1" noTextEdit="1"/>
+          </p:cNvSpPr>
+          <p:nvPr>
+            <p:extLst>
+              <p:ext uri="{386F3935-93C4-4BCD-93E2-E3B085C9AB24}">
+                <p16:designElem xmlns:p16="http://schemas.microsoft.com/office/powerpoint/2015/main" val="1"/>
+              </p:ext>
+            </p:extLst>
+          </p:nvPr>
+        </p:nvSpPr>
+        <p:spPr>
+          <a:xfrm>
+            <a:off x="4994020" y="-1"/>
+            <a:ext cx="559472" cy="3709642"/>
+          </a:xfrm>
+          <a:custGeom>
+            <a:avLst/>
+            <a:gdLst>
+              <a:gd name="connsiteX0" fmla="*/ 0 w 559472"/>
+              <a:gd name="connsiteY0" fmla="*/ 0 h 3709642"/>
+              <a:gd name="connsiteX1" fmla="*/ 473952 w 559472"/>
+              <a:gd name="connsiteY1" fmla="*/ 0 h 3709642"/>
+              <a:gd name="connsiteX2" fmla="*/ 485840 w 559472"/>
+              <a:gd name="connsiteY2" fmla="*/ 161194 h 3709642"/>
+              <a:gd name="connsiteX3" fmla="*/ 523949 w 559472"/>
+              <a:gd name="connsiteY3" fmla="*/ 3672197 h 3709642"/>
+              <a:gd name="connsiteX4" fmla="*/ 454748 w 559472"/>
+              <a:gd name="connsiteY4" fmla="*/ 3709642 h 3709642"/>
+              <a:gd name="connsiteX5" fmla="*/ 448224 w 559472"/>
+              <a:gd name="connsiteY5" fmla="*/ 3510471 h 3709642"/>
+              <a:gd name="connsiteX6" fmla="*/ 443564 w 559472"/>
+              <a:gd name="connsiteY6" fmla="*/ 3408563 h 3709642"/>
+              <a:gd name="connsiteX7" fmla="*/ 438902 w 559472"/>
+              <a:gd name="connsiteY7" fmla="*/ 3304407 h 3709642"/>
+              <a:gd name="connsiteX8" fmla="*/ 433941 w 559472"/>
+              <a:gd name="connsiteY8" fmla="*/ 3198777 h 3709642"/>
+              <a:gd name="connsiteX9" fmla="*/ 427584 w 559472"/>
+              <a:gd name="connsiteY9" fmla="*/ 3092510 h 3709642"/>
+              <a:gd name="connsiteX10" fmla="*/ 420988 w 559472"/>
+              <a:gd name="connsiteY10" fmla="*/ 2984390 h 3709642"/>
+              <a:gd name="connsiteX11" fmla="*/ 414330 w 559472"/>
+              <a:gd name="connsiteY11" fmla="*/ 2874401 h 3709642"/>
+              <a:gd name="connsiteX12" fmla="*/ 406840 w 559472"/>
+              <a:gd name="connsiteY12" fmla="*/ 2762980 h 3709642"/>
+              <a:gd name="connsiteX13" fmla="*/ 397745 w 559472"/>
+              <a:gd name="connsiteY13" fmla="*/ 2650566 h 3709642"/>
+              <a:gd name="connsiteX14" fmla="*/ 389154 w 559472"/>
+              <a:gd name="connsiteY14" fmla="*/ 2536612 h 3709642"/>
+              <a:gd name="connsiteX15" fmla="*/ 379225 w 559472"/>
+              <a:gd name="connsiteY15" fmla="*/ 2421642 h 3709642"/>
+              <a:gd name="connsiteX16" fmla="*/ 368316 w 559472"/>
+              <a:gd name="connsiteY16" fmla="*/ 2305627 h 3709642"/>
+              <a:gd name="connsiteX17" fmla="*/ 357466 w 559472"/>
+              <a:gd name="connsiteY17" fmla="*/ 2189233 h 3709642"/>
+              <a:gd name="connsiteX18" fmla="*/ 344982 w 559472"/>
+              <a:gd name="connsiteY18" fmla="*/ 2071473 h 3709642"/>
+              <a:gd name="connsiteX19" fmla="*/ 332466 w 559472"/>
+              <a:gd name="connsiteY19" fmla="*/ 1952216 h 3709642"/>
+              <a:gd name="connsiteX20" fmla="*/ 319121 w 559472"/>
+              <a:gd name="connsiteY20" fmla="*/ 1833776 h 3709642"/>
+              <a:gd name="connsiteX21" fmla="*/ 304408 w 559472"/>
+              <a:gd name="connsiteY21" fmla="*/ 1713948 h 3709642"/>
+              <a:gd name="connsiteX22" fmla="*/ 288685 w 559472"/>
+              <a:gd name="connsiteY22" fmla="*/ 1592703 h 3709642"/>
+              <a:gd name="connsiteX23" fmla="*/ 273050 w 559472"/>
+              <a:gd name="connsiteY23" fmla="*/ 1471451 h 3709642"/>
+              <a:gd name="connsiteX24" fmla="*/ 255813 w 559472"/>
+              <a:gd name="connsiteY24" fmla="*/ 1350328 h 3709642"/>
+              <a:gd name="connsiteX25" fmla="*/ 237060 w 559472"/>
+              <a:gd name="connsiteY25" fmla="*/ 1227080 h 3709642"/>
+              <a:gd name="connsiteX26" fmla="*/ 218488 w 559472"/>
+              <a:gd name="connsiteY26" fmla="*/ 1106065 h 3709642"/>
+              <a:gd name="connsiteX27" fmla="*/ 198221 w 559472"/>
+              <a:gd name="connsiteY27" fmla="*/ 982940 h 3709642"/>
+              <a:gd name="connsiteX28" fmla="*/ 177152 w 559472"/>
+              <a:gd name="connsiteY28" fmla="*/ 858755 h 3709642"/>
+              <a:gd name="connsiteX29" fmla="*/ 155551 w 559472"/>
+              <a:gd name="connsiteY29" fmla="*/ 736861 h 3709642"/>
+              <a:gd name="connsiteX30" fmla="*/ 131782 w 559472"/>
+              <a:gd name="connsiteY30" fmla="*/ 613645 h 3709642"/>
+              <a:gd name="connsiteX31" fmla="*/ 107123 w 559472"/>
+              <a:gd name="connsiteY31" fmla="*/ 490500 h 3709642"/>
+              <a:gd name="connsiteX32" fmla="*/ 82552 w 559472"/>
+              <a:gd name="connsiteY32" fmla="*/ 367348 h 3709642"/>
+              <a:gd name="connsiteX33" fmla="*/ 55608 w 559472"/>
+              <a:gd name="connsiteY33" fmla="*/ 244762 h 3709642"/>
+              <a:gd name="connsiteX34" fmla="*/ 28130 w 559472"/>
+              <a:gd name="connsiteY34" fmla="*/ 122220 h 3709642"/>
+              <a:gd name="connsiteX35" fmla="*/ 0 w 559472"/>
+              <a:gd name="connsiteY35" fmla="*/ 0 h 3709642"/>
+            </a:gdLst>
+            <a:ahLst/>
+            <a:cxnLst>
+              <a:cxn ang="0">
+                <a:pos x="connsiteX0" y="connsiteY0"/>
+              </a:cxn>
+              <a:cxn ang="0">
+                <a:pos x="connsiteX1" y="connsiteY1"/>
+              </a:cxn>
+              <a:cxn ang="0">
+                <a:pos x="connsiteX2" y="connsiteY2"/>
+              </a:cxn>
+              <a:cxn ang="0">
+                <a:pos x="connsiteX3" y="connsiteY3"/>
+              </a:cxn>
+              <a:cxn ang="0">
+                <a:pos x="connsiteX4" y="connsiteY4"/>
+              </a:cxn>
+              <a:cxn ang="0">
+                <a:pos x="connsiteX5" y="connsiteY5"/>
+              </a:cxn>
+              <a:cxn ang="0">
+                <a:pos x="connsiteX6" y="connsiteY6"/>
+              </a:cxn>
+              <a:cxn ang="0">
+                <a:pos x="connsiteX7" y="connsiteY7"/>
+              </a:cxn>
+              <a:cxn ang="0">
+                <a:pos x="connsiteX8" y="connsiteY8"/>
+              </a:cxn>
+              <a:cxn ang="0">
+                <a:pos x="connsiteX9" y="connsiteY9"/>
+              </a:cxn>
+              <a:cxn ang="0">
+                <a:pos x="connsiteX10" y="connsiteY10"/>
+              </a:cxn>
+              <a:cxn ang="0">
+                <a:pos x="connsiteX11" y="connsiteY11"/>
+              </a:cxn>
+              <a:cxn ang="0">
+                <a:pos x="connsiteX12" y="connsiteY12"/>
+              </a:cxn>
+              <a:cxn ang="0">
+                <a:pos x="connsiteX13" y="connsiteY13"/>
+              </a:cxn>
+              <a:cxn ang="0">
+                <a:pos x="connsiteX14" y="connsiteY14"/>
+              </a:cxn>
+              <a:cxn ang="0">
+                <a:pos x="connsiteX15" y="connsiteY15"/>
+              </a:cxn>
+              <a:cxn ang="0">
+                <a:pos x="connsiteX16" y="connsiteY16"/>
+              </a:cxn>
+              <a:cxn ang="0">
+                <a:pos x="connsiteX17" y="connsiteY17"/>
+              </a:cxn>
+              <a:cxn ang="0">
+                <a:pos x="connsiteX18" y="connsiteY18"/>
+              </a:cxn>
+              <a:cxn ang="0">
+                <a:pos x="connsiteX19" y="connsiteY19"/>
+              </a:cxn>
+              <a:cxn ang="0">
+                <a:pos x="connsiteX20" y="connsiteY20"/>
+              </a:cxn>
+              <a:cxn ang="0">
+                <a:pos x="connsiteX21" y="connsiteY21"/>
+              </a:cxn>
+              <a:cxn ang="0">
+                <a:pos x="connsiteX22" y="connsiteY22"/>
+              </a:cxn>
+              <a:cxn ang="0">
+                <a:pos x="connsiteX23" y="connsiteY23"/>
+              </a:cxn>
+              <a:cxn ang="0">
+                <a:pos x="connsiteX24" y="connsiteY24"/>
+              </a:cxn>
+              <a:cxn ang="0">
+                <a:pos x="connsiteX25" y="connsiteY25"/>
+              </a:cxn>
+              <a:cxn ang="0">
+                <a:pos x="connsiteX26" y="connsiteY26"/>
+              </a:cxn>
+              <a:cxn ang="0">
+                <a:pos x="connsiteX27" y="connsiteY27"/>
+              </a:cxn>
+              <a:cxn ang="0">
+                <a:pos x="connsiteX28" y="connsiteY28"/>
+              </a:cxn>
+              <a:cxn ang="0">
+                <a:pos x="connsiteX29" y="connsiteY29"/>
+              </a:cxn>
+              <a:cxn ang="0">
+                <a:pos x="connsiteX30" y="connsiteY30"/>
+              </a:cxn>
+              <a:cxn ang="0">
+                <a:pos x="connsiteX31" y="connsiteY31"/>
+              </a:cxn>
+              <a:cxn ang="0">
+                <a:pos x="connsiteX32" y="connsiteY32"/>
+              </a:cxn>
+              <a:cxn ang="0">
+                <a:pos x="connsiteX33" y="connsiteY33"/>
+              </a:cxn>
+              <a:cxn ang="0">
+                <a:pos x="connsiteX34" y="connsiteY34"/>
+              </a:cxn>
+              <a:cxn ang="0">
+                <a:pos x="connsiteX35" y="connsiteY35"/>
+              </a:cxn>
+            </a:cxnLst>
+            <a:rect l="l" t="t" r="r" b="b"/>
+            <a:pathLst>
+              <a:path w="559472" h="3709642">
+                <a:moveTo>
+                  <a:pt x="0" y="0"/>
+                </a:moveTo>
+                <a:lnTo>
+                  <a:pt x="473952" y="0"/>
+                </a:lnTo>
+                <a:lnTo>
+                  <a:pt x="485840" y="161194"/>
+                </a:lnTo>
+                <a:cubicBezTo>
+                  <a:pt x="552063" y="1147770"/>
+                  <a:pt x="592441" y="3086737"/>
+                  <a:pt x="523949" y="3672197"/>
+                </a:cubicBezTo>
+                <a:cubicBezTo>
+                  <a:pt x="500842" y="3684557"/>
+                  <a:pt x="477855" y="3697282"/>
+                  <a:pt x="454748" y="3709642"/>
+                </a:cubicBezTo>
+                <a:lnTo>
+                  <a:pt x="448224" y="3510471"/>
+                </a:lnTo>
+                <a:lnTo>
+                  <a:pt x="443564" y="3408563"/>
+                </a:lnTo>
+                <a:lnTo>
+                  <a:pt x="438902" y="3304407"/>
+                </a:lnTo>
+                <a:lnTo>
+                  <a:pt x="433941" y="3198777"/>
+                </a:lnTo>
+                <a:lnTo>
+                  <a:pt x="427584" y="3092510"/>
+                </a:lnTo>
+                <a:lnTo>
+                  <a:pt x="420988" y="2984390"/>
+                </a:lnTo>
+                <a:lnTo>
+                  <a:pt x="414330" y="2874401"/>
+                </a:lnTo>
+                <a:lnTo>
+                  <a:pt x="406840" y="2762980"/>
+                </a:lnTo>
+                <a:lnTo>
+                  <a:pt x="397745" y="2650566"/>
+                </a:lnTo>
+                <a:lnTo>
+                  <a:pt x="389154" y="2536612"/>
+                </a:lnTo>
+                <a:lnTo>
+                  <a:pt x="379225" y="2421642"/>
+                </a:lnTo>
+                <a:lnTo>
+                  <a:pt x="368316" y="2305627"/>
+                </a:lnTo>
+                <a:lnTo>
+                  <a:pt x="357466" y="2189233"/>
+                </a:lnTo>
+                <a:lnTo>
+                  <a:pt x="344982" y="2071473"/>
+                </a:lnTo>
+                <a:lnTo>
+                  <a:pt x="332466" y="1952216"/>
+                </a:lnTo>
+                <a:lnTo>
+                  <a:pt x="319121" y="1833776"/>
+                </a:lnTo>
+                <a:lnTo>
+                  <a:pt x="304408" y="1713948"/>
+                </a:lnTo>
+                <a:lnTo>
+                  <a:pt x="288685" y="1592703"/>
+                </a:lnTo>
+                <a:lnTo>
+                  <a:pt x="273050" y="1471451"/>
+                </a:lnTo>
+                <a:lnTo>
+                  <a:pt x="255813" y="1350328"/>
+                </a:lnTo>
+                <a:lnTo>
+                  <a:pt x="237060" y="1227080"/>
+                </a:lnTo>
+                <a:lnTo>
+                  <a:pt x="218488" y="1106065"/>
+                </a:lnTo>
+                <a:lnTo>
+                  <a:pt x="198221" y="982940"/>
+                </a:lnTo>
+                <a:lnTo>
+                  <a:pt x="177152" y="858755"/>
+                </a:lnTo>
+                <a:lnTo>
+                  <a:pt x="155551" y="736861"/>
+                </a:lnTo>
+                <a:lnTo>
+                  <a:pt x="131782" y="613645"/>
+                </a:lnTo>
+                <a:lnTo>
+                  <a:pt x="107123" y="490500"/>
+                </a:lnTo>
+                <a:lnTo>
+                  <a:pt x="82552" y="367348"/>
+                </a:lnTo>
+                <a:lnTo>
+                  <a:pt x="55608" y="244762"/>
+                </a:lnTo>
+                <a:lnTo>
+                  <a:pt x="28130" y="122220"/>
+                </a:lnTo>
+                <a:lnTo>
+                  <a:pt x="0" y="0"/>
+                </a:lnTo>
+                <a:close/>
+              </a:path>
+            </a:pathLst>
+          </a:custGeom>
+          <a:solidFill>
+            <a:schemeClr val="tx1">
+              <a:alpha val="20000"/>
+            </a:schemeClr>
+          </a:solidFill>
+          <a:ln>
+            <a:noFill/>
+          </a:ln>
+        </p:spPr>
+        <p:txBody>
+          <a:bodyPr rtlCol="0" anchor="ctr"/>
+          <a:lstStyle/>
+          <a:p>
+            <a:pPr algn="ctr"/>
+            <a:endParaRPr lang="en-US"/>
+          </a:p>
+        </p:txBody>
+      </p:sp>
+      <p:sp>
+        <p:nvSpPr>
+          <p:cNvPr id="11" name="Rectangle 10">
+            <a:extLst>
+              <a:ext uri="{FF2B5EF4-FFF2-40B4-BE49-F238E27FC236}">
+                <a16:creationId xmlns:a16="http://schemas.microsoft.com/office/drawing/2014/main" id="{4109C3C2-C0A8-4559-8462-8007573DF44C}"/>
+              </a:ext>
+              <a:ext uri="{C183D7F6-B498-43B3-948B-1728B52AA6E4}">
+                <adec:decorative xmlns:adec="http://schemas.microsoft.com/office/drawing/2017/decorative" val="1"/>
+              </a:ext>
+            </a:extLst>
+          </p:cNvPr>
+          <p:cNvSpPr>
+            <a:spLocks noGrp="1" noRot="1" noChangeAspect="1" noMove="1" noResize="1" noEditPoints="1" noAdjustHandles="1" noChangeArrowheads="1" noChangeShapeType="1" noTextEdit="1"/>
+          </p:cNvSpPr>
+          <p:nvPr>
+            <p:extLst>
+              <p:ext uri="{386F3935-93C4-4BCD-93E2-E3B085C9AB24}">
+                <p16:designElem xmlns:p16="http://schemas.microsoft.com/office/powerpoint/2015/main" val="1"/>
+              </p:ext>
+            </p:extLst>
+          </p:nvPr>
+        </p:nvSpPr>
+        <p:spPr>
+          <a:xfrm>
+            <a:off x="6093992" y="0"/>
+            <a:ext cx="6098427" cy="6858000"/>
+          </a:xfrm>
+          <a:prstGeom prst="rect">
+            <a:avLst/>
+          </a:prstGeom>
+          <a:solidFill>
+            <a:srgbClr val="FFFFFF"/>
+          </a:solidFill>
+          <a:ln>
+            <a:noFill/>
+          </a:ln>
+        </p:spPr>
+        <p:style>
+          <a:lnRef idx="2">
+            <a:schemeClr val="accent1">
+              <a:shade val="50000"/>
+            </a:schemeClr>
+          </a:lnRef>
+          <a:fillRef idx="1">
+            <a:schemeClr val="accent1"/>
+          </a:fillRef>
+          <a:effectRef idx="0">
+            <a:schemeClr val="accent1"/>
+          </a:effectRef>
+          <a:fontRef idx="minor">
+            <a:schemeClr val="lt1"/>
+          </a:fontRef>
+        </p:style>
+        <p:txBody>
+          <a:bodyPr rtlCol="0" anchor="ctr"/>
+          <a:lstStyle/>
+          <a:p>
+            <a:pPr algn="ctr"/>
+            <a:endParaRPr lang="en-US"/>
+          </a:p>
+        </p:txBody>
+      </p:sp>
+      <p:sp>
+        <p:nvSpPr>
+          <p:cNvPr id="13" name="Freeform 5">
+            <a:extLst>
+              <a:ext uri="{FF2B5EF4-FFF2-40B4-BE49-F238E27FC236}">
+                <a16:creationId xmlns:a16="http://schemas.microsoft.com/office/drawing/2014/main" id="{4C535542-B72A-4DE0-BE5A-5EA00508C77D}"/>
+              </a:ext>
+              <a:ext uri="{C183D7F6-B498-43B3-948B-1728B52AA6E4}">
+                <adec:decorative xmlns:adec="http://schemas.microsoft.com/office/drawing/2017/decorative" val="1"/>
+              </a:ext>
+            </a:extLst>
+          </p:cNvPr>
+          <p:cNvSpPr>
+            <a:spLocks noGrp="1" noRot="1" noChangeAspect="1" noMove="1" noResize="1" noEditPoints="1" noAdjustHandles="1" noChangeArrowheads="1" noChangeShapeType="1" noTextEdit="1"/>
+          </p:cNvSpPr>
+          <p:nvPr>
+            <p:extLst>
+              <p:ext uri="{386F3935-93C4-4BCD-93E2-E3B085C9AB24}">
+                <p16:designElem xmlns:p16="http://schemas.microsoft.com/office/powerpoint/2015/main" val="1"/>
+              </p:ext>
+            </p:extLst>
+          </p:nvPr>
+        </p:nvSpPr>
+        <p:spPr bwMode="gray">
+          <a:xfrm rot="16200000">
+            <a:off x="2450577" y="2756642"/>
+            <a:ext cx="6858000" cy="1344715"/>
+          </a:xfrm>
+          <a:custGeom>
+            <a:avLst/>
+            <a:gdLst/>
+            <a:ahLst/>
+            <a:cxnLst/>
+            <a:rect l="l" t="t" r="r" b="b"/>
+            <a:pathLst>
+              <a:path w="10000" h="8000">
+                <a:moveTo>
+                  <a:pt x="0" y="0"/>
+                </a:moveTo>
+                <a:lnTo>
+                  <a:pt x="0" y="7970"/>
+                </a:lnTo>
+                <a:lnTo>
+                  <a:pt x="10000" y="8000"/>
+                </a:lnTo>
+                <a:lnTo>
+                  <a:pt x="10000" y="7"/>
+                </a:lnTo>
+                <a:lnTo>
+                  <a:pt x="10000" y="7"/>
+                </a:lnTo>
+                <a:lnTo>
+                  <a:pt x="9773" y="156"/>
+                </a:lnTo>
+                <a:lnTo>
+                  <a:pt x="9547" y="298"/>
+                </a:lnTo>
+                <a:lnTo>
+                  <a:pt x="9320" y="437"/>
+                </a:lnTo>
+                <a:lnTo>
+                  <a:pt x="9092" y="556"/>
+                </a:lnTo>
+                <a:lnTo>
+                  <a:pt x="8865" y="676"/>
+                </a:lnTo>
+                <a:lnTo>
+                  <a:pt x="8637" y="788"/>
+                </a:lnTo>
+                <a:lnTo>
+                  <a:pt x="8412" y="884"/>
+                </a:lnTo>
+                <a:lnTo>
+                  <a:pt x="8184" y="975"/>
+                </a:lnTo>
+                <a:lnTo>
+                  <a:pt x="7957" y="1058"/>
+                </a:lnTo>
+                <a:lnTo>
+                  <a:pt x="7734" y="1130"/>
+                </a:lnTo>
+                <a:lnTo>
+                  <a:pt x="7508" y="1202"/>
+                </a:lnTo>
+                <a:lnTo>
+                  <a:pt x="7285" y="1262"/>
+                </a:lnTo>
+                <a:lnTo>
+                  <a:pt x="7062" y="1309"/>
+                </a:lnTo>
+                <a:lnTo>
+                  <a:pt x="6840" y="1358"/>
+                </a:lnTo>
+                <a:lnTo>
+                  <a:pt x="6620" y="1399"/>
+                </a:lnTo>
+                <a:lnTo>
+                  <a:pt x="6402" y="1428"/>
+                </a:lnTo>
+                <a:lnTo>
+                  <a:pt x="6184" y="1453"/>
+                </a:lnTo>
+                <a:lnTo>
+                  <a:pt x="5968" y="1477"/>
+                </a:lnTo>
+                <a:lnTo>
+                  <a:pt x="5755" y="1488"/>
+                </a:lnTo>
+                <a:lnTo>
+                  <a:pt x="5542" y="1500"/>
+                </a:lnTo>
+                <a:lnTo>
+                  <a:pt x="5332" y="1506"/>
+                </a:lnTo>
+                <a:lnTo>
+                  <a:pt x="5124" y="1500"/>
+                </a:lnTo>
+                <a:lnTo>
+                  <a:pt x="4918" y="1500"/>
+                </a:lnTo>
+                <a:lnTo>
+                  <a:pt x="4714" y="1488"/>
+                </a:lnTo>
+                <a:lnTo>
+                  <a:pt x="4514" y="1470"/>
+                </a:lnTo>
+                <a:lnTo>
+                  <a:pt x="4316" y="1453"/>
+                </a:lnTo>
+                <a:lnTo>
+                  <a:pt x="4122" y="1434"/>
+                </a:lnTo>
+                <a:lnTo>
+                  <a:pt x="3929" y="1405"/>
+                </a:lnTo>
+                <a:lnTo>
+                  <a:pt x="3739" y="1374"/>
+                </a:lnTo>
+                <a:lnTo>
+                  <a:pt x="3553" y="1346"/>
+                </a:lnTo>
+                <a:lnTo>
+                  <a:pt x="3190" y="1267"/>
+                </a:lnTo>
+                <a:lnTo>
+                  <a:pt x="2842" y="1183"/>
+                </a:lnTo>
+                <a:lnTo>
+                  <a:pt x="2508" y="1095"/>
+                </a:lnTo>
+                <a:lnTo>
+                  <a:pt x="2192" y="998"/>
+                </a:lnTo>
+                <a:lnTo>
+                  <a:pt x="1890" y="897"/>
+                </a:lnTo>
+                <a:lnTo>
+                  <a:pt x="1610" y="788"/>
+                </a:lnTo>
+                <a:lnTo>
+                  <a:pt x="1347" y="681"/>
+                </a:lnTo>
+                <a:lnTo>
+                  <a:pt x="1105" y="574"/>
+                </a:lnTo>
+                <a:lnTo>
+                  <a:pt x="883" y="473"/>
+                </a:lnTo>
+                <a:lnTo>
+                  <a:pt x="686" y="377"/>
+                </a:lnTo>
+                <a:lnTo>
+                  <a:pt x="508" y="286"/>
+                </a:lnTo>
+                <a:lnTo>
+                  <a:pt x="358" y="210"/>
+                </a:lnTo>
+                <a:lnTo>
+                  <a:pt x="232" y="138"/>
+                </a:lnTo>
+                <a:lnTo>
+                  <a:pt x="59" y="35"/>
+                </a:lnTo>
+                <a:lnTo>
+                  <a:pt x="0" y="0"/>
+                </a:lnTo>
+                <a:lnTo>
+                  <a:pt x="0" y="0"/>
+                </a:lnTo>
+                <a:close/>
+              </a:path>
+            </a:pathLst>
+          </a:custGeom>
+          <a:solidFill>
+            <a:srgbClr val="FFFFFF"/>
+          </a:solidFill>
+          <a:ln>
+            <a:noFill/>
+          </a:ln>
+        </p:spPr>
+      </p:sp>
+      <p:sp>
+        <p:nvSpPr>
+          <p:cNvPr id="15" name="Rectangle 14">
+            <a:extLst>
+              <a:ext uri="{FF2B5EF4-FFF2-40B4-BE49-F238E27FC236}">
+                <a16:creationId xmlns:a16="http://schemas.microsoft.com/office/drawing/2014/main" id="{11DF0705-615B-4CF3-A16F-8C14680D8BA6}"/>
+              </a:ext>
+              <a:ext uri="{C183D7F6-B498-43B3-948B-1728B52AA6E4}">
+                <adec:decorative xmlns:adec="http://schemas.microsoft.com/office/drawing/2017/decorative" val="1"/>
+              </a:ext>
+            </a:extLst>
+          </p:cNvPr>
+          <p:cNvSpPr>
+            <a:spLocks noGrp="1" noRot="1" noChangeAspect="1" noMove="1" noResize="1" noEditPoints="1" noAdjustHandles="1" noChangeArrowheads="1" noChangeShapeType="1" noTextEdit="1"/>
+          </p:cNvSpPr>
+          <p:nvPr>
+            <p:extLst>
+              <p:ext uri="{386F3935-93C4-4BCD-93E2-E3B085C9AB24}">
+                <p16:designElem xmlns:p16="http://schemas.microsoft.com/office/powerpoint/2015/main" val="1"/>
+              </p:ext>
+            </p:extLst>
+          </p:nvPr>
+        </p:nvSpPr>
+        <p:spPr>
+          <a:xfrm>
+            <a:off x="10442448" y="0"/>
+            <a:ext cx="685800" cy="1143000"/>
+          </a:xfrm>
+          <a:prstGeom prst="rect">
+            <a:avLst/>
+          </a:prstGeom>
+          <a:solidFill>
+            <a:schemeClr val="accent1"/>
+          </a:solidFill>
+          <a:ln>
+            <a:noFill/>
+          </a:ln>
+        </p:spPr>
+        <p:style>
+          <a:lnRef idx="1">
+            <a:schemeClr val="accent1"/>
+          </a:lnRef>
+          <a:fillRef idx="3">
+            <a:schemeClr val="accent1"/>
+          </a:fillRef>
+          <a:effectRef idx="2">
+            <a:schemeClr val="accent1"/>
+          </a:effectRef>
+          <a:fontRef idx="minor">
+            <a:schemeClr val="lt1"/>
+          </a:fontRef>
+        </p:style>
+      </p:sp>
+      <p:pic>
+        <p:nvPicPr>
+          <p:cNvPr id="6" name="Graphic 5">
+            <a:extLst>
+              <a:ext uri="{FF2B5EF4-FFF2-40B4-BE49-F238E27FC236}">
+                <a16:creationId xmlns:a16="http://schemas.microsoft.com/office/drawing/2014/main" id="{D1D8ECB9-C42E-4232-8496-B77AD3F6666C}"/>
+              </a:ext>
+            </a:extLst>
+          </p:cNvPr>
+          <p:cNvPicPr>
+            <a:picLocks noChangeAspect="1"/>
+          </p:cNvPicPr>
+          <p:nvPr/>
+        </p:nvPicPr>
+        <p:blipFill>
+          <a:blip r:embed="rId3">
+            <a:extLst>
+              <a:ext uri="{96DAC541-7B7A-43D3-8B79-37D633B846F1}">
+                <asvg:svgBlip xmlns:asvg="http://schemas.microsoft.com/office/drawing/2016/SVG/main" r:embed="rId4"/>
+              </a:ext>
+            </a:extLst>
+          </a:blip>
+          <a:stretch>
+            <a:fillRect/>
+          </a:stretch>
+        </p:blipFill>
+        <p:spPr>
+          <a:xfrm>
+            <a:off x="5472420" y="1143000"/>
+            <a:ext cx="6704320" cy="4693024"/>
+          </a:xfrm>
+          <a:prstGeom prst="rect">
+            <a:avLst/>
+          </a:prstGeom>
+        </p:spPr>
+      </p:pic>
     </p:spTree>
     <p:extLst>
       <p:ext uri="{BB962C8B-B14F-4D97-AF65-F5344CB8AC3E}">
-        <p14:creationId xmlns:p14="http://schemas.microsoft.com/office/powerpoint/2010/main" val="1559373475"/>
+        <p14:creationId xmlns:p14="http://schemas.microsoft.com/office/powerpoint/2010/main" val="2655916380"/>
       </p:ext>
     </p:extLst>
   </p:cSld>
@@ -7065,7 +8628,7 @@
           <p:cNvPr id="2" name="Title 1">
             <a:extLst>
               <a:ext uri="{FF2B5EF4-FFF2-40B4-BE49-F238E27FC236}">
-                <a16:creationId xmlns:a16="http://schemas.microsoft.com/office/drawing/2014/main" id="{80BAC244-E4EC-4EA2-B6C9-46A4F5798A9A}"/>
+                <a16:creationId xmlns:a16="http://schemas.microsoft.com/office/drawing/2014/main" id="{DF8F9451-74E0-4DF3-99CC-EE32E248C9BB}"/>
               </a:ext>
             </a:extLst>
           </p:cNvPr>
@@ -7083,7 +8646,7 @@
           <a:p>
             <a:r>
               <a:rPr lang="en-US" dirty="0"/>
-              <a:t>Recommendation</a:t>
+              <a:t>Results</a:t>
             </a:r>
             <a:endParaRPr lang="en-SG" dirty="0"/>
           </a:p>
@@ -7094,7 +8657,7 @@
           <p:cNvPr id="3" name="Content Placeholder 2">
             <a:extLst>
               <a:ext uri="{FF2B5EF4-FFF2-40B4-BE49-F238E27FC236}">
-                <a16:creationId xmlns:a16="http://schemas.microsoft.com/office/drawing/2014/main" id="{3E0AB762-B5BB-4ADF-A25C-F49C88A1DE3F}"/>
+                <a16:creationId xmlns:a16="http://schemas.microsoft.com/office/drawing/2014/main" id="{470B84C3-8A2D-4DF3-A4E6-BF16D8207E67}"/>
               </a:ext>
             </a:extLst>
           </p:cNvPr>
@@ -7105,88 +8668,101 @@
             <p:ph idx="1"/>
           </p:nvPr>
         </p:nvSpPr>
-        <p:spPr/>
+        <p:spPr>
+          <a:xfrm>
+            <a:off x="1103312" y="1266738"/>
+            <a:ext cx="8946541" cy="4981661"/>
+          </a:xfrm>
+        </p:spPr>
         <p:txBody>
           <a:bodyPr>
-            <a:normAutofit fontScale="92500" lnSpcReduction="10000"/>
+            <a:normAutofit/>
           </a:bodyPr>
           <a:lstStyle/>
           <a:p>
-            <a:pPr marL="0" indent="0">
+            <a:r>
+              <a:rPr lang="en-SG" sz="2400" dirty="0"/>
+              <a:t>Top 5 busiest station</a:t>
+            </a:r>
+          </a:p>
+          <a:p>
+            <a:pPr marL="457200" lvl="1" indent="0">
               <a:buNone/>
             </a:pPr>
             <a:r>
-              <a:rPr lang="en-SG" sz="2800" dirty="0"/>
-              <a:t>Time</a:t>
-            </a:r>
+              <a:rPr lang="en-SG" sz="2000" dirty="0"/>
+              <a:t>1. Penn Station</a:t>
+            </a:r>
+            <a:br>
+              <a:rPr lang="en-SG" sz="2000" dirty="0"/>
+            </a:br>
+            <a:r>
+              <a:rPr lang="en-SG" sz="2000" dirty="0"/>
+              <a:t>2. 23rd Street</a:t>
+            </a:r>
+            <a:br>
+              <a:rPr lang="en-SG" sz="2000" dirty="0"/>
+            </a:br>
+            <a:r>
+              <a:rPr lang="en-SG" sz="2000" dirty="0"/>
+              <a:t>3. Herald Square</a:t>
+            </a:r>
+            <a:br>
+              <a:rPr lang="en-SG" sz="2000" dirty="0"/>
+            </a:br>
+            <a:r>
+              <a:rPr lang="en-SG" sz="2000" dirty="0"/>
+              <a:t>4. Times Square</a:t>
+            </a:r>
+            <a:br>
+              <a:rPr lang="en-SG" sz="2000" dirty="0"/>
+            </a:br>
+            <a:r>
+              <a:rPr lang="en-SG" sz="2000" dirty="0"/>
+              <a:t>5. Grand Central</a:t>
+            </a:r>
+          </a:p>
+          <a:p>
+            <a:r>
+              <a:rPr lang="en-SG" sz="2400" dirty="0"/>
+              <a:t>Peak traffic day (Wednesday)</a:t>
+            </a:r>
+          </a:p>
+          <a:p>
+            <a:r>
+              <a:rPr lang="en-SG" sz="2400" dirty="0"/>
+              <a:t>Peak traffic time (rush hours, lunch, evening)</a:t>
+            </a:r>
+          </a:p>
+          <a:p>
+            <a:r>
+              <a:rPr lang="en-SG" sz="2400" dirty="0"/>
+              <a:t>Demographics by gender</a:t>
+            </a:r>
+          </a:p>
+          <a:p>
+            <a:r>
+              <a:rPr lang="en-SG" sz="2400" dirty="0"/>
+              <a:t>Demographics by income (confirm that demographics were </a:t>
+            </a:r>
+            <a:r>
+              <a:rPr lang="en-SG" sz="2400" dirty="0" err="1"/>
+              <a:t>favorable</a:t>
+            </a:r>
+            <a:r>
+              <a:rPr lang="en-SG" sz="2400" dirty="0"/>
+              <a:t> for each station)</a:t>
+            </a:r>
+          </a:p>
+          <a:p>
             <a:endParaRPr lang="en-SG" sz="2400" dirty="0"/>
-          </a:p>
-          <a:p>
-            <a:r>
-              <a:rPr lang="en-SG" sz="2400" dirty="0"/>
-              <a:t>evening hours preferred</a:t>
-            </a:r>
-          </a:p>
-          <a:p>
-            <a:r>
-              <a:rPr lang="en-SG" sz="2400" dirty="0"/>
-              <a:t>people rush to work in the morning</a:t>
-            </a:r>
-          </a:p>
-          <a:p>
-            <a:endParaRPr lang="en-SG" sz="2400" dirty="0"/>
-          </a:p>
-          <a:p>
-            <a:pPr marL="0" indent="0">
-              <a:buNone/>
-            </a:pPr>
-            <a:r>
-              <a:rPr lang="en-SG" sz="2800" dirty="0"/>
-              <a:t>Place</a:t>
-            </a:r>
-            <a:endParaRPr lang="en-SG" sz="2400" dirty="0"/>
-          </a:p>
-          <a:p>
-            <a:pPr marL="0" indent="0">
-              <a:buNone/>
-            </a:pPr>
-            <a:r>
-              <a:rPr lang="en-SG" sz="2400" dirty="0"/>
-              <a:t>Top 5 stations identified</a:t>
-            </a:r>
-          </a:p>
-          <a:p>
-            <a:r>
-              <a:rPr lang="en-SG" sz="2400" dirty="0"/>
-              <a:t>high female population: majority (&gt;50%) female population</a:t>
-            </a:r>
-          </a:p>
-          <a:p>
-            <a:r>
-              <a:rPr lang="en-SG" sz="2400" dirty="0"/>
-              <a:t>high income </a:t>
-            </a:r>
-            <a:r>
-              <a:rPr lang="en-SG" sz="2400" dirty="0" err="1"/>
-              <a:t>residenial</a:t>
-            </a:r>
-            <a:r>
-              <a:rPr lang="en-SG" sz="2400" dirty="0"/>
-              <a:t> area</a:t>
-            </a:r>
-          </a:p>
-          <a:p>
-            <a:r>
-              <a:rPr lang="en-SG" sz="2400" dirty="0"/>
-              <a:t>high traffic flow in &amp; out of station</a:t>
-            </a:r>
           </a:p>
         </p:txBody>
       </p:sp>
     </p:spTree>
     <p:extLst>
       <p:ext uri="{BB962C8B-B14F-4D97-AF65-F5344CB8AC3E}">
-        <p14:creationId xmlns:p14="http://schemas.microsoft.com/office/powerpoint/2010/main" val="3534613728"/>
+        <p14:creationId xmlns:p14="http://schemas.microsoft.com/office/powerpoint/2010/main" val="1559373475"/>
       </p:ext>
     </p:extLst>
   </p:cSld>

--- a/OptimizeStreetTeamDeployment.pptx
+++ b/OptimizeStreetTeamDeployment.pptx
@@ -9,15 +9,16 @@
     <p:sldId id="258" r:id="rId3"/>
     <p:sldId id="259" r:id="rId4"/>
     <p:sldId id="260" r:id="rId5"/>
-    <p:sldId id="266" r:id="rId6"/>
-    <p:sldId id="267" r:id="rId7"/>
-    <p:sldId id="268" r:id="rId8"/>
+    <p:sldId id="270" r:id="rId6"/>
+    <p:sldId id="266" r:id="rId7"/>
+    <p:sldId id="267" r:id="rId8"/>
     <p:sldId id="269" r:id="rId9"/>
-    <p:sldId id="261" r:id="rId10"/>
-    <p:sldId id="262" r:id="rId11"/>
-    <p:sldId id="263" r:id="rId12"/>
-    <p:sldId id="264" r:id="rId13"/>
-    <p:sldId id="265" r:id="rId14"/>
+    <p:sldId id="268" r:id="rId10"/>
+    <p:sldId id="261" r:id="rId11"/>
+    <p:sldId id="262" r:id="rId12"/>
+    <p:sldId id="263" r:id="rId13"/>
+    <p:sldId id="264" r:id="rId14"/>
+    <p:sldId id="265" r:id="rId15"/>
   </p:sldIdLst>
   <p:sldSz cx="12192000" cy="6858000"/>
   <p:notesSz cx="6858000" cy="9144000"/>
@@ -6028,7 +6029,7 @@
           <p:cNvPr id="2" name="Title 1">
             <a:extLst>
               <a:ext uri="{FF2B5EF4-FFF2-40B4-BE49-F238E27FC236}">
-                <a16:creationId xmlns:a16="http://schemas.microsoft.com/office/drawing/2014/main" id="{80BAC244-E4EC-4EA2-B6C9-46A4F5798A9A}"/>
+                <a16:creationId xmlns:a16="http://schemas.microsoft.com/office/drawing/2014/main" id="{DF8F9451-74E0-4DF3-99CC-EE32E248C9BB}"/>
               </a:ext>
             </a:extLst>
           </p:cNvPr>
@@ -6046,7 +6047,7 @@
           <a:p>
             <a:r>
               <a:rPr lang="en-US" dirty="0"/>
-              <a:t>Recommendation</a:t>
+              <a:t>Summary results</a:t>
             </a:r>
             <a:endParaRPr lang="en-SG" dirty="0"/>
           </a:p>
@@ -6057,7 +6058,7 @@
           <p:cNvPr id="3" name="Content Placeholder 2">
             <a:extLst>
               <a:ext uri="{FF2B5EF4-FFF2-40B4-BE49-F238E27FC236}">
-                <a16:creationId xmlns:a16="http://schemas.microsoft.com/office/drawing/2014/main" id="{3E0AB762-B5BB-4ADF-A25C-F49C88A1DE3F}"/>
+                <a16:creationId xmlns:a16="http://schemas.microsoft.com/office/drawing/2014/main" id="{470B84C3-8A2D-4DF3-A4E6-BF16D8207E67}"/>
               </a:ext>
             </a:extLst>
           </p:cNvPr>
@@ -6068,88 +6069,208 @@
             <p:ph idx="1"/>
           </p:nvPr>
         </p:nvSpPr>
-        <p:spPr/>
+        <p:spPr>
+          <a:xfrm>
+            <a:off x="1103312" y="1266738"/>
+            <a:ext cx="8946541" cy="4981661"/>
+          </a:xfrm>
+        </p:spPr>
         <p:txBody>
           <a:bodyPr>
-            <a:normAutofit fontScale="92500" lnSpcReduction="10000"/>
+            <a:normAutofit/>
           </a:bodyPr>
           <a:lstStyle/>
           <a:p>
-            <a:pPr marL="0" indent="0">
+            <a:r>
+              <a:rPr lang="en-SG" sz="2400" dirty="0"/>
+              <a:t>Top 5 busiest stations (entire year 2017)</a:t>
+            </a:r>
+          </a:p>
+          <a:p>
+            <a:pPr marL="457200" lvl="1" indent="0">
               <a:buNone/>
             </a:pPr>
             <a:r>
-              <a:rPr lang="en-SG" sz="2800" dirty="0"/>
-              <a:t>Time</a:t>
-            </a:r>
+              <a:rPr lang="en-SG" sz="2400" dirty="0">
+                <a:solidFill>
+                  <a:schemeClr val="accent3">
+                    <a:lumMod val="20000"/>
+                    <a:lumOff val="80000"/>
+                  </a:schemeClr>
+                </a:solidFill>
+              </a:rPr>
+              <a:t>1. 34 Street-Penn Station</a:t>
+            </a:r>
+            <a:br>
+              <a:rPr lang="en-SG" sz="2400" dirty="0">
+                <a:solidFill>
+                  <a:schemeClr val="accent3">
+                    <a:lumMod val="20000"/>
+                    <a:lumOff val="80000"/>
+                  </a:schemeClr>
+                </a:solidFill>
+              </a:rPr>
+            </a:br>
+            <a:r>
+              <a:rPr lang="en-SG" sz="2400" dirty="0">
+                <a:solidFill>
+                  <a:schemeClr val="accent3">
+                    <a:lumMod val="20000"/>
+                    <a:lumOff val="80000"/>
+                  </a:schemeClr>
+                </a:solidFill>
+              </a:rPr>
+              <a:t>2. 23rd Street</a:t>
+            </a:r>
+            <a:br>
+              <a:rPr lang="en-SG" sz="2400" dirty="0">
+                <a:solidFill>
+                  <a:schemeClr val="accent3">
+                    <a:lumMod val="20000"/>
+                    <a:lumOff val="80000"/>
+                  </a:schemeClr>
+                </a:solidFill>
+              </a:rPr>
+            </a:br>
+            <a:r>
+              <a:rPr lang="en-SG" sz="2400" dirty="0">
+                <a:solidFill>
+                  <a:schemeClr val="accent3">
+                    <a:lumMod val="20000"/>
+                    <a:lumOff val="80000"/>
+                  </a:schemeClr>
+                </a:solidFill>
+              </a:rPr>
+              <a:t>3. Fulton Street</a:t>
+            </a:r>
+            <a:br>
+              <a:rPr lang="en-SG" sz="2400" dirty="0">
+                <a:solidFill>
+                  <a:schemeClr val="accent3">
+                    <a:lumMod val="20000"/>
+                    <a:lumOff val="80000"/>
+                  </a:schemeClr>
+                </a:solidFill>
+              </a:rPr>
+            </a:br>
+            <a:r>
+              <a:rPr lang="en-SG" sz="2400" dirty="0">
+                <a:solidFill>
+                  <a:schemeClr val="accent3">
+                    <a:lumMod val="20000"/>
+                    <a:lumOff val="80000"/>
+                  </a:schemeClr>
+                </a:solidFill>
+              </a:rPr>
+              <a:t>4. Times Square</a:t>
+            </a:r>
+            <a:br>
+              <a:rPr lang="en-SG" sz="2400" dirty="0">
+                <a:solidFill>
+                  <a:schemeClr val="accent3">
+                    <a:lumMod val="20000"/>
+                    <a:lumOff val="80000"/>
+                  </a:schemeClr>
+                </a:solidFill>
+              </a:rPr>
+            </a:br>
+            <a:r>
+              <a:rPr lang="en-SG" sz="2400" dirty="0">
+                <a:solidFill>
+                  <a:schemeClr val="accent3">
+                    <a:lumMod val="20000"/>
+                    <a:lumOff val="80000"/>
+                  </a:schemeClr>
+                </a:solidFill>
+              </a:rPr>
+              <a:t>5. 42 Street-Port Auth</a:t>
+            </a:r>
+            <a:endParaRPr lang="en-SG" sz="2000" dirty="0">
+              <a:solidFill>
+                <a:schemeClr val="accent3">
+                  <a:lumMod val="20000"/>
+                  <a:lumOff val="80000"/>
+                </a:schemeClr>
+              </a:solidFill>
+            </a:endParaRPr>
+          </a:p>
+          <a:p>
+            <a:r>
+              <a:rPr lang="en-SG" sz="2400" dirty="0"/>
+              <a:t>Peak traffic month: </a:t>
+            </a:r>
+            <a:r>
+              <a:rPr lang="en-SG" sz="2400" dirty="0">
+                <a:solidFill>
+                  <a:schemeClr val="accent3">
+                    <a:lumMod val="20000"/>
+                    <a:lumOff val="80000"/>
+                  </a:schemeClr>
+                </a:solidFill>
+              </a:rPr>
+              <a:t>October, August, May</a:t>
+            </a:r>
+          </a:p>
+          <a:p>
+            <a:r>
+              <a:rPr lang="en-SG" sz="2400" dirty="0"/>
+              <a:t>Peak traffic day: </a:t>
+            </a:r>
+            <a:r>
+              <a:rPr lang="en-SG" sz="2400" dirty="0">
+                <a:solidFill>
+                  <a:schemeClr val="accent3">
+                    <a:lumMod val="20000"/>
+                    <a:lumOff val="80000"/>
+                  </a:schemeClr>
+                </a:solidFill>
+              </a:rPr>
+              <a:t>Wednesday, Thursday, Friday</a:t>
+            </a:r>
+          </a:p>
+          <a:p>
+            <a:r>
+              <a:rPr lang="en-SG" sz="2400" dirty="0"/>
+              <a:t>Peak traffic time: </a:t>
+            </a:r>
+            <a:r>
+              <a:rPr lang="en-SG" sz="2400" dirty="0">
+                <a:solidFill>
+                  <a:schemeClr val="accent3">
+                    <a:lumMod val="20000"/>
+                    <a:lumOff val="80000"/>
+                  </a:schemeClr>
+                </a:solidFill>
+              </a:rPr>
+              <a:t>16:00-20:00, 08:00-12:00, 12:00-16:00</a:t>
+            </a:r>
+          </a:p>
+          <a:p>
+            <a:r>
+              <a:rPr lang="en-SG" sz="2400" dirty="0"/>
+              <a:t>High income residential area with majority (&gt;50%) female population: </a:t>
+            </a:r>
+            <a:r>
+              <a:rPr lang="en-SG" sz="2400" dirty="0">
+                <a:solidFill>
+                  <a:schemeClr val="accent3">
+                    <a:lumMod val="20000"/>
+                    <a:lumOff val="80000"/>
+                  </a:schemeClr>
+                </a:solidFill>
+              </a:rPr>
+              <a:t>New York County</a:t>
+            </a:r>
+          </a:p>
+          <a:p>
             <a:endParaRPr lang="en-SG" sz="2400" dirty="0"/>
-          </a:p>
-          <a:p>
-            <a:r>
-              <a:rPr lang="en-SG" sz="2400" dirty="0"/>
-              <a:t>evening hours preferred</a:t>
-            </a:r>
-          </a:p>
-          <a:p>
-            <a:r>
-              <a:rPr lang="en-SG" sz="2400" dirty="0"/>
-              <a:t>people rush to work in the morning</a:t>
-            </a:r>
-          </a:p>
-          <a:p>
-            <a:endParaRPr lang="en-SG" sz="2400" dirty="0"/>
-          </a:p>
-          <a:p>
-            <a:pPr marL="0" indent="0">
-              <a:buNone/>
-            </a:pPr>
-            <a:r>
-              <a:rPr lang="en-SG" sz="2800" dirty="0"/>
-              <a:t>Place</a:t>
-            </a:r>
-            <a:endParaRPr lang="en-SG" sz="2400" dirty="0"/>
-          </a:p>
-          <a:p>
-            <a:pPr marL="0" indent="0">
-              <a:buNone/>
-            </a:pPr>
-            <a:r>
-              <a:rPr lang="en-SG" sz="2400" dirty="0"/>
-              <a:t>Top 5 stations identified</a:t>
-            </a:r>
-          </a:p>
-          <a:p>
-            <a:r>
-              <a:rPr lang="en-SG" sz="2400" dirty="0"/>
-              <a:t>high female population: majority (&gt;50%) female population</a:t>
-            </a:r>
-          </a:p>
-          <a:p>
-            <a:r>
-              <a:rPr lang="en-SG" sz="2400" dirty="0"/>
-              <a:t>high income </a:t>
-            </a:r>
-            <a:r>
-              <a:rPr lang="en-SG" sz="2400" dirty="0" err="1"/>
-              <a:t>residenial</a:t>
-            </a:r>
-            <a:r>
-              <a:rPr lang="en-SG" sz="2400" dirty="0"/>
-              <a:t> area</a:t>
-            </a:r>
-          </a:p>
-          <a:p>
-            <a:r>
-              <a:rPr lang="en-SG" sz="2400" dirty="0"/>
-              <a:t>high traffic flow in &amp; out of station</a:t>
-            </a:r>
           </a:p>
         </p:txBody>
       </p:sp>
     </p:spTree>
     <p:extLst>
       <p:ext uri="{BB962C8B-B14F-4D97-AF65-F5344CB8AC3E}">
-        <p14:creationId xmlns:p14="http://schemas.microsoft.com/office/powerpoint/2010/main" val="3534613728"/>
+        <p14:creationId xmlns:p14="http://schemas.microsoft.com/office/powerpoint/2010/main" val="1559373475"/>
       </p:ext>
     </p:extLst>
   </p:cSld>
@@ -6181,7 +6302,7 @@
           <p:cNvPr id="2" name="Title 1">
             <a:extLst>
               <a:ext uri="{FF2B5EF4-FFF2-40B4-BE49-F238E27FC236}">
-                <a16:creationId xmlns:a16="http://schemas.microsoft.com/office/drawing/2014/main" id="{D6DF9255-77C0-4CE4-8381-A1F6CDB455DF}"/>
+                <a16:creationId xmlns:a16="http://schemas.microsoft.com/office/drawing/2014/main" id="{80BAC244-E4EC-4EA2-B6C9-46A4F5798A9A}"/>
               </a:ext>
             </a:extLst>
           </p:cNvPr>
@@ -6199,7 +6320,7 @@
           <a:p>
             <a:r>
               <a:rPr lang="en-US" dirty="0"/>
-              <a:t>Next Steps</a:t>
+              <a:t>Recommendation</a:t>
             </a:r>
             <a:endParaRPr lang="en-SG" dirty="0"/>
           </a:p>
@@ -6210,7 +6331,7 @@
           <p:cNvPr id="3" name="Content Placeholder 2">
             <a:extLst>
               <a:ext uri="{FF2B5EF4-FFF2-40B4-BE49-F238E27FC236}">
-                <a16:creationId xmlns:a16="http://schemas.microsoft.com/office/drawing/2014/main" id="{A00A855A-9451-488B-BE27-74C47B39724B}"/>
+                <a16:creationId xmlns:a16="http://schemas.microsoft.com/office/drawing/2014/main" id="{3E0AB762-B5BB-4ADF-A25C-F49C88A1DE3F}"/>
               </a:ext>
             </a:extLst>
           </p:cNvPr>
@@ -6221,38 +6342,215 @@
             <p:ph idx="1"/>
           </p:nvPr>
         </p:nvSpPr>
-        <p:spPr/>
+        <p:spPr>
+          <a:xfrm>
+            <a:off x="1103312" y="1510018"/>
+            <a:ext cx="8946541" cy="4738381"/>
+          </a:xfrm>
+        </p:spPr>
         <p:txBody>
           <a:bodyPr>
-            <a:normAutofit/>
+            <a:normAutofit fontScale="92500" lnSpcReduction="20000"/>
           </a:bodyPr>
           <a:lstStyle/>
           <a:p>
+            <a:pPr marL="0" indent="0">
+              <a:buNone/>
+            </a:pPr>
+            <a:r>
+              <a:rPr lang="en-SG" sz="2800" dirty="0"/>
+              <a:t>Month: </a:t>
+            </a:r>
+            <a:r>
+              <a:rPr lang="en-SG" sz="2800" dirty="0">
+                <a:solidFill>
+                  <a:schemeClr val="accent3">
+                    <a:lumMod val="20000"/>
+                    <a:lumOff val="80000"/>
+                  </a:schemeClr>
+                </a:solidFill>
+              </a:rPr>
+              <a:t>October</a:t>
+            </a:r>
+          </a:p>
+          <a:p>
+            <a:pPr marL="0" indent="0">
+              <a:buNone/>
+            </a:pPr>
+            <a:r>
+              <a:rPr lang="en-SG" sz="2800" dirty="0"/>
+              <a:t>Day: </a:t>
+            </a:r>
+            <a:r>
+              <a:rPr lang="en-SG" sz="2800" dirty="0">
+                <a:solidFill>
+                  <a:schemeClr val="accent3">
+                    <a:lumMod val="20000"/>
+                    <a:lumOff val="80000"/>
+                  </a:schemeClr>
+                </a:solidFill>
+              </a:rPr>
+              <a:t>Wednesday</a:t>
+            </a:r>
+          </a:p>
+          <a:p>
+            <a:pPr marL="0" indent="0">
+              <a:buNone/>
+            </a:pPr>
+            <a:r>
+              <a:rPr lang="en-SG" sz="2800" dirty="0"/>
+              <a:t>Time: </a:t>
+            </a:r>
+            <a:r>
+              <a:rPr lang="en-SG" sz="2800" dirty="0">
+                <a:solidFill>
+                  <a:schemeClr val="accent3">
+                    <a:lumMod val="20000"/>
+                    <a:lumOff val="80000"/>
+                  </a:schemeClr>
+                </a:solidFill>
+              </a:rPr>
+              <a:t>16:00-20:00</a:t>
+            </a:r>
+          </a:p>
+          <a:p>
             <a:r>
               <a:rPr lang="en-SG" sz="2400" dirty="0"/>
-              <a:t>Tourist data?</a:t>
+              <a:t>Evening hours preferred (people rush to work in the morning)</a:t>
+            </a:r>
+          </a:p>
+          <a:p>
+            <a:endParaRPr lang="en-SG" sz="2400" dirty="0"/>
+          </a:p>
+          <a:p>
+            <a:pPr marL="0" indent="0">
+              <a:buNone/>
+            </a:pPr>
+            <a:r>
+              <a:rPr lang="en-SG" sz="2800" dirty="0"/>
+              <a:t>Place: </a:t>
+            </a:r>
+          </a:p>
+          <a:p>
+            <a:pPr marL="0" indent="0">
+              <a:buNone/>
+            </a:pPr>
+            <a:r>
+              <a:rPr lang="en-SG" sz="2800" dirty="0"/>
+              <a:t>	</a:t>
+            </a:r>
+            <a:r>
+              <a:rPr lang="en-SG" sz="2800" dirty="0">
+                <a:solidFill>
+                  <a:schemeClr val="accent3">
+                    <a:lumMod val="20000"/>
+                    <a:lumOff val="80000"/>
+                  </a:schemeClr>
+                </a:solidFill>
+              </a:rPr>
+              <a:t>1. 34 Street-Penn Station</a:t>
+            </a:r>
+            <a:br>
+              <a:rPr lang="en-SG" sz="2800" dirty="0">
+                <a:solidFill>
+                  <a:schemeClr val="accent3">
+                    <a:lumMod val="20000"/>
+                    <a:lumOff val="80000"/>
+                  </a:schemeClr>
+                </a:solidFill>
+              </a:rPr>
+            </a:br>
+            <a:r>
+              <a:rPr lang="en-SG" sz="2800" dirty="0">
+                <a:solidFill>
+                  <a:schemeClr val="accent3">
+                    <a:lumMod val="20000"/>
+                    <a:lumOff val="80000"/>
+                  </a:schemeClr>
+                </a:solidFill>
+              </a:rPr>
+              <a:t>	2. 23rd Street</a:t>
+            </a:r>
+            <a:br>
+              <a:rPr lang="en-SG" sz="2800" dirty="0">
+                <a:solidFill>
+                  <a:schemeClr val="accent3">
+                    <a:lumMod val="20000"/>
+                    <a:lumOff val="80000"/>
+                  </a:schemeClr>
+                </a:solidFill>
+              </a:rPr>
+            </a:br>
+            <a:r>
+              <a:rPr lang="en-SG" sz="2800" dirty="0">
+                <a:solidFill>
+                  <a:schemeClr val="accent3">
+                    <a:lumMod val="20000"/>
+                    <a:lumOff val="80000"/>
+                  </a:schemeClr>
+                </a:solidFill>
+              </a:rPr>
+              <a:t>	3. Fulton Street</a:t>
+            </a:r>
+            <a:br>
+              <a:rPr lang="en-SG" sz="2800" dirty="0">
+                <a:solidFill>
+                  <a:schemeClr val="accent3">
+                    <a:lumMod val="20000"/>
+                    <a:lumOff val="80000"/>
+                  </a:schemeClr>
+                </a:solidFill>
+              </a:rPr>
+            </a:br>
+            <a:r>
+              <a:rPr lang="en-SG" sz="2800" dirty="0">
+                <a:solidFill>
+                  <a:schemeClr val="accent3">
+                    <a:lumMod val="20000"/>
+                    <a:lumOff val="80000"/>
+                  </a:schemeClr>
+                </a:solidFill>
+              </a:rPr>
+              <a:t>	4. Times Square</a:t>
+            </a:r>
+            <a:br>
+              <a:rPr lang="en-SG" sz="2800" dirty="0">
+                <a:solidFill>
+                  <a:schemeClr val="accent3">
+                    <a:lumMod val="20000"/>
+                    <a:lumOff val="80000"/>
+                  </a:schemeClr>
+                </a:solidFill>
+              </a:rPr>
+            </a:br>
+            <a:r>
+              <a:rPr lang="en-SG" sz="2800" dirty="0">
+                <a:solidFill>
+                  <a:schemeClr val="accent3">
+                    <a:lumMod val="20000"/>
+                    <a:lumOff val="80000"/>
+                  </a:schemeClr>
+                </a:solidFill>
+              </a:rPr>
+              <a:t>	5. 42 Street-Port Auth</a:t>
             </a:r>
           </a:p>
           <a:p>
             <a:r>
               <a:rPr lang="en-SG" sz="2400" dirty="0"/>
-              <a:t>More yearly data needed to recommend monthly seasonality</a:t>
-            </a:r>
-          </a:p>
-          <a:p>
+              <a:t>Demographics were </a:t>
+            </a:r>
+            <a:r>
+              <a:rPr lang="en-SG" sz="2400" dirty="0" err="1"/>
+              <a:t>favorable</a:t>
+            </a:r>
             <a:r>
               <a:rPr lang="en-SG" sz="2400" dirty="0"/>
-              <a:t>An efficient process that deploys teams and collects signature results in real time</a:t>
+              <a:t> for each station</a:t>
             </a:r>
           </a:p>
           <a:p>
             <a:endParaRPr lang="en-SG" sz="2400" dirty="0"/>
-          </a:p>
-          <a:p>
-            <a:r>
-              <a:rPr lang="en-SG" sz="2400" dirty="0"/>
-              <a:t>Top 5 stations differ from MTA published results</a:t>
-            </a:r>
           </a:p>
           <a:p>
             <a:endParaRPr lang="en-SG" sz="2400" dirty="0"/>
@@ -6262,7 +6560,7 @@
     </p:spTree>
     <p:extLst>
       <p:ext uri="{BB962C8B-B14F-4D97-AF65-F5344CB8AC3E}">
-        <p14:creationId xmlns:p14="http://schemas.microsoft.com/office/powerpoint/2010/main" val="1025635242"/>
+        <p14:creationId xmlns:p14="http://schemas.microsoft.com/office/powerpoint/2010/main" val="3534613728"/>
       </p:ext>
     </p:extLst>
   </p:cSld>
@@ -6294,7 +6592,7 @@
           <p:cNvPr id="2" name="Title 1">
             <a:extLst>
               <a:ext uri="{FF2B5EF4-FFF2-40B4-BE49-F238E27FC236}">
-                <a16:creationId xmlns:a16="http://schemas.microsoft.com/office/drawing/2014/main" id="{40C12D8A-3E71-431F-BDC4-F0339C2DBCF2}"/>
+                <a16:creationId xmlns:a16="http://schemas.microsoft.com/office/drawing/2014/main" id="{D6DF9255-77C0-4CE4-8381-A1F6CDB455DF}"/>
               </a:ext>
             </a:extLst>
           </p:cNvPr>
@@ -6310,7 +6608,11 @@
           <a:bodyPr/>
           <a:lstStyle/>
           <a:p>
-            <a:endParaRPr lang="en-SG"/>
+            <a:r>
+              <a:rPr lang="en-US" dirty="0"/>
+              <a:t>Next Steps</a:t>
+            </a:r>
+            <a:endParaRPr lang="en-SG" dirty="0"/>
           </a:p>
         </p:txBody>
       </p:sp>
@@ -6319,7 +6621,7 @@
           <p:cNvPr id="3" name="Content Placeholder 2">
             <a:extLst>
               <a:ext uri="{FF2B5EF4-FFF2-40B4-BE49-F238E27FC236}">
-                <a16:creationId xmlns:a16="http://schemas.microsoft.com/office/drawing/2014/main" id="{01569AD5-6745-4C38-B8F0-331D2FFC7618}"/>
+                <a16:creationId xmlns:a16="http://schemas.microsoft.com/office/drawing/2014/main" id="{A00A855A-9451-488B-BE27-74C47B39724B}"/>
               </a:ext>
             </a:extLst>
           </p:cNvPr>
@@ -6332,24 +6634,37 @@
         </p:nvSpPr>
         <p:spPr/>
         <p:txBody>
-          <a:bodyPr/>
+          <a:bodyPr>
+            <a:normAutofit/>
+          </a:bodyPr>
           <a:lstStyle/>
           <a:p>
-            <a:pPr marL="0" indent="0" algn="ctr">
-              <a:buNone/>
-            </a:pPr>
-            <a:r>
-              <a:rPr lang="en-US" dirty="0"/>
-              <a:t>Thank you</a:t>
-            </a:r>
-            <a:endParaRPr lang="en-SG" dirty="0"/>
+            <a:r>
+              <a:rPr lang="en-SG" sz="2400" dirty="0"/>
+              <a:t>Additional yearly data needed to conclude monthly seasonality</a:t>
+            </a:r>
+          </a:p>
+          <a:p>
+            <a:r>
+              <a:rPr lang="en-SG" sz="2400" dirty="0"/>
+              <a:t>An efficient process that deploys teams and collects signature results in real time</a:t>
+            </a:r>
+          </a:p>
+          <a:p>
+            <a:endParaRPr lang="en-SG" sz="2400" dirty="0"/>
+          </a:p>
+          <a:p>
+            <a:endParaRPr lang="en-SG" sz="2400" dirty="0"/>
+          </a:p>
+          <a:p>
+            <a:endParaRPr lang="en-SG" sz="2400" dirty="0"/>
           </a:p>
         </p:txBody>
       </p:sp>
     </p:spTree>
     <p:extLst>
       <p:ext uri="{BB962C8B-B14F-4D97-AF65-F5344CB8AC3E}">
-        <p14:creationId xmlns:p14="http://schemas.microsoft.com/office/powerpoint/2010/main" val="2472098977"/>
+        <p14:creationId xmlns:p14="http://schemas.microsoft.com/office/powerpoint/2010/main" val="1025635242"/>
       </p:ext>
     </p:extLst>
   </p:cSld>
@@ -6378,6 +6693,80 @@
       </p:grpSpPr>
       <p:sp>
         <p:nvSpPr>
+          <p:cNvPr id="3" name="Content Placeholder 2">
+            <a:extLst>
+              <a:ext uri="{FF2B5EF4-FFF2-40B4-BE49-F238E27FC236}">
+                <a16:creationId xmlns:a16="http://schemas.microsoft.com/office/drawing/2014/main" id="{01569AD5-6745-4C38-B8F0-331D2FFC7618}"/>
+              </a:ext>
+            </a:extLst>
+          </p:cNvPr>
+          <p:cNvSpPr>
+            <a:spLocks noGrp="1"/>
+          </p:cNvSpPr>
+          <p:nvPr>
+            <p:ph idx="1"/>
+          </p:nvPr>
+        </p:nvSpPr>
+        <p:spPr/>
+        <p:txBody>
+          <a:bodyPr/>
+          <a:lstStyle/>
+          <a:p>
+            <a:pPr marL="0" indent="0" algn="ctr">
+              <a:buNone/>
+            </a:pPr>
+            <a:endParaRPr lang="en-US" dirty="0"/>
+          </a:p>
+          <a:p>
+            <a:pPr marL="0" indent="0" algn="ctr">
+              <a:buNone/>
+            </a:pPr>
+            <a:endParaRPr lang="en-US" dirty="0"/>
+          </a:p>
+          <a:p>
+            <a:pPr marL="0" indent="0" algn="ctr">
+              <a:buNone/>
+            </a:pPr>
+            <a:r>
+              <a:rPr lang="en-US" dirty="0"/>
+              <a:t>Thank you</a:t>
+            </a:r>
+            <a:endParaRPr lang="en-SG" dirty="0"/>
+          </a:p>
+        </p:txBody>
+      </p:sp>
+    </p:spTree>
+    <p:extLst>
+      <p:ext uri="{BB962C8B-B14F-4D97-AF65-F5344CB8AC3E}">
+        <p14:creationId xmlns:p14="http://schemas.microsoft.com/office/powerpoint/2010/main" val="2472098977"/>
+      </p:ext>
+    </p:extLst>
+  </p:cSld>
+  <p:clrMapOvr>
+    <a:masterClrMapping/>
+  </p:clrMapOvr>
+</p:sld>
+</file>
+
+<file path=ppt/slides/slide14.xml><?xml version="1.0" encoding="utf-8"?>
+<p:sld xmlns:a="http://schemas.openxmlformats.org/drawingml/2006/main" xmlns:r="http://schemas.openxmlformats.org/officeDocument/2006/relationships" xmlns:p="http://schemas.openxmlformats.org/presentationml/2006/main">
+  <p:cSld>
+    <p:spTree>
+      <p:nvGrpSpPr>
+        <p:cNvPr id="1" name=""/>
+        <p:cNvGrpSpPr/>
+        <p:nvPr/>
+      </p:nvGrpSpPr>
+      <p:grpSpPr>
+        <a:xfrm>
+          <a:off x="0" y="0"/>
+          <a:ext cx="0" cy="0"/>
+          <a:chOff x="0" y="0"/>
+          <a:chExt cx="0" cy="0"/>
+        </a:xfrm>
+      </p:grpSpPr>
+      <p:sp>
+        <p:nvSpPr>
           <p:cNvPr id="2" name="Title 1">
             <a:extLst>
               <a:ext uri="{FF2B5EF4-FFF2-40B4-BE49-F238E27FC236}">
@@ -6397,7 +6786,11 @@
           <a:bodyPr/>
           <a:lstStyle/>
           <a:p>
-            <a:endParaRPr lang="en-SG"/>
+            <a:r>
+              <a:rPr lang="en-US" dirty="0"/>
+              <a:t>Interesting insights</a:t>
+            </a:r>
+            <a:endParaRPr lang="en-SG" dirty="0"/>
           </a:p>
         </p:txBody>
       </p:sp>
@@ -6422,7 +6815,22 @@
           <a:bodyPr/>
           <a:lstStyle/>
           <a:p>
-            <a:endParaRPr lang="en-SG"/>
+            <a:r>
+              <a:rPr lang="en-SG" dirty="0"/>
+              <a:t>Top 5 stations differ from MTA published results</a:t>
+            </a:r>
+          </a:p>
+          <a:p>
+            <a:endParaRPr lang="en-SG" dirty="0"/>
+          </a:p>
+          <a:p>
+            <a:r>
+              <a:rPr lang="en-SG" dirty="0"/>
+              <a:t>Tourist data?</a:t>
+            </a:r>
+          </a:p>
+          <a:p>
+            <a:endParaRPr lang="en-SG" dirty="0"/>
           </a:p>
         </p:txBody>
       </p:sp>
@@ -6633,8 +7041,8 @@
         </p:nvSpPr>
         <p:spPr>
           <a:xfrm>
-            <a:off x="1103312" y="1510018"/>
-            <a:ext cx="8946541" cy="4738381"/>
+            <a:off x="1103312" y="1853248"/>
+            <a:ext cx="8946541" cy="4395151"/>
           </a:xfrm>
         </p:spPr>
         <p:txBody>
@@ -6644,20 +7052,38 @@
           <a:lstStyle/>
           <a:p>
             <a:r>
+              <a:rPr lang="en-SG" sz="2400" dirty="0">
+                <a:hlinkClick r:id="rId2"/>
+              </a:rPr>
+              <a:t>MTA Turnstile Data</a:t>
+            </a:r>
+            <a:r>
               <a:rPr lang="en-SG" sz="2400" dirty="0"/>
-              <a:t>MTA subway data from data.ny.gov</a:t>
-            </a:r>
-          </a:p>
-          <a:p>
+              <a:t> from data.ny.gov</a:t>
+            </a:r>
+          </a:p>
+          <a:p>
+            <a:r>
+              <a:rPr lang="en-SG" sz="2400" dirty="0">
+                <a:hlinkClick r:id="rId3"/>
+              </a:rPr>
+              <a:t>Demographic Data</a:t>
+            </a:r>
             <a:r>
               <a:rPr lang="en-SG" sz="2400" dirty="0"/>
-              <a:t>Demographic data from U.S. Census Bureau </a:t>
-            </a:r>
-          </a:p>
-          <a:p>
+              <a:t> from U.S. Census Bureau </a:t>
+            </a:r>
+          </a:p>
+          <a:p>
+            <a:r>
+              <a:rPr lang="en-SG" sz="2400" dirty="0">
+                <a:hlinkClick r:id="rId4"/>
+              </a:rPr>
+              <a:t>Mapping New York City Census Data</a:t>
+            </a:r>
             <a:r>
               <a:rPr lang="en-SG" sz="2400" dirty="0"/>
-              <a:t>Mapping New York City Census Data on Kaggle.com</a:t>
+              <a:t> on Kaggle.com</a:t>
             </a:r>
           </a:p>
         </p:txBody>
@@ -6676,276 +7102,6 @@
 </file>
 
 <file path=ppt/slides/slide4.xml><?xml version="1.0" encoding="utf-8"?>
-<p:sld xmlns:a="http://schemas.openxmlformats.org/drawingml/2006/main" xmlns:r="http://schemas.openxmlformats.org/officeDocument/2006/relationships" xmlns:p="http://schemas.openxmlformats.org/presentationml/2006/main">
-  <p:cSld>
-    <p:spTree>
-      <p:nvGrpSpPr>
-        <p:cNvPr id="1" name=""/>
-        <p:cNvGrpSpPr/>
-        <p:nvPr/>
-      </p:nvGrpSpPr>
-      <p:grpSpPr>
-        <a:xfrm>
-          <a:off x="0" y="0"/>
-          <a:ext cx="0" cy="0"/>
-          <a:chOff x="0" y="0"/>
-          <a:chExt cx="0" cy="0"/>
-        </a:xfrm>
-      </p:grpSpPr>
-      <p:sp>
-        <p:nvSpPr>
-          <p:cNvPr id="2" name="Title 1">
-            <a:extLst>
-              <a:ext uri="{FF2B5EF4-FFF2-40B4-BE49-F238E27FC236}">
-                <a16:creationId xmlns:a16="http://schemas.microsoft.com/office/drawing/2014/main" id="{8BAAC7A6-57DA-489D-A467-D28AE49D7A8C}"/>
-              </a:ext>
-            </a:extLst>
-          </p:cNvPr>
-          <p:cNvSpPr>
-            <a:spLocks noGrp="1"/>
-          </p:cNvSpPr>
-          <p:nvPr>
-            <p:ph type="title"/>
-          </p:nvPr>
-        </p:nvSpPr>
-        <p:spPr/>
-        <p:txBody>
-          <a:bodyPr/>
-          <a:lstStyle/>
-          <a:p>
-            <a:r>
-              <a:rPr lang="en-US" dirty="0"/>
-              <a:t>Areas explored</a:t>
-            </a:r>
-            <a:endParaRPr lang="en-SG" dirty="0"/>
-          </a:p>
-        </p:txBody>
-      </p:sp>
-      <p:sp>
-        <p:nvSpPr>
-          <p:cNvPr id="3" name="Content Placeholder 2">
-            <a:extLst>
-              <a:ext uri="{FF2B5EF4-FFF2-40B4-BE49-F238E27FC236}">
-                <a16:creationId xmlns:a16="http://schemas.microsoft.com/office/drawing/2014/main" id="{293FCE9B-C27D-4872-8320-609F4718D3AB}"/>
-              </a:ext>
-            </a:extLst>
-          </p:cNvPr>
-          <p:cNvSpPr>
-            <a:spLocks noGrp="1"/>
-          </p:cNvSpPr>
-          <p:nvPr>
-            <p:ph idx="1"/>
-          </p:nvPr>
-        </p:nvSpPr>
-        <p:spPr/>
-        <p:txBody>
-          <a:bodyPr>
-            <a:normAutofit/>
-          </a:bodyPr>
-          <a:lstStyle/>
-          <a:p>
-            <a:r>
-              <a:rPr lang="en-SG" sz="2400" dirty="0"/>
-              <a:t>Traffic volume by station</a:t>
-            </a:r>
-          </a:p>
-          <a:p>
-            <a:endParaRPr lang="en-SG" sz="2400" dirty="0"/>
-          </a:p>
-        </p:txBody>
-      </p:sp>
-    </p:spTree>
-    <p:extLst>
-      <p:ext uri="{BB962C8B-B14F-4D97-AF65-F5344CB8AC3E}">
-        <p14:creationId xmlns:p14="http://schemas.microsoft.com/office/powerpoint/2010/main" val="2040795128"/>
-      </p:ext>
-    </p:extLst>
-  </p:cSld>
-  <p:clrMapOvr>
-    <a:masterClrMapping/>
-  </p:clrMapOvr>
-</p:sld>
-</file>
-
-<file path=ppt/slides/slide5.xml><?xml version="1.0" encoding="utf-8"?>
-<p:sld xmlns:a="http://schemas.openxmlformats.org/drawingml/2006/main" xmlns:r="http://schemas.openxmlformats.org/officeDocument/2006/relationships" xmlns:p="http://schemas.openxmlformats.org/presentationml/2006/main">
-  <p:cSld>
-    <p:spTree>
-      <p:nvGrpSpPr>
-        <p:cNvPr id="1" name=""/>
-        <p:cNvGrpSpPr/>
-        <p:nvPr/>
-      </p:nvGrpSpPr>
-      <p:grpSpPr>
-        <a:xfrm>
-          <a:off x="0" y="0"/>
-          <a:ext cx="0" cy="0"/>
-          <a:chOff x="0" y="0"/>
-          <a:chExt cx="0" cy="0"/>
-        </a:xfrm>
-      </p:grpSpPr>
-      <p:sp>
-        <p:nvSpPr>
-          <p:cNvPr id="2" name="Title 1">
-            <a:extLst>
-              <a:ext uri="{FF2B5EF4-FFF2-40B4-BE49-F238E27FC236}">
-                <a16:creationId xmlns:a16="http://schemas.microsoft.com/office/drawing/2014/main" id="{8BAAC7A6-57DA-489D-A467-D28AE49D7A8C}"/>
-              </a:ext>
-            </a:extLst>
-          </p:cNvPr>
-          <p:cNvSpPr>
-            <a:spLocks noGrp="1"/>
-          </p:cNvSpPr>
-          <p:nvPr>
-            <p:ph type="title"/>
-          </p:nvPr>
-        </p:nvSpPr>
-        <p:spPr/>
-        <p:txBody>
-          <a:bodyPr/>
-          <a:lstStyle/>
-          <a:p>
-            <a:r>
-              <a:rPr lang="en-US" dirty="0"/>
-              <a:t>Areas explored</a:t>
-            </a:r>
-            <a:endParaRPr lang="en-SG" dirty="0"/>
-          </a:p>
-        </p:txBody>
-      </p:sp>
-      <p:sp>
-        <p:nvSpPr>
-          <p:cNvPr id="3" name="Content Placeholder 2">
-            <a:extLst>
-              <a:ext uri="{FF2B5EF4-FFF2-40B4-BE49-F238E27FC236}">
-                <a16:creationId xmlns:a16="http://schemas.microsoft.com/office/drawing/2014/main" id="{293FCE9B-C27D-4872-8320-609F4718D3AB}"/>
-              </a:ext>
-            </a:extLst>
-          </p:cNvPr>
-          <p:cNvSpPr>
-            <a:spLocks noGrp="1"/>
-          </p:cNvSpPr>
-          <p:nvPr>
-            <p:ph idx="1"/>
-          </p:nvPr>
-        </p:nvSpPr>
-        <p:spPr/>
-        <p:txBody>
-          <a:bodyPr>
-            <a:normAutofit/>
-          </a:bodyPr>
-          <a:lstStyle/>
-          <a:p>
-            <a:r>
-              <a:rPr lang="en-SG" sz="2400" dirty="0"/>
-              <a:t>weekly patterns of ridership (weekday/weekend) - weekly dip on the weekends</a:t>
-            </a:r>
-          </a:p>
-        </p:txBody>
-      </p:sp>
-    </p:spTree>
-    <p:extLst>
-      <p:ext uri="{BB962C8B-B14F-4D97-AF65-F5344CB8AC3E}">
-        <p14:creationId xmlns:p14="http://schemas.microsoft.com/office/powerpoint/2010/main" val="3948009706"/>
-      </p:ext>
-    </p:extLst>
-  </p:cSld>
-  <p:clrMapOvr>
-    <a:masterClrMapping/>
-  </p:clrMapOvr>
-</p:sld>
-</file>
-
-<file path=ppt/slides/slide6.xml><?xml version="1.0" encoding="utf-8"?>
-<p:sld xmlns:a="http://schemas.openxmlformats.org/drawingml/2006/main" xmlns:r="http://schemas.openxmlformats.org/officeDocument/2006/relationships" xmlns:p="http://schemas.openxmlformats.org/presentationml/2006/main">
-  <p:cSld>
-    <p:spTree>
-      <p:nvGrpSpPr>
-        <p:cNvPr id="1" name=""/>
-        <p:cNvGrpSpPr/>
-        <p:nvPr/>
-      </p:nvGrpSpPr>
-      <p:grpSpPr>
-        <a:xfrm>
-          <a:off x="0" y="0"/>
-          <a:ext cx="0" cy="0"/>
-          <a:chOff x="0" y="0"/>
-          <a:chExt cx="0" cy="0"/>
-        </a:xfrm>
-      </p:grpSpPr>
-      <p:sp>
-        <p:nvSpPr>
-          <p:cNvPr id="2" name="Title 1">
-            <a:extLst>
-              <a:ext uri="{FF2B5EF4-FFF2-40B4-BE49-F238E27FC236}">
-                <a16:creationId xmlns:a16="http://schemas.microsoft.com/office/drawing/2014/main" id="{8BAAC7A6-57DA-489D-A467-D28AE49D7A8C}"/>
-              </a:ext>
-            </a:extLst>
-          </p:cNvPr>
-          <p:cNvSpPr>
-            <a:spLocks noGrp="1"/>
-          </p:cNvSpPr>
-          <p:nvPr>
-            <p:ph type="title"/>
-          </p:nvPr>
-        </p:nvSpPr>
-        <p:spPr/>
-        <p:txBody>
-          <a:bodyPr/>
-          <a:lstStyle/>
-          <a:p>
-            <a:r>
-              <a:rPr lang="en-US" dirty="0"/>
-              <a:t>Areas explored</a:t>
-            </a:r>
-            <a:endParaRPr lang="en-SG" dirty="0"/>
-          </a:p>
-        </p:txBody>
-      </p:sp>
-      <p:sp>
-        <p:nvSpPr>
-          <p:cNvPr id="3" name="Content Placeholder 2">
-            <a:extLst>
-              <a:ext uri="{FF2B5EF4-FFF2-40B4-BE49-F238E27FC236}">
-                <a16:creationId xmlns:a16="http://schemas.microsoft.com/office/drawing/2014/main" id="{293FCE9B-C27D-4872-8320-609F4718D3AB}"/>
-              </a:ext>
-            </a:extLst>
-          </p:cNvPr>
-          <p:cNvSpPr>
-            <a:spLocks noGrp="1"/>
-          </p:cNvSpPr>
-          <p:nvPr>
-            <p:ph idx="1"/>
-          </p:nvPr>
-        </p:nvSpPr>
-        <p:spPr/>
-        <p:txBody>
-          <a:bodyPr>
-            <a:normAutofit/>
-          </a:bodyPr>
-          <a:lstStyle/>
-          <a:p>
-            <a:r>
-              <a:rPr lang="en-SG" sz="2400" dirty="0"/>
-              <a:t>Traffic volume by time (morning/lunch/afternoon/evening)</a:t>
-            </a:r>
-          </a:p>
-        </p:txBody>
-      </p:sp>
-    </p:spTree>
-    <p:extLst>
-      <p:ext uri="{BB962C8B-B14F-4D97-AF65-F5344CB8AC3E}">
-        <p14:creationId xmlns:p14="http://schemas.microsoft.com/office/powerpoint/2010/main" val="423824939"/>
-      </p:ext>
-    </p:extLst>
-  </p:cSld>
-  <p:clrMapOvr>
-    <a:masterClrMapping/>
-  </p:clrMapOvr>
-</p:sld>
-</file>
-
-<file path=ppt/slides/slide7.xml><?xml version="1.0" encoding="utf-8"?>
 <p:sld xmlns:a="http://schemas.openxmlformats.org/drawingml/2006/main" xmlns:r="http://schemas.openxmlformats.org/officeDocument/2006/relationships" xmlns:p="http://schemas.openxmlformats.org/presentationml/2006/main">
   <p:cSld>
     <p:bg>
@@ -7005,7 +7161,7 @@
         <p:spPr>
           <a:xfrm>
             <a:off x="648931" y="629266"/>
-            <a:ext cx="4166510" cy="1622321"/>
+            <a:ext cx="2950985" cy="1622321"/>
           </a:xfrm>
         </p:spPr>
         <p:txBody>
@@ -7015,7 +7171,7 @@
           <a:lstStyle/>
           <a:p>
             <a:r>
-              <a:rPr lang="en-US"/>
+              <a:rPr lang="en-US" dirty="0"/>
               <a:t>Areas explored</a:t>
             </a:r>
             <a:endParaRPr lang="en-SG" dirty="0"/>
@@ -7040,8 +7196,8 @@
         </p:nvSpPr>
         <p:spPr>
           <a:xfrm>
-            <a:off x="648931" y="2438400"/>
-            <a:ext cx="4166509" cy="3785419"/>
+            <a:off x="648932" y="2438400"/>
+            <a:ext cx="1952542" cy="3785419"/>
           </a:xfrm>
         </p:spPr>
         <p:txBody>
@@ -7051,15 +7207,15 @@
           <a:lstStyle/>
           <a:p>
             <a:r>
-              <a:rPr lang="en-SG" dirty="0"/>
-              <a:t>Geographic &amp; demographic information about areas around stations to gather profiles of those most likely to contribute</a:t>
-            </a:r>
-          </a:p>
-        </p:txBody>
-      </p:sp>
-      <p:sp>
-        <p:nvSpPr>
-          <p:cNvPr id="9" name="Freeform 31">
+              <a:rPr lang="en-SG" sz="2400" dirty="0"/>
+              <a:t>Traffic volume by station</a:t>
+            </a:r>
+          </a:p>
+        </p:txBody>
+      </p:sp>
+      <p:sp>
+        <p:nvSpPr>
+          <p:cNvPr id="20" name="Freeform 31">
             <a:extLst>
               <a:ext uri="{FF2B5EF4-FFF2-40B4-BE49-F238E27FC236}">
                 <a16:creationId xmlns:a16="http://schemas.microsoft.com/office/drawing/2014/main" id="{D6CEF2A9-EF08-4FB3-AFFB-C5F77AB6E028}"/>
@@ -7411,7 +7567,7 @@
       </p:sp>
       <p:sp>
         <p:nvSpPr>
-          <p:cNvPr id="11" name="Rectangle 10">
+          <p:cNvPr id="22" name="Rectangle 21">
             <a:extLst>
               <a:ext uri="{FF2B5EF4-FFF2-40B4-BE49-F238E27FC236}">
                 <a16:creationId xmlns:a16="http://schemas.microsoft.com/office/drawing/2014/main" id="{4109C3C2-C0A8-4559-8462-8007573DF44C}"/>
@@ -7474,7 +7630,7 @@
       </p:sp>
       <p:sp>
         <p:nvSpPr>
-          <p:cNvPr id="13" name="Freeform 5">
+          <p:cNvPr id="24" name="Freeform 5">
             <a:extLst>
               <a:ext uri="{FF2B5EF4-FFF2-40B4-BE49-F238E27FC236}">
                 <a16:creationId xmlns:a16="http://schemas.microsoft.com/office/drawing/2014/main" id="{4C535542-B72A-4DE0-BE5A-5EA00508C77D}"/>
@@ -7673,46 +7829,9 @@
           </a:ln>
         </p:spPr>
       </p:sp>
-      <p:pic>
-        <p:nvPicPr>
-          <p:cNvPr id="4" name="Graphic 3">
-            <a:extLst>
-              <a:ext uri="{FF2B5EF4-FFF2-40B4-BE49-F238E27FC236}">
-                <a16:creationId xmlns:a16="http://schemas.microsoft.com/office/drawing/2014/main" id="{EE26F668-B29D-4154-97E1-37997719AF0D}"/>
-              </a:ext>
-            </a:extLst>
-          </p:cNvPr>
-          <p:cNvPicPr>
-            <a:picLocks noChangeAspect="1"/>
-          </p:cNvPicPr>
-          <p:nvPr/>
-        </p:nvPicPr>
-        <p:blipFill>
-          <a:blip r:embed="rId3">
-            <a:extLst>
-              <a:ext uri="{96DAC541-7B7A-43D3-8B79-37D633B846F1}">
-                <asvg:svgBlip xmlns:asvg="http://schemas.microsoft.com/office/drawing/2016/SVG/main" r:embed="rId4"/>
-              </a:ext>
-            </a:extLst>
-          </a:blip>
-          <a:stretch>
-            <a:fillRect/>
-          </a:stretch>
-        </p:blipFill>
-        <p:spPr>
-          <a:xfrm>
-            <a:off x="5553975" y="1143000"/>
-            <a:ext cx="6638025" cy="4646617"/>
-          </a:xfrm>
-          <a:prstGeom prst="rect">
-            <a:avLst/>
-          </a:prstGeom>
-          <a:effectLst/>
-        </p:spPr>
-      </p:pic>
-      <p:sp>
-        <p:nvSpPr>
-          <p:cNvPr id="15" name="Rectangle 14">
+      <p:sp>
+        <p:nvSpPr>
+          <p:cNvPr id="26" name="Rectangle 25">
             <a:extLst>
               <a:ext uri="{FF2B5EF4-FFF2-40B4-BE49-F238E27FC236}">
                 <a16:creationId xmlns:a16="http://schemas.microsoft.com/office/drawing/2014/main" id="{11DF0705-615B-4CF3-A16F-8C14680D8BA6}"/>
@@ -7763,20 +7882,191 @@
           </a:fontRef>
         </p:style>
       </p:sp>
+      <p:pic>
+        <p:nvPicPr>
+          <p:cNvPr id="8" name="Graphic 7">
+            <a:extLst>
+              <a:ext uri="{FF2B5EF4-FFF2-40B4-BE49-F238E27FC236}">
+                <a16:creationId xmlns:a16="http://schemas.microsoft.com/office/drawing/2014/main" id="{C5273320-A6DF-4BEF-9018-2D0B588FE99D}"/>
+              </a:ext>
+            </a:extLst>
+          </p:cNvPr>
+          <p:cNvPicPr>
+            <a:picLocks noChangeAspect="1"/>
+          </p:cNvPicPr>
+          <p:nvPr/>
+        </p:nvPicPr>
+        <p:blipFill rotWithShape="1">
+          <a:blip r:embed="rId3">
+            <a:extLst>
+              <a:ext uri="{96DAC541-7B7A-43D3-8B79-37D633B846F1}">
+                <asvg:svgBlip xmlns:asvg="http://schemas.microsoft.com/office/drawing/2016/SVG/main" r:embed="rId4"/>
+              </a:ext>
+            </a:extLst>
+          </a:blip>
+          <a:srcRect r="6533"/>
+          <a:stretch/>
+        </p:blipFill>
+        <p:spPr>
+          <a:xfrm>
+            <a:off x="3312543" y="877541"/>
+            <a:ext cx="8879457" cy="5689600"/>
+          </a:xfrm>
+          <a:prstGeom prst="rect">
+            <a:avLst/>
+          </a:prstGeom>
+        </p:spPr>
+      </p:pic>
+      <p:sp>
+        <p:nvSpPr>
+          <p:cNvPr id="10" name="Rectangle 9">
+            <a:extLst>
+              <a:ext uri="{FF2B5EF4-FFF2-40B4-BE49-F238E27FC236}">
+                <a16:creationId xmlns:a16="http://schemas.microsoft.com/office/drawing/2014/main" id="{909CCC28-C393-44F1-81A0-DDBCD0CF5FBF}"/>
+              </a:ext>
+            </a:extLst>
+          </p:cNvPr>
+          <p:cNvSpPr/>
+          <p:nvPr/>
+        </p:nvSpPr>
+        <p:spPr>
+          <a:xfrm>
+            <a:off x="3541162" y="1535784"/>
+            <a:ext cx="7851087" cy="2173857"/>
+          </a:xfrm>
+          <a:prstGeom prst="rect">
+            <a:avLst/>
+          </a:prstGeom>
+          <a:noFill/>
+          <a:ln>
+            <a:solidFill>
+              <a:srgbClr val="FF0000"/>
+            </a:solidFill>
+          </a:ln>
+        </p:spPr>
+        <p:style>
+          <a:lnRef idx="2">
+            <a:schemeClr val="accent3"/>
+          </a:lnRef>
+          <a:fillRef idx="1">
+            <a:schemeClr val="lt1"/>
+          </a:fillRef>
+          <a:effectRef idx="0">
+            <a:schemeClr val="accent3"/>
+          </a:effectRef>
+          <a:fontRef idx="minor">
+            <a:schemeClr val="dk1"/>
+          </a:fontRef>
+        </p:style>
+        <p:txBody>
+          <a:bodyPr rtlCol="0" anchor="ctr"/>
+          <a:lstStyle/>
+          <a:p>
+            <a:pPr algn="ctr"/>
+            <a:endParaRPr lang="en-SG"/>
+          </a:p>
+        </p:txBody>
+      </p:sp>
     </p:spTree>
     <p:extLst>
       <p:ext uri="{BB962C8B-B14F-4D97-AF65-F5344CB8AC3E}">
-        <p14:creationId xmlns:p14="http://schemas.microsoft.com/office/powerpoint/2010/main" val="674561551"/>
+        <p14:creationId xmlns:p14="http://schemas.microsoft.com/office/powerpoint/2010/main" val="2040795128"/>
       </p:ext>
     </p:extLst>
   </p:cSld>
   <p:clrMapOvr>
     <a:masterClrMapping/>
   </p:clrMapOvr>
+  <p:timing>
+    <p:tnLst>
+      <p:par>
+        <p:cTn id="1" dur="indefinite" restart="never" nodeType="tmRoot">
+          <p:childTnLst>
+            <p:seq concurrent="1" nextAc="seek">
+              <p:cTn id="2" dur="indefinite" nodeType="mainSeq">
+                <p:childTnLst>
+                  <p:par>
+                    <p:cTn id="3" fill="hold">
+                      <p:stCondLst>
+                        <p:cond delay="indefinite"/>
+                      </p:stCondLst>
+                      <p:childTnLst>
+                        <p:par>
+                          <p:cTn id="4" fill="hold">
+                            <p:stCondLst>
+                              <p:cond delay="0"/>
+                            </p:stCondLst>
+                            <p:childTnLst>
+                              <p:par>
+                                <p:cTn id="5" presetID="10" presetClass="entr" presetSubtype="0" fill="hold" grpId="0" nodeType="clickEffect">
+                                  <p:stCondLst>
+                                    <p:cond delay="0"/>
+                                  </p:stCondLst>
+                                  <p:childTnLst>
+                                    <p:set>
+                                      <p:cBhvr>
+                                        <p:cTn id="6" dur="1" fill="hold">
+                                          <p:stCondLst>
+                                            <p:cond delay="0"/>
+                                          </p:stCondLst>
+                                        </p:cTn>
+                                        <p:tgtEl>
+                                          <p:spTgt spid="10"/>
+                                        </p:tgtEl>
+                                        <p:attrNameLst>
+                                          <p:attrName>style.visibility</p:attrName>
+                                        </p:attrNameLst>
+                                      </p:cBhvr>
+                                      <p:to>
+                                        <p:strVal val="visible"/>
+                                      </p:to>
+                                    </p:set>
+                                    <p:animEffect transition="in" filter="fade">
+                                      <p:cBhvr>
+                                        <p:cTn id="7" dur="500"/>
+                                        <p:tgtEl>
+                                          <p:spTgt spid="10"/>
+                                        </p:tgtEl>
+                                      </p:cBhvr>
+                                    </p:animEffect>
+                                  </p:childTnLst>
+                                </p:cTn>
+                              </p:par>
+                            </p:childTnLst>
+                          </p:cTn>
+                        </p:par>
+                      </p:childTnLst>
+                    </p:cTn>
+                  </p:par>
+                </p:childTnLst>
+              </p:cTn>
+              <p:prevCondLst>
+                <p:cond evt="onPrev" delay="0">
+                  <p:tgtEl>
+                    <p:sldTgt/>
+                  </p:tgtEl>
+                </p:cond>
+              </p:prevCondLst>
+              <p:nextCondLst>
+                <p:cond evt="onNext" delay="0">
+                  <p:tgtEl>
+                    <p:sldTgt/>
+                  </p:tgtEl>
+                </p:cond>
+              </p:nextCondLst>
+            </p:seq>
+          </p:childTnLst>
+        </p:cTn>
+      </p:par>
+    </p:tnLst>
+    <p:bldLst>
+      <p:bldP spid="10" grpId="0" animBg="1"/>
+    </p:bldLst>
+  </p:timing>
 </p:sld>
 </file>
 
-<file path=ppt/slides/slide8.xml><?xml version="1.0" encoding="utf-8"?>
+<file path=ppt/slides/slide5.xml><?xml version="1.0" encoding="utf-8"?>
 <p:sld xmlns:a="http://schemas.openxmlformats.org/drawingml/2006/main" xmlns:r="http://schemas.openxmlformats.org/officeDocument/2006/relationships" xmlns:p="http://schemas.openxmlformats.org/presentationml/2006/main">
   <p:cSld>
     <p:bg>
@@ -7836,7 +8126,7 @@
         <p:spPr>
           <a:xfrm>
             <a:off x="648931" y="629266"/>
-            <a:ext cx="4166510" cy="1622321"/>
+            <a:ext cx="2862020" cy="1622321"/>
           </a:xfrm>
         </p:spPr>
         <p:txBody>
@@ -7846,7 +8136,7 @@
           <a:lstStyle/>
           <a:p>
             <a:r>
-              <a:rPr lang="en-US"/>
+              <a:rPr lang="en-US" dirty="0"/>
               <a:t>Areas explored</a:t>
             </a:r>
             <a:endParaRPr lang="en-SG" dirty="0"/>
@@ -7871,8 +8161,8 @@
         </p:nvSpPr>
         <p:spPr>
           <a:xfrm>
-            <a:off x="648931" y="2438400"/>
-            <a:ext cx="4166509" cy="3785419"/>
+            <a:off x="648932" y="2438400"/>
+            <a:ext cx="1757838" cy="3785419"/>
           </a:xfrm>
         </p:spPr>
         <p:txBody>
@@ -7882,15 +8172,18 @@
           <a:lstStyle/>
           <a:p>
             <a:r>
-              <a:rPr lang="en-SG" dirty="0"/>
-              <a:t>Geographic &amp; demographic information about areas around stations to gather profiles of those most likely to contribute</a:t>
-            </a:r>
-          </a:p>
-        </p:txBody>
-      </p:sp>
-      <p:sp>
-        <p:nvSpPr>
-          <p:cNvPr id="9" name="Freeform 31">
+              <a:rPr lang="en-SG" sz="2400" dirty="0"/>
+              <a:t>Traffic volume by month</a:t>
+            </a:r>
+          </a:p>
+          <a:p>
+            <a:endParaRPr lang="en-SG" sz="2400" dirty="0"/>
+          </a:p>
+        </p:txBody>
+      </p:sp>
+      <p:sp>
+        <p:nvSpPr>
+          <p:cNvPr id="11" name="Freeform 31">
             <a:extLst>
               <a:ext uri="{FF2B5EF4-FFF2-40B4-BE49-F238E27FC236}">
                 <a16:creationId xmlns:a16="http://schemas.microsoft.com/office/drawing/2014/main" id="{D6CEF2A9-EF08-4FB3-AFFB-C5F77AB6E028}"/>
@@ -8242,7 +8535,7 @@
       </p:sp>
       <p:sp>
         <p:nvSpPr>
-          <p:cNvPr id="11" name="Rectangle 10">
+          <p:cNvPr id="13" name="Rectangle 12">
             <a:extLst>
               <a:ext uri="{FF2B5EF4-FFF2-40B4-BE49-F238E27FC236}">
                 <a16:creationId xmlns:a16="http://schemas.microsoft.com/office/drawing/2014/main" id="{4109C3C2-C0A8-4559-8462-8007573DF44C}"/>
@@ -8305,7 +8598,7 @@
       </p:sp>
       <p:sp>
         <p:nvSpPr>
-          <p:cNvPr id="13" name="Freeform 5">
+          <p:cNvPr id="15" name="Freeform 5">
             <a:extLst>
               <a:ext uri="{FF2B5EF4-FFF2-40B4-BE49-F238E27FC236}">
                 <a16:creationId xmlns:a16="http://schemas.microsoft.com/office/drawing/2014/main" id="{4C535542-B72A-4DE0-BE5A-5EA00508C77D}"/>
@@ -8504,9 +8797,45 @@
           </a:ln>
         </p:spPr>
       </p:sp>
-      <p:sp>
-        <p:nvSpPr>
-          <p:cNvPr id="15" name="Rectangle 14">
+      <p:pic>
+        <p:nvPicPr>
+          <p:cNvPr id="6" name="Graphic 5">
+            <a:extLst>
+              <a:ext uri="{FF2B5EF4-FFF2-40B4-BE49-F238E27FC236}">
+                <a16:creationId xmlns:a16="http://schemas.microsoft.com/office/drawing/2014/main" id="{FF29B91C-B27D-4DFA-9C72-F4BF8DBF2F76}"/>
+              </a:ext>
+            </a:extLst>
+          </p:cNvPr>
+          <p:cNvPicPr>
+            <a:picLocks noChangeAspect="1"/>
+          </p:cNvPicPr>
+          <p:nvPr/>
+        </p:nvPicPr>
+        <p:blipFill rotWithShape="1">
+          <a:blip r:embed="rId3">
+            <a:extLst>
+              <a:ext uri="{96DAC541-7B7A-43D3-8B79-37D633B846F1}">
+                <asvg:svgBlip xmlns:asvg="http://schemas.microsoft.com/office/drawing/2016/SVG/main" r:embed="rId4"/>
+              </a:ext>
+            </a:extLst>
+          </a:blip>
+          <a:srcRect r="6223"/>
+          <a:stretch/>
+        </p:blipFill>
+        <p:spPr>
+          <a:xfrm>
+            <a:off x="3414383" y="1308949"/>
+            <a:ext cx="8777617" cy="5040093"/>
+          </a:xfrm>
+          <a:prstGeom prst="rect">
+            <a:avLst/>
+          </a:prstGeom>
+          <a:effectLst/>
+        </p:spPr>
+      </p:pic>
+      <p:sp>
+        <p:nvSpPr>
+          <p:cNvPr id="17" name="Rectangle 16">
             <a:extLst>
               <a:ext uri="{FF2B5EF4-FFF2-40B4-BE49-F238E27FC236}">
                 <a16:creationId xmlns:a16="http://schemas.microsoft.com/office/drawing/2014/main" id="{11DF0705-615B-4CF3-A16F-8C14680D8BA6}"/>
@@ -8557,6 +8886,3022 @@
           </a:fontRef>
         </p:style>
       </p:sp>
+      <p:sp>
+        <p:nvSpPr>
+          <p:cNvPr id="12" name="Rectangle 11">
+            <a:extLst>
+              <a:ext uri="{FF2B5EF4-FFF2-40B4-BE49-F238E27FC236}">
+                <a16:creationId xmlns:a16="http://schemas.microsoft.com/office/drawing/2014/main" id="{0022ED9E-2DFE-4FC4-B1F2-93F6B6E21B26}"/>
+              </a:ext>
+            </a:extLst>
+          </p:cNvPr>
+          <p:cNvSpPr/>
+          <p:nvPr/>
+        </p:nvSpPr>
+        <p:spPr>
+          <a:xfrm>
+            <a:off x="7264866" y="2030136"/>
+            <a:ext cx="360727" cy="4085437"/>
+          </a:xfrm>
+          <a:prstGeom prst="rect">
+            <a:avLst/>
+          </a:prstGeom>
+          <a:noFill/>
+          <a:ln>
+            <a:solidFill>
+              <a:srgbClr val="FF0000"/>
+            </a:solidFill>
+          </a:ln>
+        </p:spPr>
+        <p:style>
+          <a:lnRef idx="2">
+            <a:schemeClr val="accent3"/>
+          </a:lnRef>
+          <a:fillRef idx="1">
+            <a:schemeClr val="lt1"/>
+          </a:fillRef>
+          <a:effectRef idx="0">
+            <a:schemeClr val="accent3"/>
+          </a:effectRef>
+          <a:fontRef idx="minor">
+            <a:schemeClr val="dk1"/>
+          </a:fontRef>
+        </p:style>
+        <p:txBody>
+          <a:bodyPr rtlCol="0" anchor="ctr"/>
+          <a:lstStyle/>
+          <a:p>
+            <a:pPr algn="ctr"/>
+            <a:endParaRPr lang="en-SG"/>
+          </a:p>
+        </p:txBody>
+      </p:sp>
+      <p:sp>
+        <p:nvSpPr>
+          <p:cNvPr id="19" name="Rectangle 18">
+            <a:extLst>
+              <a:ext uri="{FF2B5EF4-FFF2-40B4-BE49-F238E27FC236}">
+                <a16:creationId xmlns:a16="http://schemas.microsoft.com/office/drawing/2014/main" id="{8DF5643E-B1A5-4589-AD7A-952CAB95B9B8}"/>
+              </a:ext>
+            </a:extLst>
+          </p:cNvPr>
+          <p:cNvSpPr/>
+          <p:nvPr/>
+        </p:nvSpPr>
+        <p:spPr>
+          <a:xfrm>
+            <a:off x="10150678" y="2044118"/>
+            <a:ext cx="360727" cy="4085437"/>
+          </a:xfrm>
+          <a:prstGeom prst="rect">
+            <a:avLst/>
+          </a:prstGeom>
+          <a:noFill/>
+          <a:ln>
+            <a:solidFill>
+              <a:srgbClr val="FF0000"/>
+            </a:solidFill>
+          </a:ln>
+        </p:spPr>
+        <p:style>
+          <a:lnRef idx="2">
+            <a:schemeClr val="accent3"/>
+          </a:lnRef>
+          <a:fillRef idx="1">
+            <a:schemeClr val="lt1"/>
+          </a:fillRef>
+          <a:effectRef idx="0">
+            <a:schemeClr val="accent3"/>
+          </a:effectRef>
+          <a:fontRef idx="minor">
+            <a:schemeClr val="dk1"/>
+          </a:fontRef>
+        </p:style>
+        <p:txBody>
+          <a:bodyPr rtlCol="0" anchor="ctr"/>
+          <a:lstStyle/>
+          <a:p>
+            <a:pPr algn="ctr"/>
+            <a:endParaRPr lang="en-SG"/>
+          </a:p>
+        </p:txBody>
+      </p:sp>
+      <p:sp>
+        <p:nvSpPr>
+          <p:cNvPr id="20" name="Rectangle 19">
+            <a:extLst>
+              <a:ext uri="{FF2B5EF4-FFF2-40B4-BE49-F238E27FC236}">
+                <a16:creationId xmlns:a16="http://schemas.microsoft.com/office/drawing/2014/main" id="{3E7D46A8-8343-4983-AE6A-C3DA11A6CA46}"/>
+              </a:ext>
+            </a:extLst>
+          </p:cNvPr>
+          <p:cNvSpPr/>
+          <p:nvPr/>
+        </p:nvSpPr>
+        <p:spPr>
+          <a:xfrm>
+            <a:off x="9011240" y="2030135"/>
+            <a:ext cx="360727" cy="4085437"/>
+          </a:xfrm>
+          <a:prstGeom prst="rect">
+            <a:avLst/>
+          </a:prstGeom>
+          <a:noFill/>
+          <a:ln>
+            <a:solidFill>
+              <a:srgbClr val="FF0000"/>
+            </a:solidFill>
+          </a:ln>
+        </p:spPr>
+        <p:style>
+          <a:lnRef idx="2">
+            <a:schemeClr val="accent3"/>
+          </a:lnRef>
+          <a:fillRef idx="1">
+            <a:schemeClr val="lt1"/>
+          </a:fillRef>
+          <a:effectRef idx="0">
+            <a:schemeClr val="accent3"/>
+          </a:effectRef>
+          <a:fontRef idx="minor">
+            <a:schemeClr val="dk1"/>
+          </a:fontRef>
+        </p:style>
+        <p:txBody>
+          <a:bodyPr rtlCol="0" anchor="ctr"/>
+          <a:lstStyle/>
+          <a:p>
+            <a:pPr algn="ctr"/>
+            <a:endParaRPr lang="en-SG"/>
+          </a:p>
+        </p:txBody>
+      </p:sp>
+    </p:spTree>
+    <p:extLst>
+      <p:ext uri="{BB962C8B-B14F-4D97-AF65-F5344CB8AC3E}">
+        <p14:creationId xmlns:p14="http://schemas.microsoft.com/office/powerpoint/2010/main" val="665358489"/>
+      </p:ext>
+    </p:extLst>
+  </p:cSld>
+  <p:clrMapOvr>
+    <a:masterClrMapping/>
+  </p:clrMapOvr>
+  <p:timing>
+    <p:tnLst>
+      <p:par>
+        <p:cTn id="1" dur="indefinite" restart="never" nodeType="tmRoot">
+          <p:childTnLst>
+            <p:seq concurrent="1" nextAc="seek">
+              <p:cTn id="2" dur="indefinite" nodeType="mainSeq">
+                <p:childTnLst>
+                  <p:par>
+                    <p:cTn id="3" fill="hold">
+                      <p:stCondLst>
+                        <p:cond delay="indefinite"/>
+                      </p:stCondLst>
+                      <p:childTnLst>
+                        <p:par>
+                          <p:cTn id="4" fill="hold">
+                            <p:stCondLst>
+                              <p:cond delay="0"/>
+                            </p:stCondLst>
+                            <p:childTnLst>
+                              <p:par>
+                                <p:cTn id="5" presetID="10" presetClass="entr" presetSubtype="0" fill="hold" grpId="0" nodeType="clickEffect">
+                                  <p:stCondLst>
+                                    <p:cond delay="0"/>
+                                  </p:stCondLst>
+                                  <p:childTnLst>
+                                    <p:set>
+                                      <p:cBhvr>
+                                        <p:cTn id="6" dur="1" fill="hold">
+                                          <p:stCondLst>
+                                            <p:cond delay="0"/>
+                                          </p:stCondLst>
+                                        </p:cTn>
+                                        <p:tgtEl>
+                                          <p:spTgt spid="12"/>
+                                        </p:tgtEl>
+                                        <p:attrNameLst>
+                                          <p:attrName>style.visibility</p:attrName>
+                                        </p:attrNameLst>
+                                      </p:cBhvr>
+                                      <p:to>
+                                        <p:strVal val="visible"/>
+                                      </p:to>
+                                    </p:set>
+                                    <p:animEffect transition="in" filter="fade">
+                                      <p:cBhvr>
+                                        <p:cTn id="7" dur="500"/>
+                                        <p:tgtEl>
+                                          <p:spTgt spid="12"/>
+                                        </p:tgtEl>
+                                      </p:cBhvr>
+                                    </p:animEffect>
+                                  </p:childTnLst>
+                                </p:cTn>
+                              </p:par>
+                              <p:par>
+                                <p:cTn id="8" presetID="10" presetClass="entr" presetSubtype="0" fill="hold" grpId="0" nodeType="withEffect">
+                                  <p:stCondLst>
+                                    <p:cond delay="0"/>
+                                  </p:stCondLst>
+                                  <p:childTnLst>
+                                    <p:set>
+                                      <p:cBhvr>
+                                        <p:cTn id="9" dur="1" fill="hold">
+                                          <p:stCondLst>
+                                            <p:cond delay="0"/>
+                                          </p:stCondLst>
+                                        </p:cTn>
+                                        <p:tgtEl>
+                                          <p:spTgt spid="20"/>
+                                        </p:tgtEl>
+                                        <p:attrNameLst>
+                                          <p:attrName>style.visibility</p:attrName>
+                                        </p:attrNameLst>
+                                      </p:cBhvr>
+                                      <p:to>
+                                        <p:strVal val="visible"/>
+                                      </p:to>
+                                    </p:set>
+                                    <p:animEffect transition="in" filter="fade">
+                                      <p:cBhvr>
+                                        <p:cTn id="10" dur="500"/>
+                                        <p:tgtEl>
+                                          <p:spTgt spid="20"/>
+                                        </p:tgtEl>
+                                      </p:cBhvr>
+                                    </p:animEffect>
+                                  </p:childTnLst>
+                                </p:cTn>
+                              </p:par>
+                              <p:par>
+                                <p:cTn id="11" presetID="10" presetClass="entr" presetSubtype="0" fill="hold" grpId="0" nodeType="withEffect">
+                                  <p:stCondLst>
+                                    <p:cond delay="0"/>
+                                  </p:stCondLst>
+                                  <p:childTnLst>
+                                    <p:set>
+                                      <p:cBhvr>
+                                        <p:cTn id="12" dur="1" fill="hold">
+                                          <p:stCondLst>
+                                            <p:cond delay="0"/>
+                                          </p:stCondLst>
+                                        </p:cTn>
+                                        <p:tgtEl>
+                                          <p:spTgt spid="19"/>
+                                        </p:tgtEl>
+                                        <p:attrNameLst>
+                                          <p:attrName>style.visibility</p:attrName>
+                                        </p:attrNameLst>
+                                      </p:cBhvr>
+                                      <p:to>
+                                        <p:strVal val="visible"/>
+                                      </p:to>
+                                    </p:set>
+                                    <p:animEffect transition="in" filter="fade">
+                                      <p:cBhvr>
+                                        <p:cTn id="13" dur="500"/>
+                                        <p:tgtEl>
+                                          <p:spTgt spid="19"/>
+                                        </p:tgtEl>
+                                      </p:cBhvr>
+                                    </p:animEffect>
+                                  </p:childTnLst>
+                                </p:cTn>
+                              </p:par>
+                            </p:childTnLst>
+                          </p:cTn>
+                        </p:par>
+                      </p:childTnLst>
+                    </p:cTn>
+                  </p:par>
+                </p:childTnLst>
+              </p:cTn>
+              <p:prevCondLst>
+                <p:cond evt="onPrev" delay="0">
+                  <p:tgtEl>
+                    <p:sldTgt/>
+                  </p:tgtEl>
+                </p:cond>
+              </p:prevCondLst>
+              <p:nextCondLst>
+                <p:cond evt="onNext" delay="0">
+                  <p:tgtEl>
+                    <p:sldTgt/>
+                  </p:tgtEl>
+                </p:cond>
+              </p:nextCondLst>
+            </p:seq>
+          </p:childTnLst>
+        </p:cTn>
+      </p:par>
+    </p:tnLst>
+    <p:bldLst>
+      <p:bldP spid="12" grpId="0" animBg="1"/>
+      <p:bldP spid="19" grpId="0" animBg="1"/>
+      <p:bldP spid="20" grpId="0" animBg="1"/>
+    </p:bldLst>
+  </p:timing>
+</p:sld>
+</file>
+
+<file path=ppt/slides/slide6.xml><?xml version="1.0" encoding="utf-8"?>
+<p:sld xmlns:a="http://schemas.openxmlformats.org/drawingml/2006/main" xmlns:r="http://schemas.openxmlformats.org/officeDocument/2006/relationships" xmlns:p="http://schemas.openxmlformats.org/presentationml/2006/main">
+  <p:cSld>
+    <p:bg>
+      <p:bgPr>
+        <a:blipFill rotWithShape="1">
+          <a:blip r:embed="rId2">
+            <a:duotone>
+              <a:schemeClr val="bg2">
+                <a:shade val="62000"/>
+                <a:hueMod val="108000"/>
+                <a:satMod val="164000"/>
+                <a:lumMod val="69000"/>
+              </a:schemeClr>
+              <a:schemeClr val="bg2">
+                <a:tint val="96000"/>
+                <a:hueMod val="90000"/>
+                <a:satMod val="130000"/>
+                <a:lumMod val="134000"/>
+              </a:schemeClr>
+            </a:duotone>
+          </a:blip>
+          <a:stretch/>
+        </a:blipFill>
+        <a:effectLst/>
+      </p:bgPr>
+    </p:bg>
+    <p:spTree>
+      <p:nvGrpSpPr>
+        <p:cNvPr id="1" name=""/>
+        <p:cNvGrpSpPr/>
+        <p:nvPr/>
+      </p:nvGrpSpPr>
+      <p:grpSpPr>
+        <a:xfrm>
+          <a:off x="0" y="0"/>
+          <a:ext cx="0" cy="0"/>
+          <a:chOff x="0" y="0"/>
+          <a:chExt cx="0" cy="0"/>
+        </a:xfrm>
+      </p:grpSpPr>
+      <p:sp>
+        <p:nvSpPr>
+          <p:cNvPr id="2" name="Title 1">
+            <a:extLst>
+              <a:ext uri="{FF2B5EF4-FFF2-40B4-BE49-F238E27FC236}">
+                <a16:creationId xmlns:a16="http://schemas.microsoft.com/office/drawing/2014/main" id="{8BAAC7A6-57DA-489D-A467-D28AE49D7A8C}"/>
+              </a:ext>
+            </a:extLst>
+          </p:cNvPr>
+          <p:cNvSpPr>
+            <a:spLocks noGrp="1"/>
+          </p:cNvSpPr>
+          <p:nvPr>
+            <p:ph type="title"/>
+          </p:nvPr>
+        </p:nvSpPr>
+        <p:spPr>
+          <a:xfrm>
+            <a:off x="648931" y="629266"/>
+            <a:ext cx="2732624" cy="1622321"/>
+          </a:xfrm>
+        </p:spPr>
+        <p:txBody>
+          <a:bodyPr>
+            <a:normAutofit/>
+          </a:bodyPr>
+          <a:lstStyle/>
+          <a:p>
+            <a:r>
+              <a:rPr lang="en-US" dirty="0"/>
+              <a:t>Areas explored</a:t>
+            </a:r>
+            <a:endParaRPr lang="en-SG" dirty="0"/>
+          </a:p>
+        </p:txBody>
+      </p:sp>
+      <p:sp>
+        <p:nvSpPr>
+          <p:cNvPr id="3" name="Content Placeholder 2">
+            <a:extLst>
+              <a:ext uri="{FF2B5EF4-FFF2-40B4-BE49-F238E27FC236}">
+                <a16:creationId xmlns:a16="http://schemas.microsoft.com/office/drawing/2014/main" id="{293FCE9B-C27D-4872-8320-609F4718D3AB}"/>
+              </a:ext>
+            </a:extLst>
+          </p:cNvPr>
+          <p:cNvSpPr>
+            <a:spLocks noGrp="1"/>
+          </p:cNvSpPr>
+          <p:nvPr>
+            <p:ph idx="1"/>
+          </p:nvPr>
+        </p:nvSpPr>
+        <p:spPr>
+          <a:xfrm>
+            <a:off x="648932" y="2438400"/>
+            <a:ext cx="2189159" cy="3785419"/>
+          </a:xfrm>
+        </p:spPr>
+        <p:txBody>
+          <a:bodyPr>
+            <a:normAutofit/>
+          </a:bodyPr>
+          <a:lstStyle/>
+          <a:p>
+            <a:r>
+              <a:rPr lang="en-SG" sz="2400" dirty="0"/>
+              <a:t>Weekly traffic patterns</a:t>
+            </a:r>
+          </a:p>
+        </p:txBody>
+      </p:sp>
+      <p:sp>
+        <p:nvSpPr>
+          <p:cNvPr id="9" name="Freeform 31">
+            <a:extLst>
+              <a:ext uri="{FF2B5EF4-FFF2-40B4-BE49-F238E27FC236}">
+                <a16:creationId xmlns:a16="http://schemas.microsoft.com/office/drawing/2014/main" id="{D6CEF2A9-EF08-4FB3-AFFB-C5F77AB6E028}"/>
+              </a:ext>
+              <a:ext uri="{C183D7F6-B498-43B3-948B-1728B52AA6E4}">
+                <adec:decorative xmlns:adec="http://schemas.microsoft.com/office/drawing/2017/decorative" val="1"/>
+              </a:ext>
+            </a:extLst>
+          </p:cNvPr>
+          <p:cNvSpPr>
+            <a:spLocks noGrp="1" noRot="1" noChangeAspect="1" noMove="1" noResize="1" noEditPoints="1" noAdjustHandles="1" noChangeArrowheads="1" noChangeShapeType="1" noTextEdit="1"/>
+          </p:cNvSpPr>
+          <p:nvPr>
+            <p:extLst>
+              <p:ext uri="{386F3935-93C4-4BCD-93E2-E3B085C9AB24}">
+                <p16:designElem xmlns:p16="http://schemas.microsoft.com/office/powerpoint/2015/main" val="1"/>
+              </p:ext>
+            </p:extLst>
+          </p:nvPr>
+        </p:nvSpPr>
+        <p:spPr>
+          <a:xfrm>
+            <a:off x="4994020" y="-1"/>
+            <a:ext cx="559472" cy="3709642"/>
+          </a:xfrm>
+          <a:custGeom>
+            <a:avLst/>
+            <a:gdLst>
+              <a:gd name="connsiteX0" fmla="*/ 0 w 559472"/>
+              <a:gd name="connsiteY0" fmla="*/ 0 h 3709642"/>
+              <a:gd name="connsiteX1" fmla="*/ 473952 w 559472"/>
+              <a:gd name="connsiteY1" fmla="*/ 0 h 3709642"/>
+              <a:gd name="connsiteX2" fmla="*/ 485840 w 559472"/>
+              <a:gd name="connsiteY2" fmla="*/ 161194 h 3709642"/>
+              <a:gd name="connsiteX3" fmla="*/ 523949 w 559472"/>
+              <a:gd name="connsiteY3" fmla="*/ 3672197 h 3709642"/>
+              <a:gd name="connsiteX4" fmla="*/ 454748 w 559472"/>
+              <a:gd name="connsiteY4" fmla="*/ 3709642 h 3709642"/>
+              <a:gd name="connsiteX5" fmla="*/ 448224 w 559472"/>
+              <a:gd name="connsiteY5" fmla="*/ 3510471 h 3709642"/>
+              <a:gd name="connsiteX6" fmla="*/ 443564 w 559472"/>
+              <a:gd name="connsiteY6" fmla="*/ 3408563 h 3709642"/>
+              <a:gd name="connsiteX7" fmla="*/ 438902 w 559472"/>
+              <a:gd name="connsiteY7" fmla="*/ 3304407 h 3709642"/>
+              <a:gd name="connsiteX8" fmla="*/ 433941 w 559472"/>
+              <a:gd name="connsiteY8" fmla="*/ 3198777 h 3709642"/>
+              <a:gd name="connsiteX9" fmla="*/ 427584 w 559472"/>
+              <a:gd name="connsiteY9" fmla="*/ 3092510 h 3709642"/>
+              <a:gd name="connsiteX10" fmla="*/ 420988 w 559472"/>
+              <a:gd name="connsiteY10" fmla="*/ 2984390 h 3709642"/>
+              <a:gd name="connsiteX11" fmla="*/ 414330 w 559472"/>
+              <a:gd name="connsiteY11" fmla="*/ 2874401 h 3709642"/>
+              <a:gd name="connsiteX12" fmla="*/ 406840 w 559472"/>
+              <a:gd name="connsiteY12" fmla="*/ 2762980 h 3709642"/>
+              <a:gd name="connsiteX13" fmla="*/ 397745 w 559472"/>
+              <a:gd name="connsiteY13" fmla="*/ 2650566 h 3709642"/>
+              <a:gd name="connsiteX14" fmla="*/ 389154 w 559472"/>
+              <a:gd name="connsiteY14" fmla="*/ 2536612 h 3709642"/>
+              <a:gd name="connsiteX15" fmla="*/ 379225 w 559472"/>
+              <a:gd name="connsiteY15" fmla="*/ 2421642 h 3709642"/>
+              <a:gd name="connsiteX16" fmla="*/ 368316 w 559472"/>
+              <a:gd name="connsiteY16" fmla="*/ 2305627 h 3709642"/>
+              <a:gd name="connsiteX17" fmla="*/ 357466 w 559472"/>
+              <a:gd name="connsiteY17" fmla="*/ 2189233 h 3709642"/>
+              <a:gd name="connsiteX18" fmla="*/ 344982 w 559472"/>
+              <a:gd name="connsiteY18" fmla="*/ 2071473 h 3709642"/>
+              <a:gd name="connsiteX19" fmla="*/ 332466 w 559472"/>
+              <a:gd name="connsiteY19" fmla="*/ 1952216 h 3709642"/>
+              <a:gd name="connsiteX20" fmla="*/ 319121 w 559472"/>
+              <a:gd name="connsiteY20" fmla="*/ 1833776 h 3709642"/>
+              <a:gd name="connsiteX21" fmla="*/ 304408 w 559472"/>
+              <a:gd name="connsiteY21" fmla="*/ 1713948 h 3709642"/>
+              <a:gd name="connsiteX22" fmla="*/ 288685 w 559472"/>
+              <a:gd name="connsiteY22" fmla="*/ 1592703 h 3709642"/>
+              <a:gd name="connsiteX23" fmla="*/ 273050 w 559472"/>
+              <a:gd name="connsiteY23" fmla="*/ 1471451 h 3709642"/>
+              <a:gd name="connsiteX24" fmla="*/ 255813 w 559472"/>
+              <a:gd name="connsiteY24" fmla="*/ 1350328 h 3709642"/>
+              <a:gd name="connsiteX25" fmla="*/ 237060 w 559472"/>
+              <a:gd name="connsiteY25" fmla="*/ 1227080 h 3709642"/>
+              <a:gd name="connsiteX26" fmla="*/ 218488 w 559472"/>
+              <a:gd name="connsiteY26" fmla="*/ 1106065 h 3709642"/>
+              <a:gd name="connsiteX27" fmla="*/ 198221 w 559472"/>
+              <a:gd name="connsiteY27" fmla="*/ 982940 h 3709642"/>
+              <a:gd name="connsiteX28" fmla="*/ 177152 w 559472"/>
+              <a:gd name="connsiteY28" fmla="*/ 858755 h 3709642"/>
+              <a:gd name="connsiteX29" fmla="*/ 155551 w 559472"/>
+              <a:gd name="connsiteY29" fmla="*/ 736861 h 3709642"/>
+              <a:gd name="connsiteX30" fmla="*/ 131782 w 559472"/>
+              <a:gd name="connsiteY30" fmla="*/ 613645 h 3709642"/>
+              <a:gd name="connsiteX31" fmla="*/ 107123 w 559472"/>
+              <a:gd name="connsiteY31" fmla="*/ 490500 h 3709642"/>
+              <a:gd name="connsiteX32" fmla="*/ 82552 w 559472"/>
+              <a:gd name="connsiteY32" fmla="*/ 367348 h 3709642"/>
+              <a:gd name="connsiteX33" fmla="*/ 55608 w 559472"/>
+              <a:gd name="connsiteY33" fmla="*/ 244762 h 3709642"/>
+              <a:gd name="connsiteX34" fmla="*/ 28130 w 559472"/>
+              <a:gd name="connsiteY34" fmla="*/ 122220 h 3709642"/>
+              <a:gd name="connsiteX35" fmla="*/ 0 w 559472"/>
+              <a:gd name="connsiteY35" fmla="*/ 0 h 3709642"/>
+            </a:gdLst>
+            <a:ahLst/>
+            <a:cxnLst>
+              <a:cxn ang="0">
+                <a:pos x="connsiteX0" y="connsiteY0"/>
+              </a:cxn>
+              <a:cxn ang="0">
+                <a:pos x="connsiteX1" y="connsiteY1"/>
+              </a:cxn>
+              <a:cxn ang="0">
+                <a:pos x="connsiteX2" y="connsiteY2"/>
+              </a:cxn>
+              <a:cxn ang="0">
+                <a:pos x="connsiteX3" y="connsiteY3"/>
+              </a:cxn>
+              <a:cxn ang="0">
+                <a:pos x="connsiteX4" y="connsiteY4"/>
+              </a:cxn>
+              <a:cxn ang="0">
+                <a:pos x="connsiteX5" y="connsiteY5"/>
+              </a:cxn>
+              <a:cxn ang="0">
+                <a:pos x="connsiteX6" y="connsiteY6"/>
+              </a:cxn>
+              <a:cxn ang="0">
+                <a:pos x="connsiteX7" y="connsiteY7"/>
+              </a:cxn>
+              <a:cxn ang="0">
+                <a:pos x="connsiteX8" y="connsiteY8"/>
+              </a:cxn>
+              <a:cxn ang="0">
+                <a:pos x="connsiteX9" y="connsiteY9"/>
+              </a:cxn>
+              <a:cxn ang="0">
+                <a:pos x="connsiteX10" y="connsiteY10"/>
+              </a:cxn>
+              <a:cxn ang="0">
+                <a:pos x="connsiteX11" y="connsiteY11"/>
+              </a:cxn>
+              <a:cxn ang="0">
+                <a:pos x="connsiteX12" y="connsiteY12"/>
+              </a:cxn>
+              <a:cxn ang="0">
+                <a:pos x="connsiteX13" y="connsiteY13"/>
+              </a:cxn>
+              <a:cxn ang="0">
+                <a:pos x="connsiteX14" y="connsiteY14"/>
+              </a:cxn>
+              <a:cxn ang="0">
+                <a:pos x="connsiteX15" y="connsiteY15"/>
+              </a:cxn>
+              <a:cxn ang="0">
+                <a:pos x="connsiteX16" y="connsiteY16"/>
+              </a:cxn>
+              <a:cxn ang="0">
+                <a:pos x="connsiteX17" y="connsiteY17"/>
+              </a:cxn>
+              <a:cxn ang="0">
+                <a:pos x="connsiteX18" y="connsiteY18"/>
+              </a:cxn>
+              <a:cxn ang="0">
+                <a:pos x="connsiteX19" y="connsiteY19"/>
+              </a:cxn>
+              <a:cxn ang="0">
+                <a:pos x="connsiteX20" y="connsiteY20"/>
+              </a:cxn>
+              <a:cxn ang="0">
+                <a:pos x="connsiteX21" y="connsiteY21"/>
+              </a:cxn>
+              <a:cxn ang="0">
+                <a:pos x="connsiteX22" y="connsiteY22"/>
+              </a:cxn>
+              <a:cxn ang="0">
+                <a:pos x="connsiteX23" y="connsiteY23"/>
+              </a:cxn>
+              <a:cxn ang="0">
+                <a:pos x="connsiteX24" y="connsiteY24"/>
+              </a:cxn>
+              <a:cxn ang="0">
+                <a:pos x="connsiteX25" y="connsiteY25"/>
+              </a:cxn>
+              <a:cxn ang="0">
+                <a:pos x="connsiteX26" y="connsiteY26"/>
+              </a:cxn>
+              <a:cxn ang="0">
+                <a:pos x="connsiteX27" y="connsiteY27"/>
+              </a:cxn>
+              <a:cxn ang="0">
+                <a:pos x="connsiteX28" y="connsiteY28"/>
+              </a:cxn>
+              <a:cxn ang="0">
+                <a:pos x="connsiteX29" y="connsiteY29"/>
+              </a:cxn>
+              <a:cxn ang="0">
+                <a:pos x="connsiteX30" y="connsiteY30"/>
+              </a:cxn>
+              <a:cxn ang="0">
+                <a:pos x="connsiteX31" y="connsiteY31"/>
+              </a:cxn>
+              <a:cxn ang="0">
+                <a:pos x="connsiteX32" y="connsiteY32"/>
+              </a:cxn>
+              <a:cxn ang="0">
+                <a:pos x="connsiteX33" y="connsiteY33"/>
+              </a:cxn>
+              <a:cxn ang="0">
+                <a:pos x="connsiteX34" y="connsiteY34"/>
+              </a:cxn>
+              <a:cxn ang="0">
+                <a:pos x="connsiteX35" y="connsiteY35"/>
+              </a:cxn>
+            </a:cxnLst>
+            <a:rect l="l" t="t" r="r" b="b"/>
+            <a:pathLst>
+              <a:path w="559472" h="3709642">
+                <a:moveTo>
+                  <a:pt x="0" y="0"/>
+                </a:moveTo>
+                <a:lnTo>
+                  <a:pt x="473952" y="0"/>
+                </a:lnTo>
+                <a:lnTo>
+                  <a:pt x="485840" y="161194"/>
+                </a:lnTo>
+                <a:cubicBezTo>
+                  <a:pt x="552063" y="1147770"/>
+                  <a:pt x="592441" y="3086737"/>
+                  <a:pt x="523949" y="3672197"/>
+                </a:cubicBezTo>
+                <a:cubicBezTo>
+                  <a:pt x="500842" y="3684557"/>
+                  <a:pt x="477855" y="3697282"/>
+                  <a:pt x="454748" y="3709642"/>
+                </a:cubicBezTo>
+                <a:lnTo>
+                  <a:pt x="448224" y="3510471"/>
+                </a:lnTo>
+                <a:lnTo>
+                  <a:pt x="443564" y="3408563"/>
+                </a:lnTo>
+                <a:lnTo>
+                  <a:pt x="438902" y="3304407"/>
+                </a:lnTo>
+                <a:lnTo>
+                  <a:pt x="433941" y="3198777"/>
+                </a:lnTo>
+                <a:lnTo>
+                  <a:pt x="427584" y="3092510"/>
+                </a:lnTo>
+                <a:lnTo>
+                  <a:pt x="420988" y="2984390"/>
+                </a:lnTo>
+                <a:lnTo>
+                  <a:pt x="414330" y="2874401"/>
+                </a:lnTo>
+                <a:lnTo>
+                  <a:pt x="406840" y="2762980"/>
+                </a:lnTo>
+                <a:lnTo>
+                  <a:pt x="397745" y="2650566"/>
+                </a:lnTo>
+                <a:lnTo>
+                  <a:pt x="389154" y="2536612"/>
+                </a:lnTo>
+                <a:lnTo>
+                  <a:pt x="379225" y="2421642"/>
+                </a:lnTo>
+                <a:lnTo>
+                  <a:pt x="368316" y="2305627"/>
+                </a:lnTo>
+                <a:lnTo>
+                  <a:pt x="357466" y="2189233"/>
+                </a:lnTo>
+                <a:lnTo>
+                  <a:pt x="344982" y="2071473"/>
+                </a:lnTo>
+                <a:lnTo>
+                  <a:pt x="332466" y="1952216"/>
+                </a:lnTo>
+                <a:lnTo>
+                  <a:pt x="319121" y="1833776"/>
+                </a:lnTo>
+                <a:lnTo>
+                  <a:pt x="304408" y="1713948"/>
+                </a:lnTo>
+                <a:lnTo>
+                  <a:pt x="288685" y="1592703"/>
+                </a:lnTo>
+                <a:lnTo>
+                  <a:pt x="273050" y="1471451"/>
+                </a:lnTo>
+                <a:lnTo>
+                  <a:pt x="255813" y="1350328"/>
+                </a:lnTo>
+                <a:lnTo>
+                  <a:pt x="237060" y="1227080"/>
+                </a:lnTo>
+                <a:lnTo>
+                  <a:pt x="218488" y="1106065"/>
+                </a:lnTo>
+                <a:lnTo>
+                  <a:pt x="198221" y="982940"/>
+                </a:lnTo>
+                <a:lnTo>
+                  <a:pt x="177152" y="858755"/>
+                </a:lnTo>
+                <a:lnTo>
+                  <a:pt x="155551" y="736861"/>
+                </a:lnTo>
+                <a:lnTo>
+                  <a:pt x="131782" y="613645"/>
+                </a:lnTo>
+                <a:lnTo>
+                  <a:pt x="107123" y="490500"/>
+                </a:lnTo>
+                <a:lnTo>
+                  <a:pt x="82552" y="367348"/>
+                </a:lnTo>
+                <a:lnTo>
+                  <a:pt x="55608" y="244762"/>
+                </a:lnTo>
+                <a:lnTo>
+                  <a:pt x="28130" y="122220"/>
+                </a:lnTo>
+                <a:lnTo>
+                  <a:pt x="0" y="0"/>
+                </a:lnTo>
+                <a:close/>
+              </a:path>
+            </a:pathLst>
+          </a:custGeom>
+          <a:solidFill>
+            <a:schemeClr val="tx1">
+              <a:alpha val="20000"/>
+            </a:schemeClr>
+          </a:solidFill>
+          <a:ln>
+            <a:noFill/>
+          </a:ln>
+        </p:spPr>
+        <p:txBody>
+          <a:bodyPr rtlCol="0" anchor="ctr"/>
+          <a:lstStyle/>
+          <a:p>
+            <a:pPr algn="ctr"/>
+            <a:endParaRPr lang="en-US"/>
+          </a:p>
+        </p:txBody>
+      </p:sp>
+      <p:sp>
+        <p:nvSpPr>
+          <p:cNvPr id="11" name="Rectangle 10">
+            <a:extLst>
+              <a:ext uri="{FF2B5EF4-FFF2-40B4-BE49-F238E27FC236}">
+                <a16:creationId xmlns:a16="http://schemas.microsoft.com/office/drawing/2014/main" id="{4109C3C2-C0A8-4559-8462-8007573DF44C}"/>
+              </a:ext>
+              <a:ext uri="{C183D7F6-B498-43B3-948B-1728B52AA6E4}">
+                <adec:decorative xmlns:adec="http://schemas.microsoft.com/office/drawing/2017/decorative" val="1"/>
+              </a:ext>
+            </a:extLst>
+          </p:cNvPr>
+          <p:cNvSpPr>
+            <a:spLocks noGrp="1" noRot="1" noChangeAspect="1" noMove="1" noResize="1" noEditPoints="1" noAdjustHandles="1" noChangeArrowheads="1" noChangeShapeType="1" noTextEdit="1"/>
+          </p:cNvSpPr>
+          <p:nvPr>
+            <p:extLst>
+              <p:ext uri="{386F3935-93C4-4BCD-93E2-E3B085C9AB24}">
+                <p16:designElem xmlns:p16="http://schemas.microsoft.com/office/powerpoint/2015/main" val="1"/>
+              </p:ext>
+            </p:extLst>
+          </p:nvPr>
+        </p:nvSpPr>
+        <p:spPr>
+          <a:xfrm>
+            <a:off x="6093992" y="0"/>
+            <a:ext cx="6098427" cy="6858000"/>
+          </a:xfrm>
+          <a:prstGeom prst="rect">
+            <a:avLst/>
+          </a:prstGeom>
+          <a:solidFill>
+            <a:srgbClr val="FFFFFF"/>
+          </a:solidFill>
+          <a:ln>
+            <a:noFill/>
+          </a:ln>
+        </p:spPr>
+        <p:style>
+          <a:lnRef idx="2">
+            <a:schemeClr val="accent1">
+              <a:shade val="50000"/>
+            </a:schemeClr>
+          </a:lnRef>
+          <a:fillRef idx="1">
+            <a:schemeClr val="accent1"/>
+          </a:fillRef>
+          <a:effectRef idx="0">
+            <a:schemeClr val="accent1"/>
+          </a:effectRef>
+          <a:fontRef idx="minor">
+            <a:schemeClr val="lt1"/>
+          </a:fontRef>
+        </p:style>
+        <p:txBody>
+          <a:bodyPr rtlCol="0" anchor="ctr"/>
+          <a:lstStyle/>
+          <a:p>
+            <a:pPr algn="ctr"/>
+            <a:endParaRPr lang="en-US"/>
+          </a:p>
+        </p:txBody>
+      </p:sp>
+      <p:sp>
+        <p:nvSpPr>
+          <p:cNvPr id="13" name="Freeform 5">
+            <a:extLst>
+              <a:ext uri="{FF2B5EF4-FFF2-40B4-BE49-F238E27FC236}">
+                <a16:creationId xmlns:a16="http://schemas.microsoft.com/office/drawing/2014/main" id="{4C535542-B72A-4DE0-BE5A-5EA00508C77D}"/>
+              </a:ext>
+              <a:ext uri="{C183D7F6-B498-43B3-948B-1728B52AA6E4}">
+                <adec:decorative xmlns:adec="http://schemas.microsoft.com/office/drawing/2017/decorative" val="1"/>
+              </a:ext>
+            </a:extLst>
+          </p:cNvPr>
+          <p:cNvSpPr>
+            <a:spLocks noGrp="1" noRot="1" noChangeAspect="1" noMove="1" noResize="1" noEditPoints="1" noAdjustHandles="1" noChangeArrowheads="1" noChangeShapeType="1" noTextEdit="1"/>
+          </p:cNvSpPr>
+          <p:nvPr>
+            <p:extLst>
+              <p:ext uri="{386F3935-93C4-4BCD-93E2-E3B085C9AB24}">
+                <p16:designElem xmlns:p16="http://schemas.microsoft.com/office/powerpoint/2015/main" val="1"/>
+              </p:ext>
+            </p:extLst>
+          </p:nvPr>
+        </p:nvSpPr>
+        <p:spPr bwMode="gray">
+          <a:xfrm rot="16200000">
+            <a:off x="2450577" y="2756642"/>
+            <a:ext cx="6858000" cy="1344715"/>
+          </a:xfrm>
+          <a:custGeom>
+            <a:avLst/>
+            <a:gdLst/>
+            <a:ahLst/>
+            <a:cxnLst/>
+            <a:rect l="l" t="t" r="r" b="b"/>
+            <a:pathLst>
+              <a:path w="10000" h="8000">
+                <a:moveTo>
+                  <a:pt x="0" y="0"/>
+                </a:moveTo>
+                <a:lnTo>
+                  <a:pt x="0" y="7970"/>
+                </a:lnTo>
+                <a:lnTo>
+                  <a:pt x="10000" y="8000"/>
+                </a:lnTo>
+                <a:lnTo>
+                  <a:pt x="10000" y="7"/>
+                </a:lnTo>
+                <a:lnTo>
+                  <a:pt x="10000" y="7"/>
+                </a:lnTo>
+                <a:lnTo>
+                  <a:pt x="9773" y="156"/>
+                </a:lnTo>
+                <a:lnTo>
+                  <a:pt x="9547" y="298"/>
+                </a:lnTo>
+                <a:lnTo>
+                  <a:pt x="9320" y="437"/>
+                </a:lnTo>
+                <a:lnTo>
+                  <a:pt x="9092" y="556"/>
+                </a:lnTo>
+                <a:lnTo>
+                  <a:pt x="8865" y="676"/>
+                </a:lnTo>
+                <a:lnTo>
+                  <a:pt x="8637" y="788"/>
+                </a:lnTo>
+                <a:lnTo>
+                  <a:pt x="8412" y="884"/>
+                </a:lnTo>
+                <a:lnTo>
+                  <a:pt x="8184" y="975"/>
+                </a:lnTo>
+                <a:lnTo>
+                  <a:pt x="7957" y="1058"/>
+                </a:lnTo>
+                <a:lnTo>
+                  <a:pt x="7734" y="1130"/>
+                </a:lnTo>
+                <a:lnTo>
+                  <a:pt x="7508" y="1202"/>
+                </a:lnTo>
+                <a:lnTo>
+                  <a:pt x="7285" y="1262"/>
+                </a:lnTo>
+                <a:lnTo>
+                  <a:pt x="7062" y="1309"/>
+                </a:lnTo>
+                <a:lnTo>
+                  <a:pt x="6840" y="1358"/>
+                </a:lnTo>
+                <a:lnTo>
+                  <a:pt x="6620" y="1399"/>
+                </a:lnTo>
+                <a:lnTo>
+                  <a:pt x="6402" y="1428"/>
+                </a:lnTo>
+                <a:lnTo>
+                  <a:pt x="6184" y="1453"/>
+                </a:lnTo>
+                <a:lnTo>
+                  <a:pt x="5968" y="1477"/>
+                </a:lnTo>
+                <a:lnTo>
+                  <a:pt x="5755" y="1488"/>
+                </a:lnTo>
+                <a:lnTo>
+                  <a:pt x="5542" y="1500"/>
+                </a:lnTo>
+                <a:lnTo>
+                  <a:pt x="5332" y="1506"/>
+                </a:lnTo>
+                <a:lnTo>
+                  <a:pt x="5124" y="1500"/>
+                </a:lnTo>
+                <a:lnTo>
+                  <a:pt x="4918" y="1500"/>
+                </a:lnTo>
+                <a:lnTo>
+                  <a:pt x="4714" y="1488"/>
+                </a:lnTo>
+                <a:lnTo>
+                  <a:pt x="4514" y="1470"/>
+                </a:lnTo>
+                <a:lnTo>
+                  <a:pt x="4316" y="1453"/>
+                </a:lnTo>
+                <a:lnTo>
+                  <a:pt x="4122" y="1434"/>
+                </a:lnTo>
+                <a:lnTo>
+                  <a:pt x="3929" y="1405"/>
+                </a:lnTo>
+                <a:lnTo>
+                  <a:pt x="3739" y="1374"/>
+                </a:lnTo>
+                <a:lnTo>
+                  <a:pt x="3553" y="1346"/>
+                </a:lnTo>
+                <a:lnTo>
+                  <a:pt x="3190" y="1267"/>
+                </a:lnTo>
+                <a:lnTo>
+                  <a:pt x="2842" y="1183"/>
+                </a:lnTo>
+                <a:lnTo>
+                  <a:pt x="2508" y="1095"/>
+                </a:lnTo>
+                <a:lnTo>
+                  <a:pt x="2192" y="998"/>
+                </a:lnTo>
+                <a:lnTo>
+                  <a:pt x="1890" y="897"/>
+                </a:lnTo>
+                <a:lnTo>
+                  <a:pt x="1610" y="788"/>
+                </a:lnTo>
+                <a:lnTo>
+                  <a:pt x="1347" y="681"/>
+                </a:lnTo>
+                <a:lnTo>
+                  <a:pt x="1105" y="574"/>
+                </a:lnTo>
+                <a:lnTo>
+                  <a:pt x="883" y="473"/>
+                </a:lnTo>
+                <a:lnTo>
+                  <a:pt x="686" y="377"/>
+                </a:lnTo>
+                <a:lnTo>
+                  <a:pt x="508" y="286"/>
+                </a:lnTo>
+                <a:lnTo>
+                  <a:pt x="358" y="210"/>
+                </a:lnTo>
+                <a:lnTo>
+                  <a:pt x="232" y="138"/>
+                </a:lnTo>
+                <a:lnTo>
+                  <a:pt x="59" y="35"/>
+                </a:lnTo>
+                <a:lnTo>
+                  <a:pt x="0" y="0"/>
+                </a:lnTo>
+                <a:lnTo>
+                  <a:pt x="0" y="0"/>
+                </a:lnTo>
+                <a:close/>
+              </a:path>
+            </a:pathLst>
+          </a:custGeom>
+          <a:solidFill>
+            <a:srgbClr val="FFFFFF"/>
+          </a:solidFill>
+          <a:ln>
+            <a:noFill/>
+          </a:ln>
+        </p:spPr>
+      </p:sp>
+      <p:pic>
+        <p:nvPicPr>
+          <p:cNvPr id="4" name="Graphic 3">
+            <a:extLst>
+              <a:ext uri="{FF2B5EF4-FFF2-40B4-BE49-F238E27FC236}">
+                <a16:creationId xmlns:a16="http://schemas.microsoft.com/office/drawing/2014/main" id="{D8E70B57-199A-4CF0-A319-19FE731BF1BD}"/>
+              </a:ext>
+            </a:extLst>
+          </p:cNvPr>
+          <p:cNvPicPr>
+            <a:picLocks noChangeAspect="1"/>
+          </p:cNvPicPr>
+          <p:nvPr/>
+        </p:nvPicPr>
+        <p:blipFill>
+          <a:blip r:embed="rId3">
+            <a:extLst>
+              <a:ext uri="{96DAC541-7B7A-43D3-8B79-37D633B846F1}">
+                <asvg:svgBlip xmlns:asvg="http://schemas.microsoft.com/office/drawing/2016/SVG/main" r:embed="rId4"/>
+              </a:ext>
+            </a:extLst>
+          </a:blip>
+          <a:stretch>
+            <a:fillRect/>
+          </a:stretch>
+        </p:blipFill>
+        <p:spPr>
+          <a:xfrm>
+            <a:off x="3256255" y="1371600"/>
+            <a:ext cx="8935745" cy="4811554"/>
+          </a:xfrm>
+          <a:prstGeom prst="rect">
+            <a:avLst/>
+          </a:prstGeom>
+          <a:effectLst/>
+        </p:spPr>
+      </p:pic>
+      <p:sp>
+        <p:nvSpPr>
+          <p:cNvPr id="15" name="Rectangle 14">
+            <a:extLst>
+              <a:ext uri="{FF2B5EF4-FFF2-40B4-BE49-F238E27FC236}">
+                <a16:creationId xmlns:a16="http://schemas.microsoft.com/office/drawing/2014/main" id="{11DF0705-615B-4CF3-A16F-8C14680D8BA6}"/>
+              </a:ext>
+              <a:ext uri="{C183D7F6-B498-43B3-948B-1728B52AA6E4}">
+                <adec:decorative xmlns:adec="http://schemas.microsoft.com/office/drawing/2017/decorative" val="1"/>
+              </a:ext>
+            </a:extLst>
+          </p:cNvPr>
+          <p:cNvSpPr>
+            <a:spLocks noGrp="1" noRot="1" noChangeAspect="1" noMove="1" noResize="1" noEditPoints="1" noAdjustHandles="1" noChangeArrowheads="1" noChangeShapeType="1" noTextEdit="1"/>
+          </p:cNvSpPr>
+          <p:nvPr>
+            <p:extLst>
+              <p:ext uri="{386F3935-93C4-4BCD-93E2-E3B085C9AB24}">
+                <p16:designElem xmlns:p16="http://schemas.microsoft.com/office/powerpoint/2015/main" val="1"/>
+              </p:ext>
+            </p:extLst>
+          </p:nvPr>
+        </p:nvSpPr>
+        <p:spPr>
+          <a:xfrm>
+            <a:off x="10442448" y="0"/>
+            <a:ext cx="685800" cy="1143000"/>
+          </a:xfrm>
+          <a:prstGeom prst="rect">
+            <a:avLst/>
+          </a:prstGeom>
+          <a:solidFill>
+            <a:schemeClr val="accent1"/>
+          </a:solidFill>
+          <a:ln>
+            <a:noFill/>
+          </a:ln>
+        </p:spPr>
+        <p:style>
+          <a:lnRef idx="1">
+            <a:schemeClr val="accent1"/>
+          </a:lnRef>
+          <a:fillRef idx="3">
+            <a:schemeClr val="accent1"/>
+          </a:fillRef>
+          <a:effectRef idx="2">
+            <a:schemeClr val="accent1"/>
+          </a:effectRef>
+          <a:fontRef idx="minor">
+            <a:schemeClr val="lt1"/>
+          </a:fontRef>
+        </p:style>
+      </p:sp>
+      <p:sp>
+        <p:nvSpPr>
+          <p:cNvPr id="10" name="Rectangle 9">
+            <a:extLst>
+              <a:ext uri="{FF2B5EF4-FFF2-40B4-BE49-F238E27FC236}">
+                <a16:creationId xmlns:a16="http://schemas.microsoft.com/office/drawing/2014/main" id="{A8003090-E333-4865-8C70-0A7A2BFA43E1}"/>
+              </a:ext>
+            </a:extLst>
+          </p:cNvPr>
+          <p:cNvSpPr/>
+          <p:nvPr/>
+        </p:nvSpPr>
+        <p:spPr>
+          <a:xfrm>
+            <a:off x="6333688" y="2021746"/>
+            <a:ext cx="2986481" cy="3783435"/>
+          </a:xfrm>
+          <a:prstGeom prst="rect">
+            <a:avLst/>
+          </a:prstGeom>
+          <a:noFill/>
+          <a:ln>
+            <a:solidFill>
+              <a:srgbClr val="FF0000"/>
+            </a:solidFill>
+          </a:ln>
+        </p:spPr>
+        <p:style>
+          <a:lnRef idx="2">
+            <a:schemeClr val="accent3"/>
+          </a:lnRef>
+          <a:fillRef idx="1">
+            <a:schemeClr val="lt1"/>
+          </a:fillRef>
+          <a:effectRef idx="0">
+            <a:schemeClr val="accent3"/>
+          </a:effectRef>
+          <a:fontRef idx="minor">
+            <a:schemeClr val="dk1"/>
+          </a:fontRef>
+        </p:style>
+        <p:txBody>
+          <a:bodyPr rtlCol="0" anchor="ctr"/>
+          <a:lstStyle/>
+          <a:p>
+            <a:pPr algn="ctr"/>
+            <a:endParaRPr lang="en-SG"/>
+          </a:p>
+        </p:txBody>
+      </p:sp>
+    </p:spTree>
+    <p:extLst>
+      <p:ext uri="{BB962C8B-B14F-4D97-AF65-F5344CB8AC3E}">
+        <p14:creationId xmlns:p14="http://schemas.microsoft.com/office/powerpoint/2010/main" val="3948009706"/>
+      </p:ext>
+    </p:extLst>
+  </p:cSld>
+  <p:clrMapOvr>
+    <a:masterClrMapping/>
+  </p:clrMapOvr>
+  <p:timing>
+    <p:tnLst>
+      <p:par>
+        <p:cTn id="1" dur="indefinite" restart="never" nodeType="tmRoot">
+          <p:childTnLst>
+            <p:seq concurrent="1" nextAc="seek">
+              <p:cTn id="2" dur="indefinite" nodeType="mainSeq">
+                <p:childTnLst>
+                  <p:par>
+                    <p:cTn id="3" fill="hold">
+                      <p:stCondLst>
+                        <p:cond delay="indefinite"/>
+                      </p:stCondLst>
+                      <p:childTnLst>
+                        <p:par>
+                          <p:cTn id="4" fill="hold">
+                            <p:stCondLst>
+                              <p:cond delay="0"/>
+                            </p:stCondLst>
+                            <p:childTnLst>
+                              <p:par>
+                                <p:cTn id="5" presetID="10" presetClass="entr" presetSubtype="0" fill="hold" grpId="0" nodeType="clickEffect">
+                                  <p:stCondLst>
+                                    <p:cond delay="0"/>
+                                  </p:stCondLst>
+                                  <p:childTnLst>
+                                    <p:set>
+                                      <p:cBhvr>
+                                        <p:cTn id="6" dur="1" fill="hold">
+                                          <p:stCondLst>
+                                            <p:cond delay="0"/>
+                                          </p:stCondLst>
+                                        </p:cTn>
+                                        <p:tgtEl>
+                                          <p:spTgt spid="10"/>
+                                        </p:tgtEl>
+                                        <p:attrNameLst>
+                                          <p:attrName>style.visibility</p:attrName>
+                                        </p:attrNameLst>
+                                      </p:cBhvr>
+                                      <p:to>
+                                        <p:strVal val="visible"/>
+                                      </p:to>
+                                    </p:set>
+                                    <p:animEffect transition="in" filter="fade">
+                                      <p:cBhvr>
+                                        <p:cTn id="7" dur="500"/>
+                                        <p:tgtEl>
+                                          <p:spTgt spid="10"/>
+                                        </p:tgtEl>
+                                      </p:cBhvr>
+                                    </p:animEffect>
+                                  </p:childTnLst>
+                                </p:cTn>
+                              </p:par>
+                            </p:childTnLst>
+                          </p:cTn>
+                        </p:par>
+                      </p:childTnLst>
+                    </p:cTn>
+                  </p:par>
+                </p:childTnLst>
+              </p:cTn>
+              <p:prevCondLst>
+                <p:cond evt="onPrev" delay="0">
+                  <p:tgtEl>
+                    <p:sldTgt/>
+                  </p:tgtEl>
+                </p:cond>
+              </p:prevCondLst>
+              <p:nextCondLst>
+                <p:cond evt="onNext" delay="0">
+                  <p:tgtEl>
+                    <p:sldTgt/>
+                  </p:tgtEl>
+                </p:cond>
+              </p:nextCondLst>
+            </p:seq>
+          </p:childTnLst>
+        </p:cTn>
+      </p:par>
+    </p:tnLst>
+    <p:bldLst>
+      <p:bldP spid="10" grpId="0" animBg="1"/>
+    </p:bldLst>
+  </p:timing>
+</p:sld>
+</file>
+
+<file path=ppt/slides/slide7.xml><?xml version="1.0" encoding="utf-8"?>
+<p:sld xmlns:a="http://schemas.openxmlformats.org/drawingml/2006/main" xmlns:r="http://schemas.openxmlformats.org/officeDocument/2006/relationships" xmlns:p="http://schemas.openxmlformats.org/presentationml/2006/main">
+  <p:cSld>
+    <p:bg>
+      <p:bgPr>
+        <a:blipFill rotWithShape="1">
+          <a:blip r:embed="rId2">
+            <a:duotone>
+              <a:schemeClr val="bg2">
+                <a:shade val="62000"/>
+                <a:hueMod val="108000"/>
+                <a:satMod val="164000"/>
+                <a:lumMod val="69000"/>
+              </a:schemeClr>
+              <a:schemeClr val="bg2">
+                <a:tint val="96000"/>
+                <a:hueMod val="90000"/>
+                <a:satMod val="130000"/>
+                <a:lumMod val="134000"/>
+              </a:schemeClr>
+            </a:duotone>
+          </a:blip>
+          <a:stretch/>
+        </a:blipFill>
+        <a:effectLst/>
+      </p:bgPr>
+    </p:bg>
+    <p:spTree>
+      <p:nvGrpSpPr>
+        <p:cNvPr id="1" name=""/>
+        <p:cNvGrpSpPr/>
+        <p:nvPr/>
+      </p:nvGrpSpPr>
+      <p:grpSpPr>
+        <a:xfrm>
+          <a:off x="0" y="0"/>
+          <a:ext cx="0" cy="0"/>
+          <a:chOff x="0" y="0"/>
+          <a:chExt cx="0" cy="0"/>
+        </a:xfrm>
+      </p:grpSpPr>
+      <p:sp>
+        <p:nvSpPr>
+          <p:cNvPr id="2" name="Title 1">
+            <a:extLst>
+              <a:ext uri="{FF2B5EF4-FFF2-40B4-BE49-F238E27FC236}">
+                <a16:creationId xmlns:a16="http://schemas.microsoft.com/office/drawing/2014/main" id="{8BAAC7A6-57DA-489D-A467-D28AE49D7A8C}"/>
+              </a:ext>
+            </a:extLst>
+          </p:cNvPr>
+          <p:cNvSpPr>
+            <a:spLocks noGrp="1"/>
+          </p:cNvSpPr>
+          <p:nvPr>
+            <p:ph type="title"/>
+          </p:nvPr>
+        </p:nvSpPr>
+        <p:spPr>
+          <a:xfrm>
+            <a:off x="648931" y="629266"/>
+            <a:ext cx="3146692" cy="1622321"/>
+          </a:xfrm>
+        </p:spPr>
+        <p:txBody>
+          <a:bodyPr>
+            <a:normAutofit/>
+          </a:bodyPr>
+          <a:lstStyle/>
+          <a:p>
+            <a:r>
+              <a:rPr lang="en-US" dirty="0"/>
+              <a:t>Areas explored</a:t>
+            </a:r>
+            <a:endParaRPr lang="en-SG" dirty="0"/>
+          </a:p>
+        </p:txBody>
+      </p:sp>
+      <p:sp>
+        <p:nvSpPr>
+          <p:cNvPr id="3" name="Content Placeholder 2">
+            <a:extLst>
+              <a:ext uri="{FF2B5EF4-FFF2-40B4-BE49-F238E27FC236}">
+                <a16:creationId xmlns:a16="http://schemas.microsoft.com/office/drawing/2014/main" id="{293FCE9B-C27D-4872-8320-609F4718D3AB}"/>
+              </a:ext>
+            </a:extLst>
+          </p:cNvPr>
+          <p:cNvSpPr>
+            <a:spLocks noGrp="1"/>
+          </p:cNvSpPr>
+          <p:nvPr>
+            <p:ph idx="1"/>
+          </p:nvPr>
+        </p:nvSpPr>
+        <p:spPr>
+          <a:xfrm>
+            <a:off x="648931" y="2438400"/>
+            <a:ext cx="4166509" cy="3785419"/>
+          </a:xfrm>
+        </p:spPr>
+        <p:txBody>
+          <a:bodyPr>
+            <a:normAutofit/>
+          </a:bodyPr>
+          <a:lstStyle/>
+          <a:p>
+            <a:r>
+              <a:rPr lang="en-SG"/>
+              <a:t>Traffic volume by time </a:t>
+            </a:r>
+          </a:p>
+          <a:p>
+            <a:pPr lvl="1"/>
+            <a:r>
+              <a:rPr lang="en-SG"/>
+              <a:t>16:00-20:00</a:t>
+            </a:r>
+          </a:p>
+          <a:p>
+            <a:pPr lvl="1"/>
+            <a:r>
+              <a:rPr lang="en-SG"/>
+              <a:t>08:00-12:00</a:t>
+            </a:r>
+          </a:p>
+          <a:p>
+            <a:pPr lvl="1"/>
+            <a:r>
+              <a:rPr lang="en-SG"/>
+              <a:t>12:00-16:00</a:t>
+            </a:r>
+          </a:p>
+        </p:txBody>
+      </p:sp>
+      <p:sp>
+        <p:nvSpPr>
+          <p:cNvPr id="9" name="Freeform 31">
+            <a:extLst>
+              <a:ext uri="{FF2B5EF4-FFF2-40B4-BE49-F238E27FC236}">
+                <a16:creationId xmlns:a16="http://schemas.microsoft.com/office/drawing/2014/main" id="{D6CEF2A9-EF08-4FB3-AFFB-C5F77AB6E028}"/>
+              </a:ext>
+              <a:ext uri="{C183D7F6-B498-43B3-948B-1728B52AA6E4}">
+                <adec:decorative xmlns:adec="http://schemas.microsoft.com/office/drawing/2017/decorative" val="1"/>
+              </a:ext>
+            </a:extLst>
+          </p:cNvPr>
+          <p:cNvSpPr>
+            <a:spLocks noGrp="1" noRot="1" noChangeAspect="1" noMove="1" noResize="1" noEditPoints="1" noAdjustHandles="1" noChangeArrowheads="1" noChangeShapeType="1" noTextEdit="1"/>
+          </p:cNvSpPr>
+          <p:nvPr>
+            <p:extLst>
+              <p:ext uri="{386F3935-93C4-4BCD-93E2-E3B085C9AB24}">
+                <p16:designElem xmlns:p16="http://schemas.microsoft.com/office/powerpoint/2015/main" val="1"/>
+              </p:ext>
+            </p:extLst>
+          </p:nvPr>
+        </p:nvSpPr>
+        <p:spPr>
+          <a:xfrm>
+            <a:off x="4994020" y="-1"/>
+            <a:ext cx="559472" cy="3709642"/>
+          </a:xfrm>
+          <a:custGeom>
+            <a:avLst/>
+            <a:gdLst>
+              <a:gd name="connsiteX0" fmla="*/ 0 w 559472"/>
+              <a:gd name="connsiteY0" fmla="*/ 0 h 3709642"/>
+              <a:gd name="connsiteX1" fmla="*/ 473952 w 559472"/>
+              <a:gd name="connsiteY1" fmla="*/ 0 h 3709642"/>
+              <a:gd name="connsiteX2" fmla="*/ 485840 w 559472"/>
+              <a:gd name="connsiteY2" fmla="*/ 161194 h 3709642"/>
+              <a:gd name="connsiteX3" fmla="*/ 523949 w 559472"/>
+              <a:gd name="connsiteY3" fmla="*/ 3672197 h 3709642"/>
+              <a:gd name="connsiteX4" fmla="*/ 454748 w 559472"/>
+              <a:gd name="connsiteY4" fmla="*/ 3709642 h 3709642"/>
+              <a:gd name="connsiteX5" fmla="*/ 448224 w 559472"/>
+              <a:gd name="connsiteY5" fmla="*/ 3510471 h 3709642"/>
+              <a:gd name="connsiteX6" fmla="*/ 443564 w 559472"/>
+              <a:gd name="connsiteY6" fmla="*/ 3408563 h 3709642"/>
+              <a:gd name="connsiteX7" fmla="*/ 438902 w 559472"/>
+              <a:gd name="connsiteY7" fmla="*/ 3304407 h 3709642"/>
+              <a:gd name="connsiteX8" fmla="*/ 433941 w 559472"/>
+              <a:gd name="connsiteY8" fmla="*/ 3198777 h 3709642"/>
+              <a:gd name="connsiteX9" fmla="*/ 427584 w 559472"/>
+              <a:gd name="connsiteY9" fmla="*/ 3092510 h 3709642"/>
+              <a:gd name="connsiteX10" fmla="*/ 420988 w 559472"/>
+              <a:gd name="connsiteY10" fmla="*/ 2984390 h 3709642"/>
+              <a:gd name="connsiteX11" fmla="*/ 414330 w 559472"/>
+              <a:gd name="connsiteY11" fmla="*/ 2874401 h 3709642"/>
+              <a:gd name="connsiteX12" fmla="*/ 406840 w 559472"/>
+              <a:gd name="connsiteY12" fmla="*/ 2762980 h 3709642"/>
+              <a:gd name="connsiteX13" fmla="*/ 397745 w 559472"/>
+              <a:gd name="connsiteY13" fmla="*/ 2650566 h 3709642"/>
+              <a:gd name="connsiteX14" fmla="*/ 389154 w 559472"/>
+              <a:gd name="connsiteY14" fmla="*/ 2536612 h 3709642"/>
+              <a:gd name="connsiteX15" fmla="*/ 379225 w 559472"/>
+              <a:gd name="connsiteY15" fmla="*/ 2421642 h 3709642"/>
+              <a:gd name="connsiteX16" fmla="*/ 368316 w 559472"/>
+              <a:gd name="connsiteY16" fmla="*/ 2305627 h 3709642"/>
+              <a:gd name="connsiteX17" fmla="*/ 357466 w 559472"/>
+              <a:gd name="connsiteY17" fmla="*/ 2189233 h 3709642"/>
+              <a:gd name="connsiteX18" fmla="*/ 344982 w 559472"/>
+              <a:gd name="connsiteY18" fmla="*/ 2071473 h 3709642"/>
+              <a:gd name="connsiteX19" fmla="*/ 332466 w 559472"/>
+              <a:gd name="connsiteY19" fmla="*/ 1952216 h 3709642"/>
+              <a:gd name="connsiteX20" fmla="*/ 319121 w 559472"/>
+              <a:gd name="connsiteY20" fmla="*/ 1833776 h 3709642"/>
+              <a:gd name="connsiteX21" fmla="*/ 304408 w 559472"/>
+              <a:gd name="connsiteY21" fmla="*/ 1713948 h 3709642"/>
+              <a:gd name="connsiteX22" fmla="*/ 288685 w 559472"/>
+              <a:gd name="connsiteY22" fmla="*/ 1592703 h 3709642"/>
+              <a:gd name="connsiteX23" fmla="*/ 273050 w 559472"/>
+              <a:gd name="connsiteY23" fmla="*/ 1471451 h 3709642"/>
+              <a:gd name="connsiteX24" fmla="*/ 255813 w 559472"/>
+              <a:gd name="connsiteY24" fmla="*/ 1350328 h 3709642"/>
+              <a:gd name="connsiteX25" fmla="*/ 237060 w 559472"/>
+              <a:gd name="connsiteY25" fmla="*/ 1227080 h 3709642"/>
+              <a:gd name="connsiteX26" fmla="*/ 218488 w 559472"/>
+              <a:gd name="connsiteY26" fmla="*/ 1106065 h 3709642"/>
+              <a:gd name="connsiteX27" fmla="*/ 198221 w 559472"/>
+              <a:gd name="connsiteY27" fmla="*/ 982940 h 3709642"/>
+              <a:gd name="connsiteX28" fmla="*/ 177152 w 559472"/>
+              <a:gd name="connsiteY28" fmla="*/ 858755 h 3709642"/>
+              <a:gd name="connsiteX29" fmla="*/ 155551 w 559472"/>
+              <a:gd name="connsiteY29" fmla="*/ 736861 h 3709642"/>
+              <a:gd name="connsiteX30" fmla="*/ 131782 w 559472"/>
+              <a:gd name="connsiteY30" fmla="*/ 613645 h 3709642"/>
+              <a:gd name="connsiteX31" fmla="*/ 107123 w 559472"/>
+              <a:gd name="connsiteY31" fmla="*/ 490500 h 3709642"/>
+              <a:gd name="connsiteX32" fmla="*/ 82552 w 559472"/>
+              <a:gd name="connsiteY32" fmla="*/ 367348 h 3709642"/>
+              <a:gd name="connsiteX33" fmla="*/ 55608 w 559472"/>
+              <a:gd name="connsiteY33" fmla="*/ 244762 h 3709642"/>
+              <a:gd name="connsiteX34" fmla="*/ 28130 w 559472"/>
+              <a:gd name="connsiteY34" fmla="*/ 122220 h 3709642"/>
+              <a:gd name="connsiteX35" fmla="*/ 0 w 559472"/>
+              <a:gd name="connsiteY35" fmla="*/ 0 h 3709642"/>
+            </a:gdLst>
+            <a:ahLst/>
+            <a:cxnLst>
+              <a:cxn ang="0">
+                <a:pos x="connsiteX0" y="connsiteY0"/>
+              </a:cxn>
+              <a:cxn ang="0">
+                <a:pos x="connsiteX1" y="connsiteY1"/>
+              </a:cxn>
+              <a:cxn ang="0">
+                <a:pos x="connsiteX2" y="connsiteY2"/>
+              </a:cxn>
+              <a:cxn ang="0">
+                <a:pos x="connsiteX3" y="connsiteY3"/>
+              </a:cxn>
+              <a:cxn ang="0">
+                <a:pos x="connsiteX4" y="connsiteY4"/>
+              </a:cxn>
+              <a:cxn ang="0">
+                <a:pos x="connsiteX5" y="connsiteY5"/>
+              </a:cxn>
+              <a:cxn ang="0">
+                <a:pos x="connsiteX6" y="connsiteY6"/>
+              </a:cxn>
+              <a:cxn ang="0">
+                <a:pos x="connsiteX7" y="connsiteY7"/>
+              </a:cxn>
+              <a:cxn ang="0">
+                <a:pos x="connsiteX8" y="connsiteY8"/>
+              </a:cxn>
+              <a:cxn ang="0">
+                <a:pos x="connsiteX9" y="connsiteY9"/>
+              </a:cxn>
+              <a:cxn ang="0">
+                <a:pos x="connsiteX10" y="connsiteY10"/>
+              </a:cxn>
+              <a:cxn ang="0">
+                <a:pos x="connsiteX11" y="connsiteY11"/>
+              </a:cxn>
+              <a:cxn ang="0">
+                <a:pos x="connsiteX12" y="connsiteY12"/>
+              </a:cxn>
+              <a:cxn ang="0">
+                <a:pos x="connsiteX13" y="connsiteY13"/>
+              </a:cxn>
+              <a:cxn ang="0">
+                <a:pos x="connsiteX14" y="connsiteY14"/>
+              </a:cxn>
+              <a:cxn ang="0">
+                <a:pos x="connsiteX15" y="connsiteY15"/>
+              </a:cxn>
+              <a:cxn ang="0">
+                <a:pos x="connsiteX16" y="connsiteY16"/>
+              </a:cxn>
+              <a:cxn ang="0">
+                <a:pos x="connsiteX17" y="connsiteY17"/>
+              </a:cxn>
+              <a:cxn ang="0">
+                <a:pos x="connsiteX18" y="connsiteY18"/>
+              </a:cxn>
+              <a:cxn ang="0">
+                <a:pos x="connsiteX19" y="connsiteY19"/>
+              </a:cxn>
+              <a:cxn ang="0">
+                <a:pos x="connsiteX20" y="connsiteY20"/>
+              </a:cxn>
+              <a:cxn ang="0">
+                <a:pos x="connsiteX21" y="connsiteY21"/>
+              </a:cxn>
+              <a:cxn ang="0">
+                <a:pos x="connsiteX22" y="connsiteY22"/>
+              </a:cxn>
+              <a:cxn ang="0">
+                <a:pos x="connsiteX23" y="connsiteY23"/>
+              </a:cxn>
+              <a:cxn ang="0">
+                <a:pos x="connsiteX24" y="connsiteY24"/>
+              </a:cxn>
+              <a:cxn ang="0">
+                <a:pos x="connsiteX25" y="connsiteY25"/>
+              </a:cxn>
+              <a:cxn ang="0">
+                <a:pos x="connsiteX26" y="connsiteY26"/>
+              </a:cxn>
+              <a:cxn ang="0">
+                <a:pos x="connsiteX27" y="connsiteY27"/>
+              </a:cxn>
+              <a:cxn ang="0">
+                <a:pos x="connsiteX28" y="connsiteY28"/>
+              </a:cxn>
+              <a:cxn ang="0">
+                <a:pos x="connsiteX29" y="connsiteY29"/>
+              </a:cxn>
+              <a:cxn ang="0">
+                <a:pos x="connsiteX30" y="connsiteY30"/>
+              </a:cxn>
+              <a:cxn ang="0">
+                <a:pos x="connsiteX31" y="connsiteY31"/>
+              </a:cxn>
+              <a:cxn ang="0">
+                <a:pos x="connsiteX32" y="connsiteY32"/>
+              </a:cxn>
+              <a:cxn ang="0">
+                <a:pos x="connsiteX33" y="connsiteY33"/>
+              </a:cxn>
+              <a:cxn ang="0">
+                <a:pos x="connsiteX34" y="connsiteY34"/>
+              </a:cxn>
+              <a:cxn ang="0">
+                <a:pos x="connsiteX35" y="connsiteY35"/>
+              </a:cxn>
+            </a:cxnLst>
+            <a:rect l="l" t="t" r="r" b="b"/>
+            <a:pathLst>
+              <a:path w="559472" h="3709642">
+                <a:moveTo>
+                  <a:pt x="0" y="0"/>
+                </a:moveTo>
+                <a:lnTo>
+                  <a:pt x="473952" y="0"/>
+                </a:lnTo>
+                <a:lnTo>
+                  <a:pt x="485840" y="161194"/>
+                </a:lnTo>
+                <a:cubicBezTo>
+                  <a:pt x="552063" y="1147770"/>
+                  <a:pt x="592441" y="3086737"/>
+                  <a:pt x="523949" y="3672197"/>
+                </a:cubicBezTo>
+                <a:cubicBezTo>
+                  <a:pt x="500842" y="3684557"/>
+                  <a:pt x="477855" y="3697282"/>
+                  <a:pt x="454748" y="3709642"/>
+                </a:cubicBezTo>
+                <a:lnTo>
+                  <a:pt x="448224" y="3510471"/>
+                </a:lnTo>
+                <a:lnTo>
+                  <a:pt x="443564" y="3408563"/>
+                </a:lnTo>
+                <a:lnTo>
+                  <a:pt x="438902" y="3304407"/>
+                </a:lnTo>
+                <a:lnTo>
+                  <a:pt x="433941" y="3198777"/>
+                </a:lnTo>
+                <a:lnTo>
+                  <a:pt x="427584" y="3092510"/>
+                </a:lnTo>
+                <a:lnTo>
+                  <a:pt x="420988" y="2984390"/>
+                </a:lnTo>
+                <a:lnTo>
+                  <a:pt x="414330" y="2874401"/>
+                </a:lnTo>
+                <a:lnTo>
+                  <a:pt x="406840" y="2762980"/>
+                </a:lnTo>
+                <a:lnTo>
+                  <a:pt x="397745" y="2650566"/>
+                </a:lnTo>
+                <a:lnTo>
+                  <a:pt x="389154" y="2536612"/>
+                </a:lnTo>
+                <a:lnTo>
+                  <a:pt x="379225" y="2421642"/>
+                </a:lnTo>
+                <a:lnTo>
+                  <a:pt x="368316" y="2305627"/>
+                </a:lnTo>
+                <a:lnTo>
+                  <a:pt x="357466" y="2189233"/>
+                </a:lnTo>
+                <a:lnTo>
+                  <a:pt x="344982" y="2071473"/>
+                </a:lnTo>
+                <a:lnTo>
+                  <a:pt x="332466" y="1952216"/>
+                </a:lnTo>
+                <a:lnTo>
+                  <a:pt x="319121" y="1833776"/>
+                </a:lnTo>
+                <a:lnTo>
+                  <a:pt x="304408" y="1713948"/>
+                </a:lnTo>
+                <a:lnTo>
+                  <a:pt x="288685" y="1592703"/>
+                </a:lnTo>
+                <a:lnTo>
+                  <a:pt x="273050" y="1471451"/>
+                </a:lnTo>
+                <a:lnTo>
+                  <a:pt x="255813" y="1350328"/>
+                </a:lnTo>
+                <a:lnTo>
+                  <a:pt x="237060" y="1227080"/>
+                </a:lnTo>
+                <a:lnTo>
+                  <a:pt x="218488" y="1106065"/>
+                </a:lnTo>
+                <a:lnTo>
+                  <a:pt x="198221" y="982940"/>
+                </a:lnTo>
+                <a:lnTo>
+                  <a:pt x="177152" y="858755"/>
+                </a:lnTo>
+                <a:lnTo>
+                  <a:pt x="155551" y="736861"/>
+                </a:lnTo>
+                <a:lnTo>
+                  <a:pt x="131782" y="613645"/>
+                </a:lnTo>
+                <a:lnTo>
+                  <a:pt x="107123" y="490500"/>
+                </a:lnTo>
+                <a:lnTo>
+                  <a:pt x="82552" y="367348"/>
+                </a:lnTo>
+                <a:lnTo>
+                  <a:pt x="55608" y="244762"/>
+                </a:lnTo>
+                <a:lnTo>
+                  <a:pt x="28130" y="122220"/>
+                </a:lnTo>
+                <a:lnTo>
+                  <a:pt x="0" y="0"/>
+                </a:lnTo>
+                <a:close/>
+              </a:path>
+            </a:pathLst>
+          </a:custGeom>
+          <a:solidFill>
+            <a:schemeClr val="tx1">
+              <a:alpha val="20000"/>
+            </a:schemeClr>
+          </a:solidFill>
+          <a:ln>
+            <a:noFill/>
+          </a:ln>
+        </p:spPr>
+        <p:txBody>
+          <a:bodyPr rtlCol="0" anchor="ctr"/>
+          <a:lstStyle/>
+          <a:p>
+            <a:pPr algn="ctr"/>
+            <a:endParaRPr lang="en-US"/>
+          </a:p>
+        </p:txBody>
+      </p:sp>
+      <p:sp>
+        <p:nvSpPr>
+          <p:cNvPr id="11" name="Rectangle 10">
+            <a:extLst>
+              <a:ext uri="{FF2B5EF4-FFF2-40B4-BE49-F238E27FC236}">
+                <a16:creationId xmlns:a16="http://schemas.microsoft.com/office/drawing/2014/main" id="{4109C3C2-C0A8-4559-8462-8007573DF44C}"/>
+              </a:ext>
+              <a:ext uri="{C183D7F6-B498-43B3-948B-1728B52AA6E4}">
+                <adec:decorative xmlns:adec="http://schemas.microsoft.com/office/drawing/2017/decorative" val="1"/>
+              </a:ext>
+            </a:extLst>
+          </p:cNvPr>
+          <p:cNvSpPr>
+            <a:spLocks noGrp="1" noRot="1" noChangeAspect="1" noMove="1" noResize="1" noEditPoints="1" noAdjustHandles="1" noChangeArrowheads="1" noChangeShapeType="1" noTextEdit="1"/>
+          </p:cNvSpPr>
+          <p:nvPr>
+            <p:extLst>
+              <p:ext uri="{386F3935-93C4-4BCD-93E2-E3B085C9AB24}">
+                <p16:designElem xmlns:p16="http://schemas.microsoft.com/office/powerpoint/2015/main" val="1"/>
+              </p:ext>
+            </p:extLst>
+          </p:nvPr>
+        </p:nvSpPr>
+        <p:spPr>
+          <a:xfrm>
+            <a:off x="6093992" y="0"/>
+            <a:ext cx="6098427" cy="6858000"/>
+          </a:xfrm>
+          <a:prstGeom prst="rect">
+            <a:avLst/>
+          </a:prstGeom>
+          <a:solidFill>
+            <a:srgbClr val="FFFFFF"/>
+          </a:solidFill>
+          <a:ln>
+            <a:noFill/>
+          </a:ln>
+        </p:spPr>
+        <p:style>
+          <a:lnRef idx="2">
+            <a:schemeClr val="accent1">
+              <a:shade val="50000"/>
+            </a:schemeClr>
+          </a:lnRef>
+          <a:fillRef idx="1">
+            <a:schemeClr val="accent1"/>
+          </a:fillRef>
+          <a:effectRef idx="0">
+            <a:schemeClr val="accent1"/>
+          </a:effectRef>
+          <a:fontRef idx="minor">
+            <a:schemeClr val="lt1"/>
+          </a:fontRef>
+        </p:style>
+        <p:txBody>
+          <a:bodyPr rtlCol="0" anchor="ctr"/>
+          <a:lstStyle/>
+          <a:p>
+            <a:pPr algn="ctr"/>
+            <a:endParaRPr lang="en-US"/>
+          </a:p>
+        </p:txBody>
+      </p:sp>
+      <p:sp>
+        <p:nvSpPr>
+          <p:cNvPr id="13" name="Freeform 5">
+            <a:extLst>
+              <a:ext uri="{FF2B5EF4-FFF2-40B4-BE49-F238E27FC236}">
+                <a16:creationId xmlns:a16="http://schemas.microsoft.com/office/drawing/2014/main" id="{4C535542-B72A-4DE0-BE5A-5EA00508C77D}"/>
+              </a:ext>
+              <a:ext uri="{C183D7F6-B498-43B3-948B-1728B52AA6E4}">
+                <adec:decorative xmlns:adec="http://schemas.microsoft.com/office/drawing/2017/decorative" val="1"/>
+              </a:ext>
+            </a:extLst>
+          </p:cNvPr>
+          <p:cNvSpPr>
+            <a:spLocks noGrp="1" noRot="1" noChangeAspect="1" noMove="1" noResize="1" noEditPoints="1" noAdjustHandles="1" noChangeArrowheads="1" noChangeShapeType="1" noTextEdit="1"/>
+          </p:cNvSpPr>
+          <p:nvPr>
+            <p:extLst>
+              <p:ext uri="{386F3935-93C4-4BCD-93E2-E3B085C9AB24}">
+                <p16:designElem xmlns:p16="http://schemas.microsoft.com/office/powerpoint/2015/main" val="1"/>
+              </p:ext>
+            </p:extLst>
+          </p:nvPr>
+        </p:nvSpPr>
+        <p:spPr bwMode="gray">
+          <a:xfrm rot="16200000">
+            <a:off x="2450577" y="2756642"/>
+            <a:ext cx="6858000" cy="1344715"/>
+          </a:xfrm>
+          <a:custGeom>
+            <a:avLst/>
+            <a:gdLst/>
+            <a:ahLst/>
+            <a:cxnLst/>
+            <a:rect l="l" t="t" r="r" b="b"/>
+            <a:pathLst>
+              <a:path w="10000" h="8000">
+                <a:moveTo>
+                  <a:pt x="0" y="0"/>
+                </a:moveTo>
+                <a:lnTo>
+                  <a:pt x="0" y="7970"/>
+                </a:lnTo>
+                <a:lnTo>
+                  <a:pt x="10000" y="8000"/>
+                </a:lnTo>
+                <a:lnTo>
+                  <a:pt x="10000" y="7"/>
+                </a:lnTo>
+                <a:lnTo>
+                  <a:pt x="10000" y="7"/>
+                </a:lnTo>
+                <a:lnTo>
+                  <a:pt x="9773" y="156"/>
+                </a:lnTo>
+                <a:lnTo>
+                  <a:pt x="9547" y="298"/>
+                </a:lnTo>
+                <a:lnTo>
+                  <a:pt x="9320" y="437"/>
+                </a:lnTo>
+                <a:lnTo>
+                  <a:pt x="9092" y="556"/>
+                </a:lnTo>
+                <a:lnTo>
+                  <a:pt x="8865" y="676"/>
+                </a:lnTo>
+                <a:lnTo>
+                  <a:pt x="8637" y="788"/>
+                </a:lnTo>
+                <a:lnTo>
+                  <a:pt x="8412" y="884"/>
+                </a:lnTo>
+                <a:lnTo>
+                  <a:pt x="8184" y="975"/>
+                </a:lnTo>
+                <a:lnTo>
+                  <a:pt x="7957" y="1058"/>
+                </a:lnTo>
+                <a:lnTo>
+                  <a:pt x="7734" y="1130"/>
+                </a:lnTo>
+                <a:lnTo>
+                  <a:pt x="7508" y="1202"/>
+                </a:lnTo>
+                <a:lnTo>
+                  <a:pt x="7285" y="1262"/>
+                </a:lnTo>
+                <a:lnTo>
+                  <a:pt x="7062" y="1309"/>
+                </a:lnTo>
+                <a:lnTo>
+                  <a:pt x="6840" y="1358"/>
+                </a:lnTo>
+                <a:lnTo>
+                  <a:pt x="6620" y="1399"/>
+                </a:lnTo>
+                <a:lnTo>
+                  <a:pt x="6402" y="1428"/>
+                </a:lnTo>
+                <a:lnTo>
+                  <a:pt x="6184" y="1453"/>
+                </a:lnTo>
+                <a:lnTo>
+                  <a:pt x="5968" y="1477"/>
+                </a:lnTo>
+                <a:lnTo>
+                  <a:pt x="5755" y="1488"/>
+                </a:lnTo>
+                <a:lnTo>
+                  <a:pt x="5542" y="1500"/>
+                </a:lnTo>
+                <a:lnTo>
+                  <a:pt x="5332" y="1506"/>
+                </a:lnTo>
+                <a:lnTo>
+                  <a:pt x="5124" y="1500"/>
+                </a:lnTo>
+                <a:lnTo>
+                  <a:pt x="4918" y="1500"/>
+                </a:lnTo>
+                <a:lnTo>
+                  <a:pt x="4714" y="1488"/>
+                </a:lnTo>
+                <a:lnTo>
+                  <a:pt x="4514" y="1470"/>
+                </a:lnTo>
+                <a:lnTo>
+                  <a:pt x="4316" y="1453"/>
+                </a:lnTo>
+                <a:lnTo>
+                  <a:pt x="4122" y="1434"/>
+                </a:lnTo>
+                <a:lnTo>
+                  <a:pt x="3929" y="1405"/>
+                </a:lnTo>
+                <a:lnTo>
+                  <a:pt x="3739" y="1374"/>
+                </a:lnTo>
+                <a:lnTo>
+                  <a:pt x="3553" y="1346"/>
+                </a:lnTo>
+                <a:lnTo>
+                  <a:pt x="3190" y="1267"/>
+                </a:lnTo>
+                <a:lnTo>
+                  <a:pt x="2842" y="1183"/>
+                </a:lnTo>
+                <a:lnTo>
+                  <a:pt x="2508" y="1095"/>
+                </a:lnTo>
+                <a:lnTo>
+                  <a:pt x="2192" y="998"/>
+                </a:lnTo>
+                <a:lnTo>
+                  <a:pt x="1890" y="897"/>
+                </a:lnTo>
+                <a:lnTo>
+                  <a:pt x="1610" y="788"/>
+                </a:lnTo>
+                <a:lnTo>
+                  <a:pt x="1347" y="681"/>
+                </a:lnTo>
+                <a:lnTo>
+                  <a:pt x="1105" y="574"/>
+                </a:lnTo>
+                <a:lnTo>
+                  <a:pt x="883" y="473"/>
+                </a:lnTo>
+                <a:lnTo>
+                  <a:pt x="686" y="377"/>
+                </a:lnTo>
+                <a:lnTo>
+                  <a:pt x="508" y="286"/>
+                </a:lnTo>
+                <a:lnTo>
+                  <a:pt x="358" y="210"/>
+                </a:lnTo>
+                <a:lnTo>
+                  <a:pt x="232" y="138"/>
+                </a:lnTo>
+                <a:lnTo>
+                  <a:pt x="59" y="35"/>
+                </a:lnTo>
+                <a:lnTo>
+                  <a:pt x="0" y="0"/>
+                </a:lnTo>
+                <a:lnTo>
+                  <a:pt x="0" y="0"/>
+                </a:lnTo>
+                <a:close/>
+              </a:path>
+            </a:pathLst>
+          </a:custGeom>
+          <a:solidFill>
+            <a:srgbClr val="FFFFFF"/>
+          </a:solidFill>
+          <a:ln>
+            <a:noFill/>
+          </a:ln>
+        </p:spPr>
+      </p:sp>
+      <p:pic>
+        <p:nvPicPr>
+          <p:cNvPr id="4" name="Picture 3">
+            <a:extLst>
+              <a:ext uri="{FF2B5EF4-FFF2-40B4-BE49-F238E27FC236}">
+                <a16:creationId xmlns:a16="http://schemas.microsoft.com/office/drawing/2014/main" id="{6746275F-19FC-4250-9D46-1949E2D8DCC8}"/>
+              </a:ext>
+            </a:extLst>
+          </p:cNvPr>
+          <p:cNvPicPr>
+            <a:picLocks noChangeAspect="1"/>
+          </p:cNvPicPr>
+          <p:nvPr/>
+        </p:nvPicPr>
+        <p:blipFill>
+          <a:blip r:embed="rId3"/>
+          <a:stretch>
+            <a:fillRect/>
+          </a:stretch>
+        </p:blipFill>
+        <p:spPr>
+          <a:xfrm>
+            <a:off x="4588188" y="1379436"/>
+            <a:ext cx="6703745" cy="4592064"/>
+          </a:xfrm>
+          <a:prstGeom prst="rect">
+            <a:avLst/>
+          </a:prstGeom>
+          <a:effectLst/>
+        </p:spPr>
+      </p:pic>
+      <p:sp>
+        <p:nvSpPr>
+          <p:cNvPr id="15" name="Rectangle 14">
+            <a:extLst>
+              <a:ext uri="{FF2B5EF4-FFF2-40B4-BE49-F238E27FC236}">
+                <a16:creationId xmlns:a16="http://schemas.microsoft.com/office/drawing/2014/main" id="{11DF0705-615B-4CF3-A16F-8C14680D8BA6}"/>
+              </a:ext>
+              <a:ext uri="{C183D7F6-B498-43B3-948B-1728B52AA6E4}">
+                <adec:decorative xmlns:adec="http://schemas.microsoft.com/office/drawing/2017/decorative" val="1"/>
+              </a:ext>
+            </a:extLst>
+          </p:cNvPr>
+          <p:cNvSpPr>
+            <a:spLocks noGrp="1" noRot="1" noChangeAspect="1" noMove="1" noResize="1" noEditPoints="1" noAdjustHandles="1" noChangeArrowheads="1" noChangeShapeType="1" noTextEdit="1"/>
+          </p:cNvSpPr>
+          <p:nvPr>
+            <p:extLst>
+              <p:ext uri="{386F3935-93C4-4BCD-93E2-E3B085C9AB24}">
+                <p16:designElem xmlns:p16="http://schemas.microsoft.com/office/powerpoint/2015/main" val="1"/>
+              </p:ext>
+            </p:extLst>
+          </p:nvPr>
+        </p:nvSpPr>
+        <p:spPr>
+          <a:xfrm>
+            <a:off x="10442448" y="0"/>
+            <a:ext cx="685800" cy="1143000"/>
+          </a:xfrm>
+          <a:prstGeom prst="rect">
+            <a:avLst/>
+          </a:prstGeom>
+          <a:solidFill>
+            <a:schemeClr val="accent1"/>
+          </a:solidFill>
+          <a:ln>
+            <a:noFill/>
+          </a:ln>
+        </p:spPr>
+        <p:style>
+          <a:lnRef idx="1">
+            <a:schemeClr val="accent1"/>
+          </a:lnRef>
+          <a:fillRef idx="3">
+            <a:schemeClr val="accent1"/>
+          </a:fillRef>
+          <a:effectRef idx="2">
+            <a:schemeClr val="accent1"/>
+          </a:effectRef>
+          <a:fontRef idx="minor">
+            <a:schemeClr val="lt1"/>
+          </a:fontRef>
+        </p:style>
+      </p:sp>
+      <p:sp>
+        <p:nvSpPr>
+          <p:cNvPr id="10" name="Rectangle 9">
+            <a:extLst>
+              <a:ext uri="{FF2B5EF4-FFF2-40B4-BE49-F238E27FC236}">
+                <a16:creationId xmlns:a16="http://schemas.microsoft.com/office/drawing/2014/main" id="{26B8F8CF-468B-41F1-A2CE-AEE96D2B55E3}"/>
+              </a:ext>
+            </a:extLst>
+          </p:cNvPr>
+          <p:cNvSpPr/>
+          <p:nvPr/>
+        </p:nvSpPr>
+        <p:spPr>
+          <a:xfrm>
+            <a:off x="6551935" y="1635852"/>
+            <a:ext cx="3439354" cy="4035105"/>
+          </a:xfrm>
+          <a:prstGeom prst="rect">
+            <a:avLst/>
+          </a:prstGeom>
+          <a:noFill/>
+          <a:ln>
+            <a:solidFill>
+              <a:srgbClr val="FF0000"/>
+            </a:solidFill>
+          </a:ln>
+        </p:spPr>
+        <p:style>
+          <a:lnRef idx="2">
+            <a:schemeClr val="accent3"/>
+          </a:lnRef>
+          <a:fillRef idx="1">
+            <a:schemeClr val="lt1"/>
+          </a:fillRef>
+          <a:effectRef idx="0">
+            <a:schemeClr val="accent3"/>
+          </a:effectRef>
+          <a:fontRef idx="minor">
+            <a:schemeClr val="dk1"/>
+          </a:fontRef>
+        </p:style>
+        <p:txBody>
+          <a:bodyPr rtlCol="0" anchor="ctr"/>
+          <a:lstStyle/>
+          <a:p>
+            <a:pPr algn="ctr"/>
+            <a:endParaRPr lang="en-SG"/>
+          </a:p>
+        </p:txBody>
+      </p:sp>
+    </p:spTree>
+    <p:extLst>
+      <p:ext uri="{BB962C8B-B14F-4D97-AF65-F5344CB8AC3E}">
+        <p14:creationId xmlns:p14="http://schemas.microsoft.com/office/powerpoint/2010/main" val="423824939"/>
+      </p:ext>
+    </p:extLst>
+  </p:cSld>
+  <p:clrMapOvr>
+    <a:masterClrMapping/>
+  </p:clrMapOvr>
+  <p:timing>
+    <p:tnLst>
+      <p:par>
+        <p:cTn id="1" dur="indefinite" restart="never" nodeType="tmRoot">
+          <p:childTnLst>
+            <p:seq concurrent="1" nextAc="seek">
+              <p:cTn id="2" dur="indefinite" nodeType="mainSeq">
+                <p:childTnLst>
+                  <p:par>
+                    <p:cTn id="3" fill="hold">
+                      <p:stCondLst>
+                        <p:cond delay="indefinite"/>
+                      </p:stCondLst>
+                      <p:childTnLst>
+                        <p:par>
+                          <p:cTn id="4" fill="hold">
+                            <p:stCondLst>
+                              <p:cond delay="0"/>
+                            </p:stCondLst>
+                            <p:childTnLst>
+                              <p:par>
+                                <p:cTn id="5" presetID="10" presetClass="entr" presetSubtype="0" fill="hold" grpId="0" nodeType="clickEffect">
+                                  <p:stCondLst>
+                                    <p:cond delay="0"/>
+                                  </p:stCondLst>
+                                  <p:childTnLst>
+                                    <p:set>
+                                      <p:cBhvr>
+                                        <p:cTn id="6" dur="1" fill="hold">
+                                          <p:stCondLst>
+                                            <p:cond delay="0"/>
+                                          </p:stCondLst>
+                                        </p:cTn>
+                                        <p:tgtEl>
+                                          <p:spTgt spid="10"/>
+                                        </p:tgtEl>
+                                        <p:attrNameLst>
+                                          <p:attrName>style.visibility</p:attrName>
+                                        </p:attrNameLst>
+                                      </p:cBhvr>
+                                      <p:to>
+                                        <p:strVal val="visible"/>
+                                      </p:to>
+                                    </p:set>
+                                    <p:animEffect transition="in" filter="fade">
+                                      <p:cBhvr>
+                                        <p:cTn id="7" dur="500"/>
+                                        <p:tgtEl>
+                                          <p:spTgt spid="10"/>
+                                        </p:tgtEl>
+                                      </p:cBhvr>
+                                    </p:animEffect>
+                                  </p:childTnLst>
+                                </p:cTn>
+                              </p:par>
+                            </p:childTnLst>
+                          </p:cTn>
+                        </p:par>
+                      </p:childTnLst>
+                    </p:cTn>
+                  </p:par>
+                </p:childTnLst>
+              </p:cTn>
+              <p:prevCondLst>
+                <p:cond evt="onPrev" delay="0">
+                  <p:tgtEl>
+                    <p:sldTgt/>
+                  </p:tgtEl>
+                </p:cond>
+              </p:prevCondLst>
+              <p:nextCondLst>
+                <p:cond evt="onNext" delay="0">
+                  <p:tgtEl>
+                    <p:sldTgt/>
+                  </p:tgtEl>
+                </p:cond>
+              </p:nextCondLst>
+            </p:seq>
+          </p:childTnLst>
+        </p:cTn>
+      </p:par>
+    </p:tnLst>
+    <p:bldLst>
+      <p:bldP spid="10" grpId="0" animBg="1"/>
+    </p:bldLst>
+  </p:timing>
+</p:sld>
+</file>
+
+<file path=ppt/slides/slide8.xml><?xml version="1.0" encoding="utf-8"?>
+<p:sld xmlns:a="http://schemas.openxmlformats.org/drawingml/2006/main" xmlns:r="http://schemas.openxmlformats.org/officeDocument/2006/relationships" xmlns:p="http://schemas.openxmlformats.org/presentationml/2006/main">
+  <p:cSld>
+    <p:bg>
+      <p:bgPr>
+        <a:blipFill rotWithShape="1">
+          <a:blip r:embed="rId2">
+            <a:duotone>
+              <a:schemeClr val="bg2">
+                <a:shade val="62000"/>
+                <a:hueMod val="108000"/>
+                <a:satMod val="164000"/>
+                <a:lumMod val="69000"/>
+              </a:schemeClr>
+              <a:schemeClr val="bg2">
+                <a:tint val="96000"/>
+                <a:hueMod val="90000"/>
+                <a:satMod val="130000"/>
+                <a:lumMod val="134000"/>
+              </a:schemeClr>
+            </a:duotone>
+          </a:blip>
+          <a:stretch/>
+        </a:blipFill>
+        <a:effectLst/>
+      </p:bgPr>
+    </p:bg>
+    <p:spTree>
+      <p:nvGrpSpPr>
+        <p:cNvPr id="1" name=""/>
+        <p:cNvGrpSpPr/>
+        <p:nvPr/>
+      </p:nvGrpSpPr>
+      <p:grpSpPr>
+        <a:xfrm>
+          <a:off x="0" y="0"/>
+          <a:ext cx="0" cy="0"/>
+          <a:chOff x="0" y="0"/>
+          <a:chExt cx="0" cy="0"/>
+        </a:xfrm>
+      </p:grpSpPr>
+      <p:sp>
+        <p:nvSpPr>
+          <p:cNvPr id="2" name="Title 1">
+            <a:extLst>
+              <a:ext uri="{FF2B5EF4-FFF2-40B4-BE49-F238E27FC236}">
+                <a16:creationId xmlns:a16="http://schemas.microsoft.com/office/drawing/2014/main" id="{8BAAC7A6-57DA-489D-A467-D28AE49D7A8C}"/>
+              </a:ext>
+            </a:extLst>
+          </p:cNvPr>
+          <p:cNvSpPr>
+            <a:spLocks noGrp="1"/>
+          </p:cNvSpPr>
+          <p:nvPr>
+            <p:ph type="title"/>
+          </p:nvPr>
+        </p:nvSpPr>
+        <p:spPr>
+          <a:xfrm>
+            <a:off x="648931" y="629266"/>
+            <a:ext cx="3104864" cy="1622321"/>
+          </a:xfrm>
+        </p:spPr>
+        <p:txBody>
+          <a:bodyPr>
+            <a:normAutofit/>
+          </a:bodyPr>
+          <a:lstStyle/>
+          <a:p>
+            <a:r>
+              <a:rPr lang="en-US" dirty="0"/>
+              <a:t>Areas explored</a:t>
+            </a:r>
+            <a:endParaRPr lang="en-SG" dirty="0"/>
+          </a:p>
+        </p:txBody>
+      </p:sp>
+      <p:sp>
+        <p:nvSpPr>
+          <p:cNvPr id="9" name="Freeform 31">
+            <a:extLst>
+              <a:ext uri="{FF2B5EF4-FFF2-40B4-BE49-F238E27FC236}">
+                <a16:creationId xmlns:a16="http://schemas.microsoft.com/office/drawing/2014/main" id="{D6CEF2A9-EF08-4FB3-AFFB-C5F77AB6E028}"/>
+              </a:ext>
+              <a:ext uri="{C183D7F6-B498-43B3-948B-1728B52AA6E4}">
+                <adec:decorative xmlns:adec="http://schemas.microsoft.com/office/drawing/2017/decorative" val="1"/>
+              </a:ext>
+            </a:extLst>
+          </p:cNvPr>
+          <p:cNvSpPr>
+            <a:spLocks noGrp="1" noRot="1" noChangeAspect="1" noMove="1" noResize="1" noEditPoints="1" noAdjustHandles="1" noChangeArrowheads="1" noChangeShapeType="1" noTextEdit="1"/>
+          </p:cNvSpPr>
+          <p:nvPr>
+            <p:extLst>
+              <p:ext uri="{386F3935-93C4-4BCD-93E2-E3B085C9AB24}">
+                <p16:designElem xmlns:p16="http://schemas.microsoft.com/office/powerpoint/2015/main" val="1"/>
+              </p:ext>
+            </p:extLst>
+          </p:nvPr>
+        </p:nvSpPr>
+        <p:spPr>
+          <a:xfrm>
+            <a:off x="4994020" y="-1"/>
+            <a:ext cx="559472" cy="3709642"/>
+          </a:xfrm>
+          <a:custGeom>
+            <a:avLst/>
+            <a:gdLst>
+              <a:gd name="connsiteX0" fmla="*/ 0 w 559472"/>
+              <a:gd name="connsiteY0" fmla="*/ 0 h 3709642"/>
+              <a:gd name="connsiteX1" fmla="*/ 473952 w 559472"/>
+              <a:gd name="connsiteY1" fmla="*/ 0 h 3709642"/>
+              <a:gd name="connsiteX2" fmla="*/ 485840 w 559472"/>
+              <a:gd name="connsiteY2" fmla="*/ 161194 h 3709642"/>
+              <a:gd name="connsiteX3" fmla="*/ 523949 w 559472"/>
+              <a:gd name="connsiteY3" fmla="*/ 3672197 h 3709642"/>
+              <a:gd name="connsiteX4" fmla="*/ 454748 w 559472"/>
+              <a:gd name="connsiteY4" fmla="*/ 3709642 h 3709642"/>
+              <a:gd name="connsiteX5" fmla="*/ 448224 w 559472"/>
+              <a:gd name="connsiteY5" fmla="*/ 3510471 h 3709642"/>
+              <a:gd name="connsiteX6" fmla="*/ 443564 w 559472"/>
+              <a:gd name="connsiteY6" fmla="*/ 3408563 h 3709642"/>
+              <a:gd name="connsiteX7" fmla="*/ 438902 w 559472"/>
+              <a:gd name="connsiteY7" fmla="*/ 3304407 h 3709642"/>
+              <a:gd name="connsiteX8" fmla="*/ 433941 w 559472"/>
+              <a:gd name="connsiteY8" fmla="*/ 3198777 h 3709642"/>
+              <a:gd name="connsiteX9" fmla="*/ 427584 w 559472"/>
+              <a:gd name="connsiteY9" fmla="*/ 3092510 h 3709642"/>
+              <a:gd name="connsiteX10" fmla="*/ 420988 w 559472"/>
+              <a:gd name="connsiteY10" fmla="*/ 2984390 h 3709642"/>
+              <a:gd name="connsiteX11" fmla="*/ 414330 w 559472"/>
+              <a:gd name="connsiteY11" fmla="*/ 2874401 h 3709642"/>
+              <a:gd name="connsiteX12" fmla="*/ 406840 w 559472"/>
+              <a:gd name="connsiteY12" fmla="*/ 2762980 h 3709642"/>
+              <a:gd name="connsiteX13" fmla="*/ 397745 w 559472"/>
+              <a:gd name="connsiteY13" fmla="*/ 2650566 h 3709642"/>
+              <a:gd name="connsiteX14" fmla="*/ 389154 w 559472"/>
+              <a:gd name="connsiteY14" fmla="*/ 2536612 h 3709642"/>
+              <a:gd name="connsiteX15" fmla="*/ 379225 w 559472"/>
+              <a:gd name="connsiteY15" fmla="*/ 2421642 h 3709642"/>
+              <a:gd name="connsiteX16" fmla="*/ 368316 w 559472"/>
+              <a:gd name="connsiteY16" fmla="*/ 2305627 h 3709642"/>
+              <a:gd name="connsiteX17" fmla="*/ 357466 w 559472"/>
+              <a:gd name="connsiteY17" fmla="*/ 2189233 h 3709642"/>
+              <a:gd name="connsiteX18" fmla="*/ 344982 w 559472"/>
+              <a:gd name="connsiteY18" fmla="*/ 2071473 h 3709642"/>
+              <a:gd name="connsiteX19" fmla="*/ 332466 w 559472"/>
+              <a:gd name="connsiteY19" fmla="*/ 1952216 h 3709642"/>
+              <a:gd name="connsiteX20" fmla="*/ 319121 w 559472"/>
+              <a:gd name="connsiteY20" fmla="*/ 1833776 h 3709642"/>
+              <a:gd name="connsiteX21" fmla="*/ 304408 w 559472"/>
+              <a:gd name="connsiteY21" fmla="*/ 1713948 h 3709642"/>
+              <a:gd name="connsiteX22" fmla="*/ 288685 w 559472"/>
+              <a:gd name="connsiteY22" fmla="*/ 1592703 h 3709642"/>
+              <a:gd name="connsiteX23" fmla="*/ 273050 w 559472"/>
+              <a:gd name="connsiteY23" fmla="*/ 1471451 h 3709642"/>
+              <a:gd name="connsiteX24" fmla="*/ 255813 w 559472"/>
+              <a:gd name="connsiteY24" fmla="*/ 1350328 h 3709642"/>
+              <a:gd name="connsiteX25" fmla="*/ 237060 w 559472"/>
+              <a:gd name="connsiteY25" fmla="*/ 1227080 h 3709642"/>
+              <a:gd name="connsiteX26" fmla="*/ 218488 w 559472"/>
+              <a:gd name="connsiteY26" fmla="*/ 1106065 h 3709642"/>
+              <a:gd name="connsiteX27" fmla="*/ 198221 w 559472"/>
+              <a:gd name="connsiteY27" fmla="*/ 982940 h 3709642"/>
+              <a:gd name="connsiteX28" fmla="*/ 177152 w 559472"/>
+              <a:gd name="connsiteY28" fmla="*/ 858755 h 3709642"/>
+              <a:gd name="connsiteX29" fmla="*/ 155551 w 559472"/>
+              <a:gd name="connsiteY29" fmla="*/ 736861 h 3709642"/>
+              <a:gd name="connsiteX30" fmla="*/ 131782 w 559472"/>
+              <a:gd name="connsiteY30" fmla="*/ 613645 h 3709642"/>
+              <a:gd name="connsiteX31" fmla="*/ 107123 w 559472"/>
+              <a:gd name="connsiteY31" fmla="*/ 490500 h 3709642"/>
+              <a:gd name="connsiteX32" fmla="*/ 82552 w 559472"/>
+              <a:gd name="connsiteY32" fmla="*/ 367348 h 3709642"/>
+              <a:gd name="connsiteX33" fmla="*/ 55608 w 559472"/>
+              <a:gd name="connsiteY33" fmla="*/ 244762 h 3709642"/>
+              <a:gd name="connsiteX34" fmla="*/ 28130 w 559472"/>
+              <a:gd name="connsiteY34" fmla="*/ 122220 h 3709642"/>
+              <a:gd name="connsiteX35" fmla="*/ 0 w 559472"/>
+              <a:gd name="connsiteY35" fmla="*/ 0 h 3709642"/>
+            </a:gdLst>
+            <a:ahLst/>
+            <a:cxnLst>
+              <a:cxn ang="0">
+                <a:pos x="connsiteX0" y="connsiteY0"/>
+              </a:cxn>
+              <a:cxn ang="0">
+                <a:pos x="connsiteX1" y="connsiteY1"/>
+              </a:cxn>
+              <a:cxn ang="0">
+                <a:pos x="connsiteX2" y="connsiteY2"/>
+              </a:cxn>
+              <a:cxn ang="0">
+                <a:pos x="connsiteX3" y="connsiteY3"/>
+              </a:cxn>
+              <a:cxn ang="0">
+                <a:pos x="connsiteX4" y="connsiteY4"/>
+              </a:cxn>
+              <a:cxn ang="0">
+                <a:pos x="connsiteX5" y="connsiteY5"/>
+              </a:cxn>
+              <a:cxn ang="0">
+                <a:pos x="connsiteX6" y="connsiteY6"/>
+              </a:cxn>
+              <a:cxn ang="0">
+                <a:pos x="connsiteX7" y="connsiteY7"/>
+              </a:cxn>
+              <a:cxn ang="0">
+                <a:pos x="connsiteX8" y="connsiteY8"/>
+              </a:cxn>
+              <a:cxn ang="0">
+                <a:pos x="connsiteX9" y="connsiteY9"/>
+              </a:cxn>
+              <a:cxn ang="0">
+                <a:pos x="connsiteX10" y="connsiteY10"/>
+              </a:cxn>
+              <a:cxn ang="0">
+                <a:pos x="connsiteX11" y="connsiteY11"/>
+              </a:cxn>
+              <a:cxn ang="0">
+                <a:pos x="connsiteX12" y="connsiteY12"/>
+              </a:cxn>
+              <a:cxn ang="0">
+                <a:pos x="connsiteX13" y="connsiteY13"/>
+              </a:cxn>
+              <a:cxn ang="0">
+                <a:pos x="connsiteX14" y="connsiteY14"/>
+              </a:cxn>
+              <a:cxn ang="0">
+                <a:pos x="connsiteX15" y="connsiteY15"/>
+              </a:cxn>
+              <a:cxn ang="0">
+                <a:pos x="connsiteX16" y="connsiteY16"/>
+              </a:cxn>
+              <a:cxn ang="0">
+                <a:pos x="connsiteX17" y="connsiteY17"/>
+              </a:cxn>
+              <a:cxn ang="0">
+                <a:pos x="connsiteX18" y="connsiteY18"/>
+              </a:cxn>
+              <a:cxn ang="0">
+                <a:pos x="connsiteX19" y="connsiteY19"/>
+              </a:cxn>
+              <a:cxn ang="0">
+                <a:pos x="connsiteX20" y="connsiteY20"/>
+              </a:cxn>
+              <a:cxn ang="0">
+                <a:pos x="connsiteX21" y="connsiteY21"/>
+              </a:cxn>
+              <a:cxn ang="0">
+                <a:pos x="connsiteX22" y="connsiteY22"/>
+              </a:cxn>
+              <a:cxn ang="0">
+                <a:pos x="connsiteX23" y="connsiteY23"/>
+              </a:cxn>
+              <a:cxn ang="0">
+                <a:pos x="connsiteX24" y="connsiteY24"/>
+              </a:cxn>
+              <a:cxn ang="0">
+                <a:pos x="connsiteX25" y="connsiteY25"/>
+              </a:cxn>
+              <a:cxn ang="0">
+                <a:pos x="connsiteX26" y="connsiteY26"/>
+              </a:cxn>
+              <a:cxn ang="0">
+                <a:pos x="connsiteX27" y="connsiteY27"/>
+              </a:cxn>
+              <a:cxn ang="0">
+                <a:pos x="connsiteX28" y="connsiteY28"/>
+              </a:cxn>
+              <a:cxn ang="0">
+                <a:pos x="connsiteX29" y="connsiteY29"/>
+              </a:cxn>
+              <a:cxn ang="0">
+                <a:pos x="connsiteX30" y="connsiteY30"/>
+              </a:cxn>
+              <a:cxn ang="0">
+                <a:pos x="connsiteX31" y="connsiteY31"/>
+              </a:cxn>
+              <a:cxn ang="0">
+                <a:pos x="connsiteX32" y="connsiteY32"/>
+              </a:cxn>
+              <a:cxn ang="0">
+                <a:pos x="connsiteX33" y="connsiteY33"/>
+              </a:cxn>
+              <a:cxn ang="0">
+                <a:pos x="connsiteX34" y="connsiteY34"/>
+              </a:cxn>
+              <a:cxn ang="0">
+                <a:pos x="connsiteX35" y="connsiteY35"/>
+              </a:cxn>
+            </a:cxnLst>
+            <a:rect l="l" t="t" r="r" b="b"/>
+            <a:pathLst>
+              <a:path w="559472" h="3709642">
+                <a:moveTo>
+                  <a:pt x="0" y="0"/>
+                </a:moveTo>
+                <a:lnTo>
+                  <a:pt x="473952" y="0"/>
+                </a:lnTo>
+                <a:lnTo>
+                  <a:pt x="485840" y="161194"/>
+                </a:lnTo>
+                <a:cubicBezTo>
+                  <a:pt x="552063" y="1147770"/>
+                  <a:pt x="592441" y="3086737"/>
+                  <a:pt x="523949" y="3672197"/>
+                </a:cubicBezTo>
+                <a:cubicBezTo>
+                  <a:pt x="500842" y="3684557"/>
+                  <a:pt x="477855" y="3697282"/>
+                  <a:pt x="454748" y="3709642"/>
+                </a:cubicBezTo>
+                <a:lnTo>
+                  <a:pt x="448224" y="3510471"/>
+                </a:lnTo>
+                <a:lnTo>
+                  <a:pt x="443564" y="3408563"/>
+                </a:lnTo>
+                <a:lnTo>
+                  <a:pt x="438902" y="3304407"/>
+                </a:lnTo>
+                <a:lnTo>
+                  <a:pt x="433941" y="3198777"/>
+                </a:lnTo>
+                <a:lnTo>
+                  <a:pt x="427584" y="3092510"/>
+                </a:lnTo>
+                <a:lnTo>
+                  <a:pt x="420988" y="2984390"/>
+                </a:lnTo>
+                <a:lnTo>
+                  <a:pt x="414330" y="2874401"/>
+                </a:lnTo>
+                <a:lnTo>
+                  <a:pt x="406840" y="2762980"/>
+                </a:lnTo>
+                <a:lnTo>
+                  <a:pt x="397745" y="2650566"/>
+                </a:lnTo>
+                <a:lnTo>
+                  <a:pt x="389154" y="2536612"/>
+                </a:lnTo>
+                <a:lnTo>
+                  <a:pt x="379225" y="2421642"/>
+                </a:lnTo>
+                <a:lnTo>
+                  <a:pt x="368316" y="2305627"/>
+                </a:lnTo>
+                <a:lnTo>
+                  <a:pt x="357466" y="2189233"/>
+                </a:lnTo>
+                <a:lnTo>
+                  <a:pt x="344982" y="2071473"/>
+                </a:lnTo>
+                <a:lnTo>
+                  <a:pt x="332466" y="1952216"/>
+                </a:lnTo>
+                <a:lnTo>
+                  <a:pt x="319121" y="1833776"/>
+                </a:lnTo>
+                <a:lnTo>
+                  <a:pt x="304408" y="1713948"/>
+                </a:lnTo>
+                <a:lnTo>
+                  <a:pt x="288685" y="1592703"/>
+                </a:lnTo>
+                <a:lnTo>
+                  <a:pt x="273050" y="1471451"/>
+                </a:lnTo>
+                <a:lnTo>
+                  <a:pt x="255813" y="1350328"/>
+                </a:lnTo>
+                <a:lnTo>
+                  <a:pt x="237060" y="1227080"/>
+                </a:lnTo>
+                <a:lnTo>
+                  <a:pt x="218488" y="1106065"/>
+                </a:lnTo>
+                <a:lnTo>
+                  <a:pt x="198221" y="982940"/>
+                </a:lnTo>
+                <a:lnTo>
+                  <a:pt x="177152" y="858755"/>
+                </a:lnTo>
+                <a:lnTo>
+                  <a:pt x="155551" y="736861"/>
+                </a:lnTo>
+                <a:lnTo>
+                  <a:pt x="131782" y="613645"/>
+                </a:lnTo>
+                <a:lnTo>
+                  <a:pt x="107123" y="490500"/>
+                </a:lnTo>
+                <a:lnTo>
+                  <a:pt x="82552" y="367348"/>
+                </a:lnTo>
+                <a:lnTo>
+                  <a:pt x="55608" y="244762"/>
+                </a:lnTo>
+                <a:lnTo>
+                  <a:pt x="28130" y="122220"/>
+                </a:lnTo>
+                <a:lnTo>
+                  <a:pt x="0" y="0"/>
+                </a:lnTo>
+                <a:close/>
+              </a:path>
+            </a:pathLst>
+          </a:custGeom>
+          <a:solidFill>
+            <a:schemeClr val="tx1">
+              <a:alpha val="20000"/>
+            </a:schemeClr>
+          </a:solidFill>
+          <a:ln>
+            <a:noFill/>
+          </a:ln>
+        </p:spPr>
+        <p:txBody>
+          <a:bodyPr rtlCol="0" anchor="ctr"/>
+          <a:lstStyle/>
+          <a:p>
+            <a:pPr algn="ctr"/>
+            <a:endParaRPr lang="en-US"/>
+          </a:p>
+        </p:txBody>
+      </p:sp>
+      <p:sp>
+        <p:nvSpPr>
+          <p:cNvPr id="11" name="Rectangle 10">
+            <a:extLst>
+              <a:ext uri="{FF2B5EF4-FFF2-40B4-BE49-F238E27FC236}">
+                <a16:creationId xmlns:a16="http://schemas.microsoft.com/office/drawing/2014/main" id="{4109C3C2-C0A8-4559-8462-8007573DF44C}"/>
+              </a:ext>
+              <a:ext uri="{C183D7F6-B498-43B3-948B-1728B52AA6E4}">
+                <adec:decorative xmlns:adec="http://schemas.microsoft.com/office/drawing/2017/decorative" val="1"/>
+              </a:ext>
+            </a:extLst>
+          </p:cNvPr>
+          <p:cNvSpPr>
+            <a:spLocks noGrp="1" noRot="1" noChangeAspect="1" noMove="1" noResize="1" noEditPoints="1" noAdjustHandles="1" noChangeArrowheads="1" noChangeShapeType="1" noTextEdit="1"/>
+          </p:cNvSpPr>
+          <p:nvPr>
+            <p:extLst>
+              <p:ext uri="{386F3935-93C4-4BCD-93E2-E3B085C9AB24}">
+                <p16:designElem xmlns:p16="http://schemas.microsoft.com/office/powerpoint/2015/main" val="1"/>
+              </p:ext>
+            </p:extLst>
+          </p:nvPr>
+        </p:nvSpPr>
+        <p:spPr>
+          <a:xfrm>
+            <a:off x="6093992" y="0"/>
+            <a:ext cx="6098427" cy="6858000"/>
+          </a:xfrm>
+          <a:prstGeom prst="rect">
+            <a:avLst/>
+          </a:prstGeom>
+          <a:solidFill>
+            <a:srgbClr val="FFFFFF"/>
+          </a:solidFill>
+          <a:ln>
+            <a:noFill/>
+          </a:ln>
+        </p:spPr>
+        <p:style>
+          <a:lnRef idx="2">
+            <a:schemeClr val="accent1">
+              <a:shade val="50000"/>
+            </a:schemeClr>
+          </a:lnRef>
+          <a:fillRef idx="1">
+            <a:schemeClr val="accent1"/>
+          </a:fillRef>
+          <a:effectRef idx="0">
+            <a:schemeClr val="accent1"/>
+          </a:effectRef>
+          <a:fontRef idx="minor">
+            <a:schemeClr val="lt1"/>
+          </a:fontRef>
+        </p:style>
+        <p:txBody>
+          <a:bodyPr rtlCol="0" anchor="ctr"/>
+          <a:lstStyle/>
+          <a:p>
+            <a:pPr algn="ctr"/>
+            <a:endParaRPr lang="en-US"/>
+          </a:p>
+        </p:txBody>
+      </p:sp>
+      <p:sp>
+        <p:nvSpPr>
+          <p:cNvPr id="13" name="Freeform 5">
+            <a:extLst>
+              <a:ext uri="{FF2B5EF4-FFF2-40B4-BE49-F238E27FC236}">
+                <a16:creationId xmlns:a16="http://schemas.microsoft.com/office/drawing/2014/main" id="{4C535542-B72A-4DE0-BE5A-5EA00508C77D}"/>
+              </a:ext>
+              <a:ext uri="{C183D7F6-B498-43B3-948B-1728B52AA6E4}">
+                <adec:decorative xmlns:adec="http://schemas.microsoft.com/office/drawing/2017/decorative" val="1"/>
+              </a:ext>
+            </a:extLst>
+          </p:cNvPr>
+          <p:cNvSpPr>
+            <a:spLocks noGrp="1" noRot="1" noChangeAspect="1" noMove="1" noResize="1" noEditPoints="1" noAdjustHandles="1" noChangeArrowheads="1" noChangeShapeType="1" noTextEdit="1"/>
+          </p:cNvSpPr>
+          <p:nvPr>
+            <p:extLst>
+              <p:ext uri="{386F3935-93C4-4BCD-93E2-E3B085C9AB24}">
+                <p16:designElem xmlns:p16="http://schemas.microsoft.com/office/powerpoint/2015/main" val="1"/>
+              </p:ext>
+            </p:extLst>
+          </p:nvPr>
+        </p:nvSpPr>
+        <p:spPr bwMode="gray">
+          <a:xfrm rot="16200000">
+            <a:off x="2450577" y="2756642"/>
+            <a:ext cx="6858000" cy="1344715"/>
+          </a:xfrm>
+          <a:custGeom>
+            <a:avLst/>
+            <a:gdLst/>
+            <a:ahLst/>
+            <a:cxnLst/>
+            <a:rect l="l" t="t" r="r" b="b"/>
+            <a:pathLst>
+              <a:path w="10000" h="8000">
+                <a:moveTo>
+                  <a:pt x="0" y="0"/>
+                </a:moveTo>
+                <a:lnTo>
+                  <a:pt x="0" y="7970"/>
+                </a:lnTo>
+                <a:lnTo>
+                  <a:pt x="10000" y="8000"/>
+                </a:lnTo>
+                <a:lnTo>
+                  <a:pt x="10000" y="7"/>
+                </a:lnTo>
+                <a:lnTo>
+                  <a:pt x="10000" y="7"/>
+                </a:lnTo>
+                <a:lnTo>
+                  <a:pt x="9773" y="156"/>
+                </a:lnTo>
+                <a:lnTo>
+                  <a:pt x="9547" y="298"/>
+                </a:lnTo>
+                <a:lnTo>
+                  <a:pt x="9320" y="437"/>
+                </a:lnTo>
+                <a:lnTo>
+                  <a:pt x="9092" y="556"/>
+                </a:lnTo>
+                <a:lnTo>
+                  <a:pt x="8865" y="676"/>
+                </a:lnTo>
+                <a:lnTo>
+                  <a:pt x="8637" y="788"/>
+                </a:lnTo>
+                <a:lnTo>
+                  <a:pt x="8412" y="884"/>
+                </a:lnTo>
+                <a:lnTo>
+                  <a:pt x="8184" y="975"/>
+                </a:lnTo>
+                <a:lnTo>
+                  <a:pt x="7957" y="1058"/>
+                </a:lnTo>
+                <a:lnTo>
+                  <a:pt x="7734" y="1130"/>
+                </a:lnTo>
+                <a:lnTo>
+                  <a:pt x="7508" y="1202"/>
+                </a:lnTo>
+                <a:lnTo>
+                  <a:pt x="7285" y="1262"/>
+                </a:lnTo>
+                <a:lnTo>
+                  <a:pt x="7062" y="1309"/>
+                </a:lnTo>
+                <a:lnTo>
+                  <a:pt x="6840" y="1358"/>
+                </a:lnTo>
+                <a:lnTo>
+                  <a:pt x="6620" y="1399"/>
+                </a:lnTo>
+                <a:lnTo>
+                  <a:pt x="6402" y="1428"/>
+                </a:lnTo>
+                <a:lnTo>
+                  <a:pt x="6184" y="1453"/>
+                </a:lnTo>
+                <a:lnTo>
+                  <a:pt x="5968" y="1477"/>
+                </a:lnTo>
+                <a:lnTo>
+                  <a:pt x="5755" y="1488"/>
+                </a:lnTo>
+                <a:lnTo>
+                  <a:pt x="5542" y="1500"/>
+                </a:lnTo>
+                <a:lnTo>
+                  <a:pt x="5332" y="1506"/>
+                </a:lnTo>
+                <a:lnTo>
+                  <a:pt x="5124" y="1500"/>
+                </a:lnTo>
+                <a:lnTo>
+                  <a:pt x="4918" y="1500"/>
+                </a:lnTo>
+                <a:lnTo>
+                  <a:pt x="4714" y="1488"/>
+                </a:lnTo>
+                <a:lnTo>
+                  <a:pt x="4514" y="1470"/>
+                </a:lnTo>
+                <a:lnTo>
+                  <a:pt x="4316" y="1453"/>
+                </a:lnTo>
+                <a:lnTo>
+                  <a:pt x="4122" y="1434"/>
+                </a:lnTo>
+                <a:lnTo>
+                  <a:pt x="3929" y="1405"/>
+                </a:lnTo>
+                <a:lnTo>
+                  <a:pt x="3739" y="1374"/>
+                </a:lnTo>
+                <a:lnTo>
+                  <a:pt x="3553" y="1346"/>
+                </a:lnTo>
+                <a:lnTo>
+                  <a:pt x="3190" y="1267"/>
+                </a:lnTo>
+                <a:lnTo>
+                  <a:pt x="2842" y="1183"/>
+                </a:lnTo>
+                <a:lnTo>
+                  <a:pt x="2508" y="1095"/>
+                </a:lnTo>
+                <a:lnTo>
+                  <a:pt x="2192" y="998"/>
+                </a:lnTo>
+                <a:lnTo>
+                  <a:pt x="1890" y="897"/>
+                </a:lnTo>
+                <a:lnTo>
+                  <a:pt x="1610" y="788"/>
+                </a:lnTo>
+                <a:lnTo>
+                  <a:pt x="1347" y="681"/>
+                </a:lnTo>
+                <a:lnTo>
+                  <a:pt x="1105" y="574"/>
+                </a:lnTo>
+                <a:lnTo>
+                  <a:pt x="883" y="473"/>
+                </a:lnTo>
+                <a:lnTo>
+                  <a:pt x="686" y="377"/>
+                </a:lnTo>
+                <a:lnTo>
+                  <a:pt x="508" y="286"/>
+                </a:lnTo>
+                <a:lnTo>
+                  <a:pt x="358" y="210"/>
+                </a:lnTo>
+                <a:lnTo>
+                  <a:pt x="232" y="138"/>
+                </a:lnTo>
+                <a:lnTo>
+                  <a:pt x="59" y="35"/>
+                </a:lnTo>
+                <a:lnTo>
+                  <a:pt x="0" y="0"/>
+                </a:lnTo>
+                <a:lnTo>
+                  <a:pt x="0" y="0"/>
+                </a:lnTo>
+                <a:close/>
+              </a:path>
+            </a:pathLst>
+          </a:custGeom>
+          <a:solidFill>
+            <a:srgbClr val="FFFFFF"/>
+          </a:solidFill>
+          <a:ln>
+            <a:noFill/>
+          </a:ln>
+        </p:spPr>
+      </p:sp>
+      <p:sp>
+        <p:nvSpPr>
+          <p:cNvPr id="15" name="Rectangle 14">
+            <a:extLst>
+              <a:ext uri="{FF2B5EF4-FFF2-40B4-BE49-F238E27FC236}">
+                <a16:creationId xmlns:a16="http://schemas.microsoft.com/office/drawing/2014/main" id="{11DF0705-615B-4CF3-A16F-8C14680D8BA6}"/>
+              </a:ext>
+              <a:ext uri="{C183D7F6-B498-43B3-948B-1728B52AA6E4}">
+                <adec:decorative xmlns:adec="http://schemas.microsoft.com/office/drawing/2017/decorative" val="1"/>
+              </a:ext>
+            </a:extLst>
+          </p:cNvPr>
+          <p:cNvSpPr>
+            <a:spLocks noGrp="1" noRot="1" noChangeAspect="1" noMove="1" noResize="1" noEditPoints="1" noAdjustHandles="1" noChangeArrowheads="1" noChangeShapeType="1" noTextEdit="1"/>
+          </p:cNvSpPr>
+          <p:nvPr>
+            <p:extLst>
+              <p:ext uri="{386F3935-93C4-4BCD-93E2-E3B085C9AB24}">
+                <p16:designElem xmlns:p16="http://schemas.microsoft.com/office/powerpoint/2015/main" val="1"/>
+              </p:ext>
+            </p:extLst>
+          </p:nvPr>
+        </p:nvSpPr>
+        <p:spPr>
+          <a:xfrm>
+            <a:off x="10442448" y="0"/>
+            <a:ext cx="685800" cy="1143000"/>
+          </a:xfrm>
+          <a:prstGeom prst="rect">
+            <a:avLst/>
+          </a:prstGeom>
+          <a:solidFill>
+            <a:schemeClr val="accent1"/>
+          </a:solidFill>
+          <a:ln>
+            <a:noFill/>
+          </a:ln>
+        </p:spPr>
+        <p:style>
+          <a:lnRef idx="1">
+            <a:schemeClr val="accent1"/>
+          </a:lnRef>
+          <a:fillRef idx="3">
+            <a:schemeClr val="accent1"/>
+          </a:fillRef>
+          <a:effectRef idx="2">
+            <a:schemeClr val="accent1"/>
+          </a:effectRef>
+          <a:fontRef idx="minor">
+            <a:schemeClr val="lt1"/>
+          </a:fontRef>
+        </p:style>
+      </p:sp>
       <p:pic>
         <p:nvPicPr>
           <p:cNvPr id="6" name="Graphic 5">
@@ -8585,14 +11930,300 @@
         </p:blipFill>
         <p:spPr>
           <a:xfrm>
-            <a:off x="5472420" y="1143000"/>
-            <a:ext cx="6704320" cy="4693024"/>
+            <a:off x="3562781" y="1006679"/>
+            <a:ext cx="8359032" cy="5851322"/>
           </a:xfrm>
           <a:prstGeom prst="rect">
             <a:avLst/>
           </a:prstGeom>
         </p:spPr>
       </p:pic>
+      <p:sp>
+        <p:nvSpPr>
+          <p:cNvPr id="12" name="Content Placeholder 2">
+            <a:extLst>
+              <a:ext uri="{FF2B5EF4-FFF2-40B4-BE49-F238E27FC236}">
+                <a16:creationId xmlns:a16="http://schemas.microsoft.com/office/drawing/2014/main" id="{B5E36733-5FCF-43F7-8439-1C3903BC0DF4}"/>
+              </a:ext>
+            </a:extLst>
+          </p:cNvPr>
+          <p:cNvSpPr txBox="1">
+            <a:spLocks/>
+          </p:cNvSpPr>
+          <p:nvPr/>
+        </p:nvSpPr>
+        <p:spPr>
+          <a:xfrm>
+            <a:off x="648932" y="2438400"/>
+            <a:ext cx="2791542" cy="3785419"/>
+          </a:xfrm>
+          <a:prstGeom prst="rect">
+            <a:avLst/>
+          </a:prstGeom>
+        </p:spPr>
+        <p:txBody>
+          <a:bodyPr vert="horz" lIns="91440" tIns="45720" rIns="91440" bIns="45720" rtlCol="0">
+            <a:normAutofit/>
+          </a:bodyPr>
+          <a:lstStyle>
+            <a:lvl1pPr marL="342900" indent="-342900" algn="l" defTabSz="457200" rtl="0" eaLnBrk="1" latinLnBrk="0" hangingPunct="1">
+              <a:spcBef>
+                <a:spcPts val="1000"/>
+              </a:spcBef>
+              <a:spcAft>
+                <a:spcPts val="0"/>
+              </a:spcAft>
+              <a:buClr>
+                <a:schemeClr val="accent1"/>
+              </a:buClr>
+              <a:buSzPct val="80000"/>
+              <a:buFont typeface="Wingdings 3" charset="2"/>
+              <a:buChar char=""/>
+              <a:defRPr sz="2000" b="0" i="0" kern="1200">
+                <a:solidFill>
+                  <a:schemeClr val="tx1"/>
+                </a:solidFill>
+                <a:latin typeface="+mj-lt"/>
+                <a:ea typeface="+mj-ea"/>
+                <a:cs typeface="+mj-cs"/>
+              </a:defRPr>
+            </a:lvl1pPr>
+            <a:lvl2pPr marL="742950" indent="-285750" algn="l" defTabSz="457200" rtl="0" eaLnBrk="1" latinLnBrk="0" hangingPunct="1">
+              <a:spcBef>
+                <a:spcPts val="1000"/>
+              </a:spcBef>
+              <a:spcAft>
+                <a:spcPts val="0"/>
+              </a:spcAft>
+              <a:buClr>
+                <a:schemeClr val="accent1"/>
+              </a:buClr>
+              <a:buSzPct val="80000"/>
+              <a:buFont typeface="Wingdings 3" charset="2"/>
+              <a:buChar char=""/>
+              <a:defRPr sz="1800" b="0" i="0" kern="1200">
+                <a:solidFill>
+                  <a:schemeClr val="tx1"/>
+                </a:solidFill>
+                <a:latin typeface="+mj-lt"/>
+                <a:ea typeface="+mj-ea"/>
+                <a:cs typeface="+mj-cs"/>
+              </a:defRPr>
+            </a:lvl2pPr>
+            <a:lvl3pPr marL="1143000" indent="-228600" algn="l" defTabSz="457200" rtl="0" eaLnBrk="1" latinLnBrk="0" hangingPunct="1">
+              <a:spcBef>
+                <a:spcPts val="1000"/>
+              </a:spcBef>
+              <a:spcAft>
+                <a:spcPts val="0"/>
+              </a:spcAft>
+              <a:buClr>
+                <a:schemeClr val="accent1"/>
+              </a:buClr>
+              <a:buSzPct val="80000"/>
+              <a:buFont typeface="Wingdings 3" charset="2"/>
+              <a:buChar char=""/>
+              <a:defRPr sz="1600" b="0" i="0" kern="1200">
+                <a:solidFill>
+                  <a:schemeClr val="tx1"/>
+                </a:solidFill>
+                <a:latin typeface="+mj-lt"/>
+                <a:ea typeface="+mj-ea"/>
+                <a:cs typeface="+mj-cs"/>
+              </a:defRPr>
+            </a:lvl3pPr>
+            <a:lvl4pPr marL="1600200" indent="-228600" algn="l" defTabSz="457200" rtl="0" eaLnBrk="1" latinLnBrk="0" hangingPunct="1">
+              <a:spcBef>
+                <a:spcPts val="1000"/>
+              </a:spcBef>
+              <a:spcAft>
+                <a:spcPts val="0"/>
+              </a:spcAft>
+              <a:buClr>
+                <a:schemeClr val="accent1"/>
+              </a:buClr>
+              <a:buSzPct val="80000"/>
+              <a:buFont typeface="Wingdings 3" charset="2"/>
+              <a:buChar char=""/>
+              <a:defRPr sz="1400" b="0" i="0" kern="1200">
+                <a:solidFill>
+                  <a:schemeClr val="tx1"/>
+                </a:solidFill>
+                <a:latin typeface="+mj-lt"/>
+                <a:ea typeface="+mj-ea"/>
+                <a:cs typeface="+mj-cs"/>
+              </a:defRPr>
+            </a:lvl4pPr>
+            <a:lvl5pPr marL="2057400" indent="-228600" algn="l" defTabSz="457200" rtl="0" eaLnBrk="1" latinLnBrk="0" hangingPunct="1">
+              <a:spcBef>
+                <a:spcPts val="1000"/>
+              </a:spcBef>
+              <a:spcAft>
+                <a:spcPts val="0"/>
+              </a:spcAft>
+              <a:buClr>
+                <a:schemeClr val="accent1"/>
+              </a:buClr>
+              <a:buSzPct val="80000"/>
+              <a:buFont typeface="Wingdings 3" charset="2"/>
+              <a:buChar char=""/>
+              <a:defRPr sz="1400" b="0" i="0" kern="1200">
+                <a:solidFill>
+                  <a:schemeClr val="tx1"/>
+                </a:solidFill>
+                <a:latin typeface="+mj-lt"/>
+                <a:ea typeface="+mj-ea"/>
+                <a:cs typeface="+mj-cs"/>
+              </a:defRPr>
+            </a:lvl5pPr>
+            <a:lvl6pPr marL="2514600" indent="-228600" algn="l" defTabSz="457200" rtl="0" eaLnBrk="1" latinLnBrk="0" hangingPunct="1">
+              <a:spcBef>
+                <a:spcPts val="1000"/>
+              </a:spcBef>
+              <a:spcAft>
+                <a:spcPts val="0"/>
+              </a:spcAft>
+              <a:buClr>
+                <a:schemeClr val="accent1"/>
+              </a:buClr>
+              <a:buSzPct val="80000"/>
+              <a:buFont typeface="Wingdings 3" charset="2"/>
+              <a:buChar char=""/>
+              <a:defRPr sz="1400" b="0" i="0" kern="1200">
+                <a:solidFill>
+                  <a:schemeClr val="tx1"/>
+                </a:solidFill>
+                <a:latin typeface="+mj-lt"/>
+                <a:ea typeface="+mj-ea"/>
+                <a:cs typeface="+mj-cs"/>
+              </a:defRPr>
+            </a:lvl6pPr>
+            <a:lvl7pPr marL="2971800" indent="-228600" algn="l" defTabSz="457200" rtl="0" eaLnBrk="1" latinLnBrk="0" hangingPunct="1">
+              <a:spcBef>
+                <a:spcPts val="1000"/>
+              </a:spcBef>
+              <a:spcAft>
+                <a:spcPts val="0"/>
+              </a:spcAft>
+              <a:buClr>
+                <a:schemeClr val="accent1"/>
+              </a:buClr>
+              <a:buSzPct val="80000"/>
+              <a:buFont typeface="Wingdings 3" charset="2"/>
+              <a:buChar char=""/>
+              <a:defRPr sz="1400" b="0" i="0" kern="1200">
+                <a:solidFill>
+                  <a:schemeClr val="tx1"/>
+                </a:solidFill>
+                <a:latin typeface="+mj-lt"/>
+                <a:ea typeface="+mj-ea"/>
+                <a:cs typeface="+mj-cs"/>
+              </a:defRPr>
+            </a:lvl7pPr>
+            <a:lvl8pPr marL="3429000" indent="-228600" algn="l" defTabSz="457200" rtl="0" eaLnBrk="1" latinLnBrk="0" hangingPunct="1">
+              <a:spcBef>
+                <a:spcPts val="1000"/>
+              </a:spcBef>
+              <a:spcAft>
+                <a:spcPts val="0"/>
+              </a:spcAft>
+              <a:buClr>
+                <a:schemeClr val="accent1"/>
+              </a:buClr>
+              <a:buSzPct val="80000"/>
+              <a:buFont typeface="Wingdings 3" charset="2"/>
+              <a:buChar char=""/>
+              <a:defRPr sz="1400" b="0" i="0" kern="1200">
+                <a:solidFill>
+                  <a:schemeClr val="tx1"/>
+                </a:solidFill>
+                <a:latin typeface="+mj-lt"/>
+                <a:ea typeface="+mj-ea"/>
+                <a:cs typeface="+mj-cs"/>
+              </a:defRPr>
+            </a:lvl8pPr>
+            <a:lvl9pPr marL="3886200" indent="-228600" algn="l" defTabSz="457200" rtl="0" eaLnBrk="1" latinLnBrk="0" hangingPunct="1">
+              <a:spcBef>
+                <a:spcPts val="1000"/>
+              </a:spcBef>
+              <a:spcAft>
+                <a:spcPts val="0"/>
+              </a:spcAft>
+              <a:buClr>
+                <a:schemeClr val="accent1"/>
+              </a:buClr>
+              <a:buSzPct val="80000"/>
+              <a:buFont typeface="Wingdings 3" charset="2"/>
+              <a:buChar char=""/>
+              <a:defRPr sz="1400" b="0" i="0" kern="1200">
+                <a:solidFill>
+                  <a:schemeClr val="tx1"/>
+                </a:solidFill>
+                <a:latin typeface="+mj-lt"/>
+                <a:ea typeface="+mj-ea"/>
+                <a:cs typeface="+mj-cs"/>
+              </a:defRPr>
+            </a:lvl9pPr>
+          </a:lstStyle>
+          <a:p>
+            <a:r>
+              <a:rPr lang="en-SG"/>
+              <a:t>Geographic &amp; demographic information about areas around stations to gather profiles of those most likely to contribute</a:t>
+            </a:r>
+            <a:endParaRPr lang="en-SG" dirty="0"/>
+          </a:p>
+        </p:txBody>
+      </p:sp>
+      <p:sp>
+        <p:nvSpPr>
+          <p:cNvPr id="10" name="Rectangle 9">
+            <a:extLst>
+              <a:ext uri="{FF2B5EF4-FFF2-40B4-BE49-F238E27FC236}">
+                <a16:creationId xmlns:a16="http://schemas.microsoft.com/office/drawing/2014/main" id="{C09F51DD-1C96-47B3-9957-608EA80B78D7}"/>
+              </a:ext>
+            </a:extLst>
+          </p:cNvPr>
+          <p:cNvSpPr/>
+          <p:nvPr/>
+        </p:nvSpPr>
+        <p:spPr>
+          <a:xfrm>
+            <a:off x="7203665" y="1803633"/>
+            <a:ext cx="1344717" cy="4597167"/>
+          </a:xfrm>
+          <a:prstGeom prst="rect">
+            <a:avLst/>
+          </a:prstGeom>
+          <a:noFill/>
+          <a:ln>
+            <a:solidFill>
+              <a:srgbClr val="FF0000"/>
+            </a:solidFill>
+          </a:ln>
+        </p:spPr>
+        <p:style>
+          <a:lnRef idx="2">
+            <a:schemeClr val="accent3"/>
+          </a:lnRef>
+          <a:fillRef idx="1">
+            <a:schemeClr val="lt1"/>
+          </a:fillRef>
+          <a:effectRef idx="0">
+            <a:schemeClr val="accent3"/>
+          </a:effectRef>
+          <a:fontRef idx="minor">
+            <a:schemeClr val="dk1"/>
+          </a:fontRef>
+        </p:style>
+        <p:txBody>
+          <a:bodyPr rtlCol="0" anchor="ctr"/>
+          <a:lstStyle/>
+          <a:p>
+            <a:pPr algn="ctr"/>
+            <a:endParaRPr lang="en-SG"/>
+          </a:p>
+        </p:txBody>
+      </p:sp>
     </p:spTree>
     <p:extLst>
       <p:ext uri="{BB962C8B-B14F-4D97-AF65-F5344CB8AC3E}">
@@ -8603,12 +12234,122 @@
   <p:clrMapOvr>
     <a:masterClrMapping/>
   </p:clrMapOvr>
+  <p:timing>
+    <p:tnLst>
+      <p:par>
+        <p:cTn id="1" dur="indefinite" restart="never" nodeType="tmRoot">
+          <p:childTnLst>
+            <p:seq concurrent="1" nextAc="seek">
+              <p:cTn id="2" dur="indefinite" nodeType="mainSeq">
+                <p:childTnLst>
+                  <p:par>
+                    <p:cTn id="3" fill="hold">
+                      <p:stCondLst>
+                        <p:cond delay="indefinite"/>
+                      </p:stCondLst>
+                      <p:childTnLst>
+                        <p:par>
+                          <p:cTn id="4" fill="hold">
+                            <p:stCondLst>
+                              <p:cond delay="0"/>
+                            </p:stCondLst>
+                            <p:childTnLst>
+                              <p:par>
+                                <p:cTn id="5" presetID="10" presetClass="entr" presetSubtype="0" fill="hold" grpId="0" nodeType="clickEffect">
+                                  <p:stCondLst>
+                                    <p:cond delay="0"/>
+                                  </p:stCondLst>
+                                  <p:childTnLst>
+                                    <p:set>
+                                      <p:cBhvr>
+                                        <p:cTn id="6" dur="1" fill="hold">
+                                          <p:stCondLst>
+                                            <p:cond delay="0"/>
+                                          </p:stCondLst>
+                                        </p:cTn>
+                                        <p:tgtEl>
+                                          <p:spTgt spid="10"/>
+                                        </p:tgtEl>
+                                        <p:attrNameLst>
+                                          <p:attrName>style.visibility</p:attrName>
+                                        </p:attrNameLst>
+                                      </p:cBhvr>
+                                      <p:to>
+                                        <p:strVal val="visible"/>
+                                      </p:to>
+                                    </p:set>
+                                    <p:animEffect transition="in" filter="fade">
+                                      <p:cBhvr>
+                                        <p:cTn id="7" dur="500"/>
+                                        <p:tgtEl>
+                                          <p:spTgt spid="10"/>
+                                        </p:tgtEl>
+                                      </p:cBhvr>
+                                    </p:animEffect>
+                                  </p:childTnLst>
+                                </p:cTn>
+                              </p:par>
+                            </p:childTnLst>
+                          </p:cTn>
+                        </p:par>
+                      </p:childTnLst>
+                    </p:cTn>
+                  </p:par>
+                </p:childTnLst>
+              </p:cTn>
+              <p:prevCondLst>
+                <p:cond evt="onPrev" delay="0">
+                  <p:tgtEl>
+                    <p:sldTgt/>
+                  </p:tgtEl>
+                </p:cond>
+              </p:prevCondLst>
+              <p:nextCondLst>
+                <p:cond evt="onNext" delay="0">
+                  <p:tgtEl>
+                    <p:sldTgt/>
+                  </p:tgtEl>
+                </p:cond>
+              </p:nextCondLst>
+            </p:seq>
+          </p:childTnLst>
+        </p:cTn>
+      </p:par>
+    </p:tnLst>
+    <p:bldLst>
+      <p:bldP spid="10" grpId="0" animBg="1"/>
+    </p:bldLst>
+  </p:timing>
 </p:sld>
 </file>
 
 <file path=ppt/slides/slide9.xml><?xml version="1.0" encoding="utf-8"?>
 <p:sld xmlns:a="http://schemas.openxmlformats.org/drawingml/2006/main" xmlns:r="http://schemas.openxmlformats.org/officeDocument/2006/relationships" xmlns:p="http://schemas.openxmlformats.org/presentationml/2006/main">
   <p:cSld>
+    <p:bg>
+      <p:bgPr>
+        <a:blipFill rotWithShape="1">
+          <a:blip r:embed="rId2">
+            <a:duotone>
+              <a:schemeClr val="bg2">
+                <a:shade val="62000"/>
+                <a:hueMod val="108000"/>
+                <a:satMod val="164000"/>
+                <a:lumMod val="69000"/>
+              </a:schemeClr>
+              <a:schemeClr val="bg2">
+                <a:tint val="96000"/>
+                <a:hueMod val="90000"/>
+                <a:satMod val="130000"/>
+                <a:lumMod val="134000"/>
+              </a:schemeClr>
+            </a:duotone>
+          </a:blip>
+          <a:stretch/>
+        </a:blipFill>
+        <a:effectLst/>
+      </p:bgPr>
+    </p:bg>
     <p:spTree>
       <p:nvGrpSpPr>
         <p:cNvPr id="1" name=""/>
@@ -8628,7 +12369,7 @@
           <p:cNvPr id="2" name="Title 1">
             <a:extLst>
               <a:ext uri="{FF2B5EF4-FFF2-40B4-BE49-F238E27FC236}">
-                <a16:creationId xmlns:a16="http://schemas.microsoft.com/office/drawing/2014/main" id="{DF8F9451-74E0-4DF3-99CC-EE32E248C9BB}"/>
+                <a16:creationId xmlns:a16="http://schemas.microsoft.com/office/drawing/2014/main" id="{8BAAC7A6-57DA-489D-A467-D28AE49D7A8C}"/>
               </a:ext>
             </a:extLst>
           </p:cNvPr>
@@ -8639,39 +12380,10 @@
             <p:ph type="title"/>
           </p:nvPr>
         </p:nvSpPr>
-        <p:spPr/>
-        <p:txBody>
-          <a:bodyPr/>
-          <a:lstStyle/>
-          <a:p>
-            <a:r>
-              <a:rPr lang="en-US" dirty="0"/>
-              <a:t>Results</a:t>
-            </a:r>
-            <a:endParaRPr lang="en-SG" dirty="0"/>
-          </a:p>
-        </p:txBody>
-      </p:sp>
-      <p:sp>
-        <p:nvSpPr>
-          <p:cNvPr id="3" name="Content Placeholder 2">
-            <a:extLst>
-              <a:ext uri="{FF2B5EF4-FFF2-40B4-BE49-F238E27FC236}">
-                <a16:creationId xmlns:a16="http://schemas.microsoft.com/office/drawing/2014/main" id="{470B84C3-8A2D-4DF3-A4E6-BF16D8207E67}"/>
-              </a:ext>
-            </a:extLst>
-          </p:cNvPr>
-          <p:cNvSpPr>
-            <a:spLocks noGrp="1"/>
-          </p:cNvSpPr>
-          <p:nvPr>
-            <p:ph idx="1"/>
-          </p:nvPr>
-        </p:nvSpPr>
         <p:spPr>
           <a:xfrm>
-            <a:off x="1103312" y="1266738"/>
-            <a:ext cx="8946541" cy="4981661"/>
+            <a:off x="648931" y="629266"/>
+            <a:ext cx="3085546" cy="1622321"/>
           </a:xfrm>
         </p:spPr>
         <p:txBody>
@@ -8681,94 +12393,900 @@
           <a:lstStyle/>
           <a:p>
             <a:r>
-              <a:rPr lang="en-SG" sz="2400" dirty="0"/>
-              <a:t>Top 5 busiest station</a:t>
-            </a:r>
-          </a:p>
-          <a:p>
-            <a:pPr marL="457200" lvl="1" indent="0">
-              <a:buNone/>
-            </a:pPr>
-            <a:r>
-              <a:rPr lang="en-SG" sz="2000" dirty="0"/>
-              <a:t>1. Penn Station</a:t>
-            </a:r>
-            <a:br>
-              <a:rPr lang="en-SG" sz="2000" dirty="0"/>
-            </a:br>
-            <a:r>
-              <a:rPr lang="en-SG" sz="2000" dirty="0"/>
-              <a:t>2. 23rd Street</a:t>
-            </a:r>
-            <a:br>
-              <a:rPr lang="en-SG" sz="2000" dirty="0"/>
-            </a:br>
-            <a:r>
-              <a:rPr lang="en-SG" sz="2000" dirty="0"/>
-              <a:t>3. Herald Square</a:t>
-            </a:r>
-            <a:br>
-              <a:rPr lang="en-SG" sz="2000" dirty="0"/>
-            </a:br>
-            <a:r>
-              <a:rPr lang="en-SG" sz="2000" dirty="0"/>
-              <a:t>4. Times Square</a:t>
-            </a:r>
-            <a:br>
-              <a:rPr lang="en-SG" sz="2000" dirty="0"/>
-            </a:br>
-            <a:r>
-              <a:rPr lang="en-SG" sz="2000" dirty="0"/>
-              <a:t>5. Grand Central</a:t>
-            </a:r>
-          </a:p>
-          <a:p>
-            <a:r>
-              <a:rPr lang="en-SG" sz="2400" dirty="0"/>
-              <a:t>Peak traffic day (Wednesday)</a:t>
-            </a:r>
-          </a:p>
-          <a:p>
-            <a:r>
-              <a:rPr lang="en-SG" sz="2400" dirty="0"/>
-              <a:t>Peak traffic time (rush hours, lunch, evening)</a:t>
-            </a:r>
-          </a:p>
-          <a:p>
-            <a:r>
-              <a:rPr lang="en-SG" sz="2400" dirty="0"/>
-              <a:t>Demographics by gender</a:t>
-            </a:r>
-          </a:p>
-          <a:p>
-            <a:r>
-              <a:rPr lang="en-SG" sz="2400" dirty="0"/>
-              <a:t>Demographics by income (confirm that demographics were </a:t>
-            </a:r>
-            <a:r>
-              <a:rPr lang="en-SG" sz="2400" dirty="0" err="1"/>
-              <a:t>favorable</a:t>
-            </a:r>
-            <a:r>
-              <a:rPr lang="en-SG" sz="2400" dirty="0"/>
-              <a:t> for each station)</a:t>
-            </a:r>
-          </a:p>
-          <a:p>
-            <a:endParaRPr lang="en-SG" sz="2400" dirty="0"/>
+              <a:rPr lang="en-US" dirty="0"/>
+              <a:t>Areas explored</a:t>
+            </a:r>
+            <a:endParaRPr lang="en-SG" dirty="0"/>
+          </a:p>
+        </p:txBody>
+      </p:sp>
+      <p:sp>
+        <p:nvSpPr>
+          <p:cNvPr id="3" name="Content Placeholder 2">
+            <a:extLst>
+              <a:ext uri="{FF2B5EF4-FFF2-40B4-BE49-F238E27FC236}">
+                <a16:creationId xmlns:a16="http://schemas.microsoft.com/office/drawing/2014/main" id="{293FCE9B-C27D-4872-8320-609F4718D3AB}"/>
+              </a:ext>
+            </a:extLst>
+          </p:cNvPr>
+          <p:cNvSpPr>
+            <a:spLocks noGrp="1"/>
+          </p:cNvSpPr>
+          <p:nvPr>
+            <p:ph idx="1"/>
+          </p:nvPr>
+        </p:nvSpPr>
+        <p:spPr>
+          <a:xfrm>
+            <a:off x="648932" y="2438400"/>
+            <a:ext cx="2791542" cy="3785419"/>
+          </a:xfrm>
+        </p:spPr>
+        <p:txBody>
+          <a:bodyPr>
+            <a:normAutofit/>
+          </a:bodyPr>
+          <a:lstStyle/>
+          <a:p>
+            <a:r>
+              <a:rPr lang="en-SG" dirty="0"/>
+              <a:t>Geographic &amp; demographic information about areas around stations to gather profiles of those most likely to contribute</a:t>
+            </a:r>
+          </a:p>
+        </p:txBody>
+      </p:sp>
+      <p:sp>
+        <p:nvSpPr>
+          <p:cNvPr id="9" name="Freeform 31">
+            <a:extLst>
+              <a:ext uri="{FF2B5EF4-FFF2-40B4-BE49-F238E27FC236}">
+                <a16:creationId xmlns:a16="http://schemas.microsoft.com/office/drawing/2014/main" id="{D6CEF2A9-EF08-4FB3-AFFB-C5F77AB6E028}"/>
+              </a:ext>
+              <a:ext uri="{C183D7F6-B498-43B3-948B-1728B52AA6E4}">
+                <adec:decorative xmlns:adec="http://schemas.microsoft.com/office/drawing/2017/decorative" val="1"/>
+              </a:ext>
+            </a:extLst>
+          </p:cNvPr>
+          <p:cNvSpPr>
+            <a:spLocks noGrp="1" noRot="1" noChangeAspect="1" noMove="1" noResize="1" noEditPoints="1" noAdjustHandles="1" noChangeArrowheads="1" noChangeShapeType="1" noTextEdit="1"/>
+          </p:cNvSpPr>
+          <p:nvPr>
+            <p:extLst>
+              <p:ext uri="{386F3935-93C4-4BCD-93E2-E3B085C9AB24}">
+                <p16:designElem xmlns:p16="http://schemas.microsoft.com/office/powerpoint/2015/main" val="1"/>
+              </p:ext>
+            </p:extLst>
+          </p:nvPr>
+        </p:nvSpPr>
+        <p:spPr>
+          <a:xfrm>
+            <a:off x="4994020" y="-1"/>
+            <a:ext cx="559472" cy="3709642"/>
+          </a:xfrm>
+          <a:custGeom>
+            <a:avLst/>
+            <a:gdLst>
+              <a:gd name="connsiteX0" fmla="*/ 0 w 559472"/>
+              <a:gd name="connsiteY0" fmla="*/ 0 h 3709642"/>
+              <a:gd name="connsiteX1" fmla="*/ 473952 w 559472"/>
+              <a:gd name="connsiteY1" fmla="*/ 0 h 3709642"/>
+              <a:gd name="connsiteX2" fmla="*/ 485840 w 559472"/>
+              <a:gd name="connsiteY2" fmla="*/ 161194 h 3709642"/>
+              <a:gd name="connsiteX3" fmla="*/ 523949 w 559472"/>
+              <a:gd name="connsiteY3" fmla="*/ 3672197 h 3709642"/>
+              <a:gd name="connsiteX4" fmla="*/ 454748 w 559472"/>
+              <a:gd name="connsiteY4" fmla="*/ 3709642 h 3709642"/>
+              <a:gd name="connsiteX5" fmla="*/ 448224 w 559472"/>
+              <a:gd name="connsiteY5" fmla="*/ 3510471 h 3709642"/>
+              <a:gd name="connsiteX6" fmla="*/ 443564 w 559472"/>
+              <a:gd name="connsiteY6" fmla="*/ 3408563 h 3709642"/>
+              <a:gd name="connsiteX7" fmla="*/ 438902 w 559472"/>
+              <a:gd name="connsiteY7" fmla="*/ 3304407 h 3709642"/>
+              <a:gd name="connsiteX8" fmla="*/ 433941 w 559472"/>
+              <a:gd name="connsiteY8" fmla="*/ 3198777 h 3709642"/>
+              <a:gd name="connsiteX9" fmla="*/ 427584 w 559472"/>
+              <a:gd name="connsiteY9" fmla="*/ 3092510 h 3709642"/>
+              <a:gd name="connsiteX10" fmla="*/ 420988 w 559472"/>
+              <a:gd name="connsiteY10" fmla="*/ 2984390 h 3709642"/>
+              <a:gd name="connsiteX11" fmla="*/ 414330 w 559472"/>
+              <a:gd name="connsiteY11" fmla="*/ 2874401 h 3709642"/>
+              <a:gd name="connsiteX12" fmla="*/ 406840 w 559472"/>
+              <a:gd name="connsiteY12" fmla="*/ 2762980 h 3709642"/>
+              <a:gd name="connsiteX13" fmla="*/ 397745 w 559472"/>
+              <a:gd name="connsiteY13" fmla="*/ 2650566 h 3709642"/>
+              <a:gd name="connsiteX14" fmla="*/ 389154 w 559472"/>
+              <a:gd name="connsiteY14" fmla="*/ 2536612 h 3709642"/>
+              <a:gd name="connsiteX15" fmla="*/ 379225 w 559472"/>
+              <a:gd name="connsiteY15" fmla="*/ 2421642 h 3709642"/>
+              <a:gd name="connsiteX16" fmla="*/ 368316 w 559472"/>
+              <a:gd name="connsiteY16" fmla="*/ 2305627 h 3709642"/>
+              <a:gd name="connsiteX17" fmla="*/ 357466 w 559472"/>
+              <a:gd name="connsiteY17" fmla="*/ 2189233 h 3709642"/>
+              <a:gd name="connsiteX18" fmla="*/ 344982 w 559472"/>
+              <a:gd name="connsiteY18" fmla="*/ 2071473 h 3709642"/>
+              <a:gd name="connsiteX19" fmla="*/ 332466 w 559472"/>
+              <a:gd name="connsiteY19" fmla="*/ 1952216 h 3709642"/>
+              <a:gd name="connsiteX20" fmla="*/ 319121 w 559472"/>
+              <a:gd name="connsiteY20" fmla="*/ 1833776 h 3709642"/>
+              <a:gd name="connsiteX21" fmla="*/ 304408 w 559472"/>
+              <a:gd name="connsiteY21" fmla="*/ 1713948 h 3709642"/>
+              <a:gd name="connsiteX22" fmla="*/ 288685 w 559472"/>
+              <a:gd name="connsiteY22" fmla="*/ 1592703 h 3709642"/>
+              <a:gd name="connsiteX23" fmla="*/ 273050 w 559472"/>
+              <a:gd name="connsiteY23" fmla="*/ 1471451 h 3709642"/>
+              <a:gd name="connsiteX24" fmla="*/ 255813 w 559472"/>
+              <a:gd name="connsiteY24" fmla="*/ 1350328 h 3709642"/>
+              <a:gd name="connsiteX25" fmla="*/ 237060 w 559472"/>
+              <a:gd name="connsiteY25" fmla="*/ 1227080 h 3709642"/>
+              <a:gd name="connsiteX26" fmla="*/ 218488 w 559472"/>
+              <a:gd name="connsiteY26" fmla="*/ 1106065 h 3709642"/>
+              <a:gd name="connsiteX27" fmla="*/ 198221 w 559472"/>
+              <a:gd name="connsiteY27" fmla="*/ 982940 h 3709642"/>
+              <a:gd name="connsiteX28" fmla="*/ 177152 w 559472"/>
+              <a:gd name="connsiteY28" fmla="*/ 858755 h 3709642"/>
+              <a:gd name="connsiteX29" fmla="*/ 155551 w 559472"/>
+              <a:gd name="connsiteY29" fmla="*/ 736861 h 3709642"/>
+              <a:gd name="connsiteX30" fmla="*/ 131782 w 559472"/>
+              <a:gd name="connsiteY30" fmla="*/ 613645 h 3709642"/>
+              <a:gd name="connsiteX31" fmla="*/ 107123 w 559472"/>
+              <a:gd name="connsiteY31" fmla="*/ 490500 h 3709642"/>
+              <a:gd name="connsiteX32" fmla="*/ 82552 w 559472"/>
+              <a:gd name="connsiteY32" fmla="*/ 367348 h 3709642"/>
+              <a:gd name="connsiteX33" fmla="*/ 55608 w 559472"/>
+              <a:gd name="connsiteY33" fmla="*/ 244762 h 3709642"/>
+              <a:gd name="connsiteX34" fmla="*/ 28130 w 559472"/>
+              <a:gd name="connsiteY34" fmla="*/ 122220 h 3709642"/>
+              <a:gd name="connsiteX35" fmla="*/ 0 w 559472"/>
+              <a:gd name="connsiteY35" fmla="*/ 0 h 3709642"/>
+            </a:gdLst>
+            <a:ahLst/>
+            <a:cxnLst>
+              <a:cxn ang="0">
+                <a:pos x="connsiteX0" y="connsiteY0"/>
+              </a:cxn>
+              <a:cxn ang="0">
+                <a:pos x="connsiteX1" y="connsiteY1"/>
+              </a:cxn>
+              <a:cxn ang="0">
+                <a:pos x="connsiteX2" y="connsiteY2"/>
+              </a:cxn>
+              <a:cxn ang="0">
+                <a:pos x="connsiteX3" y="connsiteY3"/>
+              </a:cxn>
+              <a:cxn ang="0">
+                <a:pos x="connsiteX4" y="connsiteY4"/>
+              </a:cxn>
+              <a:cxn ang="0">
+                <a:pos x="connsiteX5" y="connsiteY5"/>
+              </a:cxn>
+              <a:cxn ang="0">
+                <a:pos x="connsiteX6" y="connsiteY6"/>
+              </a:cxn>
+              <a:cxn ang="0">
+                <a:pos x="connsiteX7" y="connsiteY7"/>
+              </a:cxn>
+              <a:cxn ang="0">
+                <a:pos x="connsiteX8" y="connsiteY8"/>
+              </a:cxn>
+              <a:cxn ang="0">
+                <a:pos x="connsiteX9" y="connsiteY9"/>
+              </a:cxn>
+              <a:cxn ang="0">
+                <a:pos x="connsiteX10" y="connsiteY10"/>
+              </a:cxn>
+              <a:cxn ang="0">
+                <a:pos x="connsiteX11" y="connsiteY11"/>
+              </a:cxn>
+              <a:cxn ang="0">
+                <a:pos x="connsiteX12" y="connsiteY12"/>
+              </a:cxn>
+              <a:cxn ang="0">
+                <a:pos x="connsiteX13" y="connsiteY13"/>
+              </a:cxn>
+              <a:cxn ang="0">
+                <a:pos x="connsiteX14" y="connsiteY14"/>
+              </a:cxn>
+              <a:cxn ang="0">
+                <a:pos x="connsiteX15" y="connsiteY15"/>
+              </a:cxn>
+              <a:cxn ang="0">
+                <a:pos x="connsiteX16" y="connsiteY16"/>
+              </a:cxn>
+              <a:cxn ang="0">
+                <a:pos x="connsiteX17" y="connsiteY17"/>
+              </a:cxn>
+              <a:cxn ang="0">
+                <a:pos x="connsiteX18" y="connsiteY18"/>
+              </a:cxn>
+              <a:cxn ang="0">
+                <a:pos x="connsiteX19" y="connsiteY19"/>
+              </a:cxn>
+              <a:cxn ang="0">
+                <a:pos x="connsiteX20" y="connsiteY20"/>
+              </a:cxn>
+              <a:cxn ang="0">
+                <a:pos x="connsiteX21" y="connsiteY21"/>
+              </a:cxn>
+              <a:cxn ang="0">
+                <a:pos x="connsiteX22" y="connsiteY22"/>
+              </a:cxn>
+              <a:cxn ang="0">
+                <a:pos x="connsiteX23" y="connsiteY23"/>
+              </a:cxn>
+              <a:cxn ang="0">
+                <a:pos x="connsiteX24" y="connsiteY24"/>
+              </a:cxn>
+              <a:cxn ang="0">
+                <a:pos x="connsiteX25" y="connsiteY25"/>
+              </a:cxn>
+              <a:cxn ang="0">
+                <a:pos x="connsiteX26" y="connsiteY26"/>
+              </a:cxn>
+              <a:cxn ang="0">
+                <a:pos x="connsiteX27" y="connsiteY27"/>
+              </a:cxn>
+              <a:cxn ang="0">
+                <a:pos x="connsiteX28" y="connsiteY28"/>
+              </a:cxn>
+              <a:cxn ang="0">
+                <a:pos x="connsiteX29" y="connsiteY29"/>
+              </a:cxn>
+              <a:cxn ang="0">
+                <a:pos x="connsiteX30" y="connsiteY30"/>
+              </a:cxn>
+              <a:cxn ang="0">
+                <a:pos x="connsiteX31" y="connsiteY31"/>
+              </a:cxn>
+              <a:cxn ang="0">
+                <a:pos x="connsiteX32" y="connsiteY32"/>
+              </a:cxn>
+              <a:cxn ang="0">
+                <a:pos x="connsiteX33" y="connsiteY33"/>
+              </a:cxn>
+              <a:cxn ang="0">
+                <a:pos x="connsiteX34" y="connsiteY34"/>
+              </a:cxn>
+              <a:cxn ang="0">
+                <a:pos x="connsiteX35" y="connsiteY35"/>
+              </a:cxn>
+            </a:cxnLst>
+            <a:rect l="l" t="t" r="r" b="b"/>
+            <a:pathLst>
+              <a:path w="559472" h="3709642">
+                <a:moveTo>
+                  <a:pt x="0" y="0"/>
+                </a:moveTo>
+                <a:lnTo>
+                  <a:pt x="473952" y="0"/>
+                </a:lnTo>
+                <a:lnTo>
+                  <a:pt x="485840" y="161194"/>
+                </a:lnTo>
+                <a:cubicBezTo>
+                  <a:pt x="552063" y="1147770"/>
+                  <a:pt x="592441" y="3086737"/>
+                  <a:pt x="523949" y="3672197"/>
+                </a:cubicBezTo>
+                <a:cubicBezTo>
+                  <a:pt x="500842" y="3684557"/>
+                  <a:pt x="477855" y="3697282"/>
+                  <a:pt x="454748" y="3709642"/>
+                </a:cubicBezTo>
+                <a:lnTo>
+                  <a:pt x="448224" y="3510471"/>
+                </a:lnTo>
+                <a:lnTo>
+                  <a:pt x="443564" y="3408563"/>
+                </a:lnTo>
+                <a:lnTo>
+                  <a:pt x="438902" y="3304407"/>
+                </a:lnTo>
+                <a:lnTo>
+                  <a:pt x="433941" y="3198777"/>
+                </a:lnTo>
+                <a:lnTo>
+                  <a:pt x="427584" y="3092510"/>
+                </a:lnTo>
+                <a:lnTo>
+                  <a:pt x="420988" y="2984390"/>
+                </a:lnTo>
+                <a:lnTo>
+                  <a:pt x="414330" y="2874401"/>
+                </a:lnTo>
+                <a:lnTo>
+                  <a:pt x="406840" y="2762980"/>
+                </a:lnTo>
+                <a:lnTo>
+                  <a:pt x="397745" y="2650566"/>
+                </a:lnTo>
+                <a:lnTo>
+                  <a:pt x="389154" y="2536612"/>
+                </a:lnTo>
+                <a:lnTo>
+                  <a:pt x="379225" y="2421642"/>
+                </a:lnTo>
+                <a:lnTo>
+                  <a:pt x="368316" y="2305627"/>
+                </a:lnTo>
+                <a:lnTo>
+                  <a:pt x="357466" y="2189233"/>
+                </a:lnTo>
+                <a:lnTo>
+                  <a:pt x="344982" y="2071473"/>
+                </a:lnTo>
+                <a:lnTo>
+                  <a:pt x="332466" y="1952216"/>
+                </a:lnTo>
+                <a:lnTo>
+                  <a:pt x="319121" y="1833776"/>
+                </a:lnTo>
+                <a:lnTo>
+                  <a:pt x="304408" y="1713948"/>
+                </a:lnTo>
+                <a:lnTo>
+                  <a:pt x="288685" y="1592703"/>
+                </a:lnTo>
+                <a:lnTo>
+                  <a:pt x="273050" y="1471451"/>
+                </a:lnTo>
+                <a:lnTo>
+                  <a:pt x="255813" y="1350328"/>
+                </a:lnTo>
+                <a:lnTo>
+                  <a:pt x="237060" y="1227080"/>
+                </a:lnTo>
+                <a:lnTo>
+                  <a:pt x="218488" y="1106065"/>
+                </a:lnTo>
+                <a:lnTo>
+                  <a:pt x="198221" y="982940"/>
+                </a:lnTo>
+                <a:lnTo>
+                  <a:pt x="177152" y="858755"/>
+                </a:lnTo>
+                <a:lnTo>
+                  <a:pt x="155551" y="736861"/>
+                </a:lnTo>
+                <a:lnTo>
+                  <a:pt x="131782" y="613645"/>
+                </a:lnTo>
+                <a:lnTo>
+                  <a:pt x="107123" y="490500"/>
+                </a:lnTo>
+                <a:lnTo>
+                  <a:pt x="82552" y="367348"/>
+                </a:lnTo>
+                <a:lnTo>
+                  <a:pt x="55608" y="244762"/>
+                </a:lnTo>
+                <a:lnTo>
+                  <a:pt x="28130" y="122220"/>
+                </a:lnTo>
+                <a:lnTo>
+                  <a:pt x="0" y="0"/>
+                </a:lnTo>
+                <a:close/>
+              </a:path>
+            </a:pathLst>
+          </a:custGeom>
+          <a:solidFill>
+            <a:schemeClr val="tx1">
+              <a:alpha val="20000"/>
+            </a:schemeClr>
+          </a:solidFill>
+          <a:ln>
+            <a:noFill/>
+          </a:ln>
+        </p:spPr>
+        <p:txBody>
+          <a:bodyPr rtlCol="0" anchor="ctr"/>
+          <a:lstStyle/>
+          <a:p>
+            <a:pPr algn="ctr"/>
+            <a:endParaRPr lang="en-US"/>
+          </a:p>
+        </p:txBody>
+      </p:sp>
+      <p:sp>
+        <p:nvSpPr>
+          <p:cNvPr id="11" name="Rectangle 10">
+            <a:extLst>
+              <a:ext uri="{FF2B5EF4-FFF2-40B4-BE49-F238E27FC236}">
+                <a16:creationId xmlns:a16="http://schemas.microsoft.com/office/drawing/2014/main" id="{4109C3C2-C0A8-4559-8462-8007573DF44C}"/>
+              </a:ext>
+              <a:ext uri="{C183D7F6-B498-43B3-948B-1728B52AA6E4}">
+                <adec:decorative xmlns:adec="http://schemas.microsoft.com/office/drawing/2017/decorative" val="1"/>
+              </a:ext>
+            </a:extLst>
+          </p:cNvPr>
+          <p:cNvSpPr>
+            <a:spLocks noGrp="1" noRot="1" noChangeAspect="1" noMove="1" noResize="1" noEditPoints="1" noAdjustHandles="1" noChangeArrowheads="1" noChangeShapeType="1" noTextEdit="1"/>
+          </p:cNvSpPr>
+          <p:nvPr>
+            <p:extLst>
+              <p:ext uri="{386F3935-93C4-4BCD-93E2-E3B085C9AB24}">
+                <p16:designElem xmlns:p16="http://schemas.microsoft.com/office/powerpoint/2015/main" val="1"/>
+              </p:ext>
+            </p:extLst>
+          </p:nvPr>
+        </p:nvSpPr>
+        <p:spPr>
+          <a:xfrm>
+            <a:off x="6093992" y="0"/>
+            <a:ext cx="6098427" cy="6858000"/>
+          </a:xfrm>
+          <a:prstGeom prst="rect">
+            <a:avLst/>
+          </a:prstGeom>
+          <a:solidFill>
+            <a:srgbClr val="FFFFFF"/>
+          </a:solidFill>
+          <a:ln>
+            <a:noFill/>
+          </a:ln>
+        </p:spPr>
+        <p:style>
+          <a:lnRef idx="2">
+            <a:schemeClr val="accent1">
+              <a:shade val="50000"/>
+            </a:schemeClr>
+          </a:lnRef>
+          <a:fillRef idx="1">
+            <a:schemeClr val="accent1"/>
+          </a:fillRef>
+          <a:effectRef idx="0">
+            <a:schemeClr val="accent1"/>
+          </a:effectRef>
+          <a:fontRef idx="minor">
+            <a:schemeClr val="lt1"/>
+          </a:fontRef>
+        </p:style>
+        <p:txBody>
+          <a:bodyPr rtlCol="0" anchor="ctr"/>
+          <a:lstStyle/>
+          <a:p>
+            <a:pPr algn="ctr"/>
+            <a:endParaRPr lang="en-US"/>
+          </a:p>
+        </p:txBody>
+      </p:sp>
+      <p:sp>
+        <p:nvSpPr>
+          <p:cNvPr id="13" name="Freeform 5">
+            <a:extLst>
+              <a:ext uri="{FF2B5EF4-FFF2-40B4-BE49-F238E27FC236}">
+                <a16:creationId xmlns:a16="http://schemas.microsoft.com/office/drawing/2014/main" id="{4C535542-B72A-4DE0-BE5A-5EA00508C77D}"/>
+              </a:ext>
+              <a:ext uri="{C183D7F6-B498-43B3-948B-1728B52AA6E4}">
+                <adec:decorative xmlns:adec="http://schemas.microsoft.com/office/drawing/2017/decorative" val="1"/>
+              </a:ext>
+            </a:extLst>
+          </p:cNvPr>
+          <p:cNvSpPr>
+            <a:spLocks noGrp="1" noRot="1" noChangeAspect="1" noMove="1" noResize="1" noEditPoints="1" noAdjustHandles="1" noChangeArrowheads="1" noChangeShapeType="1" noTextEdit="1"/>
+          </p:cNvSpPr>
+          <p:nvPr>
+            <p:extLst>
+              <p:ext uri="{386F3935-93C4-4BCD-93E2-E3B085C9AB24}">
+                <p16:designElem xmlns:p16="http://schemas.microsoft.com/office/powerpoint/2015/main" val="1"/>
+              </p:ext>
+            </p:extLst>
+          </p:nvPr>
+        </p:nvSpPr>
+        <p:spPr bwMode="gray">
+          <a:xfrm rot="16200000">
+            <a:off x="2450577" y="2756642"/>
+            <a:ext cx="6858000" cy="1344715"/>
+          </a:xfrm>
+          <a:custGeom>
+            <a:avLst/>
+            <a:gdLst/>
+            <a:ahLst/>
+            <a:cxnLst/>
+            <a:rect l="l" t="t" r="r" b="b"/>
+            <a:pathLst>
+              <a:path w="10000" h="8000">
+                <a:moveTo>
+                  <a:pt x="0" y="0"/>
+                </a:moveTo>
+                <a:lnTo>
+                  <a:pt x="0" y="7970"/>
+                </a:lnTo>
+                <a:lnTo>
+                  <a:pt x="10000" y="8000"/>
+                </a:lnTo>
+                <a:lnTo>
+                  <a:pt x="10000" y="7"/>
+                </a:lnTo>
+                <a:lnTo>
+                  <a:pt x="10000" y="7"/>
+                </a:lnTo>
+                <a:lnTo>
+                  <a:pt x="9773" y="156"/>
+                </a:lnTo>
+                <a:lnTo>
+                  <a:pt x="9547" y="298"/>
+                </a:lnTo>
+                <a:lnTo>
+                  <a:pt x="9320" y="437"/>
+                </a:lnTo>
+                <a:lnTo>
+                  <a:pt x="9092" y="556"/>
+                </a:lnTo>
+                <a:lnTo>
+                  <a:pt x="8865" y="676"/>
+                </a:lnTo>
+                <a:lnTo>
+                  <a:pt x="8637" y="788"/>
+                </a:lnTo>
+                <a:lnTo>
+                  <a:pt x="8412" y="884"/>
+                </a:lnTo>
+                <a:lnTo>
+                  <a:pt x="8184" y="975"/>
+                </a:lnTo>
+                <a:lnTo>
+                  <a:pt x="7957" y="1058"/>
+                </a:lnTo>
+                <a:lnTo>
+                  <a:pt x="7734" y="1130"/>
+                </a:lnTo>
+                <a:lnTo>
+                  <a:pt x="7508" y="1202"/>
+                </a:lnTo>
+                <a:lnTo>
+                  <a:pt x="7285" y="1262"/>
+                </a:lnTo>
+                <a:lnTo>
+                  <a:pt x="7062" y="1309"/>
+                </a:lnTo>
+                <a:lnTo>
+                  <a:pt x="6840" y="1358"/>
+                </a:lnTo>
+                <a:lnTo>
+                  <a:pt x="6620" y="1399"/>
+                </a:lnTo>
+                <a:lnTo>
+                  <a:pt x="6402" y="1428"/>
+                </a:lnTo>
+                <a:lnTo>
+                  <a:pt x="6184" y="1453"/>
+                </a:lnTo>
+                <a:lnTo>
+                  <a:pt x="5968" y="1477"/>
+                </a:lnTo>
+                <a:lnTo>
+                  <a:pt x="5755" y="1488"/>
+                </a:lnTo>
+                <a:lnTo>
+                  <a:pt x="5542" y="1500"/>
+                </a:lnTo>
+                <a:lnTo>
+                  <a:pt x="5332" y="1506"/>
+                </a:lnTo>
+                <a:lnTo>
+                  <a:pt x="5124" y="1500"/>
+                </a:lnTo>
+                <a:lnTo>
+                  <a:pt x="4918" y="1500"/>
+                </a:lnTo>
+                <a:lnTo>
+                  <a:pt x="4714" y="1488"/>
+                </a:lnTo>
+                <a:lnTo>
+                  <a:pt x="4514" y="1470"/>
+                </a:lnTo>
+                <a:lnTo>
+                  <a:pt x="4316" y="1453"/>
+                </a:lnTo>
+                <a:lnTo>
+                  <a:pt x="4122" y="1434"/>
+                </a:lnTo>
+                <a:lnTo>
+                  <a:pt x="3929" y="1405"/>
+                </a:lnTo>
+                <a:lnTo>
+                  <a:pt x="3739" y="1374"/>
+                </a:lnTo>
+                <a:lnTo>
+                  <a:pt x="3553" y="1346"/>
+                </a:lnTo>
+                <a:lnTo>
+                  <a:pt x="3190" y="1267"/>
+                </a:lnTo>
+                <a:lnTo>
+                  <a:pt x="2842" y="1183"/>
+                </a:lnTo>
+                <a:lnTo>
+                  <a:pt x="2508" y="1095"/>
+                </a:lnTo>
+                <a:lnTo>
+                  <a:pt x="2192" y="998"/>
+                </a:lnTo>
+                <a:lnTo>
+                  <a:pt x="1890" y="897"/>
+                </a:lnTo>
+                <a:lnTo>
+                  <a:pt x="1610" y="788"/>
+                </a:lnTo>
+                <a:lnTo>
+                  <a:pt x="1347" y="681"/>
+                </a:lnTo>
+                <a:lnTo>
+                  <a:pt x="1105" y="574"/>
+                </a:lnTo>
+                <a:lnTo>
+                  <a:pt x="883" y="473"/>
+                </a:lnTo>
+                <a:lnTo>
+                  <a:pt x="686" y="377"/>
+                </a:lnTo>
+                <a:lnTo>
+                  <a:pt x="508" y="286"/>
+                </a:lnTo>
+                <a:lnTo>
+                  <a:pt x="358" y="210"/>
+                </a:lnTo>
+                <a:lnTo>
+                  <a:pt x="232" y="138"/>
+                </a:lnTo>
+                <a:lnTo>
+                  <a:pt x="59" y="35"/>
+                </a:lnTo>
+                <a:lnTo>
+                  <a:pt x="0" y="0"/>
+                </a:lnTo>
+                <a:lnTo>
+                  <a:pt x="0" y="0"/>
+                </a:lnTo>
+                <a:close/>
+              </a:path>
+            </a:pathLst>
+          </a:custGeom>
+          <a:solidFill>
+            <a:srgbClr val="FFFFFF"/>
+          </a:solidFill>
+          <a:ln>
+            <a:noFill/>
+          </a:ln>
+        </p:spPr>
+      </p:sp>
+      <p:pic>
+        <p:nvPicPr>
+          <p:cNvPr id="4" name="Graphic 3">
+            <a:extLst>
+              <a:ext uri="{FF2B5EF4-FFF2-40B4-BE49-F238E27FC236}">
+                <a16:creationId xmlns:a16="http://schemas.microsoft.com/office/drawing/2014/main" id="{EE26F668-B29D-4154-97E1-37997719AF0D}"/>
+              </a:ext>
+            </a:extLst>
+          </p:cNvPr>
+          <p:cNvPicPr>
+            <a:picLocks noChangeAspect="1"/>
+          </p:cNvPicPr>
+          <p:nvPr/>
+        </p:nvPicPr>
+        <p:blipFill>
+          <a:blip r:embed="rId3">
+            <a:extLst>
+              <a:ext uri="{96DAC541-7B7A-43D3-8B79-37D633B846F1}">
+                <asvg:svgBlip xmlns:asvg="http://schemas.microsoft.com/office/drawing/2016/SVG/main" r:embed="rId4"/>
+              </a:ext>
+            </a:extLst>
+          </a:blip>
+          <a:stretch>
+            <a:fillRect/>
+          </a:stretch>
+        </p:blipFill>
+        <p:spPr>
+          <a:xfrm>
+            <a:off x="3598875" y="1015069"/>
+            <a:ext cx="8347047" cy="5842932"/>
+          </a:xfrm>
+          <a:prstGeom prst="rect">
+            <a:avLst/>
+          </a:prstGeom>
+          <a:effectLst/>
+        </p:spPr>
+      </p:pic>
+      <p:sp>
+        <p:nvSpPr>
+          <p:cNvPr id="15" name="Rectangle 14">
+            <a:extLst>
+              <a:ext uri="{FF2B5EF4-FFF2-40B4-BE49-F238E27FC236}">
+                <a16:creationId xmlns:a16="http://schemas.microsoft.com/office/drawing/2014/main" id="{11DF0705-615B-4CF3-A16F-8C14680D8BA6}"/>
+              </a:ext>
+              <a:ext uri="{C183D7F6-B498-43B3-948B-1728B52AA6E4}">
+                <adec:decorative xmlns:adec="http://schemas.microsoft.com/office/drawing/2017/decorative" val="1"/>
+              </a:ext>
+            </a:extLst>
+          </p:cNvPr>
+          <p:cNvSpPr>
+            <a:spLocks noGrp="1" noRot="1" noChangeAspect="1" noMove="1" noResize="1" noEditPoints="1" noAdjustHandles="1" noChangeArrowheads="1" noChangeShapeType="1" noTextEdit="1"/>
+          </p:cNvSpPr>
+          <p:nvPr>
+            <p:extLst>
+              <p:ext uri="{386F3935-93C4-4BCD-93E2-E3B085C9AB24}">
+                <p16:designElem xmlns:p16="http://schemas.microsoft.com/office/powerpoint/2015/main" val="1"/>
+              </p:ext>
+            </p:extLst>
+          </p:nvPr>
+        </p:nvSpPr>
+        <p:spPr>
+          <a:xfrm>
+            <a:off x="10442448" y="0"/>
+            <a:ext cx="685800" cy="1143000"/>
+          </a:xfrm>
+          <a:prstGeom prst="rect">
+            <a:avLst/>
+          </a:prstGeom>
+          <a:solidFill>
+            <a:schemeClr val="accent1"/>
+          </a:solidFill>
+          <a:ln>
+            <a:noFill/>
+          </a:ln>
+        </p:spPr>
+        <p:style>
+          <a:lnRef idx="1">
+            <a:schemeClr val="accent1"/>
+          </a:lnRef>
+          <a:fillRef idx="3">
+            <a:schemeClr val="accent1"/>
+          </a:fillRef>
+          <a:effectRef idx="2">
+            <a:schemeClr val="accent1"/>
+          </a:effectRef>
+          <a:fontRef idx="minor">
+            <a:schemeClr val="lt1"/>
+          </a:fontRef>
+        </p:style>
+      </p:sp>
+      <p:sp>
+        <p:nvSpPr>
+          <p:cNvPr id="10" name="Rectangle 9">
+            <a:extLst>
+              <a:ext uri="{FF2B5EF4-FFF2-40B4-BE49-F238E27FC236}">
+                <a16:creationId xmlns:a16="http://schemas.microsoft.com/office/drawing/2014/main" id="{F53760C3-57A8-45CA-902C-C9EF6BB3B6D2}"/>
+              </a:ext>
+            </a:extLst>
+          </p:cNvPr>
+          <p:cNvSpPr/>
+          <p:nvPr/>
+        </p:nvSpPr>
+        <p:spPr>
+          <a:xfrm>
+            <a:off x="7203665" y="3305262"/>
+            <a:ext cx="1344717" cy="3095538"/>
+          </a:xfrm>
+          <a:prstGeom prst="rect">
+            <a:avLst/>
+          </a:prstGeom>
+          <a:noFill/>
+          <a:ln>
+            <a:solidFill>
+              <a:srgbClr val="FF0000"/>
+            </a:solidFill>
+          </a:ln>
+        </p:spPr>
+        <p:style>
+          <a:lnRef idx="2">
+            <a:schemeClr val="accent3"/>
+          </a:lnRef>
+          <a:fillRef idx="1">
+            <a:schemeClr val="lt1"/>
+          </a:fillRef>
+          <a:effectRef idx="0">
+            <a:schemeClr val="accent3"/>
+          </a:effectRef>
+          <a:fontRef idx="minor">
+            <a:schemeClr val="dk1"/>
+          </a:fontRef>
+        </p:style>
+        <p:txBody>
+          <a:bodyPr rtlCol="0" anchor="ctr"/>
+          <a:lstStyle/>
+          <a:p>
+            <a:pPr algn="ctr"/>
+            <a:endParaRPr lang="en-SG"/>
           </a:p>
         </p:txBody>
       </p:sp>
     </p:spTree>
     <p:extLst>
       <p:ext uri="{BB962C8B-B14F-4D97-AF65-F5344CB8AC3E}">
-        <p14:creationId xmlns:p14="http://schemas.microsoft.com/office/powerpoint/2010/main" val="1559373475"/>
+        <p14:creationId xmlns:p14="http://schemas.microsoft.com/office/powerpoint/2010/main" val="674561551"/>
       </p:ext>
     </p:extLst>
   </p:cSld>
   <p:clrMapOvr>
     <a:masterClrMapping/>
   </p:clrMapOvr>
+  <p:timing>
+    <p:tnLst>
+      <p:par>
+        <p:cTn id="1" dur="indefinite" restart="never" nodeType="tmRoot">
+          <p:childTnLst>
+            <p:seq concurrent="1" nextAc="seek">
+              <p:cTn id="2" dur="indefinite" nodeType="mainSeq">
+                <p:childTnLst>
+                  <p:par>
+                    <p:cTn id="3" fill="hold">
+                      <p:stCondLst>
+                        <p:cond delay="indefinite"/>
+                      </p:stCondLst>
+                      <p:childTnLst>
+                        <p:par>
+                          <p:cTn id="4" fill="hold">
+                            <p:stCondLst>
+                              <p:cond delay="0"/>
+                            </p:stCondLst>
+                            <p:childTnLst>
+                              <p:par>
+                                <p:cTn id="5" presetID="10" presetClass="entr" presetSubtype="0" fill="hold" grpId="0" nodeType="clickEffect">
+                                  <p:stCondLst>
+                                    <p:cond delay="0"/>
+                                  </p:stCondLst>
+                                  <p:childTnLst>
+                                    <p:set>
+                                      <p:cBhvr>
+                                        <p:cTn id="6" dur="1" fill="hold">
+                                          <p:stCondLst>
+                                            <p:cond delay="0"/>
+                                          </p:stCondLst>
+                                        </p:cTn>
+                                        <p:tgtEl>
+                                          <p:spTgt spid="10"/>
+                                        </p:tgtEl>
+                                        <p:attrNameLst>
+                                          <p:attrName>style.visibility</p:attrName>
+                                        </p:attrNameLst>
+                                      </p:cBhvr>
+                                      <p:to>
+                                        <p:strVal val="visible"/>
+                                      </p:to>
+                                    </p:set>
+                                    <p:animEffect transition="in" filter="fade">
+                                      <p:cBhvr>
+                                        <p:cTn id="7" dur="500"/>
+                                        <p:tgtEl>
+                                          <p:spTgt spid="10"/>
+                                        </p:tgtEl>
+                                      </p:cBhvr>
+                                    </p:animEffect>
+                                  </p:childTnLst>
+                                </p:cTn>
+                              </p:par>
+                            </p:childTnLst>
+                          </p:cTn>
+                        </p:par>
+                      </p:childTnLst>
+                    </p:cTn>
+                  </p:par>
+                </p:childTnLst>
+              </p:cTn>
+              <p:prevCondLst>
+                <p:cond evt="onPrev" delay="0">
+                  <p:tgtEl>
+                    <p:sldTgt/>
+                  </p:tgtEl>
+                </p:cond>
+              </p:prevCondLst>
+              <p:nextCondLst>
+                <p:cond evt="onNext" delay="0">
+                  <p:tgtEl>
+                    <p:sldTgt/>
+                  </p:tgtEl>
+                </p:cond>
+              </p:nextCondLst>
+            </p:seq>
+          </p:childTnLst>
+        </p:cTn>
+      </p:par>
+    </p:tnLst>
+    <p:bldLst>
+      <p:bldP spid="10" grpId="0" animBg="1"/>
+    </p:bldLst>
+  </p:timing>
 </p:sld>
 </file>
 

--- a/OptimizeStreetTeamDeployment.pptx
+++ b/OptimizeStreetTeamDeployment.pptx
@@ -5954,11 +5954,11 @@
         </p:nvSpPr>
         <p:spPr/>
         <p:txBody>
-          <a:bodyPr/>
+          <a:bodyPr anchor="t"/>
           <a:lstStyle/>
           <a:p>
             <a:r>
-              <a:rPr lang="en-SG" dirty="0"/>
+              <a:rPr lang="en-SG" sz="6000" dirty="0"/>
               <a:t>Optimize Street Team Deployment in NYC Subway</a:t>
             </a:r>
           </a:p>
@@ -6812,25 +6812,27 @@
         </p:nvSpPr>
         <p:spPr/>
         <p:txBody>
-          <a:bodyPr/>
+          <a:bodyPr>
+            <a:normAutofit/>
+          </a:bodyPr>
           <a:lstStyle/>
           <a:p>
             <a:r>
-              <a:rPr lang="en-SG" dirty="0"/>
+              <a:rPr lang="en-SG" sz="2400" dirty="0"/>
               <a:t>Top 5 stations differ from MTA published results</a:t>
             </a:r>
           </a:p>
           <a:p>
-            <a:endParaRPr lang="en-SG" dirty="0"/>
-          </a:p>
-          <a:p>
-            <a:r>
-              <a:rPr lang="en-SG" dirty="0"/>
+            <a:endParaRPr lang="en-SG" sz="2400" dirty="0"/>
+          </a:p>
+          <a:p>
+            <a:r>
+              <a:rPr lang="en-SG" sz="2400" dirty="0"/>
               <a:t>Tourist data?</a:t>
             </a:r>
           </a:p>
           <a:p>
-            <a:endParaRPr lang="en-SG" dirty="0"/>
+            <a:endParaRPr lang="en-SG" sz="2400" dirty="0"/>
           </a:p>
         </p:txBody>
       </p:sp>
@@ -6887,7 +6889,7 @@
           <a:p>
             <a:r>
               <a:rPr lang="en-US" dirty="0"/>
-              <a:t>Project goals</a:t>
+              <a:t>WTWY Project goals</a:t>
             </a:r>
             <a:endParaRPr lang="en-SG" dirty="0"/>
           </a:p>
@@ -7207,7 +7209,7 @@
           <a:lstStyle/>
           <a:p>
             <a:r>
-              <a:rPr lang="en-SG" sz="2400" dirty="0"/>
+              <a:rPr lang="en-SG" sz="2800" dirty="0"/>
               <a:t>Traffic volume by station</a:t>
             </a:r>
           </a:p>
@@ -7998,7 +8000,7 @@
                             </p:stCondLst>
                             <p:childTnLst>
                               <p:par>
-                                <p:cTn id="5" presetID="10" presetClass="entr" presetSubtype="0" fill="hold" grpId="0" nodeType="clickEffect">
+                                <p:cTn id="5" presetID="53" presetClass="entr" presetSubtype="16" fill="hold" grpId="0" nodeType="clickEffect">
                                   <p:stCondLst>
                                     <p:cond delay="0"/>
                                   </p:stCondLst>
@@ -8021,9 +8023,55 @@
                                         <p:strVal val="visible"/>
                                       </p:to>
                                     </p:set>
+                                    <p:anim calcmode="lin" valueType="num">
+                                      <p:cBhvr>
+                                        <p:cTn id="7" dur="500" fill="hold"/>
+                                        <p:tgtEl>
+                                          <p:spTgt spid="10"/>
+                                        </p:tgtEl>
+                                        <p:attrNameLst>
+                                          <p:attrName>ppt_w</p:attrName>
+                                        </p:attrNameLst>
+                                      </p:cBhvr>
+                                      <p:tavLst>
+                                        <p:tav tm="0">
+                                          <p:val>
+                                            <p:fltVal val="0"/>
+                                          </p:val>
+                                        </p:tav>
+                                        <p:tav tm="100000">
+                                          <p:val>
+                                            <p:strVal val="#ppt_w"/>
+                                          </p:val>
+                                        </p:tav>
+                                      </p:tavLst>
+                                    </p:anim>
+                                    <p:anim calcmode="lin" valueType="num">
+                                      <p:cBhvr>
+                                        <p:cTn id="8" dur="500" fill="hold"/>
+                                        <p:tgtEl>
+                                          <p:spTgt spid="10"/>
+                                        </p:tgtEl>
+                                        <p:attrNameLst>
+                                          <p:attrName>ppt_h</p:attrName>
+                                        </p:attrNameLst>
+                                      </p:cBhvr>
+                                      <p:tavLst>
+                                        <p:tav tm="0">
+                                          <p:val>
+                                            <p:fltVal val="0"/>
+                                          </p:val>
+                                        </p:tav>
+                                        <p:tav tm="100000">
+                                          <p:val>
+                                            <p:strVal val="#ppt_h"/>
+                                          </p:val>
+                                        </p:tav>
+                                      </p:tavLst>
+                                    </p:anim>
                                     <p:animEffect transition="in" filter="fade">
                                       <p:cBhvr>
-                                        <p:cTn id="7" dur="500"/>
+                                        <p:cTn id="9" dur="500"/>
                                         <p:tgtEl>
                                           <p:spTgt spid="10"/>
                                         </p:tgtEl>
@@ -8162,7 +8210,7 @@
         <p:spPr>
           <a:xfrm>
             <a:off x="648932" y="2438400"/>
-            <a:ext cx="1757838" cy="3785419"/>
+            <a:ext cx="2033202" cy="3785419"/>
           </a:xfrm>
         </p:spPr>
         <p:txBody>
@@ -8172,12 +8220,12 @@
           <a:lstStyle/>
           <a:p>
             <a:r>
-              <a:rPr lang="en-SG" sz="2400" dirty="0"/>
+              <a:rPr lang="en-SG" sz="2800" dirty="0"/>
               <a:t>Traffic volume by month</a:t>
             </a:r>
           </a:p>
           <a:p>
-            <a:endParaRPr lang="en-SG" sz="2400" dirty="0"/>
+            <a:endParaRPr lang="en-SG" sz="2800" dirty="0"/>
           </a:p>
         </p:txBody>
       </p:sp>
@@ -8824,7 +8872,7 @@
         </p:blipFill>
         <p:spPr>
           <a:xfrm>
-            <a:off x="3414383" y="1308949"/>
+            <a:off x="3397605" y="1308949"/>
             <a:ext cx="8777617" cy="5040093"/>
           </a:xfrm>
           <a:prstGeom prst="rect">
@@ -8950,7 +8998,7 @@
         </p:nvSpPr>
         <p:spPr>
           <a:xfrm>
-            <a:off x="10150678" y="2044118"/>
+            <a:off x="10159067" y="2027340"/>
             <a:ext cx="360727" cy="4085437"/>
           </a:xfrm>
           <a:prstGeom prst="rect">
@@ -9036,6 +9084,66 @@
           </a:p>
         </p:txBody>
       </p:sp>
+      <p:pic>
+        <p:nvPicPr>
+          <p:cNvPr id="4" name="Picture 3">
+            <a:extLst>
+              <a:ext uri="{FF2B5EF4-FFF2-40B4-BE49-F238E27FC236}">
+                <a16:creationId xmlns:a16="http://schemas.microsoft.com/office/drawing/2014/main" id="{9F59D6DE-FA19-4131-A0B7-A9835AA95FB6}"/>
+              </a:ext>
+            </a:extLst>
+          </p:cNvPr>
+          <p:cNvPicPr>
+            <a:picLocks noChangeAspect="1"/>
+          </p:cNvPicPr>
+          <p:nvPr/>
+        </p:nvPicPr>
+        <p:blipFill>
+          <a:blip r:embed="rId5"/>
+          <a:stretch>
+            <a:fillRect/>
+          </a:stretch>
+        </p:blipFill>
+        <p:spPr>
+          <a:xfrm>
+            <a:off x="4522798" y="3222773"/>
+            <a:ext cx="577821" cy="973735"/>
+          </a:xfrm>
+          <a:prstGeom prst="rect">
+            <a:avLst/>
+          </a:prstGeom>
+        </p:spPr>
+      </p:pic>
+      <p:pic>
+        <p:nvPicPr>
+          <p:cNvPr id="5" name="Picture 4">
+            <a:extLst>
+              <a:ext uri="{FF2B5EF4-FFF2-40B4-BE49-F238E27FC236}">
+                <a16:creationId xmlns:a16="http://schemas.microsoft.com/office/drawing/2014/main" id="{B4826ABF-B061-41D4-8F9E-0517A8EE7AA4}"/>
+              </a:ext>
+            </a:extLst>
+          </p:cNvPr>
+          <p:cNvPicPr>
+            <a:picLocks noChangeAspect="1"/>
+          </p:cNvPicPr>
+          <p:nvPr/>
+        </p:nvPicPr>
+        <p:blipFill>
+          <a:blip r:embed="rId6"/>
+          <a:stretch>
+            <a:fillRect/>
+          </a:stretch>
+        </p:blipFill>
+        <p:spPr>
+          <a:xfrm>
+            <a:off x="4518445" y="2597428"/>
+            <a:ext cx="590448" cy="232773"/>
+          </a:xfrm>
+          <a:prstGeom prst="rect">
+            <a:avLst/>
+          </a:prstGeom>
+        </p:spPr>
+      </p:pic>
     </p:spTree>
     <p:extLst>
       <p:ext uri="{BB962C8B-B14F-4D97-AF65-F5344CB8AC3E}">
@@ -9067,7 +9175,7 @@
                             </p:stCondLst>
                             <p:childTnLst>
                               <p:par>
-                                <p:cTn id="5" presetID="10" presetClass="entr" presetSubtype="0" fill="hold" grpId="0" nodeType="clickEffect">
+                                <p:cTn id="5" presetID="53" presetClass="entr" presetSubtype="16" fill="hold" grpId="0" nodeType="clickEffect">
                                   <p:stCondLst>
                                     <p:cond delay="0"/>
                                   </p:stCondLst>
@@ -9090,9 +9198,55 @@
                                         <p:strVal val="visible"/>
                                       </p:to>
                                     </p:set>
+                                    <p:anim calcmode="lin" valueType="num">
+                                      <p:cBhvr>
+                                        <p:cTn id="7" dur="500" fill="hold"/>
+                                        <p:tgtEl>
+                                          <p:spTgt spid="12"/>
+                                        </p:tgtEl>
+                                        <p:attrNameLst>
+                                          <p:attrName>ppt_w</p:attrName>
+                                        </p:attrNameLst>
+                                      </p:cBhvr>
+                                      <p:tavLst>
+                                        <p:tav tm="0">
+                                          <p:val>
+                                            <p:fltVal val="0"/>
+                                          </p:val>
+                                        </p:tav>
+                                        <p:tav tm="100000">
+                                          <p:val>
+                                            <p:strVal val="#ppt_w"/>
+                                          </p:val>
+                                        </p:tav>
+                                      </p:tavLst>
+                                    </p:anim>
+                                    <p:anim calcmode="lin" valueType="num">
+                                      <p:cBhvr>
+                                        <p:cTn id="8" dur="500" fill="hold"/>
+                                        <p:tgtEl>
+                                          <p:spTgt spid="12"/>
+                                        </p:tgtEl>
+                                        <p:attrNameLst>
+                                          <p:attrName>ppt_h</p:attrName>
+                                        </p:attrNameLst>
+                                      </p:cBhvr>
+                                      <p:tavLst>
+                                        <p:tav tm="0">
+                                          <p:val>
+                                            <p:fltVal val="0"/>
+                                          </p:val>
+                                        </p:tav>
+                                        <p:tav tm="100000">
+                                          <p:val>
+                                            <p:strVal val="#ppt_h"/>
+                                          </p:val>
+                                        </p:tav>
+                                      </p:tavLst>
+                                    </p:anim>
                                     <p:animEffect transition="in" filter="fade">
                                       <p:cBhvr>
-                                        <p:cTn id="7" dur="500"/>
+                                        <p:cTn id="9" dur="500"/>
                                         <p:tgtEl>
                                           <p:spTgt spid="12"/>
                                         </p:tgtEl>
@@ -9102,14 +9256,14 @@
                                 </p:cTn>
                               </p:par>
                               <p:par>
-                                <p:cTn id="8" presetID="10" presetClass="entr" presetSubtype="0" fill="hold" grpId="0" nodeType="withEffect">
+                                <p:cTn id="10" presetID="53" presetClass="entr" presetSubtype="16" fill="hold" grpId="0" nodeType="withEffect">
                                   <p:stCondLst>
                                     <p:cond delay="0"/>
                                   </p:stCondLst>
                                   <p:childTnLst>
                                     <p:set>
                                       <p:cBhvr>
-                                        <p:cTn id="9" dur="1" fill="hold">
+                                        <p:cTn id="11" dur="1" fill="hold">
                                           <p:stCondLst>
                                             <p:cond delay="0"/>
                                           </p:stCondLst>
@@ -9125,9 +9279,55 @@
                                         <p:strVal val="visible"/>
                                       </p:to>
                                     </p:set>
+                                    <p:anim calcmode="lin" valueType="num">
+                                      <p:cBhvr>
+                                        <p:cTn id="12" dur="500" fill="hold"/>
+                                        <p:tgtEl>
+                                          <p:spTgt spid="20"/>
+                                        </p:tgtEl>
+                                        <p:attrNameLst>
+                                          <p:attrName>ppt_w</p:attrName>
+                                        </p:attrNameLst>
+                                      </p:cBhvr>
+                                      <p:tavLst>
+                                        <p:tav tm="0">
+                                          <p:val>
+                                            <p:fltVal val="0"/>
+                                          </p:val>
+                                        </p:tav>
+                                        <p:tav tm="100000">
+                                          <p:val>
+                                            <p:strVal val="#ppt_w"/>
+                                          </p:val>
+                                        </p:tav>
+                                      </p:tavLst>
+                                    </p:anim>
+                                    <p:anim calcmode="lin" valueType="num">
+                                      <p:cBhvr>
+                                        <p:cTn id="13" dur="500" fill="hold"/>
+                                        <p:tgtEl>
+                                          <p:spTgt spid="20"/>
+                                        </p:tgtEl>
+                                        <p:attrNameLst>
+                                          <p:attrName>ppt_h</p:attrName>
+                                        </p:attrNameLst>
+                                      </p:cBhvr>
+                                      <p:tavLst>
+                                        <p:tav tm="0">
+                                          <p:val>
+                                            <p:fltVal val="0"/>
+                                          </p:val>
+                                        </p:tav>
+                                        <p:tav tm="100000">
+                                          <p:val>
+                                            <p:strVal val="#ppt_h"/>
+                                          </p:val>
+                                        </p:tav>
+                                      </p:tavLst>
+                                    </p:anim>
                                     <p:animEffect transition="in" filter="fade">
                                       <p:cBhvr>
-                                        <p:cTn id="10" dur="500"/>
+                                        <p:cTn id="14" dur="500"/>
                                         <p:tgtEl>
                                           <p:spTgt spid="20"/>
                                         </p:tgtEl>
@@ -9137,14 +9337,14 @@
                                 </p:cTn>
                               </p:par>
                               <p:par>
-                                <p:cTn id="11" presetID="10" presetClass="entr" presetSubtype="0" fill="hold" grpId="0" nodeType="withEffect">
+                                <p:cTn id="15" presetID="53" presetClass="entr" presetSubtype="16" fill="hold" grpId="0" nodeType="withEffect">
                                   <p:stCondLst>
                                     <p:cond delay="0"/>
                                   </p:stCondLst>
                                   <p:childTnLst>
                                     <p:set>
                                       <p:cBhvr>
-                                        <p:cTn id="12" dur="1" fill="hold">
+                                        <p:cTn id="16" dur="1" fill="hold">
                                           <p:stCondLst>
                                             <p:cond delay="0"/>
                                           </p:stCondLst>
@@ -9160,9 +9360,55 @@
                                         <p:strVal val="visible"/>
                                       </p:to>
                                     </p:set>
+                                    <p:anim calcmode="lin" valueType="num">
+                                      <p:cBhvr>
+                                        <p:cTn id="17" dur="500" fill="hold"/>
+                                        <p:tgtEl>
+                                          <p:spTgt spid="19"/>
+                                        </p:tgtEl>
+                                        <p:attrNameLst>
+                                          <p:attrName>ppt_w</p:attrName>
+                                        </p:attrNameLst>
+                                      </p:cBhvr>
+                                      <p:tavLst>
+                                        <p:tav tm="0">
+                                          <p:val>
+                                            <p:fltVal val="0"/>
+                                          </p:val>
+                                        </p:tav>
+                                        <p:tav tm="100000">
+                                          <p:val>
+                                            <p:strVal val="#ppt_w"/>
+                                          </p:val>
+                                        </p:tav>
+                                      </p:tavLst>
+                                    </p:anim>
+                                    <p:anim calcmode="lin" valueType="num">
+                                      <p:cBhvr>
+                                        <p:cTn id="18" dur="500" fill="hold"/>
+                                        <p:tgtEl>
+                                          <p:spTgt spid="19"/>
+                                        </p:tgtEl>
+                                        <p:attrNameLst>
+                                          <p:attrName>ppt_h</p:attrName>
+                                        </p:attrNameLst>
+                                      </p:cBhvr>
+                                      <p:tavLst>
+                                        <p:tav tm="0">
+                                          <p:val>
+                                            <p:fltVal val="0"/>
+                                          </p:val>
+                                        </p:tav>
+                                        <p:tav tm="100000">
+                                          <p:val>
+                                            <p:strVal val="#ppt_h"/>
+                                          </p:val>
+                                        </p:tav>
+                                      </p:tavLst>
+                                    </p:anim>
                                     <p:animEffect transition="in" filter="fade">
                                       <p:cBhvr>
-                                        <p:cTn id="13" dur="500"/>
+                                        <p:cTn id="19" dur="500"/>
                                         <p:tgtEl>
                                           <p:spTgt spid="19"/>
                                         </p:tgtEl>
@@ -9313,7 +9559,7 @@
           <a:lstStyle/>
           <a:p>
             <a:r>
-              <a:rPr lang="en-SG" sz="2400" dirty="0"/>
+              <a:rPr lang="en-SG" sz="2800" dirty="0"/>
               <a:t>Weekly traffic patterns</a:t>
             </a:r>
           </a:p>
@@ -10106,7 +10352,7 @@
                             </p:stCondLst>
                             <p:childTnLst>
                               <p:par>
-                                <p:cTn id="5" presetID="10" presetClass="entr" presetSubtype="0" fill="hold" grpId="0" nodeType="clickEffect">
+                                <p:cTn id="5" presetID="53" presetClass="entr" presetSubtype="16" fill="hold" grpId="0" nodeType="clickEffect">
                                   <p:stCondLst>
                                     <p:cond delay="0"/>
                                   </p:stCondLst>
@@ -10129,9 +10375,55 @@
                                         <p:strVal val="visible"/>
                                       </p:to>
                                     </p:set>
+                                    <p:anim calcmode="lin" valueType="num">
+                                      <p:cBhvr>
+                                        <p:cTn id="7" dur="500" fill="hold"/>
+                                        <p:tgtEl>
+                                          <p:spTgt spid="10"/>
+                                        </p:tgtEl>
+                                        <p:attrNameLst>
+                                          <p:attrName>ppt_w</p:attrName>
+                                        </p:attrNameLst>
+                                      </p:cBhvr>
+                                      <p:tavLst>
+                                        <p:tav tm="0">
+                                          <p:val>
+                                            <p:fltVal val="0"/>
+                                          </p:val>
+                                        </p:tav>
+                                        <p:tav tm="100000">
+                                          <p:val>
+                                            <p:strVal val="#ppt_w"/>
+                                          </p:val>
+                                        </p:tav>
+                                      </p:tavLst>
+                                    </p:anim>
+                                    <p:anim calcmode="lin" valueType="num">
+                                      <p:cBhvr>
+                                        <p:cTn id="8" dur="500" fill="hold"/>
+                                        <p:tgtEl>
+                                          <p:spTgt spid="10"/>
+                                        </p:tgtEl>
+                                        <p:attrNameLst>
+                                          <p:attrName>ppt_h</p:attrName>
+                                        </p:attrNameLst>
+                                      </p:cBhvr>
+                                      <p:tavLst>
+                                        <p:tav tm="0">
+                                          <p:val>
+                                            <p:fltVal val="0"/>
+                                          </p:val>
+                                        </p:tav>
+                                        <p:tav tm="100000">
+                                          <p:val>
+                                            <p:strVal val="#ppt_h"/>
+                                          </p:val>
+                                        </p:tav>
+                                      </p:tavLst>
+                                    </p:anim>
                                     <p:animEffect transition="in" filter="fade">
                                       <p:cBhvr>
-                                        <p:cTn id="7" dur="500"/>
+                                        <p:cTn id="9" dur="500"/>
                                         <p:tgtEl>
                                           <p:spTgt spid="10"/>
                                         </p:tgtEl>
@@ -10269,8 +10561,8 @@
         </p:nvSpPr>
         <p:spPr>
           <a:xfrm>
-            <a:off x="648931" y="2438400"/>
-            <a:ext cx="4166509" cy="3785419"/>
+            <a:off x="648932" y="2438400"/>
+            <a:ext cx="3346646" cy="3785419"/>
           </a:xfrm>
         </p:spPr>
         <p:txBody>
@@ -10280,28 +10572,28 @@
           <a:lstStyle/>
           <a:p>
             <a:r>
-              <a:rPr lang="en-SG"/>
+              <a:rPr lang="en-SG" sz="2800" dirty="0"/>
               <a:t>Traffic volume by time </a:t>
             </a:r>
           </a:p>
           <a:p>
             <a:pPr lvl="1"/>
             <a:r>
-              <a:rPr lang="en-SG"/>
+              <a:rPr lang="en-SG" sz="2400" dirty="0"/>
               <a:t>16:00-20:00</a:t>
             </a:r>
           </a:p>
           <a:p>
             <a:pPr lvl="1"/>
             <a:r>
-              <a:rPr lang="en-SG"/>
+              <a:rPr lang="en-SG" sz="2400" dirty="0"/>
               <a:t>08:00-12:00</a:t>
             </a:r>
           </a:p>
           <a:p>
             <a:pPr lvl="1"/>
             <a:r>
-              <a:rPr lang="en-SG"/>
+              <a:rPr lang="en-SG" sz="2400" dirty="0"/>
               <a:t>12:00-16:00</a:t>
             </a:r>
           </a:p>
@@ -11088,7 +11380,7 @@
                             </p:stCondLst>
                             <p:childTnLst>
                               <p:par>
-                                <p:cTn id="5" presetID="10" presetClass="entr" presetSubtype="0" fill="hold" grpId="0" nodeType="clickEffect">
+                                <p:cTn id="5" presetID="53" presetClass="entr" presetSubtype="16" fill="hold" grpId="0" nodeType="clickEffect">
                                   <p:stCondLst>
                                     <p:cond delay="0"/>
                                   </p:stCondLst>
@@ -11111,9 +11403,55 @@
                                         <p:strVal val="visible"/>
                                       </p:to>
                                     </p:set>
+                                    <p:anim calcmode="lin" valueType="num">
+                                      <p:cBhvr>
+                                        <p:cTn id="7" dur="500" fill="hold"/>
+                                        <p:tgtEl>
+                                          <p:spTgt spid="10"/>
+                                        </p:tgtEl>
+                                        <p:attrNameLst>
+                                          <p:attrName>ppt_w</p:attrName>
+                                        </p:attrNameLst>
+                                      </p:cBhvr>
+                                      <p:tavLst>
+                                        <p:tav tm="0">
+                                          <p:val>
+                                            <p:fltVal val="0"/>
+                                          </p:val>
+                                        </p:tav>
+                                        <p:tav tm="100000">
+                                          <p:val>
+                                            <p:strVal val="#ppt_w"/>
+                                          </p:val>
+                                        </p:tav>
+                                      </p:tavLst>
+                                    </p:anim>
+                                    <p:anim calcmode="lin" valueType="num">
+                                      <p:cBhvr>
+                                        <p:cTn id="8" dur="500" fill="hold"/>
+                                        <p:tgtEl>
+                                          <p:spTgt spid="10"/>
+                                        </p:tgtEl>
+                                        <p:attrNameLst>
+                                          <p:attrName>ppt_h</p:attrName>
+                                        </p:attrNameLst>
+                                      </p:cBhvr>
+                                      <p:tavLst>
+                                        <p:tav tm="0">
+                                          <p:val>
+                                            <p:fltVal val="0"/>
+                                          </p:val>
+                                        </p:tav>
+                                        <p:tav tm="100000">
+                                          <p:val>
+                                            <p:strVal val="#ppt_h"/>
+                                          </p:val>
+                                        </p:tav>
+                                      </p:tavLst>
+                                    </p:anim>
                                     <p:animEffect transition="in" filter="fade">
                                       <p:cBhvr>
-                                        <p:cTn id="7" dur="500"/>
+                                        <p:cTn id="9" dur="500"/>
                                         <p:tgtEl>
                                           <p:spTgt spid="10"/>
                                         </p:tgtEl>
@@ -11930,8 +12268,8 @@
         </p:blipFill>
         <p:spPr>
           <a:xfrm>
-            <a:off x="3562781" y="1006679"/>
-            <a:ext cx="8359032" cy="5851322"/>
+            <a:off x="4103279" y="1006679"/>
+            <a:ext cx="7818533" cy="5472973"/>
           </a:xfrm>
           <a:prstGeom prst="rect">
             <a:avLst/>
@@ -11954,8 +12292,8 @@
         </p:nvSpPr>
         <p:spPr>
           <a:xfrm>
-            <a:off x="648932" y="2438400"/>
-            <a:ext cx="2791542" cy="3785419"/>
+            <a:off x="648931" y="2438400"/>
+            <a:ext cx="3104864" cy="3785419"/>
           </a:xfrm>
           <a:prstGeom prst="rect">
             <a:avLst/>
@@ -12167,10 +12505,18 @@
           </a:lstStyle>
           <a:p>
             <a:r>
-              <a:rPr lang="en-SG"/>
-              <a:t>Geographic &amp; demographic information about areas around stations to gather profiles of those most likely to contribute</a:t>
-            </a:r>
-            <a:endParaRPr lang="en-SG" dirty="0"/>
+              <a:rPr lang="en-SG" sz="2800" dirty="0"/>
+              <a:t>Geographic &amp; demographic information</a:t>
+            </a:r>
+          </a:p>
+          <a:p>
+            <a:pPr marL="0" indent="0">
+              <a:buNone/>
+            </a:pPr>
+            <a:r>
+              <a:rPr lang="en-SG" sz="2800" dirty="0"/>
+              <a:t>	- Income</a:t>
+            </a:r>
           </a:p>
         </p:txBody>
       </p:sp>
@@ -12188,8 +12534,8 @@
         </p:nvSpPr>
         <p:spPr>
           <a:xfrm>
-            <a:off x="7203665" y="1803633"/>
-            <a:ext cx="1344717" cy="4597167"/>
+            <a:off x="7488891" y="1770078"/>
+            <a:ext cx="1235659" cy="4286774"/>
           </a:xfrm>
           <a:prstGeom prst="rect">
             <a:avLst/>
@@ -12255,7 +12601,7 @@
                             </p:stCondLst>
                             <p:childTnLst>
                               <p:par>
-                                <p:cTn id="5" presetID="10" presetClass="entr" presetSubtype="0" fill="hold" grpId="0" nodeType="clickEffect">
+                                <p:cTn id="5" presetID="53" presetClass="entr" presetSubtype="16" fill="hold" grpId="0" nodeType="clickEffect">
                                   <p:stCondLst>
                                     <p:cond delay="0"/>
                                   </p:stCondLst>
@@ -12278,9 +12624,55 @@
                                         <p:strVal val="visible"/>
                                       </p:to>
                                     </p:set>
+                                    <p:anim calcmode="lin" valueType="num">
+                                      <p:cBhvr>
+                                        <p:cTn id="7" dur="500" fill="hold"/>
+                                        <p:tgtEl>
+                                          <p:spTgt spid="10"/>
+                                        </p:tgtEl>
+                                        <p:attrNameLst>
+                                          <p:attrName>ppt_w</p:attrName>
+                                        </p:attrNameLst>
+                                      </p:cBhvr>
+                                      <p:tavLst>
+                                        <p:tav tm="0">
+                                          <p:val>
+                                            <p:fltVal val="0"/>
+                                          </p:val>
+                                        </p:tav>
+                                        <p:tav tm="100000">
+                                          <p:val>
+                                            <p:strVal val="#ppt_w"/>
+                                          </p:val>
+                                        </p:tav>
+                                      </p:tavLst>
+                                    </p:anim>
+                                    <p:anim calcmode="lin" valueType="num">
+                                      <p:cBhvr>
+                                        <p:cTn id="8" dur="500" fill="hold"/>
+                                        <p:tgtEl>
+                                          <p:spTgt spid="10"/>
+                                        </p:tgtEl>
+                                        <p:attrNameLst>
+                                          <p:attrName>ppt_h</p:attrName>
+                                        </p:attrNameLst>
+                                      </p:cBhvr>
+                                      <p:tavLst>
+                                        <p:tav tm="0">
+                                          <p:val>
+                                            <p:fltVal val="0"/>
+                                          </p:val>
+                                        </p:tav>
+                                        <p:tav tm="100000">
+                                          <p:val>
+                                            <p:strVal val="#ppt_h"/>
+                                          </p:val>
+                                        </p:tav>
+                                      </p:tavLst>
+                                    </p:anim>
                                     <p:animEffect transition="in" filter="fade">
                                       <p:cBhvr>
-                                        <p:cTn id="7" dur="500"/>
+                                        <p:cTn id="9" dur="500"/>
                                         <p:tgtEl>
                                           <p:spTgt spid="10"/>
                                         </p:tgtEl>
@@ -12402,41 +12794,6 @@
       </p:sp>
       <p:sp>
         <p:nvSpPr>
-          <p:cNvPr id="3" name="Content Placeholder 2">
-            <a:extLst>
-              <a:ext uri="{FF2B5EF4-FFF2-40B4-BE49-F238E27FC236}">
-                <a16:creationId xmlns:a16="http://schemas.microsoft.com/office/drawing/2014/main" id="{293FCE9B-C27D-4872-8320-609F4718D3AB}"/>
-              </a:ext>
-            </a:extLst>
-          </p:cNvPr>
-          <p:cNvSpPr>
-            <a:spLocks noGrp="1"/>
-          </p:cNvSpPr>
-          <p:nvPr>
-            <p:ph idx="1"/>
-          </p:nvPr>
-        </p:nvSpPr>
-        <p:spPr>
-          <a:xfrm>
-            <a:off x="648932" y="2438400"/>
-            <a:ext cx="2791542" cy="3785419"/>
-          </a:xfrm>
-        </p:spPr>
-        <p:txBody>
-          <a:bodyPr>
-            <a:normAutofit/>
-          </a:bodyPr>
-          <a:lstStyle/>
-          <a:p>
-            <a:r>
-              <a:rPr lang="en-SG" dirty="0"/>
-              <a:t>Geographic &amp; demographic information about areas around stations to gather profiles of those most likely to contribute</a:t>
-            </a:r>
-          </a:p>
-        </p:txBody>
-      </p:sp>
-      <p:sp>
-        <p:nvSpPr>
           <p:cNvPr id="9" name="Freeform 31">
             <a:extLst>
               <a:ext uri="{FF2B5EF4-FFF2-40B4-BE49-F238E27FC236}">
@@ -13079,8 +13436,8 @@
         </p:blipFill>
         <p:spPr>
           <a:xfrm>
-            <a:off x="3598875" y="1015069"/>
-            <a:ext cx="8347047" cy="5842932"/>
+            <a:off x="4043494" y="1015069"/>
+            <a:ext cx="7902428" cy="5531699"/>
           </a:xfrm>
           <a:prstGeom prst="rect">
             <a:avLst/>
@@ -13155,8 +13512,8 @@
         </p:nvSpPr>
         <p:spPr>
           <a:xfrm>
-            <a:off x="7203665" y="3305262"/>
-            <a:ext cx="1344717" cy="3095538"/>
+            <a:off x="7508147" y="3070371"/>
+            <a:ext cx="1174459" cy="3045203"/>
           </a:xfrm>
           <a:prstGeom prst="rect">
             <a:avLst/>
@@ -13188,6 +13545,250 @@
           <a:p>
             <a:pPr algn="ctr"/>
             <a:endParaRPr lang="en-SG"/>
+          </a:p>
+        </p:txBody>
+      </p:sp>
+      <p:sp>
+        <p:nvSpPr>
+          <p:cNvPr id="12" name="Content Placeholder 2">
+            <a:extLst>
+              <a:ext uri="{FF2B5EF4-FFF2-40B4-BE49-F238E27FC236}">
+                <a16:creationId xmlns:a16="http://schemas.microsoft.com/office/drawing/2014/main" id="{42B65349-6841-4909-854C-E1A0F9B232FF}"/>
+              </a:ext>
+            </a:extLst>
+          </p:cNvPr>
+          <p:cNvSpPr txBox="1">
+            <a:spLocks/>
+          </p:cNvSpPr>
+          <p:nvPr/>
+        </p:nvSpPr>
+        <p:spPr>
+          <a:xfrm>
+            <a:off x="648931" y="2438400"/>
+            <a:ext cx="3104864" cy="3785419"/>
+          </a:xfrm>
+          <a:prstGeom prst="rect">
+            <a:avLst/>
+          </a:prstGeom>
+        </p:spPr>
+        <p:txBody>
+          <a:bodyPr vert="horz" lIns="91440" tIns="45720" rIns="91440" bIns="45720" rtlCol="0">
+            <a:normAutofit/>
+          </a:bodyPr>
+          <a:lstStyle>
+            <a:lvl1pPr marL="342900" indent="-342900" algn="l" defTabSz="457200" rtl="0" eaLnBrk="1" latinLnBrk="0" hangingPunct="1">
+              <a:spcBef>
+                <a:spcPts val="1000"/>
+              </a:spcBef>
+              <a:spcAft>
+                <a:spcPts val="0"/>
+              </a:spcAft>
+              <a:buClr>
+                <a:schemeClr val="accent1"/>
+              </a:buClr>
+              <a:buSzPct val="80000"/>
+              <a:buFont typeface="Wingdings 3" charset="2"/>
+              <a:buChar char=""/>
+              <a:defRPr sz="2000" b="0" i="0" kern="1200">
+                <a:solidFill>
+                  <a:schemeClr val="tx1"/>
+                </a:solidFill>
+                <a:latin typeface="+mj-lt"/>
+                <a:ea typeface="+mj-ea"/>
+                <a:cs typeface="+mj-cs"/>
+              </a:defRPr>
+            </a:lvl1pPr>
+            <a:lvl2pPr marL="742950" indent="-285750" algn="l" defTabSz="457200" rtl="0" eaLnBrk="1" latinLnBrk="0" hangingPunct="1">
+              <a:spcBef>
+                <a:spcPts val="1000"/>
+              </a:spcBef>
+              <a:spcAft>
+                <a:spcPts val="0"/>
+              </a:spcAft>
+              <a:buClr>
+                <a:schemeClr val="accent1"/>
+              </a:buClr>
+              <a:buSzPct val="80000"/>
+              <a:buFont typeface="Wingdings 3" charset="2"/>
+              <a:buChar char=""/>
+              <a:defRPr sz="1800" b="0" i="0" kern="1200">
+                <a:solidFill>
+                  <a:schemeClr val="tx1"/>
+                </a:solidFill>
+                <a:latin typeface="+mj-lt"/>
+                <a:ea typeface="+mj-ea"/>
+                <a:cs typeface="+mj-cs"/>
+              </a:defRPr>
+            </a:lvl2pPr>
+            <a:lvl3pPr marL="1143000" indent="-228600" algn="l" defTabSz="457200" rtl="0" eaLnBrk="1" latinLnBrk="0" hangingPunct="1">
+              <a:spcBef>
+                <a:spcPts val="1000"/>
+              </a:spcBef>
+              <a:spcAft>
+                <a:spcPts val="0"/>
+              </a:spcAft>
+              <a:buClr>
+                <a:schemeClr val="accent1"/>
+              </a:buClr>
+              <a:buSzPct val="80000"/>
+              <a:buFont typeface="Wingdings 3" charset="2"/>
+              <a:buChar char=""/>
+              <a:defRPr sz="1600" b="0" i="0" kern="1200">
+                <a:solidFill>
+                  <a:schemeClr val="tx1"/>
+                </a:solidFill>
+                <a:latin typeface="+mj-lt"/>
+                <a:ea typeface="+mj-ea"/>
+                <a:cs typeface="+mj-cs"/>
+              </a:defRPr>
+            </a:lvl3pPr>
+            <a:lvl4pPr marL="1600200" indent="-228600" algn="l" defTabSz="457200" rtl="0" eaLnBrk="1" latinLnBrk="0" hangingPunct="1">
+              <a:spcBef>
+                <a:spcPts val="1000"/>
+              </a:spcBef>
+              <a:spcAft>
+                <a:spcPts val="0"/>
+              </a:spcAft>
+              <a:buClr>
+                <a:schemeClr val="accent1"/>
+              </a:buClr>
+              <a:buSzPct val="80000"/>
+              <a:buFont typeface="Wingdings 3" charset="2"/>
+              <a:buChar char=""/>
+              <a:defRPr sz="1400" b="0" i="0" kern="1200">
+                <a:solidFill>
+                  <a:schemeClr val="tx1"/>
+                </a:solidFill>
+                <a:latin typeface="+mj-lt"/>
+                <a:ea typeface="+mj-ea"/>
+                <a:cs typeface="+mj-cs"/>
+              </a:defRPr>
+            </a:lvl4pPr>
+            <a:lvl5pPr marL="2057400" indent="-228600" algn="l" defTabSz="457200" rtl="0" eaLnBrk="1" latinLnBrk="0" hangingPunct="1">
+              <a:spcBef>
+                <a:spcPts val="1000"/>
+              </a:spcBef>
+              <a:spcAft>
+                <a:spcPts val="0"/>
+              </a:spcAft>
+              <a:buClr>
+                <a:schemeClr val="accent1"/>
+              </a:buClr>
+              <a:buSzPct val="80000"/>
+              <a:buFont typeface="Wingdings 3" charset="2"/>
+              <a:buChar char=""/>
+              <a:defRPr sz="1400" b="0" i="0" kern="1200">
+                <a:solidFill>
+                  <a:schemeClr val="tx1"/>
+                </a:solidFill>
+                <a:latin typeface="+mj-lt"/>
+                <a:ea typeface="+mj-ea"/>
+                <a:cs typeface="+mj-cs"/>
+              </a:defRPr>
+            </a:lvl5pPr>
+            <a:lvl6pPr marL="2514600" indent="-228600" algn="l" defTabSz="457200" rtl="0" eaLnBrk="1" latinLnBrk="0" hangingPunct="1">
+              <a:spcBef>
+                <a:spcPts val="1000"/>
+              </a:spcBef>
+              <a:spcAft>
+                <a:spcPts val="0"/>
+              </a:spcAft>
+              <a:buClr>
+                <a:schemeClr val="accent1"/>
+              </a:buClr>
+              <a:buSzPct val="80000"/>
+              <a:buFont typeface="Wingdings 3" charset="2"/>
+              <a:buChar char=""/>
+              <a:defRPr sz="1400" b="0" i="0" kern="1200">
+                <a:solidFill>
+                  <a:schemeClr val="tx1"/>
+                </a:solidFill>
+                <a:latin typeface="+mj-lt"/>
+                <a:ea typeface="+mj-ea"/>
+                <a:cs typeface="+mj-cs"/>
+              </a:defRPr>
+            </a:lvl6pPr>
+            <a:lvl7pPr marL="2971800" indent="-228600" algn="l" defTabSz="457200" rtl="0" eaLnBrk="1" latinLnBrk="0" hangingPunct="1">
+              <a:spcBef>
+                <a:spcPts val="1000"/>
+              </a:spcBef>
+              <a:spcAft>
+                <a:spcPts val="0"/>
+              </a:spcAft>
+              <a:buClr>
+                <a:schemeClr val="accent1"/>
+              </a:buClr>
+              <a:buSzPct val="80000"/>
+              <a:buFont typeface="Wingdings 3" charset="2"/>
+              <a:buChar char=""/>
+              <a:defRPr sz="1400" b="0" i="0" kern="1200">
+                <a:solidFill>
+                  <a:schemeClr val="tx1"/>
+                </a:solidFill>
+                <a:latin typeface="+mj-lt"/>
+                <a:ea typeface="+mj-ea"/>
+                <a:cs typeface="+mj-cs"/>
+              </a:defRPr>
+            </a:lvl7pPr>
+            <a:lvl8pPr marL="3429000" indent="-228600" algn="l" defTabSz="457200" rtl="0" eaLnBrk="1" latinLnBrk="0" hangingPunct="1">
+              <a:spcBef>
+                <a:spcPts val="1000"/>
+              </a:spcBef>
+              <a:spcAft>
+                <a:spcPts val="0"/>
+              </a:spcAft>
+              <a:buClr>
+                <a:schemeClr val="accent1"/>
+              </a:buClr>
+              <a:buSzPct val="80000"/>
+              <a:buFont typeface="Wingdings 3" charset="2"/>
+              <a:buChar char=""/>
+              <a:defRPr sz="1400" b="0" i="0" kern="1200">
+                <a:solidFill>
+                  <a:schemeClr val="tx1"/>
+                </a:solidFill>
+                <a:latin typeface="+mj-lt"/>
+                <a:ea typeface="+mj-ea"/>
+                <a:cs typeface="+mj-cs"/>
+              </a:defRPr>
+            </a:lvl8pPr>
+            <a:lvl9pPr marL="3886200" indent="-228600" algn="l" defTabSz="457200" rtl="0" eaLnBrk="1" latinLnBrk="0" hangingPunct="1">
+              <a:spcBef>
+                <a:spcPts val="1000"/>
+              </a:spcBef>
+              <a:spcAft>
+                <a:spcPts val="0"/>
+              </a:spcAft>
+              <a:buClr>
+                <a:schemeClr val="accent1"/>
+              </a:buClr>
+              <a:buSzPct val="80000"/>
+              <a:buFont typeface="Wingdings 3" charset="2"/>
+              <a:buChar char=""/>
+              <a:defRPr sz="1400" b="0" i="0" kern="1200">
+                <a:solidFill>
+                  <a:schemeClr val="tx1"/>
+                </a:solidFill>
+                <a:latin typeface="+mj-lt"/>
+                <a:ea typeface="+mj-ea"/>
+                <a:cs typeface="+mj-cs"/>
+              </a:defRPr>
+            </a:lvl9pPr>
+          </a:lstStyle>
+          <a:p>
+            <a:r>
+              <a:rPr lang="en-SG" sz="2800" dirty="0"/>
+              <a:t>Geographic &amp; demographic information</a:t>
+            </a:r>
+          </a:p>
+          <a:p>
+            <a:pPr marL="0" indent="0">
+              <a:buNone/>
+            </a:pPr>
+            <a:r>
+              <a:rPr lang="en-SG" sz="2800" dirty="0"/>
+              <a:t>	- Gender 	proportion</a:t>
+            </a:r>
           </a:p>
         </p:txBody>
       </p:sp>
@@ -13222,7 +13823,7 @@
                             </p:stCondLst>
                             <p:childTnLst>
                               <p:par>
-                                <p:cTn id="5" presetID="10" presetClass="entr" presetSubtype="0" fill="hold" grpId="0" nodeType="clickEffect">
+                                <p:cTn id="5" presetID="53" presetClass="entr" presetSubtype="16" fill="hold" grpId="0" nodeType="clickEffect">
                                   <p:stCondLst>
                                     <p:cond delay="0"/>
                                   </p:stCondLst>
@@ -13245,9 +13846,55 @@
                                         <p:strVal val="visible"/>
                                       </p:to>
                                     </p:set>
+                                    <p:anim calcmode="lin" valueType="num">
+                                      <p:cBhvr>
+                                        <p:cTn id="7" dur="500" fill="hold"/>
+                                        <p:tgtEl>
+                                          <p:spTgt spid="10"/>
+                                        </p:tgtEl>
+                                        <p:attrNameLst>
+                                          <p:attrName>ppt_w</p:attrName>
+                                        </p:attrNameLst>
+                                      </p:cBhvr>
+                                      <p:tavLst>
+                                        <p:tav tm="0">
+                                          <p:val>
+                                            <p:fltVal val="0"/>
+                                          </p:val>
+                                        </p:tav>
+                                        <p:tav tm="100000">
+                                          <p:val>
+                                            <p:strVal val="#ppt_w"/>
+                                          </p:val>
+                                        </p:tav>
+                                      </p:tavLst>
+                                    </p:anim>
+                                    <p:anim calcmode="lin" valueType="num">
+                                      <p:cBhvr>
+                                        <p:cTn id="8" dur="500" fill="hold"/>
+                                        <p:tgtEl>
+                                          <p:spTgt spid="10"/>
+                                        </p:tgtEl>
+                                        <p:attrNameLst>
+                                          <p:attrName>ppt_h</p:attrName>
+                                        </p:attrNameLst>
+                                      </p:cBhvr>
+                                      <p:tavLst>
+                                        <p:tav tm="0">
+                                          <p:val>
+                                            <p:fltVal val="0"/>
+                                          </p:val>
+                                        </p:tav>
+                                        <p:tav tm="100000">
+                                          <p:val>
+                                            <p:strVal val="#ppt_h"/>
+                                          </p:val>
+                                        </p:tav>
+                                      </p:tavLst>
+                                    </p:anim>
                                     <p:animEffect transition="in" filter="fade">
                                       <p:cBhvr>
-                                        <p:cTn id="7" dur="500"/>
+                                        <p:cTn id="9" dur="500"/>
                                         <p:tgtEl>
                                           <p:spTgt spid="10"/>
                                         </p:tgtEl>

--- a/OptimizeStreetTeamDeployment.pptx
+++ b/OptimizeStreetTeamDeployment.pptx
@@ -8,17 +8,18 @@
     <p:sldId id="256" r:id="rId2"/>
     <p:sldId id="258" r:id="rId3"/>
     <p:sldId id="259" r:id="rId4"/>
-    <p:sldId id="260" r:id="rId5"/>
-    <p:sldId id="270" r:id="rId6"/>
-    <p:sldId id="266" r:id="rId7"/>
-    <p:sldId id="267" r:id="rId8"/>
-    <p:sldId id="269" r:id="rId9"/>
-    <p:sldId id="268" r:id="rId10"/>
+    <p:sldId id="269" r:id="rId5"/>
+    <p:sldId id="268" r:id="rId6"/>
+    <p:sldId id="260" r:id="rId7"/>
+    <p:sldId id="270" r:id="rId8"/>
+    <p:sldId id="266" r:id="rId9"/>
+    <p:sldId id="267" r:id="rId10"/>
     <p:sldId id="261" r:id="rId11"/>
     <p:sldId id="262" r:id="rId12"/>
     <p:sldId id="263" r:id="rId13"/>
     <p:sldId id="264" r:id="rId14"/>
     <p:sldId id="265" r:id="rId15"/>
+    <p:sldId id="271" r:id="rId16"/>
   </p:sldIdLst>
   <p:sldSz cx="12192000" cy="6858000"/>
   <p:notesSz cx="6858000" cy="9144000"/>
@@ -308,7 +309,7 @@
           <a:p>
             <a:fld id="{4AAD347D-5ACD-4C99-B74B-A9C85AD731AF}" type="datetimeFigureOut">
               <a:rPr lang="en-US" dirty="0"/>
-              <a:t>7/11/2019</a:t>
+              <a:t>7/12/2019</a:t>
             </a:fld>
             <a:endParaRPr lang="en-US" dirty="0"/>
           </a:p>
@@ -578,7 +579,7 @@
           <a:p>
             <a:fld id="{4509A250-FF31-4206-8172-F9D3106AACB1}" type="datetimeFigureOut">
               <a:rPr lang="en-US" dirty="0"/>
-              <a:t>7/11/2019</a:t>
+              <a:t>7/12/2019</a:t>
             </a:fld>
             <a:endParaRPr lang="en-US" dirty="0"/>
           </a:p>
@@ -767,7 +768,7 @@
           <a:p>
             <a:fld id="{4509A250-FF31-4206-8172-F9D3106AACB1}" type="datetimeFigureOut">
               <a:rPr lang="en-US" dirty="0"/>
-              <a:t>7/11/2019</a:t>
+              <a:t>7/12/2019</a:t>
             </a:fld>
             <a:endParaRPr lang="en-US" dirty="0"/>
           </a:p>
@@ -1030,7 +1031,7 @@
           <a:p>
             <a:fld id="{4509A250-FF31-4206-8172-F9D3106AACB1}" type="datetimeFigureOut">
               <a:rPr lang="en-US" dirty="0"/>
-              <a:t>7/11/2019</a:t>
+              <a:t>7/12/2019</a:t>
             </a:fld>
             <a:endParaRPr lang="en-US" dirty="0"/>
           </a:p>
@@ -1357,7 +1358,7 @@
           <a:p>
             <a:fld id="{4509A250-FF31-4206-8172-F9D3106AACB1}" type="datetimeFigureOut">
               <a:rPr lang="en-US" dirty="0"/>
-              <a:t>7/11/2019</a:t>
+              <a:t>7/12/2019</a:t>
             </a:fld>
             <a:endParaRPr lang="en-US" dirty="0"/>
           </a:p>
@@ -1962,7 +1963,7 @@
           <a:p>
             <a:fld id="{4509A250-FF31-4206-8172-F9D3106AACB1}" type="datetimeFigureOut">
               <a:rPr lang="en-US" dirty="0"/>
-              <a:t>7/11/2019</a:t>
+              <a:t>7/12/2019</a:t>
             </a:fld>
             <a:endParaRPr lang="en-US" dirty="0"/>
           </a:p>
@@ -2804,7 +2805,7 @@
           <a:p>
             <a:fld id="{4509A250-FF31-4206-8172-F9D3106AACB1}" type="datetimeFigureOut">
               <a:rPr lang="en-US" dirty="0"/>
-              <a:t>7/11/2019</a:t>
+              <a:t>7/12/2019</a:t>
             </a:fld>
             <a:endParaRPr lang="en-US" dirty="0"/>
           </a:p>
@@ -2969,7 +2970,7 @@
           <a:p>
             <a:fld id="{4509A250-FF31-4206-8172-F9D3106AACB1}" type="datetimeFigureOut">
               <a:rPr lang="en-US" dirty="0"/>
-              <a:t>7/11/2019</a:t>
+              <a:t>7/12/2019</a:t>
             </a:fld>
             <a:endParaRPr lang="en-US" dirty="0"/>
           </a:p>
@@ -3144,7 +3145,7 @@
           <a:p>
             <a:fld id="{4509A250-FF31-4206-8172-F9D3106AACB1}" type="datetimeFigureOut">
               <a:rPr lang="en-US" dirty="0"/>
-              <a:t>7/11/2019</a:t>
+              <a:t>7/12/2019</a:t>
             </a:fld>
             <a:endParaRPr lang="en-US" dirty="0"/>
           </a:p>
@@ -3309,7 +3310,7 @@
           <a:p>
             <a:fld id="{4509A250-FF31-4206-8172-F9D3106AACB1}" type="datetimeFigureOut">
               <a:rPr lang="en-US" dirty="0"/>
-              <a:t>7/11/2019</a:t>
+              <a:t>7/12/2019</a:t>
             </a:fld>
             <a:endParaRPr lang="en-US" dirty="0"/>
           </a:p>
@@ -3548,7 +3549,7 @@
           <a:p>
             <a:fld id="{4509A250-FF31-4206-8172-F9D3106AACB1}" type="datetimeFigureOut">
               <a:rPr lang="en-US" dirty="0"/>
-              <a:t>7/11/2019</a:t>
+              <a:t>7/12/2019</a:t>
             </a:fld>
             <a:endParaRPr lang="en-US" dirty="0"/>
           </a:p>
@@ -3835,7 +3836,7 @@
           <a:p>
             <a:fld id="{4509A250-FF31-4206-8172-F9D3106AACB1}" type="datetimeFigureOut">
               <a:rPr lang="en-US" dirty="0"/>
-              <a:t>7/11/2019</a:t>
+              <a:t>7/12/2019</a:t>
             </a:fld>
             <a:endParaRPr lang="en-US" dirty="0"/>
           </a:p>
@@ -4268,7 +4269,7 @@
           <a:p>
             <a:fld id="{4509A250-FF31-4206-8172-F9D3106AACB1}" type="datetimeFigureOut">
               <a:rPr lang="en-US" dirty="0"/>
-              <a:t>7/11/2019</a:t>
+              <a:t>7/12/2019</a:t>
             </a:fld>
             <a:endParaRPr lang="en-US" dirty="0"/>
           </a:p>
@@ -4381,7 +4382,7 @@
           <a:p>
             <a:fld id="{4509A250-FF31-4206-8172-F9D3106AACB1}" type="datetimeFigureOut">
               <a:rPr lang="en-US" dirty="0"/>
-              <a:t>7/11/2019</a:t>
+              <a:t>7/12/2019</a:t>
             </a:fld>
             <a:endParaRPr lang="en-US" dirty="0"/>
           </a:p>
@@ -4471,7 +4472,7 @@
           <a:p>
             <a:fld id="{4509A250-FF31-4206-8172-F9D3106AACB1}" type="datetimeFigureOut">
               <a:rPr lang="en-US" dirty="0"/>
-              <a:t>7/11/2019</a:t>
+              <a:t>7/12/2019</a:t>
             </a:fld>
             <a:endParaRPr lang="en-US" dirty="0"/>
           </a:p>
@@ -4745,7 +4746,7 @@
           <a:p>
             <a:fld id="{4509A250-FF31-4206-8172-F9D3106AACB1}" type="datetimeFigureOut">
               <a:rPr lang="en-US" dirty="0"/>
-              <a:t>7/11/2019</a:t>
+              <a:t>7/12/2019</a:t>
             </a:fld>
             <a:endParaRPr lang="en-US" dirty="0"/>
           </a:p>
@@ -5015,7 +5016,7 @@
           <a:p>
             <a:fld id="{4509A250-FF31-4206-8172-F9D3106AACB1}" type="datetimeFigureOut">
               <a:rPr lang="en-US" dirty="0"/>
-              <a:t>7/11/2019</a:t>
+              <a:t>7/12/2019</a:t>
             </a:fld>
             <a:endParaRPr lang="en-US" dirty="0"/>
           </a:p>
@@ -5439,7 +5440,7 @@
           <a:p>
             <a:fld id="{4509A250-FF31-4206-8172-F9D3106AACB1}" type="datetimeFigureOut">
               <a:rPr lang="en-US" dirty="0"/>
-              <a:t>7/11/2019</a:t>
+              <a:t>7/12/2019</a:t>
             </a:fld>
             <a:endParaRPr lang="en-US" dirty="0"/>
           </a:p>
@@ -5958,7 +5959,7 @@
           <a:lstStyle/>
           <a:p>
             <a:r>
-              <a:rPr lang="en-SG" sz="6000" dirty="0"/>
+              <a:rPr lang="en-SG" sz="5400" dirty="0"/>
               <a:t>Optimize Street Team Deployment in NYC Subway</a:t>
             </a:r>
           </a:p>
@@ -5983,13 +5984,19 @@
         <p:spPr/>
         <p:txBody>
           <a:bodyPr>
-            <a:normAutofit/>
+            <a:normAutofit fontScale="77500" lnSpcReduction="20000"/>
           </a:bodyPr>
           <a:lstStyle/>
           <a:p>
             <a:r>
-              <a:rPr lang="en-SG" sz="3600" dirty="0"/>
+              <a:rPr lang="en-SG" sz="3200" dirty="0"/>
               <a:t>KELSEY, Ken, James</a:t>
+            </a:r>
+          </a:p>
+          <a:p>
+            <a:r>
+              <a:rPr lang="en-SG" sz="3200" dirty="0"/>
+              <a:t>12 Jul 2019</a:t>
             </a:r>
           </a:p>
         </p:txBody>
@@ -6350,7 +6357,7 @@
         </p:spPr>
         <p:txBody>
           <a:bodyPr>
-            <a:normAutofit fontScale="92500" lnSpcReduction="20000"/>
+            <a:normAutofit fontScale="85000" lnSpcReduction="20000"/>
           </a:bodyPr>
           <a:lstStyle/>
           <a:p>
@@ -6536,23 +6543,65 @@
             </a:r>
           </a:p>
           <a:p>
+            <a:endParaRPr lang="en-SG" sz="2400" dirty="0"/>
+          </a:p>
+          <a:p>
             <a:r>
               <a:rPr lang="en-SG" sz="2400" dirty="0"/>
-              <a:t>Demographics were </a:t>
-            </a:r>
-            <a:r>
-              <a:rPr lang="en-SG" sz="2400" dirty="0" err="1"/>
-              <a:t>favorable</a:t>
-            </a:r>
-            <a:r>
-              <a:rPr lang="en-SG" sz="2400" dirty="0"/>
-              <a:t> for each station</a:t>
+              <a:t>Deploy teams according to geographical cluster</a:t>
             </a:r>
           </a:p>
           <a:p>
             <a:endParaRPr lang="en-SG" sz="2400" dirty="0"/>
           </a:p>
           <a:p>
+            <a:endParaRPr lang="en-SG" sz="2400" dirty="0"/>
+          </a:p>
+        </p:txBody>
+      </p:sp>
+      <p:sp>
+        <p:nvSpPr>
+          <p:cNvPr id="4" name="Rectangle 3">
+            <a:extLst>
+              <a:ext uri="{FF2B5EF4-FFF2-40B4-BE49-F238E27FC236}">
+                <a16:creationId xmlns:a16="http://schemas.microsoft.com/office/drawing/2014/main" id="{8D464BC9-B526-4A25-90A8-018C5D9F0C73}"/>
+              </a:ext>
+            </a:extLst>
+          </p:cNvPr>
+          <p:cNvSpPr/>
+          <p:nvPr/>
+        </p:nvSpPr>
+        <p:spPr>
+          <a:xfrm>
+            <a:off x="9351398" y="4589254"/>
+            <a:ext cx="1737290" cy="830997"/>
+          </a:xfrm>
+          <a:prstGeom prst="rect">
+            <a:avLst/>
+          </a:prstGeom>
+          <a:ln>
+            <a:solidFill>
+              <a:srgbClr val="FFC000"/>
+            </a:solidFill>
+          </a:ln>
+        </p:spPr>
+        <p:txBody>
+          <a:bodyPr wrap="square">
+            <a:spAutoFit/>
+          </a:bodyPr>
+          <a:lstStyle/>
+          <a:p>
+            <a:r>
+              <a:rPr lang="en-SG" sz="2400" dirty="0">
+                <a:solidFill>
+                  <a:schemeClr val="accent3">
+                    <a:lumMod val="20000"/>
+                    <a:lumOff val="80000"/>
+                  </a:schemeClr>
+                </a:solidFill>
+              </a:rPr>
+              <a:t>Refer to Heat Map</a:t>
+            </a:r>
             <a:endParaRPr lang="en-SG" sz="2400" dirty="0"/>
           </a:p>
         </p:txBody>
@@ -6647,7 +6696,7 @@
           <a:p>
             <a:r>
               <a:rPr lang="en-SG" sz="2400" dirty="0"/>
-              <a:t>An efficient process that deploys teams and collects signature results in real time</a:t>
+              <a:t>To incorporate more demographic data (such as education and industry data)</a:t>
             </a:r>
           </a:p>
           <a:p>
@@ -6735,6 +6784,248 @@
           </a:p>
         </p:txBody>
       </p:sp>
+      <p:sp>
+        <p:nvSpPr>
+          <p:cNvPr id="4" name="Subtitle 2">
+            <a:extLst>
+              <a:ext uri="{FF2B5EF4-FFF2-40B4-BE49-F238E27FC236}">
+                <a16:creationId xmlns:a16="http://schemas.microsoft.com/office/drawing/2014/main" id="{5FCEB3F7-4322-446E-89EA-A51F9018616B}"/>
+              </a:ext>
+            </a:extLst>
+          </p:cNvPr>
+          <p:cNvSpPr txBox="1">
+            <a:spLocks/>
+          </p:cNvSpPr>
+          <p:nvPr/>
+        </p:nvSpPr>
+        <p:spPr>
+          <a:xfrm>
+            <a:off x="1154955" y="4777380"/>
+            <a:ext cx="8825658" cy="861420"/>
+          </a:xfrm>
+          <a:prstGeom prst="rect">
+            <a:avLst/>
+          </a:prstGeom>
+        </p:spPr>
+        <p:txBody>
+          <a:bodyPr vert="horz" lIns="91440" tIns="45720" rIns="91440" bIns="45720" rtlCol="0">
+            <a:normAutofit fontScale="77500" lnSpcReduction="20000"/>
+          </a:bodyPr>
+          <a:lstStyle>
+            <a:lvl1pPr marL="342900" indent="-342900" algn="l" defTabSz="457200" rtl="0" eaLnBrk="1" latinLnBrk="0" hangingPunct="1">
+              <a:spcBef>
+                <a:spcPts val="1000"/>
+              </a:spcBef>
+              <a:spcAft>
+                <a:spcPts val="0"/>
+              </a:spcAft>
+              <a:buClr>
+                <a:schemeClr val="accent1"/>
+              </a:buClr>
+              <a:buSzPct val="80000"/>
+              <a:buFont typeface="Wingdings 3" charset="2"/>
+              <a:buChar char=""/>
+              <a:defRPr sz="2000" b="0" i="0" kern="1200">
+                <a:solidFill>
+                  <a:schemeClr val="tx1"/>
+                </a:solidFill>
+                <a:latin typeface="+mj-lt"/>
+                <a:ea typeface="+mj-ea"/>
+                <a:cs typeface="+mj-cs"/>
+              </a:defRPr>
+            </a:lvl1pPr>
+            <a:lvl2pPr marL="742950" indent="-285750" algn="l" defTabSz="457200" rtl="0" eaLnBrk="1" latinLnBrk="0" hangingPunct="1">
+              <a:spcBef>
+                <a:spcPts val="1000"/>
+              </a:spcBef>
+              <a:spcAft>
+                <a:spcPts val="0"/>
+              </a:spcAft>
+              <a:buClr>
+                <a:schemeClr val="accent1"/>
+              </a:buClr>
+              <a:buSzPct val="80000"/>
+              <a:buFont typeface="Wingdings 3" charset="2"/>
+              <a:buChar char=""/>
+              <a:defRPr sz="1800" b="0" i="0" kern="1200">
+                <a:solidFill>
+                  <a:schemeClr val="tx1"/>
+                </a:solidFill>
+                <a:latin typeface="+mj-lt"/>
+                <a:ea typeface="+mj-ea"/>
+                <a:cs typeface="+mj-cs"/>
+              </a:defRPr>
+            </a:lvl2pPr>
+            <a:lvl3pPr marL="1143000" indent="-228600" algn="l" defTabSz="457200" rtl="0" eaLnBrk="1" latinLnBrk="0" hangingPunct="1">
+              <a:spcBef>
+                <a:spcPts val="1000"/>
+              </a:spcBef>
+              <a:spcAft>
+                <a:spcPts val="0"/>
+              </a:spcAft>
+              <a:buClr>
+                <a:schemeClr val="accent1"/>
+              </a:buClr>
+              <a:buSzPct val="80000"/>
+              <a:buFont typeface="Wingdings 3" charset="2"/>
+              <a:buChar char=""/>
+              <a:defRPr sz="1600" b="0" i="0" kern="1200">
+                <a:solidFill>
+                  <a:schemeClr val="tx1"/>
+                </a:solidFill>
+                <a:latin typeface="+mj-lt"/>
+                <a:ea typeface="+mj-ea"/>
+                <a:cs typeface="+mj-cs"/>
+              </a:defRPr>
+            </a:lvl3pPr>
+            <a:lvl4pPr marL="1600200" indent="-228600" algn="l" defTabSz="457200" rtl="0" eaLnBrk="1" latinLnBrk="0" hangingPunct="1">
+              <a:spcBef>
+                <a:spcPts val="1000"/>
+              </a:spcBef>
+              <a:spcAft>
+                <a:spcPts val="0"/>
+              </a:spcAft>
+              <a:buClr>
+                <a:schemeClr val="accent1"/>
+              </a:buClr>
+              <a:buSzPct val="80000"/>
+              <a:buFont typeface="Wingdings 3" charset="2"/>
+              <a:buChar char=""/>
+              <a:defRPr sz="1400" b="0" i="0" kern="1200">
+                <a:solidFill>
+                  <a:schemeClr val="tx1"/>
+                </a:solidFill>
+                <a:latin typeface="+mj-lt"/>
+                <a:ea typeface="+mj-ea"/>
+                <a:cs typeface="+mj-cs"/>
+              </a:defRPr>
+            </a:lvl4pPr>
+            <a:lvl5pPr marL="2057400" indent="-228600" algn="l" defTabSz="457200" rtl="0" eaLnBrk="1" latinLnBrk="0" hangingPunct="1">
+              <a:spcBef>
+                <a:spcPts val="1000"/>
+              </a:spcBef>
+              <a:spcAft>
+                <a:spcPts val="0"/>
+              </a:spcAft>
+              <a:buClr>
+                <a:schemeClr val="accent1"/>
+              </a:buClr>
+              <a:buSzPct val="80000"/>
+              <a:buFont typeface="Wingdings 3" charset="2"/>
+              <a:buChar char=""/>
+              <a:defRPr sz="1400" b="0" i="0" kern="1200">
+                <a:solidFill>
+                  <a:schemeClr val="tx1"/>
+                </a:solidFill>
+                <a:latin typeface="+mj-lt"/>
+                <a:ea typeface="+mj-ea"/>
+                <a:cs typeface="+mj-cs"/>
+              </a:defRPr>
+            </a:lvl5pPr>
+            <a:lvl6pPr marL="2514600" indent="-228600" algn="l" defTabSz="457200" rtl="0" eaLnBrk="1" latinLnBrk="0" hangingPunct="1">
+              <a:spcBef>
+                <a:spcPts val="1000"/>
+              </a:spcBef>
+              <a:spcAft>
+                <a:spcPts val="0"/>
+              </a:spcAft>
+              <a:buClr>
+                <a:schemeClr val="accent1"/>
+              </a:buClr>
+              <a:buSzPct val="80000"/>
+              <a:buFont typeface="Wingdings 3" charset="2"/>
+              <a:buChar char=""/>
+              <a:defRPr sz="1400" b="0" i="0" kern="1200">
+                <a:solidFill>
+                  <a:schemeClr val="tx1"/>
+                </a:solidFill>
+                <a:latin typeface="+mj-lt"/>
+                <a:ea typeface="+mj-ea"/>
+                <a:cs typeface="+mj-cs"/>
+              </a:defRPr>
+            </a:lvl6pPr>
+            <a:lvl7pPr marL="2971800" indent="-228600" algn="l" defTabSz="457200" rtl="0" eaLnBrk="1" latinLnBrk="0" hangingPunct="1">
+              <a:spcBef>
+                <a:spcPts val="1000"/>
+              </a:spcBef>
+              <a:spcAft>
+                <a:spcPts val="0"/>
+              </a:spcAft>
+              <a:buClr>
+                <a:schemeClr val="accent1"/>
+              </a:buClr>
+              <a:buSzPct val="80000"/>
+              <a:buFont typeface="Wingdings 3" charset="2"/>
+              <a:buChar char=""/>
+              <a:defRPr sz="1400" b="0" i="0" kern="1200">
+                <a:solidFill>
+                  <a:schemeClr val="tx1"/>
+                </a:solidFill>
+                <a:latin typeface="+mj-lt"/>
+                <a:ea typeface="+mj-ea"/>
+                <a:cs typeface="+mj-cs"/>
+              </a:defRPr>
+            </a:lvl7pPr>
+            <a:lvl8pPr marL="3429000" indent="-228600" algn="l" defTabSz="457200" rtl="0" eaLnBrk="1" latinLnBrk="0" hangingPunct="1">
+              <a:spcBef>
+                <a:spcPts val="1000"/>
+              </a:spcBef>
+              <a:spcAft>
+                <a:spcPts val="0"/>
+              </a:spcAft>
+              <a:buClr>
+                <a:schemeClr val="accent1"/>
+              </a:buClr>
+              <a:buSzPct val="80000"/>
+              <a:buFont typeface="Wingdings 3" charset="2"/>
+              <a:buChar char=""/>
+              <a:defRPr sz="1400" b="0" i="0" kern="1200">
+                <a:solidFill>
+                  <a:schemeClr val="tx1"/>
+                </a:solidFill>
+                <a:latin typeface="+mj-lt"/>
+                <a:ea typeface="+mj-ea"/>
+                <a:cs typeface="+mj-cs"/>
+              </a:defRPr>
+            </a:lvl8pPr>
+            <a:lvl9pPr marL="3886200" indent="-228600" algn="l" defTabSz="457200" rtl="0" eaLnBrk="1" latinLnBrk="0" hangingPunct="1">
+              <a:spcBef>
+                <a:spcPts val="1000"/>
+              </a:spcBef>
+              <a:spcAft>
+                <a:spcPts val="0"/>
+              </a:spcAft>
+              <a:buClr>
+                <a:schemeClr val="accent1"/>
+              </a:buClr>
+              <a:buSzPct val="80000"/>
+              <a:buFont typeface="Wingdings 3" charset="2"/>
+              <a:buChar char=""/>
+              <a:defRPr sz="1400" b="0" i="0" kern="1200">
+                <a:solidFill>
+                  <a:schemeClr val="tx1"/>
+                </a:solidFill>
+                <a:latin typeface="+mj-lt"/>
+                <a:ea typeface="+mj-ea"/>
+                <a:cs typeface="+mj-cs"/>
+              </a:defRPr>
+            </a:lvl9pPr>
+          </a:lstStyle>
+          <a:p>
+            <a:r>
+              <a:rPr lang="en-SG" sz="3200"/>
+              <a:t>KELSEY, Ken, James</a:t>
+            </a:r>
+          </a:p>
+          <a:p>
+            <a:r>
+              <a:rPr lang="en-SG" sz="3200"/>
+              <a:t>12 Jul 2019</a:t>
+            </a:r>
+            <a:endParaRPr lang="en-SG" sz="3200" dirty="0"/>
+          </a:p>
+        </p:txBody>
+      </p:sp>
     </p:spTree>
     <p:extLst>
       <p:ext uri="{BB962C8B-B14F-4D97-AF65-F5344CB8AC3E}">
@@ -6823,12 +7114,12 @@
             </a:r>
           </a:p>
           <a:p>
-            <a:endParaRPr lang="en-SG" sz="2400" dirty="0"/>
-          </a:p>
-          <a:p>
+            <a:pPr marL="0" indent="0">
+              <a:buNone/>
+            </a:pPr>
             <a:r>
               <a:rPr lang="en-SG" sz="2400" dirty="0"/>
-              <a:t>Tourist data?</a:t>
+              <a:t>	(probably due to different data sets)</a:t>
             </a:r>
           </a:p>
           <a:p>
@@ -6840,6 +7131,127 @@
     <p:extLst>
       <p:ext uri="{BB962C8B-B14F-4D97-AF65-F5344CB8AC3E}">
         <p14:creationId xmlns:p14="http://schemas.microsoft.com/office/powerpoint/2010/main" val="3771423779"/>
+      </p:ext>
+    </p:extLst>
+  </p:cSld>
+  <p:clrMapOvr>
+    <a:masterClrMapping/>
+  </p:clrMapOvr>
+</p:sld>
+</file>
+
+<file path=ppt/slides/slide15.xml><?xml version="1.0" encoding="utf-8"?>
+<p:sld xmlns:a="http://schemas.openxmlformats.org/drawingml/2006/main" xmlns:r="http://schemas.openxmlformats.org/officeDocument/2006/relationships" xmlns:p="http://schemas.openxmlformats.org/presentationml/2006/main">
+  <p:cSld>
+    <p:spTree>
+      <p:nvGrpSpPr>
+        <p:cNvPr id="1" name=""/>
+        <p:cNvGrpSpPr/>
+        <p:nvPr/>
+      </p:nvGrpSpPr>
+      <p:grpSpPr>
+        <a:xfrm>
+          <a:off x="0" y="0"/>
+          <a:ext cx="0" cy="0"/>
+          <a:chOff x="0" y="0"/>
+          <a:chExt cx="0" cy="0"/>
+        </a:xfrm>
+      </p:grpSpPr>
+      <p:sp>
+        <p:nvSpPr>
+          <p:cNvPr id="2" name="Title 1">
+            <a:extLst>
+              <a:ext uri="{FF2B5EF4-FFF2-40B4-BE49-F238E27FC236}">
+                <a16:creationId xmlns:a16="http://schemas.microsoft.com/office/drawing/2014/main" id="{025FB699-DDAB-4BFB-A1DD-6DF9B428F4C7}"/>
+              </a:ext>
+            </a:extLst>
+          </p:cNvPr>
+          <p:cNvSpPr>
+            <a:spLocks noGrp="1"/>
+          </p:cNvSpPr>
+          <p:nvPr>
+            <p:ph type="title"/>
+          </p:nvPr>
+        </p:nvSpPr>
+        <p:spPr/>
+        <p:txBody>
+          <a:bodyPr/>
+          <a:lstStyle/>
+          <a:p>
+            <a:r>
+              <a:rPr lang="en-US" dirty="0"/>
+              <a:t>Approach</a:t>
+            </a:r>
+            <a:endParaRPr lang="en-SG" dirty="0"/>
+          </a:p>
+        </p:txBody>
+      </p:sp>
+      <p:sp>
+        <p:nvSpPr>
+          <p:cNvPr id="3" name="Content Placeholder 2">
+            <a:extLst>
+              <a:ext uri="{FF2B5EF4-FFF2-40B4-BE49-F238E27FC236}">
+                <a16:creationId xmlns:a16="http://schemas.microsoft.com/office/drawing/2014/main" id="{51A0DBE7-1F2E-4360-AC1F-E1972161E363}"/>
+              </a:ext>
+            </a:extLst>
+          </p:cNvPr>
+          <p:cNvSpPr>
+            <a:spLocks noGrp="1"/>
+          </p:cNvSpPr>
+          <p:nvPr>
+            <p:ph idx="1"/>
+          </p:nvPr>
+        </p:nvSpPr>
+        <p:spPr>
+          <a:xfrm>
+            <a:off x="1103312" y="1786855"/>
+            <a:ext cx="8946541" cy="4461544"/>
+          </a:xfrm>
+        </p:spPr>
+        <p:txBody>
+          <a:bodyPr>
+            <a:normAutofit/>
+          </a:bodyPr>
+          <a:lstStyle/>
+          <a:p>
+            <a:r>
+              <a:rPr lang="en-SG" sz="2400" dirty="0"/>
+              <a:t>Import data</a:t>
+            </a:r>
+          </a:p>
+          <a:p>
+            <a:r>
+              <a:rPr lang="en-SG" sz="2400" dirty="0"/>
+              <a:t>Clean data (remove extra spaces, empty rows/columns, outliers)</a:t>
+            </a:r>
+          </a:p>
+          <a:p>
+            <a:r>
+              <a:rPr lang="en-SG" sz="2400" dirty="0"/>
+              <a:t>Group data</a:t>
+            </a:r>
+          </a:p>
+          <a:p>
+            <a:r>
+              <a:rPr lang="en-SG" sz="2400" dirty="0"/>
+              <a:t>Sort data to finalise summary statistics</a:t>
+            </a:r>
+          </a:p>
+          <a:p>
+            <a:r>
+              <a:rPr lang="en-SG" sz="2400" dirty="0"/>
+              <a:t>Plot final statistical results </a:t>
+            </a:r>
+          </a:p>
+          <a:p>
+            <a:endParaRPr lang="en-SG" sz="2400" dirty="0"/>
+          </a:p>
+        </p:txBody>
+      </p:sp>
+    </p:spTree>
+    <p:extLst>
+      <p:ext uri="{BB962C8B-B14F-4D97-AF65-F5344CB8AC3E}">
+        <p14:creationId xmlns:p14="http://schemas.microsoft.com/office/powerpoint/2010/main" val="488779938"/>
       </p:ext>
     </p:extLst>
   </p:cSld>
@@ -7069,11 +7481,11 @@
               <a:rPr lang="en-SG" sz="2400" dirty="0">
                 <a:hlinkClick r:id="rId3"/>
               </a:rPr>
-              <a:t>Demographic Data</a:t>
+              <a:t>MTA Geographical Data</a:t>
             </a:r>
             <a:r>
               <a:rPr lang="en-SG" sz="2400" dirty="0"/>
-              <a:t> from U.S. Census Bureau </a:t>
+              <a:t> from data.ny.gov</a:t>
             </a:r>
           </a:p>
           <a:p>
@@ -7081,12 +7493,27 @@
               <a:rPr lang="en-SG" sz="2400" dirty="0">
                 <a:hlinkClick r:id="rId4"/>
               </a:rPr>
+              <a:t>Demographic Data</a:t>
+            </a:r>
+            <a:r>
+              <a:rPr lang="en-SG" sz="2400" dirty="0"/>
+              <a:t> from U.S. Census Bureau </a:t>
+            </a:r>
+          </a:p>
+          <a:p>
+            <a:r>
+              <a:rPr lang="en-SG" sz="2400" dirty="0">
+                <a:hlinkClick r:id="rId5"/>
+              </a:rPr>
               <a:t>Mapping New York City Census Data</a:t>
             </a:r>
             <a:r>
               <a:rPr lang="en-SG" sz="2400" dirty="0"/>
               <a:t> on Kaggle.com</a:t>
             </a:r>
+          </a:p>
+          <a:p>
+            <a:endParaRPr lang="en-SG" sz="2400" dirty="0"/>
           </a:p>
         </p:txBody>
       </p:sp>
@@ -7163,7 +7590,7 @@
         <p:spPr>
           <a:xfrm>
             <a:off x="648931" y="629266"/>
-            <a:ext cx="2950985" cy="1622321"/>
+            <a:ext cx="3104864" cy="1622321"/>
           </a:xfrm>
         </p:spPr>
         <p:txBody>
@@ -7182,42 +7609,7 @@
       </p:sp>
       <p:sp>
         <p:nvSpPr>
-          <p:cNvPr id="3" name="Content Placeholder 2">
-            <a:extLst>
-              <a:ext uri="{FF2B5EF4-FFF2-40B4-BE49-F238E27FC236}">
-                <a16:creationId xmlns:a16="http://schemas.microsoft.com/office/drawing/2014/main" id="{293FCE9B-C27D-4872-8320-609F4718D3AB}"/>
-              </a:ext>
-            </a:extLst>
-          </p:cNvPr>
-          <p:cNvSpPr>
-            <a:spLocks noGrp="1"/>
-          </p:cNvSpPr>
-          <p:nvPr>
-            <p:ph idx="1"/>
-          </p:nvPr>
-        </p:nvSpPr>
-        <p:spPr>
-          <a:xfrm>
-            <a:off x="648932" y="2438400"/>
-            <a:ext cx="1952542" cy="3785419"/>
-          </a:xfrm>
-        </p:spPr>
-        <p:txBody>
-          <a:bodyPr>
-            <a:normAutofit/>
-          </a:bodyPr>
-          <a:lstStyle/>
-          <a:p>
-            <a:r>
-              <a:rPr lang="en-SG" sz="2800" dirty="0"/>
-              <a:t>Traffic volume by station</a:t>
-            </a:r>
-          </a:p>
-        </p:txBody>
-      </p:sp>
-      <p:sp>
-        <p:nvSpPr>
-          <p:cNvPr id="20" name="Freeform 31">
+          <p:cNvPr id="9" name="Freeform 31">
             <a:extLst>
               <a:ext uri="{FF2B5EF4-FFF2-40B4-BE49-F238E27FC236}">
                 <a16:creationId xmlns:a16="http://schemas.microsoft.com/office/drawing/2014/main" id="{D6CEF2A9-EF08-4FB3-AFFB-C5F77AB6E028}"/>
@@ -7569,6 +7961,2484 @@
       </p:sp>
       <p:sp>
         <p:nvSpPr>
+          <p:cNvPr id="11" name="Rectangle 10">
+            <a:extLst>
+              <a:ext uri="{FF2B5EF4-FFF2-40B4-BE49-F238E27FC236}">
+                <a16:creationId xmlns:a16="http://schemas.microsoft.com/office/drawing/2014/main" id="{4109C3C2-C0A8-4559-8462-8007573DF44C}"/>
+              </a:ext>
+              <a:ext uri="{C183D7F6-B498-43B3-948B-1728B52AA6E4}">
+                <adec:decorative xmlns:adec="http://schemas.microsoft.com/office/drawing/2017/decorative" val="1"/>
+              </a:ext>
+            </a:extLst>
+          </p:cNvPr>
+          <p:cNvSpPr>
+            <a:spLocks noGrp="1" noRot="1" noChangeAspect="1" noMove="1" noResize="1" noEditPoints="1" noAdjustHandles="1" noChangeArrowheads="1" noChangeShapeType="1" noTextEdit="1"/>
+          </p:cNvSpPr>
+          <p:nvPr>
+            <p:extLst>
+              <p:ext uri="{386F3935-93C4-4BCD-93E2-E3B085C9AB24}">
+                <p16:designElem xmlns:p16="http://schemas.microsoft.com/office/powerpoint/2015/main" val="1"/>
+              </p:ext>
+            </p:extLst>
+          </p:nvPr>
+        </p:nvSpPr>
+        <p:spPr>
+          <a:xfrm>
+            <a:off x="6093992" y="0"/>
+            <a:ext cx="6098427" cy="6858000"/>
+          </a:xfrm>
+          <a:prstGeom prst="rect">
+            <a:avLst/>
+          </a:prstGeom>
+          <a:solidFill>
+            <a:srgbClr val="FFFFFF"/>
+          </a:solidFill>
+          <a:ln>
+            <a:noFill/>
+          </a:ln>
+        </p:spPr>
+        <p:style>
+          <a:lnRef idx="2">
+            <a:schemeClr val="accent1">
+              <a:shade val="50000"/>
+            </a:schemeClr>
+          </a:lnRef>
+          <a:fillRef idx="1">
+            <a:schemeClr val="accent1"/>
+          </a:fillRef>
+          <a:effectRef idx="0">
+            <a:schemeClr val="accent1"/>
+          </a:effectRef>
+          <a:fontRef idx="minor">
+            <a:schemeClr val="lt1"/>
+          </a:fontRef>
+        </p:style>
+        <p:txBody>
+          <a:bodyPr rtlCol="0" anchor="ctr"/>
+          <a:lstStyle/>
+          <a:p>
+            <a:pPr algn="ctr"/>
+            <a:endParaRPr lang="en-US"/>
+          </a:p>
+        </p:txBody>
+      </p:sp>
+      <p:sp>
+        <p:nvSpPr>
+          <p:cNvPr id="13" name="Freeform 5">
+            <a:extLst>
+              <a:ext uri="{FF2B5EF4-FFF2-40B4-BE49-F238E27FC236}">
+                <a16:creationId xmlns:a16="http://schemas.microsoft.com/office/drawing/2014/main" id="{4C535542-B72A-4DE0-BE5A-5EA00508C77D}"/>
+              </a:ext>
+              <a:ext uri="{C183D7F6-B498-43B3-948B-1728B52AA6E4}">
+                <adec:decorative xmlns:adec="http://schemas.microsoft.com/office/drawing/2017/decorative" val="1"/>
+              </a:ext>
+            </a:extLst>
+          </p:cNvPr>
+          <p:cNvSpPr>
+            <a:spLocks noGrp="1" noRot="1" noChangeAspect="1" noMove="1" noResize="1" noEditPoints="1" noAdjustHandles="1" noChangeArrowheads="1" noChangeShapeType="1" noTextEdit="1"/>
+          </p:cNvSpPr>
+          <p:nvPr>
+            <p:extLst>
+              <p:ext uri="{386F3935-93C4-4BCD-93E2-E3B085C9AB24}">
+                <p16:designElem xmlns:p16="http://schemas.microsoft.com/office/powerpoint/2015/main" val="1"/>
+              </p:ext>
+            </p:extLst>
+          </p:nvPr>
+        </p:nvSpPr>
+        <p:spPr bwMode="gray">
+          <a:xfrm rot="16200000">
+            <a:off x="2450577" y="2756642"/>
+            <a:ext cx="6858000" cy="1344715"/>
+          </a:xfrm>
+          <a:custGeom>
+            <a:avLst/>
+            <a:gdLst/>
+            <a:ahLst/>
+            <a:cxnLst/>
+            <a:rect l="l" t="t" r="r" b="b"/>
+            <a:pathLst>
+              <a:path w="10000" h="8000">
+                <a:moveTo>
+                  <a:pt x="0" y="0"/>
+                </a:moveTo>
+                <a:lnTo>
+                  <a:pt x="0" y="7970"/>
+                </a:lnTo>
+                <a:lnTo>
+                  <a:pt x="10000" y="8000"/>
+                </a:lnTo>
+                <a:lnTo>
+                  <a:pt x="10000" y="7"/>
+                </a:lnTo>
+                <a:lnTo>
+                  <a:pt x="10000" y="7"/>
+                </a:lnTo>
+                <a:lnTo>
+                  <a:pt x="9773" y="156"/>
+                </a:lnTo>
+                <a:lnTo>
+                  <a:pt x="9547" y="298"/>
+                </a:lnTo>
+                <a:lnTo>
+                  <a:pt x="9320" y="437"/>
+                </a:lnTo>
+                <a:lnTo>
+                  <a:pt x="9092" y="556"/>
+                </a:lnTo>
+                <a:lnTo>
+                  <a:pt x="8865" y="676"/>
+                </a:lnTo>
+                <a:lnTo>
+                  <a:pt x="8637" y="788"/>
+                </a:lnTo>
+                <a:lnTo>
+                  <a:pt x="8412" y="884"/>
+                </a:lnTo>
+                <a:lnTo>
+                  <a:pt x="8184" y="975"/>
+                </a:lnTo>
+                <a:lnTo>
+                  <a:pt x="7957" y="1058"/>
+                </a:lnTo>
+                <a:lnTo>
+                  <a:pt x="7734" y="1130"/>
+                </a:lnTo>
+                <a:lnTo>
+                  <a:pt x="7508" y="1202"/>
+                </a:lnTo>
+                <a:lnTo>
+                  <a:pt x="7285" y="1262"/>
+                </a:lnTo>
+                <a:lnTo>
+                  <a:pt x="7062" y="1309"/>
+                </a:lnTo>
+                <a:lnTo>
+                  <a:pt x="6840" y="1358"/>
+                </a:lnTo>
+                <a:lnTo>
+                  <a:pt x="6620" y="1399"/>
+                </a:lnTo>
+                <a:lnTo>
+                  <a:pt x="6402" y="1428"/>
+                </a:lnTo>
+                <a:lnTo>
+                  <a:pt x="6184" y="1453"/>
+                </a:lnTo>
+                <a:lnTo>
+                  <a:pt x="5968" y="1477"/>
+                </a:lnTo>
+                <a:lnTo>
+                  <a:pt x="5755" y="1488"/>
+                </a:lnTo>
+                <a:lnTo>
+                  <a:pt x="5542" y="1500"/>
+                </a:lnTo>
+                <a:lnTo>
+                  <a:pt x="5332" y="1506"/>
+                </a:lnTo>
+                <a:lnTo>
+                  <a:pt x="5124" y="1500"/>
+                </a:lnTo>
+                <a:lnTo>
+                  <a:pt x="4918" y="1500"/>
+                </a:lnTo>
+                <a:lnTo>
+                  <a:pt x="4714" y="1488"/>
+                </a:lnTo>
+                <a:lnTo>
+                  <a:pt x="4514" y="1470"/>
+                </a:lnTo>
+                <a:lnTo>
+                  <a:pt x="4316" y="1453"/>
+                </a:lnTo>
+                <a:lnTo>
+                  <a:pt x="4122" y="1434"/>
+                </a:lnTo>
+                <a:lnTo>
+                  <a:pt x="3929" y="1405"/>
+                </a:lnTo>
+                <a:lnTo>
+                  <a:pt x="3739" y="1374"/>
+                </a:lnTo>
+                <a:lnTo>
+                  <a:pt x="3553" y="1346"/>
+                </a:lnTo>
+                <a:lnTo>
+                  <a:pt x="3190" y="1267"/>
+                </a:lnTo>
+                <a:lnTo>
+                  <a:pt x="2842" y="1183"/>
+                </a:lnTo>
+                <a:lnTo>
+                  <a:pt x="2508" y="1095"/>
+                </a:lnTo>
+                <a:lnTo>
+                  <a:pt x="2192" y="998"/>
+                </a:lnTo>
+                <a:lnTo>
+                  <a:pt x="1890" y="897"/>
+                </a:lnTo>
+                <a:lnTo>
+                  <a:pt x="1610" y="788"/>
+                </a:lnTo>
+                <a:lnTo>
+                  <a:pt x="1347" y="681"/>
+                </a:lnTo>
+                <a:lnTo>
+                  <a:pt x="1105" y="574"/>
+                </a:lnTo>
+                <a:lnTo>
+                  <a:pt x="883" y="473"/>
+                </a:lnTo>
+                <a:lnTo>
+                  <a:pt x="686" y="377"/>
+                </a:lnTo>
+                <a:lnTo>
+                  <a:pt x="508" y="286"/>
+                </a:lnTo>
+                <a:lnTo>
+                  <a:pt x="358" y="210"/>
+                </a:lnTo>
+                <a:lnTo>
+                  <a:pt x="232" y="138"/>
+                </a:lnTo>
+                <a:lnTo>
+                  <a:pt x="59" y="35"/>
+                </a:lnTo>
+                <a:lnTo>
+                  <a:pt x="0" y="0"/>
+                </a:lnTo>
+                <a:lnTo>
+                  <a:pt x="0" y="0"/>
+                </a:lnTo>
+                <a:close/>
+              </a:path>
+            </a:pathLst>
+          </a:custGeom>
+          <a:solidFill>
+            <a:srgbClr val="FFFFFF"/>
+          </a:solidFill>
+          <a:ln>
+            <a:noFill/>
+          </a:ln>
+        </p:spPr>
+      </p:sp>
+      <p:sp>
+        <p:nvSpPr>
+          <p:cNvPr id="15" name="Rectangle 14">
+            <a:extLst>
+              <a:ext uri="{FF2B5EF4-FFF2-40B4-BE49-F238E27FC236}">
+                <a16:creationId xmlns:a16="http://schemas.microsoft.com/office/drawing/2014/main" id="{11DF0705-615B-4CF3-A16F-8C14680D8BA6}"/>
+              </a:ext>
+              <a:ext uri="{C183D7F6-B498-43B3-948B-1728B52AA6E4}">
+                <adec:decorative xmlns:adec="http://schemas.microsoft.com/office/drawing/2017/decorative" val="1"/>
+              </a:ext>
+            </a:extLst>
+          </p:cNvPr>
+          <p:cNvSpPr>
+            <a:spLocks noGrp="1" noRot="1" noChangeAspect="1" noMove="1" noResize="1" noEditPoints="1" noAdjustHandles="1" noChangeArrowheads="1" noChangeShapeType="1" noTextEdit="1"/>
+          </p:cNvSpPr>
+          <p:nvPr>
+            <p:extLst>
+              <p:ext uri="{386F3935-93C4-4BCD-93E2-E3B085C9AB24}">
+                <p16:designElem xmlns:p16="http://schemas.microsoft.com/office/powerpoint/2015/main" val="1"/>
+              </p:ext>
+            </p:extLst>
+          </p:nvPr>
+        </p:nvSpPr>
+        <p:spPr>
+          <a:xfrm>
+            <a:off x="10442448" y="0"/>
+            <a:ext cx="685800" cy="1143000"/>
+          </a:xfrm>
+          <a:prstGeom prst="rect">
+            <a:avLst/>
+          </a:prstGeom>
+          <a:solidFill>
+            <a:schemeClr val="accent1"/>
+          </a:solidFill>
+          <a:ln>
+            <a:noFill/>
+          </a:ln>
+        </p:spPr>
+        <p:style>
+          <a:lnRef idx="1">
+            <a:schemeClr val="accent1"/>
+          </a:lnRef>
+          <a:fillRef idx="3">
+            <a:schemeClr val="accent1"/>
+          </a:fillRef>
+          <a:effectRef idx="2">
+            <a:schemeClr val="accent1"/>
+          </a:effectRef>
+          <a:fontRef idx="minor">
+            <a:schemeClr val="lt1"/>
+          </a:fontRef>
+        </p:style>
+      </p:sp>
+      <p:pic>
+        <p:nvPicPr>
+          <p:cNvPr id="6" name="Graphic 5">
+            <a:extLst>
+              <a:ext uri="{FF2B5EF4-FFF2-40B4-BE49-F238E27FC236}">
+                <a16:creationId xmlns:a16="http://schemas.microsoft.com/office/drawing/2014/main" id="{D1D8ECB9-C42E-4232-8496-B77AD3F6666C}"/>
+              </a:ext>
+            </a:extLst>
+          </p:cNvPr>
+          <p:cNvPicPr>
+            <a:picLocks noChangeAspect="1"/>
+          </p:cNvPicPr>
+          <p:nvPr/>
+        </p:nvPicPr>
+        <p:blipFill>
+          <a:blip r:embed="rId3">
+            <a:extLst>
+              <a:ext uri="{96DAC541-7B7A-43D3-8B79-37D633B846F1}">
+                <asvg:svgBlip xmlns:asvg="http://schemas.microsoft.com/office/drawing/2016/SVG/main" r:embed="rId4"/>
+              </a:ext>
+            </a:extLst>
+          </a:blip>
+          <a:stretch>
+            <a:fillRect/>
+          </a:stretch>
+        </p:blipFill>
+        <p:spPr>
+          <a:xfrm>
+            <a:off x="4103279" y="1006679"/>
+            <a:ext cx="7818533" cy="5472973"/>
+          </a:xfrm>
+          <a:prstGeom prst="rect">
+            <a:avLst/>
+          </a:prstGeom>
+        </p:spPr>
+      </p:pic>
+      <p:sp>
+        <p:nvSpPr>
+          <p:cNvPr id="12" name="Content Placeholder 2">
+            <a:extLst>
+              <a:ext uri="{FF2B5EF4-FFF2-40B4-BE49-F238E27FC236}">
+                <a16:creationId xmlns:a16="http://schemas.microsoft.com/office/drawing/2014/main" id="{B5E36733-5FCF-43F7-8439-1C3903BC0DF4}"/>
+              </a:ext>
+            </a:extLst>
+          </p:cNvPr>
+          <p:cNvSpPr txBox="1">
+            <a:spLocks/>
+          </p:cNvSpPr>
+          <p:nvPr/>
+        </p:nvSpPr>
+        <p:spPr>
+          <a:xfrm>
+            <a:off x="648931" y="2438400"/>
+            <a:ext cx="3104864" cy="3785419"/>
+          </a:xfrm>
+          <a:prstGeom prst="rect">
+            <a:avLst/>
+          </a:prstGeom>
+        </p:spPr>
+        <p:txBody>
+          <a:bodyPr vert="horz" lIns="91440" tIns="45720" rIns="91440" bIns="45720" rtlCol="0">
+            <a:normAutofit/>
+          </a:bodyPr>
+          <a:lstStyle>
+            <a:lvl1pPr marL="342900" indent="-342900" algn="l" defTabSz="457200" rtl="0" eaLnBrk="1" latinLnBrk="0" hangingPunct="1">
+              <a:spcBef>
+                <a:spcPts val="1000"/>
+              </a:spcBef>
+              <a:spcAft>
+                <a:spcPts val="0"/>
+              </a:spcAft>
+              <a:buClr>
+                <a:schemeClr val="accent1"/>
+              </a:buClr>
+              <a:buSzPct val="80000"/>
+              <a:buFont typeface="Wingdings 3" charset="2"/>
+              <a:buChar char=""/>
+              <a:defRPr sz="2000" b="0" i="0" kern="1200">
+                <a:solidFill>
+                  <a:schemeClr val="tx1"/>
+                </a:solidFill>
+                <a:latin typeface="+mj-lt"/>
+                <a:ea typeface="+mj-ea"/>
+                <a:cs typeface="+mj-cs"/>
+              </a:defRPr>
+            </a:lvl1pPr>
+            <a:lvl2pPr marL="742950" indent="-285750" algn="l" defTabSz="457200" rtl="0" eaLnBrk="1" latinLnBrk="0" hangingPunct="1">
+              <a:spcBef>
+                <a:spcPts val="1000"/>
+              </a:spcBef>
+              <a:spcAft>
+                <a:spcPts val="0"/>
+              </a:spcAft>
+              <a:buClr>
+                <a:schemeClr val="accent1"/>
+              </a:buClr>
+              <a:buSzPct val="80000"/>
+              <a:buFont typeface="Wingdings 3" charset="2"/>
+              <a:buChar char=""/>
+              <a:defRPr sz="1800" b="0" i="0" kern="1200">
+                <a:solidFill>
+                  <a:schemeClr val="tx1"/>
+                </a:solidFill>
+                <a:latin typeface="+mj-lt"/>
+                <a:ea typeface="+mj-ea"/>
+                <a:cs typeface="+mj-cs"/>
+              </a:defRPr>
+            </a:lvl2pPr>
+            <a:lvl3pPr marL="1143000" indent="-228600" algn="l" defTabSz="457200" rtl="0" eaLnBrk="1" latinLnBrk="0" hangingPunct="1">
+              <a:spcBef>
+                <a:spcPts val="1000"/>
+              </a:spcBef>
+              <a:spcAft>
+                <a:spcPts val="0"/>
+              </a:spcAft>
+              <a:buClr>
+                <a:schemeClr val="accent1"/>
+              </a:buClr>
+              <a:buSzPct val="80000"/>
+              <a:buFont typeface="Wingdings 3" charset="2"/>
+              <a:buChar char=""/>
+              <a:defRPr sz="1600" b="0" i="0" kern="1200">
+                <a:solidFill>
+                  <a:schemeClr val="tx1"/>
+                </a:solidFill>
+                <a:latin typeface="+mj-lt"/>
+                <a:ea typeface="+mj-ea"/>
+                <a:cs typeface="+mj-cs"/>
+              </a:defRPr>
+            </a:lvl3pPr>
+            <a:lvl4pPr marL="1600200" indent="-228600" algn="l" defTabSz="457200" rtl="0" eaLnBrk="1" latinLnBrk="0" hangingPunct="1">
+              <a:spcBef>
+                <a:spcPts val="1000"/>
+              </a:spcBef>
+              <a:spcAft>
+                <a:spcPts val="0"/>
+              </a:spcAft>
+              <a:buClr>
+                <a:schemeClr val="accent1"/>
+              </a:buClr>
+              <a:buSzPct val="80000"/>
+              <a:buFont typeface="Wingdings 3" charset="2"/>
+              <a:buChar char=""/>
+              <a:defRPr sz="1400" b="0" i="0" kern="1200">
+                <a:solidFill>
+                  <a:schemeClr val="tx1"/>
+                </a:solidFill>
+                <a:latin typeface="+mj-lt"/>
+                <a:ea typeface="+mj-ea"/>
+                <a:cs typeface="+mj-cs"/>
+              </a:defRPr>
+            </a:lvl4pPr>
+            <a:lvl5pPr marL="2057400" indent="-228600" algn="l" defTabSz="457200" rtl="0" eaLnBrk="1" latinLnBrk="0" hangingPunct="1">
+              <a:spcBef>
+                <a:spcPts val="1000"/>
+              </a:spcBef>
+              <a:spcAft>
+                <a:spcPts val="0"/>
+              </a:spcAft>
+              <a:buClr>
+                <a:schemeClr val="accent1"/>
+              </a:buClr>
+              <a:buSzPct val="80000"/>
+              <a:buFont typeface="Wingdings 3" charset="2"/>
+              <a:buChar char=""/>
+              <a:defRPr sz="1400" b="0" i="0" kern="1200">
+                <a:solidFill>
+                  <a:schemeClr val="tx1"/>
+                </a:solidFill>
+                <a:latin typeface="+mj-lt"/>
+                <a:ea typeface="+mj-ea"/>
+                <a:cs typeface="+mj-cs"/>
+              </a:defRPr>
+            </a:lvl5pPr>
+            <a:lvl6pPr marL="2514600" indent="-228600" algn="l" defTabSz="457200" rtl="0" eaLnBrk="1" latinLnBrk="0" hangingPunct="1">
+              <a:spcBef>
+                <a:spcPts val="1000"/>
+              </a:spcBef>
+              <a:spcAft>
+                <a:spcPts val="0"/>
+              </a:spcAft>
+              <a:buClr>
+                <a:schemeClr val="accent1"/>
+              </a:buClr>
+              <a:buSzPct val="80000"/>
+              <a:buFont typeface="Wingdings 3" charset="2"/>
+              <a:buChar char=""/>
+              <a:defRPr sz="1400" b="0" i="0" kern="1200">
+                <a:solidFill>
+                  <a:schemeClr val="tx1"/>
+                </a:solidFill>
+                <a:latin typeface="+mj-lt"/>
+                <a:ea typeface="+mj-ea"/>
+                <a:cs typeface="+mj-cs"/>
+              </a:defRPr>
+            </a:lvl6pPr>
+            <a:lvl7pPr marL="2971800" indent="-228600" algn="l" defTabSz="457200" rtl="0" eaLnBrk="1" latinLnBrk="0" hangingPunct="1">
+              <a:spcBef>
+                <a:spcPts val="1000"/>
+              </a:spcBef>
+              <a:spcAft>
+                <a:spcPts val="0"/>
+              </a:spcAft>
+              <a:buClr>
+                <a:schemeClr val="accent1"/>
+              </a:buClr>
+              <a:buSzPct val="80000"/>
+              <a:buFont typeface="Wingdings 3" charset="2"/>
+              <a:buChar char=""/>
+              <a:defRPr sz="1400" b="0" i="0" kern="1200">
+                <a:solidFill>
+                  <a:schemeClr val="tx1"/>
+                </a:solidFill>
+                <a:latin typeface="+mj-lt"/>
+                <a:ea typeface="+mj-ea"/>
+                <a:cs typeface="+mj-cs"/>
+              </a:defRPr>
+            </a:lvl7pPr>
+            <a:lvl8pPr marL="3429000" indent="-228600" algn="l" defTabSz="457200" rtl="0" eaLnBrk="1" latinLnBrk="0" hangingPunct="1">
+              <a:spcBef>
+                <a:spcPts val="1000"/>
+              </a:spcBef>
+              <a:spcAft>
+                <a:spcPts val="0"/>
+              </a:spcAft>
+              <a:buClr>
+                <a:schemeClr val="accent1"/>
+              </a:buClr>
+              <a:buSzPct val="80000"/>
+              <a:buFont typeface="Wingdings 3" charset="2"/>
+              <a:buChar char=""/>
+              <a:defRPr sz="1400" b="0" i="0" kern="1200">
+                <a:solidFill>
+                  <a:schemeClr val="tx1"/>
+                </a:solidFill>
+                <a:latin typeface="+mj-lt"/>
+                <a:ea typeface="+mj-ea"/>
+                <a:cs typeface="+mj-cs"/>
+              </a:defRPr>
+            </a:lvl8pPr>
+            <a:lvl9pPr marL="3886200" indent="-228600" algn="l" defTabSz="457200" rtl="0" eaLnBrk="1" latinLnBrk="0" hangingPunct="1">
+              <a:spcBef>
+                <a:spcPts val="1000"/>
+              </a:spcBef>
+              <a:spcAft>
+                <a:spcPts val="0"/>
+              </a:spcAft>
+              <a:buClr>
+                <a:schemeClr val="accent1"/>
+              </a:buClr>
+              <a:buSzPct val="80000"/>
+              <a:buFont typeface="Wingdings 3" charset="2"/>
+              <a:buChar char=""/>
+              <a:defRPr sz="1400" b="0" i="0" kern="1200">
+                <a:solidFill>
+                  <a:schemeClr val="tx1"/>
+                </a:solidFill>
+                <a:latin typeface="+mj-lt"/>
+                <a:ea typeface="+mj-ea"/>
+                <a:cs typeface="+mj-cs"/>
+              </a:defRPr>
+            </a:lvl9pPr>
+          </a:lstStyle>
+          <a:p>
+            <a:r>
+              <a:rPr lang="en-SG" sz="2800" dirty="0"/>
+              <a:t>Geographic &amp; demographic information</a:t>
+            </a:r>
+          </a:p>
+          <a:p>
+            <a:pPr marL="0" indent="0">
+              <a:buNone/>
+            </a:pPr>
+            <a:r>
+              <a:rPr lang="en-SG" sz="2800" dirty="0"/>
+              <a:t>	- Income</a:t>
+            </a:r>
+          </a:p>
+        </p:txBody>
+      </p:sp>
+      <p:sp>
+        <p:nvSpPr>
+          <p:cNvPr id="10" name="Rectangle 9">
+            <a:extLst>
+              <a:ext uri="{FF2B5EF4-FFF2-40B4-BE49-F238E27FC236}">
+                <a16:creationId xmlns:a16="http://schemas.microsoft.com/office/drawing/2014/main" id="{C09F51DD-1C96-47B3-9957-608EA80B78D7}"/>
+              </a:ext>
+            </a:extLst>
+          </p:cNvPr>
+          <p:cNvSpPr/>
+          <p:nvPr/>
+        </p:nvSpPr>
+        <p:spPr>
+          <a:xfrm>
+            <a:off x="7488891" y="1770078"/>
+            <a:ext cx="1235659" cy="4286774"/>
+          </a:xfrm>
+          <a:prstGeom prst="rect">
+            <a:avLst/>
+          </a:prstGeom>
+          <a:noFill/>
+          <a:ln>
+            <a:solidFill>
+              <a:srgbClr val="FF0000"/>
+            </a:solidFill>
+          </a:ln>
+        </p:spPr>
+        <p:style>
+          <a:lnRef idx="2">
+            <a:schemeClr val="accent3"/>
+          </a:lnRef>
+          <a:fillRef idx="1">
+            <a:schemeClr val="lt1"/>
+          </a:fillRef>
+          <a:effectRef idx="0">
+            <a:schemeClr val="accent3"/>
+          </a:effectRef>
+          <a:fontRef idx="minor">
+            <a:schemeClr val="dk1"/>
+          </a:fontRef>
+        </p:style>
+        <p:txBody>
+          <a:bodyPr rtlCol="0" anchor="ctr"/>
+          <a:lstStyle/>
+          <a:p>
+            <a:pPr algn="ctr"/>
+            <a:endParaRPr lang="en-SG"/>
+          </a:p>
+        </p:txBody>
+      </p:sp>
+    </p:spTree>
+    <p:extLst>
+      <p:ext uri="{BB962C8B-B14F-4D97-AF65-F5344CB8AC3E}">
+        <p14:creationId xmlns:p14="http://schemas.microsoft.com/office/powerpoint/2010/main" val="2655916380"/>
+      </p:ext>
+    </p:extLst>
+  </p:cSld>
+  <p:clrMapOvr>
+    <a:masterClrMapping/>
+  </p:clrMapOvr>
+  <p:timing>
+    <p:tnLst>
+      <p:par>
+        <p:cTn id="1" dur="indefinite" restart="never" nodeType="tmRoot">
+          <p:childTnLst>
+            <p:seq concurrent="1" nextAc="seek">
+              <p:cTn id="2" dur="indefinite" nodeType="mainSeq">
+                <p:childTnLst>
+                  <p:par>
+                    <p:cTn id="3" fill="hold">
+                      <p:stCondLst>
+                        <p:cond delay="indefinite"/>
+                      </p:stCondLst>
+                      <p:childTnLst>
+                        <p:par>
+                          <p:cTn id="4" fill="hold">
+                            <p:stCondLst>
+                              <p:cond delay="0"/>
+                            </p:stCondLst>
+                            <p:childTnLst>
+                              <p:par>
+                                <p:cTn id="5" presetID="53" presetClass="entr" presetSubtype="16" fill="hold" grpId="0" nodeType="clickEffect">
+                                  <p:stCondLst>
+                                    <p:cond delay="0"/>
+                                  </p:stCondLst>
+                                  <p:childTnLst>
+                                    <p:set>
+                                      <p:cBhvr>
+                                        <p:cTn id="6" dur="1" fill="hold">
+                                          <p:stCondLst>
+                                            <p:cond delay="0"/>
+                                          </p:stCondLst>
+                                        </p:cTn>
+                                        <p:tgtEl>
+                                          <p:spTgt spid="10"/>
+                                        </p:tgtEl>
+                                        <p:attrNameLst>
+                                          <p:attrName>style.visibility</p:attrName>
+                                        </p:attrNameLst>
+                                      </p:cBhvr>
+                                      <p:to>
+                                        <p:strVal val="visible"/>
+                                      </p:to>
+                                    </p:set>
+                                    <p:anim calcmode="lin" valueType="num">
+                                      <p:cBhvr>
+                                        <p:cTn id="7" dur="500" fill="hold"/>
+                                        <p:tgtEl>
+                                          <p:spTgt spid="10"/>
+                                        </p:tgtEl>
+                                        <p:attrNameLst>
+                                          <p:attrName>ppt_w</p:attrName>
+                                        </p:attrNameLst>
+                                      </p:cBhvr>
+                                      <p:tavLst>
+                                        <p:tav tm="0">
+                                          <p:val>
+                                            <p:fltVal val="0"/>
+                                          </p:val>
+                                        </p:tav>
+                                        <p:tav tm="100000">
+                                          <p:val>
+                                            <p:strVal val="#ppt_w"/>
+                                          </p:val>
+                                        </p:tav>
+                                      </p:tavLst>
+                                    </p:anim>
+                                    <p:anim calcmode="lin" valueType="num">
+                                      <p:cBhvr>
+                                        <p:cTn id="8" dur="500" fill="hold"/>
+                                        <p:tgtEl>
+                                          <p:spTgt spid="10"/>
+                                        </p:tgtEl>
+                                        <p:attrNameLst>
+                                          <p:attrName>ppt_h</p:attrName>
+                                        </p:attrNameLst>
+                                      </p:cBhvr>
+                                      <p:tavLst>
+                                        <p:tav tm="0">
+                                          <p:val>
+                                            <p:fltVal val="0"/>
+                                          </p:val>
+                                        </p:tav>
+                                        <p:tav tm="100000">
+                                          <p:val>
+                                            <p:strVal val="#ppt_h"/>
+                                          </p:val>
+                                        </p:tav>
+                                      </p:tavLst>
+                                    </p:anim>
+                                    <p:animEffect transition="in" filter="fade">
+                                      <p:cBhvr>
+                                        <p:cTn id="9" dur="500"/>
+                                        <p:tgtEl>
+                                          <p:spTgt spid="10"/>
+                                        </p:tgtEl>
+                                      </p:cBhvr>
+                                    </p:animEffect>
+                                  </p:childTnLst>
+                                </p:cTn>
+                              </p:par>
+                            </p:childTnLst>
+                          </p:cTn>
+                        </p:par>
+                      </p:childTnLst>
+                    </p:cTn>
+                  </p:par>
+                </p:childTnLst>
+              </p:cTn>
+              <p:prevCondLst>
+                <p:cond evt="onPrev" delay="0">
+                  <p:tgtEl>
+                    <p:sldTgt/>
+                  </p:tgtEl>
+                </p:cond>
+              </p:prevCondLst>
+              <p:nextCondLst>
+                <p:cond evt="onNext" delay="0">
+                  <p:tgtEl>
+                    <p:sldTgt/>
+                  </p:tgtEl>
+                </p:cond>
+              </p:nextCondLst>
+            </p:seq>
+          </p:childTnLst>
+        </p:cTn>
+      </p:par>
+    </p:tnLst>
+    <p:bldLst>
+      <p:bldP spid="10" grpId="0" animBg="1"/>
+    </p:bldLst>
+  </p:timing>
+</p:sld>
+</file>
+
+<file path=ppt/slides/slide5.xml><?xml version="1.0" encoding="utf-8"?>
+<p:sld xmlns:a="http://schemas.openxmlformats.org/drawingml/2006/main" xmlns:r="http://schemas.openxmlformats.org/officeDocument/2006/relationships" xmlns:p="http://schemas.openxmlformats.org/presentationml/2006/main">
+  <p:cSld>
+    <p:bg>
+      <p:bgPr>
+        <a:blipFill rotWithShape="1">
+          <a:blip r:embed="rId2">
+            <a:duotone>
+              <a:schemeClr val="bg2">
+                <a:shade val="62000"/>
+                <a:hueMod val="108000"/>
+                <a:satMod val="164000"/>
+                <a:lumMod val="69000"/>
+              </a:schemeClr>
+              <a:schemeClr val="bg2">
+                <a:tint val="96000"/>
+                <a:hueMod val="90000"/>
+                <a:satMod val="130000"/>
+                <a:lumMod val="134000"/>
+              </a:schemeClr>
+            </a:duotone>
+          </a:blip>
+          <a:stretch/>
+        </a:blipFill>
+        <a:effectLst/>
+      </p:bgPr>
+    </p:bg>
+    <p:spTree>
+      <p:nvGrpSpPr>
+        <p:cNvPr id="1" name=""/>
+        <p:cNvGrpSpPr/>
+        <p:nvPr/>
+      </p:nvGrpSpPr>
+      <p:grpSpPr>
+        <a:xfrm>
+          <a:off x="0" y="0"/>
+          <a:ext cx="0" cy="0"/>
+          <a:chOff x="0" y="0"/>
+          <a:chExt cx="0" cy="0"/>
+        </a:xfrm>
+      </p:grpSpPr>
+      <p:sp>
+        <p:nvSpPr>
+          <p:cNvPr id="2" name="Title 1">
+            <a:extLst>
+              <a:ext uri="{FF2B5EF4-FFF2-40B4-BE49-F238E27FC236}">
+                <a16:creationId xmlns:a16="http://schemas.microsoft.com/office/drawing/2014/main" id="{8BAAC7A6-57DA-489D-A467-D28AE49D7A8C}"/>
+              </a:ext>
+            </a:extLst>
+          </p:cNvPr>
+          <p:cNvSpPr>
+            <a:spLocks noGrp="1"/>
+          </p:cNvSpPr>
+          <p:nvPr>
+            <p:ph type="title"/>
+          </p:nvPr>
+        </p:nvSpPr>
+        <p:spPr>
+          <a:xfrm>
+            <a:off x="648931" y="629266"/>
+            <a:ext cx="3085546" cy="1622321"/>
+          </a:xfrm>
+        </p:spPr>
+        <p:txBody>
+          <a:bodyPr>
+            <a:normAutofit/>
+          </a:bodyPr>
+          <a:lstStyle/>
+          <a:p>
+            <a:r>
+              <a:rPr lang="en-US" dirty="0"/>
+              <a:t>Areas explored</a:t>
+            </a:r>
+            <a:endParaRPr lang="en-SG" dirty="0"/>
+          </a:p>
+        </p:txBody>
+      </p:sp>
+      <p:sp>
+        <p:nvSpPr>
+          <p:cNvPr id="9" name="Freeform 31">
+            <a:extLst>
+              <a:ext uri="{FF2B5EF4-FFF2-40B4-BE49-F238E27FC236}">
+                <a16:creationId xmlns:a16="http://schemas.microsoft.com/office/drawing/2014/main" id="{D6CEF2A9-EF08-4FB3-AFFB-C5F77AB6E028}"/>
+              </a:ext>
+              <a:ext uri="{C183D7F6-B498-43B3-948B-1728B52AA6E4}">
+                <adec:decorative xmlns:adec="http://schemas.microsoft.com/office/drawing/2017/decorative" val="1"/>
+              </a:ext>
+            </a:extLst>
+          </p:cNvPr>
+          <p:cNvSpPr>
+            <a:spLocks noGrp="1" noRot="1" noChangeAspect="1" noMove="1" noResize="1" noEditPoints="1" noAdjustHandles="1" noChangeArrowheads="1" noChangeShapeType="1" noTextEdit="1"/>
+          </p:cNvSpPr>
+          <p:nvPr>
+            <p:extLst>
+              <p:ext uri="{386F3935-93C4-4BCD-93E2-E3B085C9AB24}">
+                <p16:designElem xmlns:p16="http://schemas.microsoft.com/office/powerpoint/2015/main" val="1"/>
+              </p:ext>
+            </p:extLst>
+          </p:nvPr>
+        </p:nvSpPr>
+        <p:spPr>
+          <a:xfrm>
+            <a:off x="4994020" y="-1"/>
+            <a:ext cx="559472" cy="3709642"/>
+          </a:xfrm>
+          <a:custGeom>
+            <a:avLst/>
+            <a:gdLst>
+              <a:gd name="connsiteX0" fmla="*/ 0 w 559472"/>
+              <a:gd name="connsiteY0" fmla="*/ 0 h 3709642"/>
+              <a:gd name="connsiteX1" fmla="*/ 473952 w 559472"/>
+              <a:gd name="connsiteY1" fmla="*/ 0 h 3709642"/>
+              <a:gd name="connsiteX2" fmla="*/ 485840 w 559472"/>
+              <a:gd name="connsiteY2" fmla="*/ 161194 h 3709642"/>
+              <a:gd name="connsiteX3" fmla="*/ 523949 w 559472"/>
+              <a:gd name="connsiteY3" fmla="*/ 3672197 h 3709642"/>
+              <a:gd name="connsiteX4" fmla="*/ 454748 w 559472"/>
+              <a:gd name="connsiteY4" fmla="*/ 3709642 h 3709642"/>
+              <a:gd name="connsiteX5" fmla="*/ 448224 w 559472"/>
+              <a:gd name="connsiteY5" fmla="*/ 3510471 h 3709642"/>
+              <a:gd name="connsiteX6" fmla="*/ 443564 w 559472"/>
+              <a:gd name="connsiteY6" fmla="*/ 3408563 h 3709642"/>
+              <a:gd name="connsiteX7" fmla="*/ 438902 w 559472"/>
+              <a:gd name="connsiteY7" fmla="*/ 3304407 h 3709642"/>
+              <a:gd name="connsiteX8" fmla="*/ 433941 w 559472"/>
+              <a:gd name="connsiteY8" fmla="*/ 3198777 h 3709642"/>
+              <a:gd name="connsiteX9" fmla="*/ 427584 w 559472"/>
+              <a:gd name="connsiteY9" fmla="*/ 3092510 h 3709642"/>
+              <a:gd name="connsiteX10" fmla="*/ 420988 w 559472"/>
+              <a:gd name="connsiteY10" fmla="*/ 2984390 h 3709642"/>
+              <a:gd name="connsiteX11" fmla="*/ 414330 w 559472"/>
+              <a:gd name="connsiteY11" fmla="*/ 2874401 h 3709642"/>
+              <a:gd name="connsiteX12" fmla="*/ 406840 w 559472"/>
+              <a:gd name="connsiteY12" fmla="*/ 2762980 h 3709642"/>
+              <a:gd name="connsiteX13" fmla="*/ 397745 w 559472"/>
+              <a:gd name="connsiteY13" fmla="*/ 2650566 h 3709642"/>
+              <a:gd name="connsiteX14" fmla="*/ 389154 w 559472"/>
+              <a:gd name="connsiteY14" fmla="*/ 2536612 h 3709642"/>
+              <a:gd name="connsiteX15" fmla="*/ 379225 w 559472"/>
+              <a:gd name="connsiteY15" fmla="*/ 2421642 h 3709642"/>
+              <a:gd name="connsiteX16" fmla="*/ 368316 w 559472"/>
+              <a:gd name="connsiteY16" fmla="*/ 2305627 h 3709642"/>
+              <a:gd name="connsiteX17" fmla="*/ 357466 w 559472"/>
+              <a:gd name="connsiteY17" fmla="*/ 2189233 h 3709642"/>
+              <a:gd name="connsiteX18" fmla="*/ 344982 w 559472"/>
+              <a:gd name="connsiteY18" fmla="*/ 2071473 h 3709642"/>
+              <a:gd name="connsiteX19" fmla="*/ 332466 w 559472"/>
+              <a:gd name="connsiteY19" fmla="*/ 1952216 h 3709642"/>
+              <a:gd name="connsiteX20" fmla="*/ 319121 w 559472"/>
+              <a:gd name="connsiteY20" fmla="*/ 1833776 h 3709642"/>
+              <a:gd name="connsiteX21" fmla="*/ 304408 w 559472"/>
+              <a:gd name="connsiteY21" fmla="*/ 1713948 h 3709642"/>
+              <a:gd name="connsiteX22" fmla="*/ 288685 w 559472"/>
+              <a:gd name="connsiteY22" fmla="*/ 1592703 h 3709642"/>
+              <a:gd name="connsiteX23" fmla="*/ 273050 w 559472"/>
+              <a:gd name="connsiteY23" fmla="*/ 1471451 h 3709642"/>
+              <a:gd name="connsiteX24" fmla="*/ 255813 w 559472"/>
+              <a:gd name="connsiteY24" fmla="*/ 1350328 h 3709642"/>
+              <a:gd name="connsiteX25" fmla="*/ 237060 w 559472"/>
+              <a:gd name="connsiteY25" fmla="*/ 1227080 h 3709642"/>
+              <a:gd name="connsiteX26" fmla="*/ 218488 w 559472"/>
+              <a:gd name="connsiteY26" fmla="*/ 1106065 h 3709642"/>
+              <a:gd name="connsiteX27" fmla="*/ 198221 w 559472"/>
+              <a:gd name="connsiteY27" fmla="*/ 982940 h 3709642"/>
+              <a:gd name="connsiteX28" fmla="*/ 177152 w 559472"/>
+              <a:gd name="connsiteY28" fmla="*/ 858755 h 3709642"/>
+              <a:gd name="connsiteX29" fmla="*/ 155551 w 559472"/>
+              <a:gd name="connsiteY29" fmla="*/ 736861 h 3709642"/>
+              <a:gd name="connsiteX30" fmla="*/ 131782 w 559472"/>
+              <a:gd name="connsiteY30" fmla="*/ 613645 h 3709642"/>
+              <a:gd name="connsiteX31" fmla="*/ 107123 w 559472"/>
+              <a:gd name="connsiteY31" fmla="*/ 490500 h 3709642"/>
+              <a:gd name="connsiteX32" fmla="*/ 82552 w 559472"/>
+              <a:gd name="connsiteY32" fmla="*/ 367348 h 3709642"/>
+              <a:gd name="connsiteX33" fmla="*/ 55608 w 559472"/>
+              <a:gd name="connsiteY33" fmla="*/ 244762 h 3709642"/>
+              <a:gd name="connsiteX34" fmla="*/ 28130 w 559472"/>
+              <a:gd name="connsiteY34" fmla="*/ 122220 h 3709642"/>
+              <a:gd name="connsiteX35" fmla="*/ 0 w 559472"/>
+              <a:gd name="connsiteY35" fmla="*/ 0 h 3709642"/>
+            </a:gdLst>
+            <a:ahLst/>
+            <a:cxnLst>
+              <a:cxn ang="0">
+                <a:pos x="connsiteX0" y="connsiteY0"/>
+              </a:cxn>
+              <a:cxn ang="0">
+                <a:pos x="connsiteX1" y="connsiteY1"/>
+              </a:cxn>
+              <a:cxn ang="0">
+                <a:pos x="connsiteX2" y="connsiteY2"/>
+              </a:cxn>
+              <a:cxn ang="0">
+                <a:pos x="connsiteX3" y="connsiteY3"/>
+              </a:cxn>
+              <a:cxn ang="0">
+                <a:pos x="connsiteX4" y="connsiteY4"/>
+              </a:cxn>
+              <a:cxn ang="0">
+                <a:pos x="connsiteX5" y="connsiteY5"/>
+              </a:cxn>
+              <a:cxn ang="0">
+                <a:pos x="connsiteX6" y="connsiteY6"/>
+              </a:cxn>
+              <a:cxn ang="0">
+                <a:pos x="connsiteX7" y="connsiteY7"/>
+              </a:cxn>
+              <a:cxn ang="0">
+                <a:pos x="connsiteX8" y="connsiteY8"/>
+              </a:cxn>
+              <a:cxn ang="0">
+                <a:pos x="connsiteX9" y="connsiteY9"/>
+              </a:cxn>
+              <a:cxn ang="0">
+                <a:pos x="connsiteX10" y="connsiteY10"/>
+              </a:cxn>
+              <a:cxn ang="0">
+                <a:pos x="connsiteX11" y="connsiteY11"/>
+              </a:cxn>
+              <a:cxn ang="0">
+                <a:pos x="connsiteX12" y="connsiteY12"/>
+              </a:cxn>
+              <a:cxn ang="0">
+                <a:pos x="connsiteX13" y="connsiteY13"/>
+              </a:cxn>
+              <a:cxn ang="0">
+                <a:pos x="connsiteX14" y="connsiteY14"/>
+              </a:cxn>
+              <a:cxn ang="0">
+                <a:pos x="connsiteX15" y="connsiteY15"/>
+              </a:cxn>
+              <a:cxn ang="0">
+                <a:pos x="connsiteX16" y="connsiteY16"/>
+              </a:cxn>
+              <a:cxn ang="0">
+                <a:pos x="connsiteX17" y="connsiteY17"/>
+              </a:cxn>
+              <a:cxn ang="0">
+                <a:pos x="connsiteX18" y="connsiteY18"/>
+              </a:cxn>
+              <a:cxn ang="0">
+                <a:pos x="connsiteX19" y="connsiteY19"/>
+              </a:cxn>
+              <a:cxn ang="0">
+                <a:pos x="connsiteX20" y="connsiteY20"/>
+              </a:cxn>
+              <a:cxn ang="0">
+                <a:pos x="connsiteX21" y="connsiteY21"/>
+              </a:cxn>
+              <a:cxn ang="0">
+                <a:pos x="connsiteX22" y="connsiteY22"/>
+              </a:cxn>
+              <a:cxn ang="0">
+                <a:pos x="connsiteX23" y="connsiteY23"/>
+              </a:cxn>
+              <a:cxn ang="0">
+                <a:pos x="connsiteX24" y="connsiteY24"/>
+              </a:cxn>
+              <a:cxn ang="0">
+                <a:pos x="connsiteX25" y="connsiteY25"/>
+              </a:cxn>
+              <a:cxn ang="0">
+                <a:pos x="connsiteX26" y="connsiteY26"/>
+              </a:cxn>
+              <a:cxn ang="0">
+                <a:pos x="connsiteX27" y="connsiteY27"/>
+              </a:cxn>
+              <a:cxn ang="0">
+                <a:pos x="connsiteX28" y="connsiteY28"/>
+              </a:cxn>
+              <a:cxn ang="0">
+                <a:pos x="connsiteX29" y="connsiteY29"/>
+              </a:cxn>
+              <a:cxn ang="0">
+                <a:pos x="connsiteX30" y="connsiteY30"/>
+              </a:cxn>
+              <a:cxn ang="0">
+                <a:pos x="connsiteX31" y="connsiteY31"/>
+              </a:cxn>
+              <a:cxn ang="0">
+                <a:pos x="connsiteX32" y="connsiteY32"/>
+              </a:cxn>
+              <a:cxn ang="0">
+                <a:pos x="connsiteX33" y="connsiteY33"/>
+              </a:cxn>
+              <a:cxn ang="0">
+                <a:pos x="connsiteX34" y="connsiteY34"/>
+              </a:cxn>
+              <a:cxn ang="0">
+                <a:pos x="connsiteX35" y="connsiteY35"/>
+              </a:cxn>
+            </a:cxnLst>
+            <a:rect l="l" t="t" r="r" b="b"/>
+            <a:pathLst>
+              <a:path w="559472" h="3709642">
+                <a:moveTo>
+                  <a:pt x="0" y="0"/>
+                </a:moveTo>
+                <a:lnTo>
+                  <a:pt x="473952" y="0"/>
+                </a:lnTo>
+                <a:lnTo>
+                  <a:pt x="485840" y="161194"/>
+                </a:lnTo>
+                <a:cubicBezTo>
+                  <a:pt x="552063" y="1147770"/>
+                  <a:pt x="592441" y="3086737"/>
+                  <a:pt x="523949" y="3672197"/>
+                </a:cubicBezTo>
+                <a:cubicBezTo>
+                  <a:pt x="500842" y="3684557"/>
+                  <a:pt x="477855" y="3697282"/>
+                  <a:pt x="454748" y="3709642"/>
+                </a:cubicBezTo>
+                <a:lnTo>
+                  <a:pt x="448224" y="3510471"/>
+                </a:lnTo>
+                <a:lnTo>
+                  <a:pt x="443564" y="3408563"/>
+                </a:lnTo>
+                <a:lnTo>
+                  <a:pt x="438902" y="3304407"/>
+                </a:lnTo>
+                <a:lnTo>
+                  <a:pt x="433941" y="3198777"/>
+                </a:lnTo>
+                <a:lnTo>
+                  <a:pt x="427584" y="3092510"/>
+                </a:lnTo>
+                <a:lnTo>
+                  <a:pt x="420988" y="2984390"/>
+                </a:lnTo>
+                <a:lnTo>
+                  <a:pt x="414330" y="2874401"/>
+                </a:lnTo>
+                <a:lnTo>
+                  <a:pt x="406840" y="2762980"/>
+                </a:lnTo>
+                <a:lnTo>
+                  <a:pt x="397745" y="2650566"/>
+                </a:lnTo>
+                <a:lnTo>
+                  <a:pt x="389154" y="2536612"/>
+                </a:lnTo>
+                <a:lnTo>
+                  <a:pt x="379225" y="2421642"/>
+                </a:lnTo>
+                <a:lnTo>
+                  <a:pt x="368316" y="2305627"/>
+                </a:lnTo>
+                <a:lnTo>
+                  <a:pt x="357466" y="2189233"/>
+                </a:lnTo>
+                <a:lnTo>
+                  <a:pt x="344982" y="2071473"/>
+                </a:lnTo>
+                <a:lnTo>
+                  <a:pt x="332466" y="1952216"/>
+                </a:lnTo>
+                <a:lnTo>
+                  <a:pt x="319121" y="1833776"/>
+                </a:lnTo>
+                <a:lnTo>
+                  <a:pt x="304408" y="1713948"/>
+                </a:lnTo>
+                <a:lnTo>
+                  <a:pt x="288685" y="1592703"/>
+                </a:lnTo>
+                <a:lnTo>
+                  <a:pt x="273050" y="1471451"/>
+                </a:lnTo>
+                <a:lnTo>
+                  <a:pt x="255813" y="1350328"/>
+                </a:lnTo>
+                <a:lnTo>
+                  <a:pt x="237060" y="1227080"/>
+                </a:lnTo>
+                <a:lnTo>
+                  <a:pt x="218488" y="1106065"/>
+                </a:lnTo>
+                <a:lnTo>
+                  <a:pt x="198221" y="982940"/>
+                </a:lnTo>
+                <a:lnTo>
+                  <a:pt x="177152" y="858755"/>
+                </a:lnTo>
+                <a:lnTo>
+                  <a:pt x="155551" y="736861"/>
+                </a:lnTo>
+                <a:lnTo>
+                  <a:pt x="131782" y="613645"/>
+                </a:lnTo>
+                <a:lnTo>
+                  <a:pt x="107123" y="490500"/>
+                </a:lnTo>
+                <a:lnTo>
+                  <a:pt x="82552" y="367348"/>
+                </a:lnTo>
+                <a:lnTo>
+                  <a:pt x="55608" y="244762"/>
+                </a:lnTo>
+                <a:lnTo>
+                  <a:pt x="28130" y="122220"/>
+                </a:lnTo>
+                <a:lnTo>
+                  <a:pt x="0" y="0"/>
+                </a:lnTo>
+                <a:close/>
+              </a:path>
+            </a:pathLst>
+          </a:custGeom>
+          <a:solidFill>
+            <a:schemeClr val="tx1">
+              <a:alpha val="20000"/>
+            </a:schemeClr>
+          </a:solidFill>
+          <a:ln>
+            <a:noFill/>
+          </a:ln>
+        </p:spPr>
+        <p:txBody>
+          <a:bodyPr rtlCol="0" anchor="ctr"/>
+          <a:lstStyle/>
+          <a:p>
+            <a:pPr algn="ctr"/>
+            <a:endParaRPr lang="en-US"/>
+          </a:p>
+        </p:txBody>
+      </p:sp>
+      <p:sp>
+        <p:nvSpPr>
+          <p:cNvPr id="11" name="Rectangle 10">
+            <a:extLst>
+              <a:ext uri="{FF2B5EF4-FFF2-40B4-BE49-F238E27FC236}">
+                <a16:creationId xmlns:a16="http://schemas.microsoft.com/office/drawing/2014/main" id="{4109C3C2-C0A8-4559-8462-8007573DF44C}"/>
+              </a:ext>
+              <a:ext uri="{C183D7F6-B498-43B3-948B-1728B52AA6E4}">
+                <adec:decorative xmlns:adec="http://schemas.microsoft.com/office/drawing/2017/decorative" val="1"/>
+              </a:ext>
+            </a:extLst>
+          </p:cNvPr>
+          <p:cNvSpPr>
+            <a:spLocks noGrp="1" noRot="1" noChangeAspect="1" noMove="1" noResize="1" noEditPoints="1" noAdjustHandles="1" noChangeArrowheads="1" noChangeShapeType="1" noTextEdit="1"/>
+          </p:cNvSpPr>
+          <p:nvPr>
+            <p:extLst>
+              <p:ext uri="{386F3935-93C4-4BCD-93E2-E3B085C9AB24}">
+                <p16:designElem xmlns:p16="http://schemas.microsoft.com/office/powerpoint/2015/main" val="1"/>
+              </p:ext>
+            </p:extLst>
+          </p:nvPr>
+        </p:nvSpPr>
+        <p:spPr>
+          <a:xfrm>
+            <a:off x="6093992" y="0"/>
+            <a:ext cx="6098427" cy="6858000"/>
+          </a:xfrm>
+          <a:prstGeom prst="rect">
+            <a:avLst/>
+          </a:prstGeom>
+          <a:solidFill>
+            <a:srgbClr val="FFFFFF"/>
+          </a:solidFill>
+          <a:ln>
+            <a:noFill/>
+          </a:ln>
+        </p:spPr>
+        <p:style>
+          <a:lnRef idx="2">
+            <a:schemeClr val="accent1">
+              <a:shade val="50000"/>
+            </a:schemeClr>
+          </a:lnRef>
+          <a:fillRef idx="1">
+            <a:schemeClr val="accent1"/>
+          </a:fillRef>
+          <a:effectRef idx="0">
+            <a:schemeClr val="accent1"/>
+          </a:effectRef>
+          <a:fontRef idx="minor">
+            <a:schemeClr val="lt1"/>
+          </a:fontRef>
+        </p:style>
+        <p:txBody>
+          <a:bodyPr rtlCol="0" anchor="ctr"/>
+          <a:lstStyle/>
+          <a:p>
+            <a:pPr algn="ctr"/>
+            <a:endParaRPr lang="en-US"/>
+          </a:p>
+        </p:txBody>
+      </p:sp>
+      <p:sp>
+        <p:nvSpPr>
+          <p:cNvPr id="13" name="Freeform 5">
+            <a:extLst>
+              <a:ext uri="{FF2B5EF4-FFF2-40B4-BE49-F238E27FC236}">
+                <a16:creationId xmlns:a16="http://schemas.microsoft.com/office/drawing/2014/main" id="{4C535542-B72A-4DE0-BE5A-5EA00508C77D}"/>
+              </a:ext>
+              <a:ext uri="{C183D7F6-B498-43B3-948B-1728B52AA6E4}">
+                <adec:decorative xmlns:adec="http://schemas.microsoft.com/office/drawing/2017/decorative" val="1"/>
+              </a:ext>
+            </a:extLst>
+          </p:cNvPr>
+          <p:cNvSpPr>
+            <a:spLocks noGrp="1" noRot="1" noChangeAspect="1" noMove="1" noResize="1" noEditPoints="1" noAdjustHandles="1" noChangeArrowheads="1" noChangeShapeType="1" noTextEdit="1"/>
+          </p:cNvSpPr>
+          <p:nvPr>
+            <p:extLst>
+              <p:ext uri="{386F3935-93C4-4BCD-93E2-E3B085C9AB24}">
+                <p16:designElem xmlns:p16="http://schemas.microsoft.com/office/powerpoint/2015/main" val="1"/>
+              </p:ext>
+            </p:extLst>
+          </p:nvPr>
+        </p:nvSpPr>
+        <p:spPr bwMode="gray">
+          <a:xfrm rot="16200000">
+            <a:off x="2450577" y="2756642"/>
+            <a:ext cx="6858000" cy="1344715"/>
+          </a:xfrm>
+          <a:custGeom>
+            <a:avLst/>
+            <a:gdLst/>
+            <a:ahLst/>
+            <a:cxnLst/>
+            <a:rect l="l" t="t" r="r" b="b"/>
+            <a:pathLst>
+              <a:path w="10000" h="8000">
+                <a:moveTo>
+                  <a:pt x="0" y="0"/>
+                </a:moveTo>
+                <a:lnTo>
+                  <a:pt x="0" y="7970"/>
+                </a:lnTo>
+                <a:lnTo>
+                  <a:pt x="10000" y="8000"/>
+                </a:lnTo>
+                <a:lnTo>
+                  <a:pt x="10000" y="7"/>
+                </a:lnTo>
+                <a:lnTo>
+                  <a:pt x="10000" y="7"/>
+                </a:lnTo>
+                <a:lnTo>
+                  <a:pt x="9773" y="156"/>
+                </a:lnTo>
+                <a:lnTo>
+                  <a:pt x="9547" y="298"/>
+                </a:lnTo>
+                <a:lnTo>
+                  <a:pt x="9320" y="437"/>
+                </a:lnTo>
+                <a:lnTo>
+                  <a:pt x="9092" y="556"/>
+                </a:lnTo>
+                <a:lnTo>
+                  <a:pt x="8865" y="676"/>
+                </a:lnTo>
+                <a:lnTo>
+                  <a:pt x="8637" y="788"/>
+                </a:lnTo>
+                <a:lnTo>
+                  <a:pt x="8412" y="884"/>
+                </a:lnTo>
+                <a:lnTo>
+                  <a:pt x="8184" y="975"/>
+                </a:lnTo>
+                <a:lnTo>
+                  <a:pt x="7957" y="1058"/>
+                </a:lnTo>
+                <a:lnTo>
+                  <a:pt x="7734" y="1130"/>
+                </a:lnTo>
+                <a:lnTo>
+                  <a:pt x="7508" y="1202"/>
+                </a:lnTo>
+                <a:lnTo>
+                  <a:pt x="7285" y="1262"/>
+                </a:lnTo>
+                <a:lnTo>
+                  <a:pt x="7062" y="1309"/>
+                </a:lnTo>
+                <a:lnTo>
+                  <a:pt x="6840" y="1358"/>
+                </a:lnTo>
+                <a:lnTo>
+                  <a:pt x="6620" y="1399"/>
+                </a:lnTo>
+                <a:lnTo>
+                  <a:pt x="6402" y="1428"/>
+                </a:lnTo>
+                <a:lnTo>
+                  <a:pt x="6184" y="1453"/>
+                </a:lnTo>
+                <a:lnTo>
+                  <a:pt x="5968" y="1477"/>
+                </a:lnTo>
+                <a:lnTo>
+                  <a:pt x="5755" y="1488"/>
+                </a:lnTo>
+                <a:lnTo>
+                  <a:pt x="5542" y="1500"/>
+                </a:lnTo>
+                <a:lnTo>
+                  <a:pt x="5332" y="1506"/>
+                </a:lnTo>
+                <a:lnTo>
+                  <a:pt x="5124" y="1500"/>
+                </a:lnTo>
+                <a:lnTo>
+                  <a:pt x="4918" y="1500"/>
+                </a:lnTo>
+                <a:lnTo>
+                  <a:pt x="4714" y="1488"/>
+                </a:lnTo>
+                <a:lnTo>
+                  <a:pt x="4514" y="1470"/>
+                </a:lnTo>
+                <a:lnTo>
+                  <a:pt x="4316" y="1453"/>
+                </a:lnTo>
+                <a:lnTo>
+                  <a:pt x="4122" y="1434"/>
+                </a:lnTo>
+                <a:lnTo>
+                  <a:pt x="3929" y="1405"/>
+                </a:lnTo>
+                <a:lnTo>
+                  <a:pt x="3739" y="1374"/>
+                </a:lnTo>
+                <a:lnTo>
+                  <a:pt x="3553" y="1346"/>
+                </a:lnTo>
+                <a:lnTo>
+                  <a:pt x="3190" y="1267"/>
+                </a:lnTo>
+                <a:lnTo>
+                  <a:pt x="2842" y="1183"/>
+                </a:lnTo>
+                <a:lnTo>
+                  <a:pt x="2508" y="1095"/>
+                </a:lnTo>
+                <a:lnTo>
+                  <a:pt x="2192" y="998"/>
+                </a:lnTo>
+                <a:lnTo>
+                  <a:pt x="1890" y="897"/>
+                </a:lnTo>
+                <a:lnTo>
+                  <a:pt x="1610" y="788"/>
+                </a:lnTo>
+                <a:lnTo>
+                  <a:pt x="1347" y="681"/>
+                </a:lnTo>
+                <a:lnTo>
+                  <a:pt x="1105" y="574"/>
+                </a:lnTo>
+                <a:lnTo>
+                  <a:pt x="883" y="473"/>
+                </a:lnTo>
+                <a:lnTo>
+                  <a:pt x="686" y="377"/>
+                </a:lnTo>
+                <a:lnTo>
+                  <a:pt x="508" y="286"/>
+                </a:lnTo>
+                <a:lnTo>
+                  <a:pt x="358" y="210"/>
+                </a:lnTo>
+                <a:lnTo>
+                  <a:pt x="232" y="138"/>
+                </a:lnTo>
+                <a:lnTo>
+                  <a:pt x="59" y="35"/>
+                </a:lnTo>
+                <a:lnTo>
+                  <a:pt x="0" y="0"/>
+                </a:lnTo>
+                <a:lnTo>
+                  <a:pt x="0" y="0"/>
+                </a:lnTo>
+                <a:close/>
+              </a:path>
+            </a:pathLst>
+          </a:custGeom>
+          <a:solidFill>
+            <a:srgbClr val="FFFFFF"/>
+          </a:solidFill>
+          <a:ln>
+            <a:noFill/>
+          </a:ln>
+        </p:spPr>
+      </p:sp>
+      <p:pic>
+        <p:nvPicPr>
+          <p:cNvPr id="4" name="Graphic 3">
+            <a:extLst>
+              <a:ext uri="{FF2B5EF4-FFF2-40B4-BE49-F238E27FC236}">
+                <a16:creationId xmlns:a16="http://schemas.microsoft.com/office/drawing/2014/main" id="{EE26F668-B29D-4154-97E1-37997719AF0D}"/>
+              </a:ext>
+            </a:extLst>
+          </p:cNvPr>
+          <p:cNvPicPr>
+            <a:picLocks noChangeAspect="1"/>
+          </p:cNvPicPr>
+          <p:nvPr/>
+        </p:nvPicPr>
+        <p:blipFill>
+          <a:blip r:embed="rId3">
+            <a:extLst>
+              <a:ext uri="{96DAC541-7B7A-43D3-8B79-37D633B846F1}">
+                <asvg:svgBlip xmlns:asvg="http://schemas.microsoft.com/office/drawing/2016/SVG/main" r:embed="rId4"/>
+              </a:ext>
+            </a:extLst>
+          </a:blip>
+          <a:stretch>
+            <a:fillRect/>
+          </a:stretch>
+        </p:blipFill>
+        <p:spPr>
+          <a:xfrm>
+            <a:off x="4043494" y="1015069"/>
+            <a:ext cx="7902428" cy="5531699"/>
+          </a:xfrm>
+          <a:prstGeom prst="rect">
+            <a:avLst/>
+          </a:prstGeom>
+          <a:effectLst/>
+        </p:spPr>
+      </p:pic>
+      <p:sp>
+        <p:nvSpPr>
+          <p:cNvPr id="15" name="Rectangle 14">
+            <a:extLst>
+              <a:ext uri="{FF2B5EF4-FFF2-40B4-BE49-F238E27FC236}">
+                <a16:creationId xmlns:a16="http://schemas.microsoft.com/office/drawing/2014/main" id="{11DF0705-615B-4CF3-A16F-8C14680D8BA6}"/>
+              </a:ext>
+              <a:ext uri="{C183D7F6-B498-43B3-948B-1728B52AA6E4}">
+                <adec:decorative xmlns:adec="http://schemas.microsoft.com/office/drawing/2017/decorative" val="1"/>
+              </a:ext>
+            </a:extLst>
+          </p:cNvPr>
+          <p:cNvSpPr>
+            <a:spLocks noGrp="1" noRot="1" noChangeAspect="1" noMove="1" noResize="1" noEditPoints="1" noAdjustHandles="1" noChangeArrowheads="1" noChangeShapeType="1" noTextEdit="1"/>
+          </p:cNvSpPr>
+          <p:nvPr>
+            <p:extLst>
+              <p:ext uri="{386F3935-93C4-4BCD-93E2-E3B085C9AB24}">
+                <p16:designElem xmlns:p16="http://schemas.microsoft.com/office/powerpoint/2015/main" val="1"/>
+              </p:ext>
+            </p:extLst>
+          </p:nvPr>
+        </p:nvSpPr>
+        <p:spPr>
+          <a:xfrm>
+            <a:off x="10442448" y="0"/>
+            <a:ext cx="685800" cy="1143000"/>
+          </a:xfrm>
+          <a:prstGeom prst="rect">
+            <a:avLst/>
+          </a:prstGeom>
+          <a:solidFill>
+            <a:schemeClr val="accent1"/>
+          </a:solidFill>
+          <a:ln>
+            <a:noFill/>
+          </a:ln>
+        </p:spPr>
+        <p:style>
+          <a:lnRef idx="1">
+            <a:schemeClr val="accent1"/>
+          </a:lnRef>
+          <a:fillRef idx="3">
+            <a:schemeClr val="accent1"/>
+          </a:fillRef>
+          <a:effectRef idx="2">
+            <a:schemeClr val="accent1"/>
+          </a:effectRef>
+          <a:fontRef idx="minor">
+            <a:schemeClr val="lt1"/>
+          </a:fontRef>
+        </p:style>
+      </p:sp>
+      <p:sp>
+        <p:nvSpPr>
+          <p:cNvPr id="10" name="Rectangle 9">
+            <a:extLst>
+              <a:ext uri="{FF2B5EF4-FFF2-40B4-BE49-F238E27FC236}">
+                <a16:creationId xmlns:a16="http://schemas.microsoft.com/office/drawing/2014/main" id="{F53760C3-57A8-45CA-902C-C9EF6BB3B6D2}"/>
+              </a:ext>
+            </a:extLst>
+          </p:cNvPr>
+          <p:cNvSpPr/>
+          <p:nvPr/>
+        </p:nvSpPr>
+        <p:spPr>
+          <a:xfrm>
+            <a:off x="7508147" y="3070371"/>
+            <a:ext cx="1174459" cy="3045203"/>
+          </a:xfrm>
+          <a:prstGeom prst="rect">
+            <a:avLst/>
+          </a:prstGeom>
+          <a:noFill/>
+          <a:ln>
+            <a:solidFill>
+              <a:srgbClr val="FF0000"/>
+            </a:solidFill>
+          </a:ln>
+        </p:spPr>
+        <p:style>
+          <a:lnRef idx="2">
+            <a:schemeClr val="accent3"/>
+          </a:lnRef>
+          <a:fillRef idx="1">
+            <a:schemeClr val="lt1"/>
+          </a:fillRef>
+          <a:effectRef idx="0">
+            <a:schemeClr val="accent3"/>
+          </a:effectRef>
+          <a:fontRef idx="minor">
+            <a:schemeClr val="dk1"/>
+          </a:fontRef>
+        </p:style>
+        <p:txBody>
+          <a:bodyPr rtlCol="0" anchor="ctr"/>
+          <a:lstStyle/>
+          <a:p>
+            <a:pPr algn="ctr"/>
+            <a:endParaRPr lang="en-SG"/>
+          </a:p>
+        </p:txBody>
+      </p:sp>
+      <p:sp>
+        <p:nvSpPr>
+          <p:cNvPr id="12" name="Content Placeholder 2">
+            <a:extLst>
+              <a:ext uri="{FF2B5EF4-FFF2-40B4-BE49-F238E27FC236}">
+                <a16:creationId xmlns:a16="http://schemas.microsoft.com/office/drawing/2014/main" id="{42B65349-6841-4909-854C-E1A0F9B232FF}"/>
+              </a:ext>
+            </a:extLst>
+          </p:cNvPr>
+          <p:cNvSpPr txBox="1">
+            <a:spLocks/>
+          </p:cNvSpPr>
+          <p:nvPr/>
+        </p:nvSpPr>
+        <p:spPr>
+          <a:xfrm>
+            <a:off x="648931" y="2438400"/>
+            <a:ext cx="3104864" cy="3785419"/>
+          </a:xfrm>
+          <a:prstGeom prst="rect">
+            <a:avLst/>
+          </a:prstGeom>
+        </p:spPr>
+        <p:txBody>
+          <a:bodyPr vert="horz" lIns="91440" tIns="45720" rIns="91440" bIns="45720" rtlCol="0">
+            <a:normAutofit/>
+          </a:bodyPr>
+          <a:lstStyle>
+            <a:lvl1pPr marL="342900" indent="-342900" algn="l" defTabSz="457200" rtl="0" eaLnBrk="1" latinLnBrk="0" hangingPunct="1">
+              <a:spcBef>
+                <a:spcPts val="1000"/>
+              </a:spcBef>
+              <a:spcAft>
+                <a:spcPts val="0"/>
+              </a:spcAft>
+              <a:buClr>
+                <a:schemeClr val="accent1"/>
+              </a:buClr>
+              <a:buSzPct val="80000"/>
+              <a:buFont typeface="Wingdings 3" charset="2"/>
+              <a:buChar char=""/>
+              <a:defRPr sz="2000" b="0" i="0" kern="1200">
+                <a:solidFill>
+                  <a:schemeClr val="tx1"/>
+                </a:solidFill>
+                <a:latin typeface="+mj-lt"/>
+                <a:ea typeface="+mj-ea"/>
+                <a:cs typeface="+mj-cs"/>
+              </a:defRPr>
+            </a:lvl1pPr>
+            <a:lvl2pPr marL="742950" indent="-285750" algn="l" defTabSz="457200" rtl="0" eaLnBrk="1" latinLnBrk="0" hangingPunct="1">
+              <a:spcBef>
+                <a:spcPts val="1000"/>
+              </a:spcBef>
+              <a:spcAft>
+                <a:spcPts val="0"/>
+              </a:spcAft>
+              <a:buClr>
+                <a:schemeClr val="accent1"/>
+              </a:buClr>
+              <a:buSzPct val="80000"/>
+              <a:buFont typeface="Wingdings 3" charset="2"/>
+              <a:buChar char=""/>
+              <a:defRPr sz="1800" b="0" i="0" kern="1200">
+                <a:solidFill>
+                  <a:schemeClr val="tx1"/>
+                </a:solidFill>
+                <a:latin typeface="+mj-lt"/>
+                <a:ea typeface="+mj-ea"/>
+                <a:cs typeface="+mj-cs"/>
+              </a:defRPr>
+            </a:lvl2pPr>
+            <a:lvl3pPr marL="1143000" indent="-228600" algn="l" defTabSz="457200" rtl="0" eaLnBrk="1" latinLnBrk="0" hangingPunct="1">
+              <a:spcBef>
+                <a:spcPts val="1000"/>
+              </a:spcBef>
+              <a:spcAft>
+                <a:spcPts val="0"/>
+              </a:spcAft>
+              <a:buClr>
+                <a:schemeClr val="accent1"/>
+              </a:buClr>
+              <a:buSzPct val="80000"/>
+              <a:buFont typeface="Wingdings 3" charset="2"/>
+              <a:buChar char=""/>
+              <a:defRPr sz="1600" b="0" i="0" kern="1200">
+                <a:solidFill>
+                  <a:schemeClr val="tx1"/>
+                </a:solidFill>
+                <a:latin typeface="+mj-lt"/>
+                <a:ea typeface="+mj-ea"/>
+                <a:cs typeface="+mj-cs"/>
+              </a:defRPr>
+            </a:lvl3pPr>
+            <a:lvl4pPr marL="1600200" indent="-228600" algn="l" defTabSz="457200" rtl="0" eaLnBrk="1" latinLnBrk="0" hangingPunct="1">
+              <a:spcBef>
+                <a:spcPts val="1000"/>
+              </a:spcBef>
+              <a:spcAft>
+                <a:spcPts val="0"/>
+              </a:spcAft>
+              <a:buClr>
+                <a:schemeClr val="accent1"/>
+              </a:buClr>
+              <a:buSzPct val="80000"/>
+              <a:buFont typeface="Wingdings 3" charset="2"/>
+              <a:buChar char=""/>
+              <a:defRPr sz="1400" b="0" i="0" kern="1200">
+                <a:solidFill>
+                  <a:schemeClr val="tx1"/>
+                </a:solidFill>
+                <a:latin typeface="+mj-lt"/>
+                <a:ea typeface="+mj-ea"/>
+                <a:cs typeface="+mj-cs"/>
+              </a:defRPr>
+            </a:lvl4pPr>
+            <a:lvl5pPr marL="2057400" indent="-228600" algn="l" defTabSz="457200" rtl="0" eaLnBrk="1" latinLnBrk="0" hangingPunct="1">
+              <a:spcBef>
+                <a:spcPts val="1000"/>
+              </a:spcBef>
+              <a:spcAft>
+                <a:spcPts val="0"/>
+              </a:spcAft>
+              <a:buClr>
+                <a:schemeClr val="accent1"/>
+              </a:buClr>
+              <a:buSzPct val="80000"/>
+              <a:buFont typeface="Wingdings 3" charset="2"/>
+              <a:buChar char=""/>
+              <a:defRPr sz="1400" b="0" i="0" kern="1200">
+                <a:solidFill>
+                  <a:schemeClr val="tx1"/>
+                </a:solidFill>
+                <a:latin typeface="+mj-lt"/>
+                <a:ea typeface="+mj-ea"/>
+                <a:cs typeface="+mj-cs"/>
+              </a:defRPr>
+            </a:lvl5pPr>
+            <a:lvl6pPr marL="2514600" indent="-228600" algn="l" defTabSz="457200" rtl="0" eaLnBrk="1" latinLnBrk="0" hangingPunct="1">
+              <a:spcBef>
+                <a:spcPts val="1000"/>
+              </a:spcBef>
+              <a:spcAft>
+                <a:spcPts val="0"/>
+              </a:spcAft>
+              <a:buClr>
+                <a:schemeClr val="accent1"/>
+              </a:buClr>
+              <a:buSzPct val="80000"/>
+              <a:buFont typeface="Wingdings 3" charset="2"/>
+              <a:buChar char=""/>
+              <a:defRPr sz="1400" b="0" i="0" kern="1200">
+                <a:solidFill>
+                  <a:schemeClr val="tx1"/>
+                </a:solidFill>
+                <a:latin typeface="+mj-lt"/>
+                <a:ea typeface="+mj-ea"/>
+                <a:cs typeface="+mj-cs"/>
+              </a:defRPr>
+            </a:lvl6pPr>
+            <a:lvl7pPr marL="2971800" indent="-228600" algn="l" defTabSz="457200" rtl="0" eaLnBrk="1" latinLnBrk="0" hangingPunct="1">
+              <a:spcBef>
+                <a:spcPts val="1000"/>
+              </a:spcBef>
+              <a:spcAft>
+                <a:spcPts val="0"/>
+              </a:spcAft>
+              <a:buClr>
+                <a:schemeClr val="accent1"/>
+              </a:buClr>
+              <a:buSzPct val="80000"/>
+              <a:buFont typeface="Wingdings 3" charset="2"/>
+              <a:buChar char=""/>
+              <a:defRPr sz="1400" b="0" i="0" kern="1200">
+                <a:solidFill>
+                  <a:schemeClr val="tx1"/>
+                </a:solidFill>
+                <a:latin typeface="+mj-lt"/>
+                <a:ea typeface="+mj-ea"/>
+                <a:cs typeface="+mj-cs"/>
+              </a:defRPr>
+            </a:lvl7pPr>
+            <a:lvl8pPr marL="3429000" indent="-228600" algn="l" defTabSz="457200" rtl="0" eaLnBrk="1" latinLnBrk="0" hangingPunct="1">
+              <a:spcBef>
+                <a:spcPts val="1000"/>
+              </a:spcBef>
+              <a:spcAft>
+                <a:spcPts val="0"/>
+              </a:spcAft>
+              <a:buClr>
+                <a:schemeClr val="accent1"/>
+              </a:buClr>
+              <a:buSzPct val="80000"/>
+              <a:buFont typeface="Wingdings 3" charset="2"/>
+              <a:buChar char=""/>
+              <a:defRPr sz="1400" b="0" i="0" kern="1200">
+                <a:solidFill>
+                  <a:schemeClr val="tx1"/>
+                </a:solidFill>
+                <a:latin typeface="+mj-lt"/>
+                <a:ea typeface="+mj-ea"/>
+                <a:cs typeface="+mj-cs"/>
+              </a:defRPr>
+            </a:lvl8pPr>
+            <a:lvl9pPr marL="3886200" indent="-228600" algn="l" defTabSz="457200" rtl="0" eaLnBrk="1" latinLnBrk="0" hangingPunct="1">
+              <a:spcBef>
+                <a:spcPts val="1000"/>
+              </a:spcBef>
+              <a:spcAft>
+                <a:spcPts val="0"/>
+              </a:spcAft>
+              <a:buClr>
+                <a:schemeClr val="accent1"/>
+              </a:buClr>
+              <a:buSzPct val="80000"/>
+              <a:buFont typeface="Wingdings 3" charset="2"/>
+              <a:buChar char=""/>
+              <a:defRPr sz="1400" b="0" i="0" kern="1200">
+                <a:solidFill>
+                  <a:schemeClr val="tx1"/>
+                </a:solidFill>
+                <a:latin typeface="+mj-lt"/>
+                <a:ea typeface="+mj-ea"/>
+                <a:cs typeface="+mj-cs"/>
+              </a:defRPr>
+            </a:lvl9pPr>
+          </a:lstStyle>
+          <a:p>
+            <a:r>
+              <a:rPr lang="en-SG" sz="2800" dirty="0"/>
+              <a:t>Geographic &amp; demographic information</a:t>
+            </a:r>
+          </a:p>
+          <a:p>
+            <a:pPr marL="0" indent="0">
+              <a:buNone/>
+            </a:pPr>
+            <a:r>
+              <a:rPr lang="en-SG" sz="2800" dirty="0"/>
+              <a:t>	- Gender 	proportion</a:t>
+            </a:r>
+          </a:p>
+        </p:txBody>
+      </p:sp>
+    </p:spTree>
+    <p:extLst>
+      <p:ext uri="{BB962C8B-B14F-4D97-AF65-F5344CB8AC3E}">
+        <p14:creationId xmlns:p14="http://schemas.microsoft.com/office/powerpoint/2010/main" val="674561551"/>
+      </p:ext>
+    </p:extLst>
+  </p:cSld>
+  <p:clrMapOvr>
+    <a:masterClrMapping/>
+  </p:clrMapOvr>
+  <p:timing>
+    <p:tnLst>
+      <p:par>
+        <p:cTn id="1" dur="indefinite" restart="never" nodeType="tmRoot">
+          <p:childTnLst>
+            <p:seq concurrent="1" nextAc="seek">
+              <p:cTn id="2" dur="indefinite" nodeType="mainSeq">
+                <p:childTnLst>
+                  <p:par>
+                    <p:cTn id="3" fill="hold">
+                      <p:stCondLst>
+                        <p:cond delay="indefinite"/>
+                      </p:stCondLst>
+                      <p:childTnLst>
+                        <p:par>
+                          <p:cTn id="4" fill="hold">
+                            <p:stCondLst>
+                              <p:cond delay="0"/>
+                            </p:stCondLst>
+                            <p:childTnLst>
+                              <p:par>
+                                <p:cTn id="5" presetID="53" presetClass="entr" presetSubtype="16" fill="hold" grpId="0" nodeType="clickEffect">
+                                  <p:stCondLst>
+                                    <p:cond delay="0"/>
+                                  </p:stCondLst>
+                                  <p:childTnLst>
+                                    <p:set>
+                                      <p:cBhvr>
+                                        <p:cTn id="6" dur="1" fill="hold">
+                                          <p:stCondLst>
+                                            <p:cond delay="0"/>
+                                          </p:stCondLst>
+                                        </p:cTn>
+                                        <p:tgtEl>
+                                          <p:spTgt spid="10"/>
+                                        </p:tgtEl>
+                                        <p:attrNameLst>
+                                          <p:attrName>style.visibility</p:attrName>
+                                        </p:attrNameLst>
+                                      </p:cBhvr>
+                                      <p:to>
+                                        <p:strVal val="visible"/>
+                                      </p:to>
+                                    </p:set>
+                                    <p:anim calcmode="lin" valueType="num">
+                                      <p:cBhvr>
+                                        <p:cTn id="7" dur="500" fill="hold"/>
+                                        <p:tgtEl>
+                                          <p:spTgt spid="10"/>
+                                        </p:tgtEl>
+                                        <p:attrNameLst>
+                                          <p:attrName>ppt_w</p:attrName>
+                                        </p:attrNameLst>
+                                      </p:cBhvr>
+                                      <p:tavLst>
+                                        <p:tav tm="0">
+                                          <p:val>
+                                            <p:fltVal val="0"/>
+                                          </p:val>
+                                        </p:tav>
+                                        <p:tav tm="100000">
+                                          <p:val>
+                                            <p:strVal val="#ppt_w"/>
+                                          </p:val>
+                                        </p:tav>
+                                      </p:tavLst>
+                                    </p:anim>
+                                    <p:anim calcmode="lin" valueType="num">
+                                      <p:cBhvr>
+                                        <p:cTn id="8" dur="500" fill="hold"/>
+                                        <p:tgtEl>
+                                          <p:spTgt spid="10"/>
+                                        </p:tgtEl>
+                                        <p:attrNameLst>
+                                          <p:attrName>ppt_h</p:attrName>
+                                        </p:attrNameLst>
+                                      </p:cBhvr>
+                                      <p:tavLst>
+                                        <p:tav tm="0">
+                                          <p:val>
+                                            <p:fltVal val="0"/>
+                                          </p:val>
+                                        </p:tav>
+                                        <p:tav tm="100000">
+                                          <p:val>
+                                            <p:strVal val="#ppt_h"/>
+                                          </p:val>
+                                        </p:tav>
+                                      </p:tavLst>
+                                    </p:anim>
+                                    <p:animEffect transition="in" filter="fade">
+                                      <p:cBhvr>
+                                        <p:cTn id="9" dur="500"/>
+                                        <p:tgtEl>
+                                          <p:spTgt spid="10"/>
+                                        </p:tgtEl>
+                                      </p:cBhvr>
+                                    </p:animEffect>
+                                  </p:childTnLst>
+                                </p:cTn>
+                              </p:par>
+                            </p:childTnLst>
+                          </p:cTn>
+                        </p:par>
+                      </p:childTnLst>
+                    </p:cTn>
+                  </p:par>
+                </p:childTnLst>
+              </p:cTn>
+              <p:prevCondLst>
+                <p:cond evt="onPrev" delay="0">
+                  <p:tgtEl>
+                    <p:sldTgt/>
+                  </p:tgtEl>
+                </p:cond>
+              </p:prevCondLst>
+              <p:nextCondLst>
+                <p:cond evt="onNext" delay="0">
+                  <p:tgtEl>
+                    <p:sldTgt/>
+                  </p:tgtEl>
+                </p:cond>
+              </p:nextCondLst>
+            </p:seq>
+          </p:childTnLst>
+        </p:cTn>
+      </p:par>
+    </p:tnLst>
+    <p:bldLst>
+      <p:bldP spid="10" grpId="0" animBg="1"/>
+    </p:bldLst>
+  </p:timing>
+</p:sld>
+</file>
+
+<file path=ppt/slides/slide6.xml><?xml version="1.0" encoding="utf-8"?>
+<p:sld xmlns:a="http://schemas.openxmlformats.org/drawingml/2006/main" xmlns:r="http://schemas.openxmlformats.org/officeDocument/2006/relationships" xmlns:p="http://schemas.openxmlformats.org/presentationml/2006/main">
+  <p:cSld>
+    <p:bg>
+      <p:bgPr>
+        <a:blipFill rotWithShape="1">
+          <a:blip r:embed="rId2">
+            <a:duotone>
+              <a:schemeClr val="bg2">
+                <a:shade val="62000"/>
+                <a:hueMod val="108000"/>
+                <a:satMod val="164000"/>
+                <a:lumMod val="69000"/>
+              </a:schemeClr>
+              <a:schemeClr val="bg2">
+                <a:tint val="96000"/>
+                <a:hueMod val="90000"/>
+                <a:satMod val="130000"/>
+                <a:lumMod val="134000"/>
+              </a:schemeClr>
+            </a:duotone>
+          </a:blip>
+          <a:stretch/>
+        </a:blipFill>
+        <a:effectLst/>
+      </p:bgPr>
+    </p:bg>
+    <p:spTree>
+      <p:nvGrpSpPr>
+        <p:cNvPr id="1" name=""/>
+        <p:cNvGrpSpPr/>
+        <p:nvPr/>
+      </p:nvGrpSpPr>
+      <p:grpSpPr>
+        <a:xfrm>
+          <a:off x="0" y="0"/>
+          <a:ext cx="0" cy="0"/>
+          <a:chOff x="0" y="0"/>
+          <a:chExt cx="0" cy="0"/>
+        </a:xfrm>
+      </p:grpSpPr>
+      <p:sp>
+        <p:nvSpPr>
+          <p:cNvPr id="2" name="Title 1">
+            <a:extLst>
+              <a:ext uri="{FF2B5EF4-FFF2-40B4-BE49-F238E27FC236}">
+                <a16:creationId xmlns:a16="http://schemas.microsoft.com/office/drawing/2014/main" id="{8BAAC7A6-57DA-489D-A467-D28AE49D7A8C}"/>
+              </a:ext>
+            </a:extLst>
+          </p:cNvPr>
+          <p:cNvSpPr>
+            <a:spLocks noGrp="1"/>
+          </p:cNvSpPr>
+          <p:nvPr>
+            <p:ph type="title"/>
+          </p:nvPr>
+        </p:nvSpPr>
+        <p:spPr>
+          <a:xfrm>
+            <a:off x="648931" y="629266"/>
+            <a:ext cx="2950985" cy="1622321"/>
+          </a:xfrm>
+        </p:spPr>
+        <p:txBody>
+          <a:bodyPr>
+            <a:normAutofit/>
+          </a:bodyPr>
+          <a:lstStyle/>
+          <a:p>
+            <a:r>
+              <a:rPr lang="en-US" dirty="0"/>
+              <a:t>Areas explored</a:t>
+            </a:r>
+            <a:endParaRPr lang="en-SG" dirty="0"/>
+          </a:p>
+        </p:txBody>
+      </p:sp>
+      <p:sp>
+        <p:nvSpPr>
+          <p:cNvPr id="3" name="Content Placeholder 2">
+            <a:extLst>
+              <a:ext uri="{FF2B5EF4-FFF2-40B4-BE49-F238E27FC236}">
+                <a16:creationId xmlns:a16="http://schemas.microsoft.com/office/drawing/2014/main" id="{293FCE9B-C27D-4872-8320-609F4718D3AB}"/>
+              </a:ext>
+            </a:extLst>
+          </p:cNvPr>
+          <p:cNvSpPr>
+            <a:spLocks noGrp="1"/>
+          </p:cNvSpPr>
+          <p:nvPr>
+            <p:ph idx="1"/>
+          </p:nvPr>
+        </p:nvSpPr>
+        <p:spPr>
+          <a:xfrm>
+            <a:off x="648932" y="2438400"/>
+            <a:ext cx="1952542" cy="3785419"/>
+          </a:xfrm>
+        </p:spPr>
+        <p:txBody>
+          <a:bodyPr>
+            <a:normAutofit/>
+          </a:bodyPr>
+          <a:lstStyle/>
+          <a:p>
+            <a:r>
+              <a:rPr lang="en-SG" sz="2800" dirty="0"/>
+              <a:t>Traffic volume by station (Year 2017)</a:t>
+            </a:r>
+          </a:p>
+        </p:txBody>
+      </p:sp>
+      <p:sp>
+        <p:nvSpPr>
+          <p:cNvPr id="20" name="Freeform 31">
+            <a:extLst>
+              <a:ext uri="{FF2B5EF4-FFF2-40B4-BE49-F238E27FC236}">
+                <a16:creationId xmlns:a16="http://schemas.microsoft.com/office/drawing/2014/main" id="{D6CEF2A9-EF08-4FB3-AFFB-C5F77AB6E028}"/>
+              </a:ext>
+              <a:ext uri="{C183D7F6-B498-43B3-948B-1728B52AA6E4}">
+                <adec:decorative xmlns:adec="http://schemas.microsoft.com/office/drawing/2017/decorative" val="1"/>
+              </a:ext>
+            </a:extLst>
+          </p:cNvPr>
+          <p:cNvSpPr>
+            <a:spLocks noGrp="1" noRot="1" noChangeAspect="1" noMove="1" noResize="1" noEditPoints="1" noAdjustHandles="1" noChangeArrowheads="1" noChangeShapeType="1" noTextEdit="1"/>
+          </p:cNvSpPr>
+          <p:nvPr>
+            <p:extLst>
+              <p:ext uri="{386F3935-93C4-4BCD-93E2-E3B085C9AB24}">
+                <p16:designElem xmlns:p16="http://schemas.microsoft.com/office/powerpoint/2015/main" val="1"/>
+              </p:ext>
+            </p:extLst>
+          </p:nvPr>
+        </p:nvSpPr>
+        <p:spPr>
+          <a:xfrm>
+            <a:off x="4994020" y="-1"/>
+            <a:ext cx="559472" cy="3709642"/>
+          </a:xfrm>
+          <a:custGeom>
+            <a:avLst/>
+            <a:gdLst>
+              <a:gd name="connsiteX0" fmla="*/ 0 w 559472"/>
+              <a:gd name="connsiteY0" fmla="*/ 0 h 3709642"/>
+              <a:gd name="connsiteX1" fmla="*/ 473952 w 559472"/>
+              <a:gd name="connsiteY1" fmla="*/ 0 h 3709642"/>
+              <a:gd name="connsiteX2" fmla="*/ 485840 w 559472"/>
+              <a:gd name="connsiteY2" fmla="*/ 161194 h 3709642"/>
+              <a:gd name="connsiteX3" fmla="*/ 523949 w 559472"/>
+              <a:gd name="connsiteY3" fmla="*/ 3672197 h 3709642"/>
+              <a:gd name="connsiteX4" fmla="*/ 454748 w 559472"/>
+              <a:gd name="connsiteY4" fmla="*/ 3709642 h 3709642"/>
+              <a:gd name="connsiteX5" fmla="*/ 448224 w 559472"/>
+              <a:gd name="connsiteY5" fmla="*/ 3510471 h 3709642"/>
+              <a:gd name="connsiteX6" fmla="*/ 443564 w 559472"/>
+              <a:gd name="connsiteY6" fmla="*/ 3408563 h 3709642"/>
+              <a:gd name="connsiteX7" fmla="*/ 438902 w 559472"/>
+              <a:gd name="connsiteY7" fmla="*/ 3304407 h 3709642"/>
+              <a:gd name="connsiteX8" fmla="*/ 433941 w 559472"/>
+              <a:gd name="connsiteY8" fmla="*/ 3198777 h 3709642"/>
+              <a:gd name="connsiteX9" fmla="*/ 427584 w 559472"/>
+              <a:gd name="connsiteY9" fmla="*/ 3092510 h 3709642"/>
+              <a:gd name="connsiteX10" fmla="*/ 420988 w 559472"/>
+              <a:gd name="connsiteY10" fmla="*/ 2984390 h 3709642"/>
+              <a:gd name="connsiteX11" fmla="*/ 414330 w 559472"/>
+              <a:gd name="connsiteY11" fmla="*/ 2874401 h 3709642"/>
+              <a:gd name="connsiteX12" fmla="*/ 406840 w 559472"/>
+              <a:gd name="connsiteY12" fmla="*/ 2762980 h 3709642"/>
+              <a:gd name="connsiteX13" fmla="*/ 397745 w 559472"/>
+              <a:gd name="connsiteY13" fmla="*/ 2650566 h 3709642"/>
+              <a:gd name="connsiteX14" fmla="*/ 389154 w 559472"/>
+              <a:gd name="connsiteY14" fmla="*/ 2536612 h 3709642"/>
+              <a:gd name="connsiteX15" fmla="*/ 379225 w 559472"/>
+              <a:gd name="connsiteY15" fmla="*/ 2421642 h 3709642"/>
+              <a:gd name="connsiteX16" fmla="*/ 368316 w 559472"/>
+              <a:gd name="connsiteY16" fmla="*/ 2305627 h 3709642"/>
+              <a:gd name="connsiteX17" fmla="*/ 357466 w 559472"/>
+              <a:gd name="connsiteY17" fmla="*/ 2189233 h 3709642"/>
+              <a:gd name="connsiteX18" fmla="*/ 344982 w 559472"/>
+              <a:gd name="connsiteY18" fmla="*/ 2071473 h 3709642"/>
+              <a:gd name="connsiteX19" fmla="*/ 332466 w 559472"/>
+              <a:gd name="connsiteY19" fmla="*/ 1952216 h 3709642"/>
+              <a:gd name="connsiteX20" fmla="*/ 319121 w 559472"/>
+              <a:gd name="connsiteY20" fmla="*/ 1833776 h 3709642"/>
+              <a:gd name="connsiteX21" fmla="*/ 304408 w 559472"/>
+              <a:gd name="connsiteY21" fmla="*/ 1713948 h 3709642"/>
+              <a:gd name="connsiteX22" fmla="*/ 288685 w 559472"/>
+              <a:gd name="connsiteY22" fmla="*/ 1592703 h 3709642"/>
+              <a:gd name="connsiteX23" fmla="*/ 273050 w 559472"/>
+              <a:gd name="connsiteY23" fmla="*/ 1471451 h 3709642"/>
+              <a:gd name="connsiteX24" fmla="*/ 255813 w 559472"/>
+              <a:gd name="connsiteY24" fmla="*/ 1350328 h 3709642"/>
+              <a:gd name="connsiteX25" fmla="*/ 237060 w 559472"/>
+              <a:gd name="connsiteY25" fmla="*/ 1227080 h 3709642"/>
+              <a:gd name="connsiteX26" fmla="*/ 218488 w 559472"/>
+              <a:gd name="connsiteY26" fmla="*/ 1106065 h 3709642"/>
+              <a:gd name="connsiteX27" fmla="*/ 198221 w 559472"/>
+              <a:gd name="connsiteY27" fmla="*/ 982940 h 3709642"/>
+              <a:gd name="connsiteX28" fmla="*/ 177152 w 559472"/>
+              <a:gd name="connsiteY28" fmla="*/ 858755 h 3709642"/>
+              <a:gd name="connsiteX29" fmla="*/ 155551 w 559472"/>
+              <a:gd name="connsiteY29" fmla="*/ 736861 h 3709642"/>
+              <a:gd name="connsiteX30" fmla="*/ 131782 w 559472"/>
+              <a:gd name="connsiteY30" fmla="*/ 613645 h 3709642"/>
+              <a:gd name="connsiteX31" fmla="*/ 107123 w 559472"/>
+              <a:gd name="connsiteY31" fmla="*/ 490500 h 3709642"/>
+              <a:gd name="connsiteX32" fmla="*/ 82552 w 559472"/>
+              <a:gd name="connsiteY32" fmla="*/ 367348 h 3709642"/>
+              <a:gd name="connsiteX33" fmla="*/ 55608 w 559472"/>
+              <a:gd name="connsiteY33" fmla="*/ 244762 h 3709642"/>
+              <a:gd name="connsiteX34" fmla="*/ 28130 w 559472"/>
+              <a:gd name="connsiteY34" fmla="*/ 122220 h 3709642"/>
+              <a:gd name="connsiteX35" fmla="*/ 0 w 559472"/>
+              <a:gd name="connsiteY35" fmla="*/ 0 h 3709642"/>
+            </a:gdLst>
+            <a:ahLst/>
+            <a:cxnLst>
+              <a:cxn ang="0">
+                <a:pos x="connsiteX0" y="connsiteY0"/>
+              </a:cxn>
+              <a:cxn ang="0">
+                <a:pos x="connsiteX1" y="connsiteY1"/>
+              </a:cxn>
+              <a:cxn ang="0">
+                <a:pos x="connsiteX2" y="connsiteY2"/>
+              </a:cxn>
+              <a:cxn ang="0">
+                <a:pos x="connsiteX3" y="connsiteY3"/>
+              </a:cxn>
+              <a:cxn ang="0">
+                <a:pos x="connsiteX4" y="connsiteY4"/>
+              </a:cxn>
+              <a:cxn ang="0">
+                <a:pos x="connsiteX5" y="connsiteY5"/>
+              </a:cxn>
+              <a:cxn ang="0">
+                <a:pos x="connsiteX6" y="connsiteY6"/>
+              </a:cxn>
+              <a:cxn ang="0">
+                <a:pos x="connsiteX7" y="connsiteY7"/>
+              </a:cxn>
+              <a:cxn ang="0">
+                <a:pos x="connsiteX8" y="connsiteY8"/>
+              </a:cxn>
+              <a:cxn ang="0">
+                <a:pos x="connsiteX9" y="connsiteY9"/>
+              </a:cxn>
+              <a:cxn ang="0">
+                <a:pos x="connsiteX10" y="connsiteY10"/>
+              </a:cxn>
+              <a:cxn ang="0">
+                <a:pos x="connsiteX11" y="connsiteY11"/>
+              </a:cxn>
+              <a:cxn ang="0">
+                <a:pos x="connsiteX12" y="connsiteY12"/>
+              </a:cxn>
+              <a:cxn ang="0">
+                <a:pos x="connsiteX13" y="connsiteY13"/>
+              </a:cxn>
+              <a:cxn ang="0">
+                <a:pos x="connsiteX14" y="connsiteY14"/>
+              </a:cxn>
+              <a:cxn ang="0">
+                <a:pos x="connsiteX15" y="connsiteY15"/>
+              </a:cxn>
+              <a:cxn ang="0">
+                <a:pos x="connsiteX16" y="connsiteY16"/>
+              </a:cxn>
+              <a:cxn ang="0">
+                <a:pos x="connsiteX17" y="connsiteY17"/>
+              </a:cxn>
+              <a:cxn ang="0">
+                <a:pos x="connsiteX18" y="connsiteY18"/>
+              </a:cxn>
+              <a:cxn ang="0">
+                <a:pos x="connsiteX19" y="connsiteY19"/>
+              </a:cxn>
+              <a:cxn ang="0">
+                <a:pos x="connsiteX20" y="connsiteY20"/>
+              </a:cxn>
+              <a:cxn ang="0">
+                <a:pos x="connsiteX21" y="connsiteY21"/>
+              </a:cxn>
+              <a:cxn ang="0">
+                <a:pos x="connsiteX22" y="connsiteY22"/>
+              </a:cxn>
+              <a:cxn ang="0">
+                <a:pos x="connsiteX23" y="connsiteY23"/>
+              </a:cxn>
+              <a:cxn ang="0">
+                <a:pos x="connsiteX24" y="connsiteY24"/>
+              </a:cxn>
+              <a:cxn ang="0">
+                <a:pos x="connsiteX25" y="connsiteY25"/>
+              </a:cxn>
+              <a:cxn ang="0">
+                <a:pos x="connsiteX26" y="connsiteY26"/>
+              </a:cxn>
+              <a:cxn ang="0">
+                <a:pos x="connsiteX27" y="connsiteY27"/>
+              </a:cxn>
+              <a:cxn ang="0">
+                <a:pos x="connsiteX28" y="connsiteY28"/>
+              </a:cxn>
+              <a:cxn ang="0">
+                <a:pos x="connsiteX29" y="connsiteY29"/>
+              </a:cxn>
+              <a:cxn ang="0">
+                <a:pos x="connsiteX30" y="connsiteY30"/>
+              </a:cxn>
+              <a:cxn ang="0">
+                <a:pos x="connsiteX31" y="connsiteY31"/>
+              </a:cxn>
+              <a:cxn ang="0">
+                <a:pos x="connsiteX32" y="connsiteY32"/>
+              </a:cxn>
+              <a:cxn ang="0">
+                <a:pos x="connsiteX33" y="connsiteY33"/>
+              </a:cxn>
+              <a:cxn ang="0">
+                <a:pos x="connsiteX34" y="connsiteY34"/>
+              </a:cxn>
+              <a:cxn ang="0">
+                <a:pos x="connsiteX35" y="connsiteY35"/>
+              </a:cxn>
+            </a:cxnLst>
+            <a:rect l="l" t="t" r="r" b="b"/>
+            <a:pathLst>
+              <a:path w="559472" h="3709642">
+                <a:moveTo>
+                  <a:pt x="0" y="0"/>
+                </a:moveTo>
+                <a:lnTo>
+                  <a:pt x="473952" y="0"/>
+                </a:lnTo>
+                <a:lnTo>
+                  <a:pt x="485840" y="161194"/>
+                </a:lnTo>
+                <a:cubicBezTo>
+                  <a:pt x="552063" y="1147770"/>
+                  <a:pt x="592441" y="3086737"/>
+                  <a:pt x="523949" y="3672197"/>
+                </a:cubicBezTo>
+                <a:cubicBezTo>
+                  <a:pt x="500842" y="3684557"/>
+                  <a:pt x="477855" y="3697282"/>
+                  <a:pt x="454748" y="3709642"/>
+                </a:cubicBezTo>
+                <a:lnTo>
+                  <a:pt x="448224" y="3510471"/>
+                </a:lnTo>
+                <a:lnTo>
+                  <a:pt x="443564" y="3408563"/>
+                </a:lnTo>
+                <a:lnTo>
+                  <a:pt x="438902" y="3304407"/>
+                </a:lnTo>
+                <a:lnTo>
+                  <a:pt x="433941" y="3198777"/>
+                </a:lnTo>
+                <a:lnTo>
+                  <a:pt x="427584" y="3092510"/>
+                </a:lnTo>
+                <a:lnTo>
+                  <a:pt x="420988" y="2984390"/>
+                </a:lnTo>
+                <a:lnTo>
+                  <a:pt x="414330" y="2874401"/>
+                </a:lnTo>
+                <a:lnTo>
+                  <a:pt x="406840" y="2762980"/>
+                </a:lnTo>
+                <a:lnTo>
+                  <a:pt x="397745" y="2650566"/>
+                </a:lnTo>
+                <a:lnTo>
+                  <a:pt x="389154" y="2536612"/>
+                </a:lnTo>
+                <a:lnTo>
+                  <a:pt x="379225" y="2421642"/>
+                </a:lnTo>
+                <a:lnTo>
+                  <a:pt x="368316" y="2305627"/>
+                </a:lnTo>
+                <a:lnTo>
+                  <a:pt x="357466" y="2189233"/>
+                </a:lnTo>
+                <a:lnTo>
+                  <a:pt x="344982" y="2071473"/>
+                </a:lnTo>
+                <a:lnTo>
+                  <a:pt x="332466" y="1952216"/>
+                </a:lnTo>
+                <a:lnTo>
+                  <a:pt x="319121" y="1833776"/>
+                </a:lnTo>
+                <a:lnTo>
+                  <a:pt x="304408" y="1713948"/>
+                </a:lnTo>
+                <a:lnTo>
+                  <a:pt x="288685" y="1592703"/>
+                </a:lnTo>
+                <a:lnTo>
+                  <a:pt x="273050" y="1471451"/>
+                </a:lnTo>
+                <a:lnTo>
+                  <a:pt x="255813" y="1350328"/>
+                </a:lnTo>
+                <a:lnTo>
+                  <a:pt x="237060" y="1227080"/>
+                </a:lnTo>
+                <a:lnTo>
+                  <a:pt x="218488" y="1106065"/>
+                </a:lnTo>
+                <a:lnTo>
+                  <a:pt x="198221" y="982940"/>
+                </a:lnTo>
+                <a:lnTo>
+                  <a:pt x="177152" y="858755"/>
+                </a:lnTo>
+                <a:lnTo>
+                  <a:pt x="155551" y="736861"/>
+                </a:lnTo>
+                <a:lnTo>
+                  <a:pt x="131782" y="613645"/>
+                </a:lnTo>
+                <a:lnTo>
+                  <a:pt x="107123" y="490500"/>
+                </a:lnTo>
+                <a:lnTo>
+                  <a:pt x="82552" y="367348"/>
+                </a:lnTo>
+                <a:lnTo>
+                  <a:pt x="55608" y="244762"/>
+                </a:lnTo>
+                <a:lnTo>
+                  <a:pt x="28130" y="122220"/>
+                </a:lnTo>
+                <a:lnTo>
+                  <a:pt x="0" y="0"/>
+                </a:lnTo>
+                <a:close/>
+              </a:path>
+            </a:pathLst>
+          </a:custGeom>
+          <a:solidFill>
+            <a:schemeClr val="tx1">
+              <a:alpha val="20000"/>
+            </a:schemeClr>
+          </a:solidFill>
+          <a:ln>
+            <a:noFill/>
+          </a:ln>
+        </p:spPr>
+        <p:txBody>
+          <a:bodyPr rtlCol="0" anchor="ctr"/>
+          <a:lstStyle/>
+          <a:p>
+            <a:pPr algn="ctr"/>
+            <a:endParaRPr lang="en-US"/>
+          </a:p>
+        </p:txBody>
+      </p:sp>
+      <p:sp>
+        <p:nvSpPr>
           <p:cNvPr id="22" name="Rectangle 21">
             <a:extLst>
               <a:ext uri="{FF2B5EF4-FFF2-40B4-BE49-F238E27FC236}">
@@ -7934,7 +10804,7 @@
         <p:spPr>
           <a:xfrm>
             <a:off x="3541162" y="1535784"/>
-            <a:ext cx="7851087" cy="2173857"/>
+            <a:ext cx="8246129" cy="2173857"/>
           </a:xfrm>
           <a:prstGeom prst="rect">
             <a:avLst/>
@@ -7966,6 +10836,196 @@
           <a:p>
             <a:pPr algn="ctr"/>
             <a:endParaRPr lang="en-SG"/>
+          </a:p>
+        </p:txBody>
+      </p:sp>
+      <p:sp>
+        <p:nvSpPr>
+          <p:cNvPr id="4" name="Rectangle 3">
+            <a:extLst>
+              <a:ext uri="{FF2B5EF4-FFF2-40B4-BE49-F238E27FC236}">
+                <a16:creationId xmlns:a16="http://schemas.microsoft.com/office/drawing/2014/main" id="{1E709B09-F4D7-43D0-B293-8C086BCF42B4}"/>
+              </a:ext>
+            </a:extLst>
+          </p:cNvPr>
+          <p:cNvSpPr/>
+          <p:nvPr/>
+        </p:nvSpPr>
+        <p:spPr>
+          <a:xfrm>
+            <a:off x="11019399" y="1624966"/>
+            <a:ext cx="817853" cy="307777"/>
+          </a:xfrm>
+          <a:prstGeom prst="rect">
+            <a:avLst/>
+          </a:prstGeom>
+        </p:spPr>
+        <p:txBody>
+          <a:bodyPr wrap="none">
+            <a:spAutoFit/>
+          </a:bodyPr>
+          <a:lstStyle/>
+          <a:p>
+            <a:r>
+              <a:rPr lang="en-SG" sz="1400" dirty="0">
+                <a:solidFill>
+                  <a:schemeClr val="bg1"/>
+                </a:solidFill>
+              </a:rPr>
+              <a:t>62.3 Mil</a:t>
+            </a:r>
+          </a:p>
+        </p:txBody>
+      </p:sp>
+      <p:sp>
+        <p:nvSpPr>
+          <p:cNvPr id="11" name="Rectangle 10">
+            <a:extLst>
+              <a:ext uri="{FF2B5EF4-FFF2-40B4-BE49-F238E27FC236}">
+                <a16:creationId xmlns:a16="http://schemas.microsoft.com/office/drawing/2014/main" id="{441CBD92-A0B1-4696-B50C-92F4B537A8A6}"/>
+              </a:ext>
+            </a:extLst>
+          </p:cNvPr>
+          <p:cNvSpPr/>
+          <p:nvPr/>
+        </p:nvSpPr>
+        <p:spPr>
+          <a:xfrm>
+            <a:off x="9143205" y="2036088"/>
+            <a:ext cx="817853" cy="307777"/>
+          </a:xfrm>
+          <a:prstGeom prst="rect">
+            <a:avLst/>
+          </a:prstGeom>
+        </p:spPr>
+        <p:txBody>
+          <a:bodyPr wrap="none">
+            <a:spAutoFit/>
+          </a:bodyPr>
+          <a:lstStyle/>
+          <a:p>
+            <a:r>
+              <a:rPr lang="en-SG" sz="1400" dirty="0">
+                <a:solidFill>
+                  <a:schemeClr val="bg1"/>
+                </a:solidFill>
+              </a:rPr>
+              <a:t>44.1 Mil</a:t>
+            </a:r>
+          </a:p>
+        </p:txBody>
+      </p:sp>
+      <p:sp>
+        <p:nvSpPr>
+          <p:cNvPr id="12" name="Rectangle 11">
+            <a:extLst>
+              <a:ext uri="{FF2B5EF4-FFF2-40B4-BE49-F238E27FC236}">
+                <a16:creationId xmlns:a16="http://schemas.microsoft.com/office/drawing/2014/main" id="{AEA7DD1A-AAAE-4044-BE06-83154B59794C}"/>
+              </a:ext>
+            </a:extLst>
+          </p:cNvPr>
+          <p:cNvSpPr/>
+          <p:nvPr/>
+        </p:nvSpPr>
+        <p:spPr>
+          <a:xfrm>
+            <a:off x="8881160" y="2468823"/>
+            <a:ext cx="817853" cy="307777"/>
+          </a:xfrm>
+          <a:prstGeom prst="rect">
+            <a:avLst/>
+          </a:prstGeom>
+        </p:spPr>
+        <p:txBody>
+          <a:bodyPr wrap="none">
+            <a:spAutoFit/>
+          </a:bodyPr>
+          <a:lstStyle/>
+          <a:p>
+            <a:r>
+              <a:rPr lang="en-SG" sz="1400" dirty="0">
+                <a:solidFill>
+                  <a:schemeClr val="bg1"/>
+                </a:solidFill>
+              </a:rPr>
+              <a:t>42.0 Mil</a:t>
+            </a:r>
+          </a:p>
+        </p:txBody>
+      </p:sp>
+      <p:sp>
+        <p:nvSpPr>
+          <p:cNvPr id="13" name="Rectangle 12">
+            <a:extLst>
+              <a:ext uri="{FF2B5EF4-FFF2-40B4-BE49-F238E27FC236}">
+                <a16:creationId xmlns:a16="http://schemas.microsoft.com/office/drawing/2014/main" id="{30BB78F1-DD09-4058-B150-08940F76FA93}"/>
+              </a:ext>
+            </a:extLst>
+          </p:cNvPr>
+          <p:cNvSpPr/>
+          <p:nvPr/>
+        </p:nvSpPr>
+        <p:spPr>
+          <a:xfrm>
+            <a:off x="8546773" y="2896695"/>
+            <a:ext cx="817853" cy="307777"/>
+          </a:xfrm>
+          <a:prstGeom prst="rect">
+            <a:avLst/>
+          </a:prstGeom>
+        </p:spPr>
+        <p:txBody>
+          <a:bodyPr wrap="none">
+            <a:spAutoFit/>
+          </a:bodyPr>
+          <a:lstStyle/>
+          <a:p>
+            <a:r>
+              <a:rPr lang="en-SG" sz="1400" dirty="0">
+                <a:solidFill>
+                  <a:schemeClr val="bg1"/>
+                </a:solidFill>
+              </a:rPr>
+              <a:t>38.4 Mil</a:t>
+            </a:r>
+          </a:p>
+        </p:txBody>
+      </p:sp>
+      <p:sp>
+        <p:nvSpPr>
+          <p:cNvPr id="14" name="Rectangle 13">
+            <a:extLst>
+              <a:ext uri="{FF2B5EF4-FFF2-40B4-BE49-F238E27FC236}">
+                <a16:creationId xmlns:a16="http://schemas.microsoft.com/office/drawing/2014/main" id="{726668CB-4DB7-4DFF-9602-15857C0BC841}"/>
+              </a:ext>
+            </a:extLst>
+          </p:cNvPr>
+          <p:cNvSpPr/>
+          <p:nvPr/>
+        </p:nvSpPr>
+        <p:spPr>
+          <a:xfrm>
+            <a:off x="8446611" y="3316446"/>
+            <a:ext cx="817853" cy="307777"/>
+          </a:xfrm>
+          <a:prstGeom prst="rect">
+            <a:avLst/>
+          </a:prstGeom>
+        </p:spPr>
+        <p:txBody>
+          <a:bodyPr wrap="none">
+            <a:spAutoFit/>
+          </a:bodyPr>
+          <a:lstStyle/>
+          <a:p>
+            <a:r>
+              <a:rPr lang="en-SG" sz="1400" dirty="0">
+                <a:solidFill>
+                  <a:schemeClr val="bg1"/>
+                </a:solidFill>
+              </a:rPr>
+              <a:t>37.6 Mil</a:t>
+            </a:r>
           </a:p>
         </p:txBody>
       </p:sp>
@@ -8114,7 +11174,7 @@
 </p:sld>
 </file>
 
-<file path=ppt/slides/slide5.xml><?xml version="1.0" encoding="utf-8"?>
+<file path=ppt/slides/slide7.xml><?xml version="1.0" encoding="utf-8"?>
 <p:sld xmlns:a="http://schemas.openxmlformats.org/drawingml/2006/main" xmlns:r="http://schemas.openxmlformats.org/officeDocument/2006/relationships" xmlns:p="http://schemas.openxmlformats.org/presentationml/2006/main">
   <p:cSld>
     <p:bg>
@@ -9453,7 +12513,7 @@
 </p:sld>
 </file>
 
-<file path=ppt/slides/slide6.xml><?xml version="1.0" encoding="utf-8"?>
+<file path=ppt/slides/slide8.xml><?xml version="1.0" encoding="utf-8"?>
 <p:sld xmlns:a="http://schemas.openxmlformats.org/drawingml/2006/main" xmlns:r="http://schemas.openxmlformats.org/officeDocument/2006/relationships" xmlns:p="http://schemas.openxmlformats.org/presentationml/2006/main">
   <p:cSld>
     <p:bg>
@@ -10325,2255 +13385,6 @@
     <p:extLst>
       <p:ext uri="{BB962C8B-B14F-4D97-AF65-F5344CB8AC3E}">
         <p14:creationId xmlns:p14="http://schemas.microsoft.com/office/powerpoint/2010/main" val="3948009706"/>
-      </p:ext>
-    </p:extLst>
-  </p:cSld>
-  <p:clrMapOvr>
-    <a:masterClrMapping/>
-  </p:clrMapOvr>
-  <p:timing>
-    <p:tnLst>
-      <p:par>
-        <p:cTn id="1" dur="indefinite" restart="never" nodeType="tmRoot">
-          <p:childTnLst>
-            <p:seq concurrent="1" nextAc="seek">
-              <p:cTn id="2" dur="indefinite" nodeType="mainSeq">
-                <p:childTnLst>
-                  <p:par>
-                    <p:cTn id="3" fill="hold">
-                      <p:stCondLst>
-                        <p:cond delay="indefinite"/>
-                      </p:stCondLst>
-                      <p:childTnLst>
-                        <p:par>
-                          <p:cTn id="4" fill="hold">
-                            <p:stCondLst>
-                              <p:cond delay="0"/>
-                            </p:stCondLst>
-                            <p:childTnLst>
-                              <p:par>
-                                <p:cTn id="5" presetID="53" presetClass="entr" presetSubtype="16" fill="hold" grpId="0" nodeType="clickEffect">
-                                  <p:stCondLst>
-                                    <p:cond delay="0"/>
-                                  </p:stCondLst>
-                                  <p:childTnLst>
-                                    <p:set>
-                                      <p:cBhvr>
-                                        <p:cTn id="6" dur="1" fill="hold">
-                                          <p:stCondLst>
-                                            <p:cond delay="0"/>
-                                          </p:stCondLst>
-                                        </p:cTn>
-                                        <p:tgtEl>
-                                          <p:spTgt spid="10"/>
-                                        </p:tgtEl>
-                                        <p:attrNameLst>
-                                          <p:attrName>style.visibility</p:attrName>
-                                        </p:attrNameLst>
-                                      </p:cBhvr>
-                                      <p:to>
-                                        <p:strVal val="visible"/>
-                                      </p:to>
-                                    </p:set>
-                                    <p:anim calcmode="lin" valueType="num">
-                                      <p:cBhvr>
-                                        <p:cTn id="7" dur="500" fill="hold"/>
-                                        <p:tgtEl>
-                                          <p:spTgt spid="10"/>
-                                        </p:tgtEl>
-                                        <p:attrNameLst>
-                                          <p:attrName>ppt_w</p:attrName>
-                                        </p:attrNameLst>
-                                      </p:cBhvr>
-                                      <p:tavLst>
-                                        <p:tav tm="0">
-                                          <p:val>
-                                            <p:fltVal val="0"/>
-                                          </p:val>
-                                        </p:tav>
-                                        <p:tav tm="100000">
-                                          <p:val>
-                                            <p:strVal val="#ppt_w"/>
-                                          </p:val>
-                                        </p:tav>
-                                      </p:tavLst>
-                                    </p:anim>
-                                    <p:anim calcmode="lin" valueType="num">
-                                      <p:cBhvr>
-                                        <p:cTn id="8" dur="500" fill="hold"/>
-                                        <p:tgtEl>
-                                          <p:spTgt spid="10"/>
-                                        </p:tgtEl>
-                                        <p:attrNameLst>
-                                          <p:attrName>ppt_h</p:attrName>
-                                        </p:attrNameLst>
-                                      </p:cBhvr>
-                                      <p:tavLst>
-                                        <p:tav tm="0">
-                                          <p:val>
-                                            <p:fltVal val="0"/>
-                                          </p:val>
-                                        </p:tav>
-                                        <p:tav tm="100000">
-                                          <p:val>
-                                            <p:strVal val="#ppt_h"/>
-                                          </p:val>
-                                        </p:tav>
-                                      </p:tavLst>
-                                    </p:anim>
-                                    <p:animEffect transition="in" filter="fade">
-                                      <p:cBhvr>
-                                        <p:cTn id="9" dur="500"/>
-                                        <p:tgtEl>
-                                          <p:spTgt spid="10"/>
-                                        </p:tgtEl>
-                                      </p:cBhvr>
-                                    </p:animEffect>
-                                  </p:childTnLst>
-                                </p:cTn>
-                              </p:par>
-                            </p:childTnLst>
-                          </p:cTn>
-                        </p:par>
-                      </p:childTnLst>
-                    </p:cTn>
-                  </p:par>
-                </p:childTnLst>
-              </p:cTn>
-              <p:prevCondLst>
-                <p:cond evt="onPrev" delay="0">
-                  <p:tgtEl>
-                    <p:sldTgt/>
-                  </p:tgtEl>
-                </p:cond>
-              </p:prevCondLst>
-              <p:nextCondLst>
-                <p:cond evt="onNext" delay="0">
-                  <p:tgtEl>
-                    <p:sldTgt/>
-                  </p:tgtEl>
-                </p:cond>
-              </p:nextCondLst>
-            </p:seq>
-          </p:childTnLst>
-        </p:cTn>
-      </p:par>
-    </p:tnLst>
-    <p:bldLst>
-      <p:bldP spid="10" grpId="0" animBg="1"/>
-    </p:bldLst>
-  </p:timing>
-</p:sld>
-</file>
-
-<file path=ppt/slides/slide7.xml><?xml version="1.0" encoding="utf-8"?>
-<p:sld xmlns:a="http://schemas.openxmlformats.org/drawingml/2006/main" xmlns:r="http://schemas.openxmlformats.org/officeDocument/2006/relationships" xmlns:p="http://schemas.openxmlformats.org/presentationml/2006/main">
-  <p:cSld>
-    <p:bg>
-      <p:bgPr>
-        <a:blipFill rotWithShape="1">
-          <a:blip r:embed="rId2">
-            <a:duotone>
-              <a:schemeClr val="bg2">
-                <a:shade val="62000"/>
-                <a:hueMod val="108000"/>
-                <a:satMod val="164000"/>
-                <a:lumMod val="69000"/>
-              </a:schemeClr>
-              <a:schemeClr val="bg2">
-                <a:tint val="96000"/>
-                <a:hueMod val="90000"/>
-                <a:satMod val="130000"/>
-                <a:lumMod val="134000"/>
-              </a:schemeClr>
-            </a:duotone>
-          </a:blip>
-          <a:stretch/>
-        </a:blipFill>
-        <a:effectLst/>
-      </p:bgPr>
-    </p:bg>
-    <p:spTree>
-      <p:nvGrpSpPr>
-        <p:cNvPr id="1" name=""/>
-        <p:cNvGrpSpPr/>
-        <p:nvPr/>
-      </p:nvGrpSpPr>
-      <p:grpSpPr>
-        <a:xfrm>
-          <a:off x="0" y="0"/>
-          <a:ext cx="0" cy="0"/>
-          <a:chOff x="0" y="0"/>
-          <a:chExt cx="0" cy="0"/>
-        </a:xfrm>
-      </p:grpSpPr>
-      <p:sp>
-        <p:nvSpPr>
-          <p:cNvPr id="2" name="Title 1">
-            <a:extLst>
-              <a:ext uri="{FF2B5EF4-FFF2-40B4-BE49-F238E27FC236}">
-                <a16:creationId xmlns:a16="http://schemas.microsoft.com/office/drawing/2014/main" id="{8BAAC7A6-57DA-489D-A467-D28AE49D7A8C}"/>
-              </a:ext>
-            </a:extLst>
-          </p:cNvPr>
-          <p:cNvSpPr>
-            <a:spLocks noGrp="1"/>
-          </p:cNvSpPr>
-          <p:nvPr>
-            <p:ph type="title"/>
-          </p:nvPr>
-        </p:nvSpPr>
-        <p:spPr>
-          <a:xfrm>
-            <a:off x="648931" y="629266"/>
-            <a:ext cx="3146692" cy="1622321"/>
-          </a:xfrm>
-        </p:spPr>
-        <p:txBody>
-          <a:bodyPr>
-            <a:normAutofit/>
-          </a:bodyPr>
-          <a:lstStyle/>
-          <a:p>
-            <a:r>
-              <a:rPr lang="en-US" dirty="0"/>
-              <a:t>Areas explored</a:t>
-            </a:r>
-            <a:endParaRPr lang="en-SG" dirty="0"/>
-          </a:p>
-        </p:txBody>
-      </p:sp>
-      <p:sp>
-        <p:nvSpPr>
-          <p:cNvPr id="3" name="Content Placeholder 2">
-            <a:extLst>
-              <a:ext uri="{FF2B5EF4-FFF2-40B4-BE49-F238E27FC236}">
-                <a16:creationId xmlns:a16="http://schemas.microsoft.com/office/drawing/2014/main" id="{293FCE9B-C27D-4872-8320-609F4718D3AB}"/>
-              </a:ext>
-            </a:extLst>
-          </p:cNvPr>
-          <p:cNvSpPr>
-            <a:spLocks noGrp="1"/>
-          </p:cNvSpPr>
-          <p:nvPr>
-            <p:ph idx="1"/>
-          </p:nvPr>
-        </p:nvSpPr>
-        <p:spPr>
-          <a:xfrm>
-            <a:off x="648932" y="2438400"/>
-            <a:ext cx="3346646" cy="3785419"/>
-          </a:xfrm>
-        </p:spPr>
-        <p:txBody>
-          <a:bodyPr>
-            <a:normAutofit/>
-          </a:bodyPr>
-          <a:lstStyle/>
-          <a:p>
-            <a:r>
-              <a:rPr lang="en-SG" sz="2800" dirty="0"/>
-              <a:t>Traffic volume by time </a:t>
-            </a:r>
-          </a:p>
-          <a:p>
-            <a:pPr lvl="1"/>
-            <a:r>
-              <a:rPr lang="en-SG" sz="2400" dirty="0"/>
-              <a:t>16:00-20:00</a:t>
-            </a:r>
-          </a:p>
-          <a:p>
-            <a:pPr lvl="1"/>
-            <a:r>
-              <a:rPr lang="en-SG" sz="2400" dirty="0"/>
-              <a:t>08:00-12:00</a:t>
-            </a:r>
-          </a:p>
-          <a:p>
-            <a:pPr lvl="1"/>
-            <a:r>
-              <a:rPr lang="en-SG" sz="2400" dirty="0"/>
-              <a:t>12:00-16:00</a:t>
-            </a:r>
-          </a:p>
-        </p:txBody>
-      </p:sp>
-      <p:sp>
-        <p:nvSpPr>
-          <p:cNvPr id="9" name="Freeform 31">
-            <a:extLst>
-              <a:ext uri="{FF2B5EF4-FFF2-40B4-BE49-F238E27FC236}">
-                <a16:creationId xmlns:a16="http://schemas.microsoft.com/office/drawing/2014/main" id="{D6CEF2A9-EF08-4FB3-AFFB-C5F77AB6E028}"/>
-              </a:ext>
-              <a:ext uri="{C183D7F6-B498-43B3-948B-1728B52AA6E4}">
-                <adec:decorative xmlns:adec="http://schemas.microsoft.com/office/drawing/2017/decorative" val="1"/>
-              </a:ext>
-            </a:extLst>
-          </p:cNvPr>
-          <p:cNvSpPr>
-            <a:spLocks noGrp="1" noRot="1" noChangeAspect="1" noMove="1" noResize="1" noEditPoints="1" noAdjustHandles="1" noChangeArrowheads="1" noChangeShapeType="1" noTextEdit="1"/>
-          </p:cNvSpPr>
-          <p:nvPr>
-            <p:extLst>
-              <p:ext uri="{386F3935-93C4-4BCD-93E2-E3B085C9AB24}">
-                <p16:designElem xmlns:p16="http://schemas.microsoft.com/office/powerpoint/2015/main" val="1"/>
-              </p:ext>
-            </p:extLst>
-          </p:nvPr>
-        </p:nvSpPr>
-        <p:spPr>
-          <a:xfrm>
-            <a:off x="4994020" y="-1"/>
-            <a:ext cx="559472" cy="3709642"/>
-          </a:xfrm>
-          <a:custGeom>
-            <a:avLst/>
-            <a:gdLst>
-              <a:gd name="connsiteX0" fmla="*/ 0 w 559472"/>
-              <a:gd name="connsiteY0" fmla="*/ 0 h 3709642"/>
-              <a:gd name="connsiteX1" fmla="*/ 473952 w 559472"/>
-              <a:gd name="connsiteY1" fmla="*/ 0 h 3709642"/>
-              <a:gd name="connsiteX2" fmla="*/ 485840 w 559472"/>
-              <a:gd name="connsiteY2" fmla="*/ 161194 h 3709642"/>
-              <a:gd name="connsiteX3" fmla="*/ 523949 w 559472"/>
-              <a:gd name="connsiteY3" fmla="*/ 3672197 h 3709642"/>
-              <a:gd name="connsiteX4" fmla="*/ 454748 w 559472"/>
-              <a:gd name="connsiteY4" fmla="*/ 3709642 h 3709642"/>
-              <a:gd name="connsiteX5" fmla="*/ 448224 w 559472"/>
-              <a:gd name="connsiteY5" fmla="*/ 3510471 h 3709642"/>
-              <a:gd name="connsiteX6" fmla="*/ 443564 w 559472"/>
-              <a:gd name="connsiteY6" fmla="*/ 3408563 h 3709642"/>
-              <a:gd name="connsiteX7" fmla="*/ 438902 w 559472"/>
-              <a:gd name="connsiteY7" fmla="*/ 3304407 h 3709642"/>
-              <a:gd name="connsiteX8" fmla="*/ 433941 w 559472"/>
-              <a:gd name="connsiteY8" fmla="*/ 3198777 h 3709642"/>
-              <a:gd name="connsiteX9" fmla="*/ 427584 w 559472"/>
-              <a:gd name="connsiteY9" fmla="*/ 3092510 h 3709642"/>
-              <a:gd name="connsiteX10" fmla="*/ 420988 w 559472"/>
-              <a:gd name="connsiteY10" fmla="*/ 2984390 h 3709642"/>
-              <a:gd name="connsiteX11" fmla="*/ 414330 w 559472"/>
-              <a:gd name="connsiteY11" fmla="*/ 2874401 h 3709642"/>
-              <a:gd name="connsiteX12" fmla="*/ 406840 w 559472"/>
-              <a:gd name="connsiteY12" fmla="*/ 2762980 h 3709642"/>
-              <a:gd name="connsiteX13" fmla="*/ 397745 w 559472"/>
-              <a:gd name="connsiteY13" fmla="*/ 2650566 h 3709642"/>
-              <a:gd name="connsiteX14" fmla="*/ 389154 w 559472"/>
-              <a:gd name="connsiteY14" fmla="*/ 2536612 h 3709642"/>
-              <a:gd name="connsiteX15" fmla="*/ 379225 w 559472"/>
-              <a:gd name="connsiteY15" fmla="*/ 2421642 h 3709642"/>
-              <a:gd name="connsiteX16" fmla="*/ 368316 w 559472"/>
-              <a:gd name="connsiteY16" fmla="*/ 2305627 h 3709642"/>
-              <a:gd name="connsiteX17" fmla="*/ 357466 w 559472"/>
-              <a:gd name="connsiteY17" fmla="*/ 2189233 h 3709642"/>
-              <a:gd name="connsiteX18" fmla="*/ 344982 w 559472"/>
-              <a:gd name="connsiteY18" fmla="*/ 2071473 h 3709642"/>
-              <a:gd name="connsiteX19" fmla="*/ 332466 w 559472"/>
-              <a:gd name="connsiteY19" fmla="*/ 1952216 h 3709642"/>
-              <a:gd name="connsiteX20" fmla="*/ 319121 w 559472"/>
-              <a:gd name="connsiteY20" fmla="*/ 1833776 h 3709642"/>
-              <a:gd name="connsiteX21" fmla="*/ 304408 w 559472"/>
-              <a:gd name="connsiteY21" fmla="*/ 1713948 h 3709642"/>
-              <a:gd name="connsiteX22" fmla="*/ 288685 w 559472"/>
-              <a:gd name="connsiteY22" fmla="*/ 1592703 h 3709642"/>
-              <a:gd name="connsiteX23" fmla="*/ 273050 w 559472"/>
-              <a:gd name="connsiteY23" fmla="*/ 1471451 h 3709642"/>
-              <a:gd name="connsiteX24" fmla="*/ 255813 w 559472"/>
-              <a:gd name="connsiteY24" fmla="*/ 1350328 h 3709642"/>
-              <a:gd name="connsiteX25" fmla="*/ 237060 w 559472"/>
-              <a:gd name="connsiteY25" fmla="*/ 1227080 h 3709642"/>
-              <a:gd name="connsiteX26" fmla="*/ 218488 w 559472"/>
-              <a:gd name="connsiteY26" fmla="*/ 1106065 h 3709642"/>
-              <a:gd name="connsiteX27" fmla="*/ 198221 w 559472"/>
-              <a:gd name="connsiteY27" fmla="*/ 982940 h 3709642"/>
-              <a:gd name="connsiteX28" fmla="*/ 177152 w 559472"/>
-              <a:gd name="connsiteY28" fmla="*/ 858755 h 3709642"/>
-              <a:gd name="connsiteX29" fmla="*/ 155551 w 559472"/>
-              <a:gd name="connsiteY29" fmla="*/ 736861 h 3709642"/>
-              <a:gd name="connsiteX30" fmla="*/ 131782 w 559472"/>
-              <a:gd name="connsiteY30" fmla="*/ 613645 h 3709642"/>
-              <a:gd name="connsiteX31" fmla="*/ 107123 w 559472"/>
-              <a:gd name="connsiteY31" fmla="*/ 490500 h 3709642"/>
-              <a:gd name="connsiteX32" fmla="*/ 82552 w 559472"/>
-              <a:gd name="connsiteY32" fmla="*/ 367348 h 3709642"/>
-              <a:gd name="connsiteX33" fmla="*/ 55608 w 559472"/>
-              <a:gd name="connsiteY33" fmla="*/ 244762 h 3709642"/>
-              <a:gd name="connsiteX34" fmla="*/ 28130 w 559472"/>
-              <a:gd name="connsiteY34" fmla="*/ 122220 h 3709642"/>
-              <a:gd name="connsiteX35" fmla="*/ 0 w 559472"/>
-              <a:gd name="connsiteY35" fmla="*/ 0 h 3709642"/>
-            </a:gdLst>
-            <a:ahLst/>
-            <a:cxnLst>
-              <a:cxn ang="0">
-                <a:pos x="connsiteX0" y="connsiteY0"/>
-              </a:cxn>
-              <a:cxn ang="0">
-                <a:pos x="connsiteX1" y="connsiteY1"/>
-              </a:cxn>
-              <a:cxn ang="0">
-                <a:pos x="connsiteX2" y="connsiteY2"/>
-              </a:cxn>
-              <a:cxn ang="0">
-                <a:pos x="connsiteX3" y="connsiteY3"/>
-              </a:cxn>
-              <a:cxn ang="0">
-                <a:pos x="connsiteX4" y="connsiteY4"/>
-              </a:cxn>
-              <a:cxn ang="0">
-                <a:pos x="connsiteX5" y="connsiteY5"/>
-              </a:cxn>
-              <a:cxn ang="0">
-                <a:pos x="connsiteX6" y="connsiteY6"/>
-              </a:cxn>
-              <a:cxn ang="0">
-                <a:pos x="connsiteX7" y="connsiteY7"/>
-              </a:cxn>
-              <a:cxn ang="0">
-                <a:pos x="connsiteX8" y="connsiteY8"/>
-              </a:cxn>
-              <a:cxn ang="0">
-                <a:pos x="connsiteX9" y="connsiteY9"/>
-              </a:cxn>
-              <a:cxn ang="0">
-                <a:pos x="connsiteX10" y="connsiteY10"/>
-              </a:cxn>
-              <a:cxn ang="0">
-                <a:pos x="connsiteX11" y="connsiteY11"/>
-              </a:cxn>
-              <a:cxn ang="0">
-                <a:pos x="connsiteX12" y="connsiteY12"/>
-              </a:cxn>
-              <a:cxn ang="0">
-                <a:pos x="connsiteX13" y="connsiteY13"/>
-              </a:cxn>
-              <a:cxn ang="0">
-                <a:pos x="connsiteX14" y="connsiteY14"/>
-              </a:cxn>
-              <a:cxn ang="0">
-                <a:pos x="connsiteX15" y="connsiteY15"/>
-              </a:cxn>
-              <a:cxn ang="0">
-                <a:pos x="connsiteX16" y="connsiteY16"/>
-              </a:cxn>
-              <a:cxn ang="0">
-                <a:pos x="connsiteX17" y="connsiteY17"/>
-              </a:cxn>
-              <a:cxn ang="0">
-                <a:pos x="connsiteX18" y="connsiteY18"/>
-              </a:cxn>
-              <a:cxn ang="0">
-                <a:pos x="connsiteX19" y="connsiteY19"/>
-              </a:cxn>
-              <a:cxn ang="0">
-                <a:pos x="connsiteX20" y="connsiteY20"/>
-              </a:cxn>
-              <a:cxn ang="0">
-                <a:pos x="connsiteX21" y="connsiteY21"/>
-              </a:cxn>
-              <a:cxn ang="0">
-                <a:pos x="connsiteX22" y="connsiteY22"/>
-              </a:cxn>
-              <a:cxn ang="0">
-                <a:pos x="connsiteX23" y="connsiteY23"/>
-              </a:cxn>
-              <a:cxn ang="0">
-                <a:pos x="connsiteX24" y="connsiteY24"/>
-              </a:cxn>
-              <a:cxn ang="0">
-                <a:pos x="connsiteX25" y="connsiteY25"/>
-              </a:cxn>
-              <a:cxn ang="0">
-                <a:pos x="connsiteX26" y="connsiteY26"/>
-              </a:cxn>
-              <a:cxn ang="0">
-                <a:pos x="connsiteX27" y="connsiteY27"/>
-              </a:cxn>
-              <a:cxn ang="0">
-                <a:pos x="connsiteX28" y="connsiteY28"/>
-              </a:cxn>
-              <a:cxn ang="0">
-                <a:pos x="connsiteX29" y="connsiteY29"/>
-              </a:cxn>
-              <a:cxn ang="0">
-                <a:pos x="connsiteX30" y="connsiteY30"/>
-              </a:cxn>
-              <a:cxn ang="0">
-                <a:pos x="connsiteX31" y="connsiteY31"/>
-              </a:cxn>
-              <a:cxn ang="0">
-                <a:pos x="connsiteX32" y="connsiteY32"/>
-              </a:cxn>
-              <a:cxn ang="0">
-                <a:pos x="connsiteX33" y="connsiteY33"/>
-              </a:cxn>
-              <a:cxn ang="0">
-                <a:pos x="connsiteX34" y="connsiteY34"/>
-              </a:cxn>
-              <a:cxn ang="0">
-                <a:pos x="connsiteX35" y="connsiteY35"/>
-              </a:cxn>
-            </a:cxnLst>
-            <a:rect l="l" t="t" r="r" b="b"/>
-            <a:pathLst>
-              <a:path w="559472" h="3709642">
-                <a:moveTo>
-                  <a:pt x="0" y="0"/>
-                </a:moveTo>
-                <a:lnTo>
-                  <a:pt x="473952" y="0"/>
-                </a:lnTo>
-                <a:lnTo>
-                  <a:pt x="485840" y="161194"/>
-                </a:lnTo>
-                <a:cubicBezTo>
-                  <a:pt x="552063" y="1147770"/>
-                  <a:pt x="592441" y="3086737"/>
-                  <a:pt x="523949" y="3672197"/>
-                </a:cubicBezTo>
-                <a:cubicBezTo>
-                  <a:pt x="500842" y="3684557"/>
-                  <a:pt x="477855" y="3697282"/>
-                  <a:pt x="454748" y="3709642"/>
-                </a:cubicBezTo>
-                <a:lnTo>
-                  <a:pt x="448224" y="3510471"/>
-                </a:lnTo>
-                <a:lnTo>
-                  <a:pt x="443564" y="3408563"/>
-                </a:lnTo>
-                <a:lnTo>
-                  <a:pt x="438902" y="3304407"/>
-                </a:lnTo>
-                <a:lnTo>
-                  <a:pt x="433941" y="3198777"/>
-                </a:lnTo>
-                <a:lnTo>
-                  <a:pt x="427584" y="3092510"/>
-                </a:lnTo>
-                <a:lnTo>
-                  <a:pt x="420988" y="2984390"/>
-                </a:lnTo>
-                <a:lnTo>
-                  <a:pt x="414330" y="2874401"/>
-                </a:lnTo>
-                <a:lnTo>
-                  <a:pt x="406840" y="2762980"/>
-                </a:lnTo>
-                <a:lnTo>
-                  <a:pt x="397745" y="2650566"/>
-                </a:lnTo>
-                <a:lnTo>
-                  <a:pt x="389154" y="2536612"/>
-                </a:lnTo>
-                <a:lnTo>
-                  <a:pt x="379225" y="2421642"/>
-                </a:lnTo>
-                <a:lnTo>
-                  <a:pt x="368316" y="2305627"/>
-                </a:lnTo>
-                <a:lnTo>
-                  <a:pt x="357466" y="2189233"/>
-                </a:lnTo>
-                <a:lnTo>
-                  <a:pt x="344982" y="2071473"/>
-                </a:lnTo>
-                <a:lnTo>
-                  <a:pt x="332466" y="1952216"/>
-                </a:lnTo>
-                <a:lnTo>
-                  <a:pt x="319121" y="1833776"/>
-                </a:lnTo>
-                <a:lnTo>
-                  <a:pt x="304408" y="1713948"/>
-                </a:lnTo>
-                <a:lnTo>
-                  <a:pt x="288685" y="1592703"/>
-                </a:lnTo>
-                <a:lnTo>
-                  <a:pt x="273050" y="1471451"/>
-                </a:lnTo>
-                <a:lnTo>
-                  <a:pt x="255813" y="1350328"/>
-                </a:lnTo>
-                <a:lnTo>
-                  <a:pt x="237060" y="1227080"/>
-                </a:lnTo>
-                <a:lnTo>
-                  <a:pt x="218488" y="1106065"/>
-                </a:lnTo>
-                <a:lnTo>
-                  <a:pt x="198221" y="982940"/>
-                </a:lnTo>
-                <a:lnTo>
-                  <a:pt x="177152" y="858755"/>
-                </a:lnTo>
-                <a:lnTo>
-                  <a:pt x="155551" y="736861"/>
-                </a:lnTo>
-                <a:lnTo>
-                  <a:pt x="131782" y="613645"/>
-                </a:lnTo>
-                <a:lnTo>
-                  <a:pt x="107123" y="490500"/>
-                </a:lnTo>
-                <a:lnTo>
-                  <a:pt x="82552" y="367348"/>
-                </a:lnTo>
-                <a:lnTo>
-                  <a:pt x="55608" y="244762"/>
-                </a:lnTo>
-                <a:lnTo>
-                  <a:pt x="28130" y="122220"/>
-                </a:lnTo>
-                <a:lnTo>
-                  <a:pt x="0" y="0"/>
-                </a:lnTo>
-                <a:close/>
-              </a:path>
-            </a:pathLst>
-          </a:custGeom>
-          <a:solidFill>
-            <a:schemeClr val="tx1">
-              <a:alpha val="20000"/>
-            </a:schemeClr>
-          </a:solidFill>
-          <a:ln>
-            <a:noFill/>
-          </a:ln>
-        </p:spPr>
-        <p:txBody>
-          <a:bodyPr rtlCol="0" anchor="ctr"/>
-          <a:lstStyle/>
-          <a:p>
-            <a:pPr algn="ctr"/>
-            <a:endParaRPr lang="en-US"/>
-          </a:p>
-        </p:txBody>
-      </p:sp>
-      <p:sp>
-        <p:nvSpPr>
-          <p:cNvPr id="11" name="Rectangle 10">
-            <a:extLst>
-              <a:ext uri="{FF2B5EF4-FFF2-40B4-BE49-F238E27FC236}">
-                <a16:creationId xmlns:a16="http://schemas.microsoft.com/office/drawing/2014/main" id="{4109C3C2-C0A8-4559-8462-8007573DF44C}"/>
-              </a:ext>
-              <a:ext uri="{C183D7F6-B498-43B3-948B-1728B52AA6E4}">
-                <adec:decorative xmlns:adec="http://schemas.microsoft.com/office/drawing/2017/decorative" val="1"/>
-              </a:ext>
-            </a:extLst>
-          </p:cNvPr>
-          <p:cNvSpPr>
-            <a:spLocks noGrp="1" noRot="1" noChangeAspect="1" noMove="1" noResize="1" noEditPoints="1" noAdjustHandles="1" noChangeArrowheads="1" noChangeShapeType="1" noTextEdit="1"/>
-          </p:cNvSpPr>
-          <p:nvPr>
-            <p:extLst>
-              <p:ext uri="{386F3935-93C4-4BCD-93E2-E3B085C9AB24}">
-                <p16:designElem xmlns:p16="http://schemas.microsoft.com/office/powerpoint/2015/main" val="1"/>
-              </p:ext>
-            </p:extLst>
-          </p:nvPr>
-        </p:nvSpPr>
-        <p:spPr>
-          <a:xfrm>
-            <a:off x="6093992" y="0"/>
-            <a:ext cx="6098427" cy="6858000"/>
-          </a:xfrm>
-          <a:prstGeom prst="rect">
-            <a:avLst/>
-          </a:prstGeom>
-          <a:solidFill>
-            <a:srgbClr val="FFFFFF"/>
-          </a:solidFill>
-          <a:ln>
-            <a:noFill/>
-          </a:ln>
-        </p:spPr>
-        <p:style>
-          <a:lnRef idx="2">
-            <a:schemeClr val="accent1">
-              <a:shade val="50000"/>
-            </a:schemeClr>
-          </a:lnRef>
-          <a:fillRef idx="1">
-            <a:schemeClr val="accent1"/>
-          </a:fillRef>
-          <a:effectRef idx="0">
-            <a:schemeClr val="accent1"/>
-          </a:effectRef>
-          <a:fontRef idx="minor">
-            <a:schemeClr val="lt1"/>
-          </a:fontRef>
-        </p:style>
-        <p:txBody>
-          <a:bodyPr rtlCol="0" anchor="ctr"/>
-          <a:lstStyle/>
-          <a:p>
-            <a:pPr algn="ctr"/>
-            <a:endParaRPr lang="en-US"/>
-          </a:p>
-        </p:txBody>
-      </p:sp>
-      <p:sp>
-        <p:nvSpPr>
-          <p:cNvPr id="13" name="Freeform 5">
-            <a:extLst>
-              <a:ext uri="{FF2B5EF4-FFF2-40B4-BE49-F238E27FC236}">
-                <a16:creationId xmlns:a16="http://schemas.microsoft.com/office/drawing/2014/main" id="{4C535542-B72A-4DE0-BE5A-5EA00508C77D}"/>
-              </a:ext>
-              <a:ext uri="{C183D7F6-B498-43B3-948B-1728B52AA6E4}">
-                <adec:decorative xmlns:adec="http://schemas.microsoft.com/office/drawing/2017/decorative" val="1"/>
-              </a:ext>
-            </a:extLst>
-          </p:cNvPr>
-          <p:cNvSpPr>
-            <a:spLocks noGrp="1" noRot="1" noChangeAspect="1" noMove="1" noResize="1" noEditPoints="1" noAdjustHandles="1" noChangeArrowheads="1" noChangeShapeType="1" noTextEdit="1"/>
-          </p:cNvSpPr>
-          <p:nvPr>
-            <p:extLst>
-              <p:ext uri="{386F3935-93C4-4BCD-93E2-E3B085C9AB24}">
-                <p16:designElem xmlns:p16="http://schemas.microsoft.com/office/powerpoint/2015/main" val="1"/>
-              </p:ext>
-            </p:extLst>
-          </p:nvPr>
-        </p:nvSpPr>
-        <p:spPr bwMode="gray">
-          <a:xfrm rot="16200000">
-            <a:off x="2450577" y="2756642"/>
-            <a:ext cx="6858000" cy="1344715"/>
-          </a:xfrm>
-          <a:custGeom>
-            <a:avLst/>
-            <a:gdLst/>
-            <a:ahLst/>
-            <a:cxnLst/>
-            <a:rect l="l" t="t" r="r" b="b"/>
-            <a:pathLst>
-              <a:path w="10000" h="8000">
-                <a:moveTo>
-                  <a:pt x="0" y="0"/>
-                </a:moveTo>
-                <a:lnTo>
-                  <a:pt x="0" y="7970"/>
-                </a:lnTo>
-                <a:lnTo>
-                  <a:pt x="10000" y="8000"/>
-                </a:lnTo>
-                <a:lnTo>
-                  <a:pt x="10000" y="7"/>
-                </a:lnTo>
-                <a:lnTo>
-                  <a:pt x="10000" y="7"/>
-                </a:lnTo>
-                <a:lnTo>
-                  <a:pt x="9773" y="156"/>
-                </a:lnTo>
-                <a:lnTo>
-                  <a:pt x="9547" y="298"/>
-                </a:lnTo>
-                <a:lnTo>
-                  <a:pt x="9320" y="437"/>
-                </a:lnTo>
-                <a:lnTo>
-                  <a:pt x="9092" y="556"/>
-                </a:lnTo>
-                <a:lnTo>
-                  <a:pt x="8865" y="676"/>
-                </a:lnTo>
-                <a:lnTo>
-                  <a:pt x="8637" y="788"/>
-                </a:lnTo>
-                <a:lnTo>
-                  <a:pt x="8412" y="884"/>
-                </a:lnTo>
-                <a:lnTo>
-                  <a:pt x="8184" y="975"/>
-                </a:lnTo>
-                <a:lnTo>
-                  <a:pt x="7957" y="1058"/>
-                </a:lnTo>
-                <a:lnTo>
-                  <a:pt x="7734" y="1130"/>
-                </a:lnTo>
-                <a:lnTo>
-                  <a:pt x="7508" y="1202"/>
-                </a:lnTo>
-                <a:lnTo>
-                  <a:pt x="7285" y="1262"/>
-                </a:lnTo>
-                <a:lnTo>
-                  <a:pt x="7062" y="1309"/>
-                </a:lnTo>
-                <a:lnTo>
-                  <a:pt x="6840" y="1358"/>
-                </a:lnTo>
-                <a:lnTo>
-                  <a:pt x="6620" y="1399"/>
-                </a:lnTo>
-                <a:lnTo>
-                  <a:pt x="6402" y="1428"/>
-                </a:lnTo>
-                <a:lnTo>
-                  <a:pt x="6184" y="1453"/>
-                </a:lnTo>
-                <a:lnTo>
-                  <a:pt x="5968" y="1477"/>
-                </a:lnTo>
-                <a:lnTo>
-                  <a:pt x="5755" y="1488"/>
-                </a:lnTo>
-                <a:lnTo>
-                  <a:pt x="5542" y="1500"/>
-                </a:lnTo>
-                <a:lnTo>
-                  <a:pt x="5332" y="1506"/>
-                </a:lnTo>
-                <a:lnTo>
-                  <a:pt x="5124" y="1500"/>
-                </a:lnTo>
-                <a:lnTo>
-                  <a:pt x="4918" y="1500"/>
-                </a:lnTo>
-                <a:lnTo>
-                  <a:pt x="4714" y="1488"/>
-                </a:lnTo>
-                <a:lnTo>
-                  <a:pt x="4514" y="1470"/>
-                </a:lnTo>
-                <a:lnTo>
-                  <a:pt x="4316" y="1453"/>
-                </a:lnTo>
-                <a:lnTo>
-                  <a:pt x="4122" y="1434"/>
-                </a:lnTo>
-                <a:lnTo>
-                  <a:pt x="3929" y="1405"/>
-                </a:lnTo>
-                <a:lnTo>
-                  <a:pt x="3739" y="1374"/>
-                </a:lnTo>
-                <a:lnTo>
-                  <a:pt x="3553" y="1346"/>
-                </a:lnTo>
-                <a:lnTo>
-                  <a:pt x="3190" y="1267"/>
-                </a:lnTo>
-                <a:lnTo>
-                  <a:pt x="2842" y="1183"/>
-                </a:lnTo>
-                <a:lnTo>
-                  <a:pt x="2508" y="1095"/>
-                </a:lnTo>
-                <a:lnTo>
-                  <a:pt x="2192" y="998"/>
-                </a:lnTo>
-                <a:lnTo>
-                  <a:pt x="1890" y="897"/>
-                </a:lnTo>
-                <a:lnTo>
-                  <a:pt x="1610" y="788"/>
-                </a:lnTo>
-                <a:lnTo>
-                  <a:pt x="1347" y="681"/>
-                </a:lnTo>
-                <a:lnTo>
-                  <a:pt x="1105" y="574"/>
-                </a:lnTo>
-                <a:lnTo>
-                  <a:pt x="883" y="473"/>
-                </a:lnTo>
-                <a:lnTo>
-                  <a:pt x="686" y="377"/>
-                </a:lnTo>
-                <a:lnTo>
-                  <a:pt x="508" y="286"/>
-                </a:lnTo>
-                <a:lnTo>
-                  <a:pt x="358" y="210"/>
-                </a:lnTo>
-                <a:lnTo>
-                  <a:pt x="232" y="138"/>
-                </a:lnTo>
-                <a:lnTo>
-                  <a:pt x="59" y="35"/>
-                </a:lnTo>
-                <a:lnTo>
-                  <a:pt x="0" y="0"/>
-                </a:lnTo>
-                <a:lnTo>
-                  <a:pt x="0" y="0"/>
-                </a:lnTo>
-                <a:close/>
-              </a:path>
-            </a:pathLst>
-          </a:custGeom>
-          <a:solidFill>
-            <a:srgbClr val="FFFFFF"/>
-          </a:solidFill>
-          <a:ln>
-            <a:noFill/>
-          </a:ln>
-        </p:spPr>
-      </p:sp>
-      <p:pic>
-        <p:nvPicPr>
-          <p:cNvPr id="4" name="Picture 3">
-            <a:extLst>
-              <a:ext uri="{FF2B5EF4-FFF2-40B4-BE49-F238E27FC236}">
-                <a16:creationId xmlns:a16="http://schemas.microsoft.com/office/drawing/2014/main" id="{6746275F-19FC-4250-9D46-1949E2D8DCC8}"/>
-              </a:ext>
-            </a:extLst>
-          </p:cNvPr>
-          <p:cNvPicPr>
-            <a:picLocks noChangeAspect="1"/>
-          </p:cNvPicPr>
-          <p:nvPr/>
-        </p:nvPicPr>
-        <p:blipFill>
-          <a:blip r:embed="rId3"/>
-          <a:stretch>
-            <a:fillRect/>
-          </a:stretch>
-        </p:blipFill>
-        <p:spPr>
-          <a:xfrm>
-            <a:off x="4588188" y="1379436"/>
-            <a:ext cx="6703745" cy="4592064"/>
-          </a:xfrm>
-          <a:prstGeom prst="rect">
-            <a:avLst/>
-          </a:prstGeom>
-          <a:effectLst/>
-        </p:spPr>
-      </p:pic>
-      <p:sp>
-        <p:nvSpPr>
-          <p:cNvPr id="15" name="Rectangle 14">
-            <a:extLst>
-              <a:ext uri="{FF2B5EF4-FFF2-40B4-BE49-F238E27FC236}">
-                <a16:creationId xmlns:a16="http://schemas.microsoft.com/office/drawing/2014/main" id="{11DF0705-615B-4CF3-A16F-8C14680D8BA6}"/>
-              </a:ext>
-              <a:ext uri="{C183D7F6-B498-43B3-948B-1728B52AA6E4}">
-                <adec:decorative xmlns:adec="http://schemas.microsoft.com/office/drawing/2017/decorative" val="1"/>
-              </a:ext>
-            </a:extLst>
-          </p:cNvPr>
-          <p:cNvSpPr>
-            <a:spLocks noGrp="1" noRot="1" noChangeAspect="1" noMove="1" noResize="1" noEditPoints="1" noAdjustHandles="1" noChangeArrowheads="1" noChangeShapeType="1" noTextEdit="1"/>
-          </p:cNvSpPr>
-          <p:nvPr>
-            <p:extLst>
-              <p:ext uri="{386F3935-93C4-4BCD-93E2-E3B085C9AB24}">
-                <p16:designElem xmlns:p16="http://schemas.microsoft.com/office/powerpoint/2015/main" val="1"/>
-              </p:ext>
-            </p:extLst>
-          </p:nvPr>
-        </p:nvSpPr>
-        <p:spPr>
-          <a:xfrm>
-            <a:off x="10442448" y="0"/>
-            <a:ext cx="685800" cy="1143000"/>
-          </a:xfrm>
-          <a:prstGeom prst="rect">
-            <a:avLst/>
-          </a:prstGeom>
-          <a:solidFill>
-            <a:schemeClr val="accent1"/>
-          </a:solidFill>
-          <a:ln>
-            <a:noFill/>
-          </a:ln>
-        </p:spPr>
-        <p:style>
-          <a:lnRef idx="1">
-            <a:schemeClr val="accent1"/>
-          </a:lnRef>
-          <a:fillRef idx="3">
-            <a:schemeClr val="accent1"/>
-          </a:fillRef>
-          <a:effectRef idx="2">
-            <a:schemeClr val="accent1"/>
-          </a:effectRef>
-          <a:fontRef idx="minor">
-            <a:schemeClr val="lt1"/>
-          </a:fontRef>
-        </p:style>
-      </p:sp>
-      <p:sp>
-        <p:nvSpPr>
-          <p:cNvPr id="10" name="Rectangle 9">
-            <a:extLst>
-              <a:ext uri="{FF2B5EF4-FFF2-40B4-BE49-F238E27FC236}">
-                <a16:creationId xmlns:a16="http://schemas.microsoft.com/office/drawing/2014/main" id="{26B8F8CF-468B-41F1-A2CE-AEE96D2B55E3}"/>
-              </a:ext>
-            </a:extLst>
-          </p:cNvPr>
-          <p:cNvSpPr/>
-          <p:nvPr/>
-        </p:nvSpPr>
-        <p:spPr>
-          <a:xfrm>
-            <a:off x="6551935" y="1635852"/>
-            <a:ext cx="3439354" cy="4035105"/>
-          </a:xfrm>
-          <a:prstGeom prst="rect">
-            <a:avLst/>
-          </a:prstGeom>
-          <a:noFill/>
-          <a:ln>
-            <a:solidFill>
-              <a:srgbClr val="FF0000"/>
-            </a:solidFill>
-          </a:ln>
-        </p:spPr>
-        <p:style>
-          <a:lnRef idx="2">
-            <a:schemeClr val="accent3"/>
-          </a:lnRef>
-          <a:fillRef idx="1">
-            <a:schemeClr val="lt1"/>
-          </a:fillRef>
-          <a:effectRef idx="0">
-            <a:schemeClr val="accent3"/>
-          </a:effectRef>
-          <a:fontRef idx="minor">
-            <a:schemeClr val="dk1"/>
-          </a:fontRef>
-        </p:style>
-        <p:txBody>
-          <a:bodyPr rtlCol="0" anchor="ctr"/>
-          <a:lstStyle/>
-          <a:p>
-            <a:pPr algn="ctr"/>
-            <a:endParaRPr lang="en-SG"/>
-          </a:p>
-        </p:txBody>
-      </p:sp>
-    </p:spTree>
-    <p:extLst>
-      <p:ext uri="{BB962C8B-B14F-4D97-AF65-F5344CB8AC3E}">
-        <p14:creationId xmlns:p14="http://schemas.microsoft.com/office/powerpoint/2010/main" val="423824939"/>
-      </p:ext>
-    </p:extLst>
-  </p:cSld>
-  <p:clrMapOvr>
-    <a:masterClrMapping/>
-  </p:clrMapOvr>
-  <p:timing>
-    <p:tnLst>
-      <p:par>
-        <p:cTn id="1" dur="indefinite" restart="never" nodeType="tmRoot">
-          <p:childTnLst>
-            <p:seq concurrent="1" nextAc="seek">
-              <p:cTn id="2" dur="indefinite" nodeType="mainSeq">
-                <p:childTnLst>
-                  <p:par>
-                    <p:cTn id="3" fill="hold">
-                      <p:stCondLst>
-                        <p:cond delay="indefinite"/>
-                      </p:stCondLst>
-                      <p:childTnLst>
-                        <p:par>
-                          <p:cTn id="4" fill="hold">
-                            <p:stCondLst>
-                              <p:cond delay="0"/>
-                            </p:stCondLst>
-                            <p:childTnLst>
-                              <p:par>
-                                <p:cTn id="5" presetID="53" presetClass="entr" presetSubtype="16" fill="hold" grpId="0" nodeType="clickEffect">
-                                  <p:stCondLst>
-                                    <p:cond delay="0"/>
-                                  </p:stCondLst>
-                                  <p:childTnLst>
-                                    <p:set>
-                                      <p:cBhvr>
-                                        <p:cTn id="6" dur="1" fill="hold">
-                                          <p:stCondLst>
-                                            <p:cond delay="0"/>
-                                          </p:stCondLst>
-                                        </p:cTn>
-                                        <p:tgtEl>
-                                          <p:spTgt spid="10"/>
-                                        </p:tgtEl>
-                                        <p:attrNameLst>
-                                          <p:attrName>style.visibility</p:attrName>
-                                        </p:attrNameLst>
-                                      </p:cBhvr>
-                                      <p:to>
-                                        <p:strVal val="visible"/>
-                                      </p:to>
-                                    </p:set>
-                                    <p:anim calcmode="lin" valueType="num">
-                                      <p:cBhvr>
-                                        <p:cTn id="7" dur="500" fill="hold"/>
-                                        <p:tgtEl>
-                                          <p:spTgt spid="10"/>
-                                        </p:tgtEl>
-                                        <p:attrNameLst>
-                                          <p:attrName>ppt_w</p:attrName>
-                                        </p:attrNameLst>
-                                      </p:cBhvr>
-                                      <p:tavLst>
-                                        <p:tav tm="0">
-                                          <p:val>
-                                            <p:fltVal val="0"/>
-                                          </p:val>
-                                        </p:tav>
-                                        <p:tav tm="100000">
-                                          <p:val>
-                                            <p:strVal val="#ppt_w"/>
-                                          </p:val>
-                                        </p:tav>
-                                      </p:tavLst>
-                                    </p:anim>
-                                    <p:anim calcmode="lin" valueType="num">
-                                      <p:cBhvr>
-                                        <p:cTn id="8" dur="500" fill="hold"/>
-                                        <p:tgtEl>
-                                          <p:spTgt spid="10"/>
-                                        </p:tgtEl>
-                                        <p:attrNameLst>
-                                          <p:attrName>ppt_h</p:attrName>
-                                        </p:attrNameLst>
-                                      </p:cBhvr>
-                                      <p:tavLst>
-                                        <p:tav tm="0">
-                                          <p:val>
-                                            <p:fltVal val="0"/>
-                                          </p:val>
-                                        </p:tav>
-                                        <p:tav tm="100000">
-                                          <p:val>
-                                            <p:strVal val="#ppt_h"/>
-                                          </p:val>
-                                        </p:tav>
-                                      </p:tavLst>
-                                    </p:anim>
-                                    <p:animEffect transition="in" filter="fade">
-                                      <p:cBhvr>
-                                        <p:cTn id="9" dur="500"/>
-                                        <p:tgtEl>
-                                          <p:spTgt spid="10"/>
-                                        </p:tgtEl>
-                                      </p:cBhvr>
-                                    </p:animEffect>
-                                  </p:childTnLst>
-                                </p:cTn>
-                              </p:par>
-                            </p:childTnLst>
-                          </p:cTn>
-                        </p:par>
-                      </p:childTnLst>
-                    </p:cTn>
-                  </p:par>
-                </p:childTnLst>
-              </p:cTn>
-              <p:prevCondLst>
-                <p:cond evt="onPrev" delay="0">
-                  <p:tgtEl>
-                    <p:sldTgt/>
-                  </p:tgtEl>
-                </p:cond>
-              </p:prevCondLst>
-              <p:nextCondLst>
-                <p:cond evt="onNext" delay="0">
-                  <p:tgtEl>
-                    <p:sldTgt/>
-                  </p:tgtEl>
-                </p:cond>
-              </p:nextCondLst>
-            </p:seq>
-          </p:childTnLst>
-        </p:cTn>
-      </p:par>
-    </p:tnLst>
-    <p:bldLst>
-      <p:bldP spid="10" grpId="0" animBg="1"/>
-    </p:bldLst>
-  </p:timing>
-</p:sld>
-</file>
-
-<file path=ppt/slides/slide8.xml><?xml version="1.0" encoding="utf-8"?>
-<p:sld xmlns:a="http://schemas.openxmlformats.org/drawingml/2006/main" xmlns:r="http://schemas.openxmlformats.org/officeDocument/2006/relationships" xmlns:p="http://schemas.openxmlformats.org/presentationml/2006/main">
-  <p:cSld>
-    <p:bg>
-      <p:bgPr>
-        <a:blipFill rotWithShape="1">
-          <a:blip r:embed="rId2">
-            <a:duotone>
-              <a:schemeClr val="bg2">
-                <a:shade val="62000"/>
-                <a:hueMod val="108000"/>
-                <a:satMod val="164000"/>
-                <a:lumMod val="69000"/>
-              </a:schemeClr>
-              <a:schemeClr val="bg2">
-                <a:tint val="96000"/>
-                <a:hueMod val="90000"/>
-                <a:satMod val="130000"/>
-                <a:lumMod val="134000"/>
-              </a:schemeClr>
-            </a:duotone>
-          </a:blip>
-          <a:stretch/>
-        </a:blipFill>
-        <a:effectLst/>
-      </p:bgPr>
-    </p:bg>
-    <p:spTree>
-      <p:nvGrpSpPr>
-        <p:cNvPr id="1" name=""/>
-        <p:cNvGrpSpPr/>
-        <p:nvPr/>
-      </p:nvGrpSpPr>
-      <p:grpSpPr>
-        <a:xfrm>
-          <a:off x="0" y="0"/>
-          <a:ext cx="0" cy="0"/>
-          <a:chOff x="0" y="0"/>
-          <a:chExt cx="0" cy="0"/>
-        </a:xfrm>
-      </p:grpSpPr>
-      <p:sp>
-        <p:nvSpPr>
-          <p:cNvPr id="2" name="Title 1">
-            <a:extLst>
-              <a:ext uri="{FF2B5EF4-FFF2-40B4-BE49-F238E27FC236}">
-                <a16:creationId xmlns:a16="http://schemas.microsoft.com/office/drawing/2014/main" id="{8BAAC7A6-57DA-489D-A467-D28AE49D7A8C}"/>
-              </a:ext>
-            </a:extLst>
-          </p:cNvPr>
-          <p:cNvSpPr>
-            <a:spLocks noGrp="1"/>
-          </p:cNvSpPr>
-          <p:nvPr>
-            <p:ph type="title"/>
-          </p:nvPr>
-        </p:nvSpPr>
-        <p:spPr>
-          <a:xfrm>
-            <a:off x="648931" y="629266"/>
-            <a:ext cx="3104864" cy="1622321"/>
-          </a:xfrm>
-        </p:spPr>
-        <p:txBody>
-          <a:bodyPr>
-            <a:normAutofit/>
-          </a:bodyPr>
-          <a:lstStyle/>
-          <a:p>
-            <a:r>
-              <a:rPr lang="en-US" dirty="0"/>
-              <a:t>Areas explored</a:t>
-            </a:r>
-            <a:endParaRPr lang="en-SG" dirty="0"/>
-          </a:p>
-        </p:txBody>
-      </p:sp>
-      <p:sp>
-        <p:nvSpPr>
-          <p:cNvPr id="9" name="Freeform 31">
-            <a:extLst>
-              <a:ext uri="{FF2B5EF4-FFF2-40B4-BE49-F238E27FC236}">
-                <a16:creationId xmlns:a16="http://schemas.microsoft.com/office/drawing/2014/main" id="{D6CEF2A9-EF08-4FB3-AFFB-C5F77AB6E028}"/>
-              </a:ext>
-              <a:ext uri="{C183D7F6-B498-43B3-948B-1728B52AA6E4}">
-                <adec:decorative xmlns:adec="http://schemas.microsoft.com/office/drawing/2017/decorative" val="1"/>
-              </a:ext>
-            </a:extLst>
-          </p:cNvPr>
-          <p:cNvSpPr>
-            <a:spLocks noGrp="1" noRot="1" noChangeAspect="1" noMove="1" noResize="1" noEditPoints="1" noAdjustHandles="1" noChangeArrowheads="1" noChangeShapeType="1" noTextEdit="1"/>
-          </p:cNvSpPr>
-          <p:nvPr>
-            <p:extLst>
-              <p:ext uri="{386F3935-93C4-4BCD-93E2-E3B085C9AB24}">
-                <p16:designElem xmlns:p16="http://schemas.microsoft.com/office/powerpoint/2015/main" val="1"/>
-              </p:ext>
-            </p:extLst>
-          </p:nvPr>
-        </p:nvSpPr>
-        <p:spPr>
-          <a:xfrm>
-            <a:off x="4994020" y="-1"/>
-            <a:ext cx="559472" cy="3709642"/>
-          </a:xfrm>
-          <a:custGeom>
-            <a:avLst/>
-            <a:gdLst>
-              <a:gd name="connsiteX0" fmla="*/ 0 w 559472"/>
-              <a:gd name="connsiteY0" fmla="*/ 0 h 3709642"/>
-              <a:gd name="connsiteX1" fmla="*/ 473952 w 559472"/>
-              <a:gd name="connsiteY1" fmla="*/ 0 h 3709642"/>
-              <a:gd name="connsiteX2" fmla="*/ 485840 w 559472"/>
-              <a:gd name="connsiteY2" fmla="*/ 161194 h 3709642"/>
-              <a:gd name="connsiteX3" fmla="*/ 523949 w 559472"/>
-              <a:gd name="connsiteY3" fmla="*/ 3672197 h 3709642"/>
-              <a:gd name="connsiteX4" fmla="*/ 454748 w 559472"/>
-              <a:gd name="connsiteY4" fmla="*/ 3709642 h 3709642"/>
-              <a:gd name="connsiteX5" fmla="*/ 448224 w 559472"/>
-              <a:gd name="connsiteY5" fmla="*/ 3510471 h 3709642"/>
-              <a:gd name="connsiteX6" fmla="*/ 443564 w 559472"/>
-              <a:gd name="connsiteY6" fmla="*/ 3408563 h 3709642"/>
-              <a:gd name="connsiteX7" fmla="*/ 438902 w 559472"/>
-              <a:gd name="connsiteY7" fmla="*/ 3304407 h 3709642"/>
-              <a:gd name="connsiteX8" fmla="*/ 433941 w 559472"/>
-              <a:gd name="connsiteY8" fmla="*/ 3198777 h 3709642"/>
-              <a:gd name="connsiteX9" fmla="*/ 427584 w 559472"/>
-              <a:gd name="connsiteY9" fmla="*/ 3092510 h 3709642"/>
-              <a:gd name="connsiteX10" fmla="*/ 420988 w 559472"/>
-              <a:gd name="connsiteY10" fmla="*/ 2984390 h 3709642"/>
-              <a:gd name="connsiteX11" fmla="*/ 414330 w 559472"/>
-              <a:gd name="connsiteY11" fmla="*/ 2874401 h 3709642"/>
-              <a:gd name="connsiteX12" fmla="*/ 406840 w 559472"/>
-              <a:gd name="connsiteY12" fmla="*/ 2762980 h 3709642"/>
-              <a:gd name="connsiteX13" fmla="*/ 397745 w 559472"/>
-              <a:gd name="connsiteY13" fmla="*/ 2650566 h 3709642"/>
-              <a:gd name="connsiteX14" fmla="*/ 389154 w 559472"/>
-              <a:gd name="connsiteY14" fmla="*/ 2536612 h 3709642"/>
-              <a:gd name="connsiteX15" fmla="*/ 379225 w 559472"/>
-              <a:gd name="connsiteY15" fmla="*/ 2421642 h 3709642"/>
-              <a:gd name="connsiteX16" fmla="*/ 368316 w 559472"/>
-              <a:gd name="connsiteY16" fmla="*/ 2305627 h 3709642"/>
-              <a:gd name="connsiteX17" fmla="*/ 357466 w 559472"/>
-              <a:gd name="connsiteY17" fmla="*/ 2189233 h 3709642"/>
-              <a:gd name="connsiteX18" fmla="*/ 344982 w 559472"/>
-              <a:gd name="connsiteY18" fmla="*/ 2071473 h 3709642"/>
-              <a:gd name="connsiteX19" fmla="*/ 332466 w 559472"/>
-              <a:gd name="connsiteY19" fmla="*/ 1952216 h 3709642"/>
-              <a:gd name="connsiteX20" fmla="*/ 319121 w 559472"/>
-              <a:gd name="connsiteY20" fmla="*/ 1833776 h 3709642"/>
-              <a:gd name="connsiteX21" fmla="*/ 304408 w 559472"/>
-              <a:gd name="connsiteY21" fmla="*/ 1713948 h 3709642"/>
-              <a:gd name="connsiteX22" fmla="*/ 288685 w 559472"/>
-              <a:gd name="connsiteY22" fmla="*/ 1592703 h 3709642"/>
-              <a:gd name="connsiteX23" fmla="*/ 273050 w 559472"/>
-              <a:gd name="connsiteY23" fmla="*/ 1471451 h 3709642"/>
-              <a:gd name="connsiteX24" fmla="*/ 255813 w 559472"/>
-              <a:gd name="connsiteY24" fmla="*/ 1350328 h 3709642"/>
-              <a:gd name="connsiteX25" fmla="*/ 237060 w 559472"/>
-              <a:gd name="connsiteY25" fmla="*/ 1227080 h 3709642"/>
-              <a:gd name="connsiteX26" fmla="*/ 218488 w 559472"/>
-              <a:gd name="connsiteY26" fmla="*/ 1106065 h 3709642"/>
-              <a:gd name="connsiteX27" fmla="*/ 198221 w 559472"/>
-              <a:gd name="connsiteY27" fmla="*/ 982940 h 3709642"/>
-              <a:gd name="connsiteX28" fmla="*/ 177152 w 559472"/>
-              <a:gd name="connsiteY28" fmla="*/ 858755 h 3709642"/>
-              <a:gd name="connsiteX29" fmla="*/ 155551 w 559472"/>
-              <a:gd name="connsiteY29" fmla="*/ 736861 h 3709642"/>
-              <a:gd name="connsiteX30" fmla="*/ 131782 w 559472"/>
-              <a:gd name="connsiteY30" fmla="*/ 613645 h 3709642"/>
-              <a:gd name="connsiteX31" fmla="*/ 107123 w 559472"/>
-              <a:gd name="connsiteY31" fmla="*/ 490500 h 3709642"/>
-              <a:gd name="connsiteX32" fmla="*/ 82552 w 559472"/>
-              <a:gd name="connsiteY32" fmla="*/ 367348 h 3709642"/>
-              <a:gd name="connsiteX33" fmla="*/ 55608 w 559472"/>
-              <a:gd name="connsiteY33" fmla="*/ 244762 h 3709642"/>
-              <a:gd name="connsiteX34" fmla="*/ 28130 w 559472"/>
-              <a:gd name="connsiteY34" fmla="*/ 122220 h 3709642"/>
-              <a:gd name="connsiteX35" fmla="*/ 0 w 559472"/>
-              <a:gd name="connsiteY35" fmla="*/ 0 h 3709642"/>
-            </a:gdLst>
-            <a:ahLst/>
-            <a:cxnLst>
-              <a:cxn ang="0">
-                <a:pos x="connsiteX0" y="connsiteY0"/>
-              </a:cxn>
-              <a:cxn ang="0">
-                <a:pos x="connsiteX1" y="connsiteY1"/>
-              </a:cxn>
-              <a:cxn ang="0">
-                <a:pos x="connsiteX2" y="connsiteY2"/>
-              </a:cxn>
-              <a:cxn ang="0">
-                <a:pos x="connsiteX3" y="connsiteY3"/>
-              </a:cxn>
-              <a:cxn ang="0">
-                <a:pos x="connsiteX4" y="connsiteY4"/>
-              </a:cxn>
-              <a:cxn ang="0">
-                <a:pos x="connsiteX5" y="connsiteY5"/>
-              </a:cxn>
-              <a:cxn ang="0">
-                <a:pos x="connsiteX6" y="connsiteY6"/>
-              </a:cxn>
-              <a:cxn ang="0">
-                <a:pos x="connsiteX7" y="connsiteY7"/>
-              </a:cxn>
-              <a:cxn ang="0">
-                <a:pos x="connsiteX8" y="connsiteY8"/>
-              </a:cxn>
-              <a:cxn ang="0">
-                <a:pos x="connsiteX9" y="connsiteY9"/>
-              </a:cxn>
-              <a:cxn ang="0">
-                <a:pos x="connsiteX10" y="connsiteY10"/>
-              </a:cxn>
-              <a:cxn ang="0">
-                <a:pos x="connsiteX11" y="connsiteY11"/>
-              </a:cxn>
-              <a:cxn ang="0">
-                <a:pos x="connsiteX12" y="connsiteY12"/>
-              </a:cxn>
-              <a:cxn ang="0">
-                <a:pos x="connsiteX13" y="connsiteY13"/>
-              </a:cxn>
-              <a:cxn ang="0">
-                <a:pos x="connsiteX14" y="connsiteY14"/>
-              </a:cxn>
-              <a:cxn ang="0">
-                <a:pos x="connsiteX15" y="connsiteY15"/>
-              </a:cxn>
-              <a:cxn ang="0">
-                <a:pos x="connsiteX16" y="connsiteY16"/>
-              </a:cxn>
-              <a:cxn ang="0">
-                <a:pos x="connsiteX17" y="connsiteY17"/>
-              </a:cxn>
-              <a:cxn ang="0">
-                <a:pos x="connsiteX18" y="connsiteY18"/>
-              </a:cxn>
-              <a:cxn ang="0">
-                <a:pos x="connsiteX19" y="connsiteY19"/>
-              </a:cxn>
-              <a:cxn ang="0">
-                <a:pos x="connsiteX20" y="connsiteY20"/>
-              </a:cxn>
-              <a:cxn ang="0">
-                <a:pos x="connsiteX21" y="connsiteY21"/>
-              </a:cxn>
-              <a:cxn ang="0">
-                <a:pos x="connsiteX22" y="connsiteY22"/>
-              </a:cxn>
-              <a:cxn ang="0">
-                <a:pos x="connsiteX23" y="connsiteY23"/>
-              </a:cxn>
-              <a:cxn ang="0">
-                <a:pos x="connsiteX24" y="connsiteY24"/>
-              </a:cxn>
-              <a:cxn ang="0">
-                <a:pos x="connsiteX25" y="connsiteY25"/>
-              </a:cxn>
-              <a:cxn ang="0">
-                <a:pos x="connsiteX26" y="connsiteY26"/>
-              </a:cxn>
-              <a:cxn ang="0">
-                <a:pos x="connsiteX27" y="connsiteY27"/>
-              </a:cxn>
-              <a:cxn ang="0">
-                <a:pos x="connsiteX28" y="connsiteY28"/>
-              </a:cxn>
-              <a:cxn ang="0">
-                <a:pos x="connsiteX29" y="connsiteY29"/>
-              </a:cxn>
-              <a:cxn ang="0">
-                <a:pos x="connsiteX30" y="connsiteY30"/>
-              </a:cxn>
-              <a:cxn ang="0">
-                <a:pos x="connsiteX31" y="connsiteY31"/>
-              </a:cxn>
-              <a:cxn ang="0">
-                <a:pos x="connsiteX32" y="connsiteY32"/>
-              </a:cxn>
-              <a:cxn ang="0">
-                <a:pos x="connsiteX33" y="connsiteY33"/>
-              </a:cxn>
-              <a:cxn ang="0">
-                <a:pos x="connsiteX34" y="connsiteY34"/>
-              </a:cxn>
-              <a:cxn ang="0">
-                <a:pos x="connsiteX35" y="connsiteY35"/>
-              </a:cxn>
-            </a:cxnLst>
-            <a:rect l="l" t="t" r="r" b="b"/>
-            <a:pathLst>
-              <a:path w="559472" h="3709642">
-                <a:moveTo>
-                  <a:pt x="0" y="0"/>
-                </a:moveTo>
-                <a:lnTo>
-                  <a:pt x="473952" y="0"/>
-                </a:lnTo>
-                <a:lnTo>
-                  <a:pt x="485840" y="161194"/>
-                </a:lnTo>
-                <a:cubicBezTo>
-                  <a:pt x="552063" y="1147770"/>
-                  <a:pt x="592441" y="3086737"/>
-                  <a:pt x="523949" y="3672197"/>
-                </a:cubicBezTo>
-                <a:cubicBezTo>
-                  <a:pt x="500842" y="3684557"/>
-                  <a:pt x="477855" y="3697282"/>
-                  <a:pt x="454748" y="3709642"/>
-                </a:cubicBezTo>
-                <a:lnTo>
-                  <a:pt x="448224" y="3510471"/>
-                </a:lnTo>
-                <a:lnTo>
-                  <a:pt x="443564" y="3408563"/>
-                </a:lnTo>
-                <a:lnTo>
-                  <a:pt x="438902" y="3304407"/>
-                </a:lnTo>
-                <a:lnTo>
-                  <a:pt x="433941" y="3198777"/>
-                </a:lnTo>
-                <a:lnTo>
-                  <a:pt x="427584" y="3092510"/>
-                </a:lnTo>
-                <a:lnTo>
-                  <a:pt x="420988" y="2984390"/>
-                </a:lnTo>
-                <a:lnTo>
-                  <a:pt x="414330" y="2874401"/>
-                </a:lnTo>
-                <a:lnTo>
-                  <a:pt x="406840" y="2762980"/>
-                </a:lnTo>
-                <a:lnTo>
-                  <a:pt x="397745" y="2650566"/>
-                </a:lnTo>
-                <a:lnTo>
-                  <a:pt x="389154" y="2536612"/>
-                </a:lnTo>
-                <a:lnTo>
-                  <a:pt x="379225" y="2421642"/>
-                </a:lnTo>
-                <a:lnTo>
-                  <a:pt x="368316" y="2305627"/>
-                </a:lnTo>
-                <a:lnTo>
-                  <a:pt x="357466" y="2189233"/>
-                </a:lnTo>
-                <a:lnTo>
-                  <a:pt x="344982" y="2071473"/>
-                </a:lnTo>
-                <a:lnTo>
-                  <a:pt x="332466" y="1952216"/>
-                </a:lnTo>
-                <a:lnTo>
-                  <a:pt x="319121" y="1833776"/>
-                </a:lnTo>
-                <a:lnTo>
-                  <a:pt x="304408" y="1713948"/>
-                </a:lnTo>
-                <a:lnTo>
-                  <a:pt x="288685" y="1592703"/>
-                </a:lnTo>
-                <a:lnTo>
-                  <a:pt x="273050" y="1471451"/>
-                </a:lnTo>
-                <a:lnTo>
-                  <a:pt x="255813" y="1350328"/>
-                </a:lnTo>
-                <a:lnTo>
-                  <a:pt x="237060" y="1227080"/>
-                </a:lnTo>
-                <a:lnTo>
-                  <a:pt x="218488" y="1106065"/>
-                </a:lnTo>
-                <a:lnTo>
-                  <a:pt x="198221" y="982940"/>
-                </a:lnTo>
-                <a:lnTo>
-                  <a:pt x="177152" y="858755"/>
-                </a:lnTo>
-                <a:lnTo>
-                  <a:pt x="155551" y="736861"/>
-                </a:lnTo>
-                <a:lnTo>
-                  <a:pt x="131782" y="613645"/>
-                </a:lnTo>
-                <a:lnTo>
-                  <a:pt x="107123" y="490500"/>
-                </a:lnTo>
-                <a:lnTo>
-                  <a:pt x="82552" y="367348"/>
-                </a:lnTo>
-                <a:lnTo>
-                  <a:pt x="55608" y="244762"/>
-                </a:lnTo>
-                <a:lnTo>
-                  <a:pt x="28130" y="122220"/>
-                </a:lnTo>
-                <a:lnTo>
-                  <a:pt x="0" y="0"/>
-                </a:lnTo>
-                <a:close/>
-              </a:path>
-            </a:pathLst>
-          </a:custGeom>
-          <a:solidFill>
-            <a:schemeClr val="tx1">
-              <a:alpha val="20000"/>
-            </a:schemeClr>
-          </a:solidFill>
-          <a:ln>
-            <a:noFill/>
-          </a:ln>
-        </p:spPr>
-        <p:txBody>
-          <a:bodyPr rtlCol="0" anchor="ctr"/>
-          <a:lstStyle/>
-          <a:p>
-            <a:pPr algn="ctr"/>
-            <a:endParaRPr lang="en-US"/>
-          </a:p>
-        </p:txBody>
-      </p:sp>
-      <p:sp>
-        <p:nvSpPr>
-          <p:cNvPr id="11" name="Rectangle 10">
-            <a:extLst>
-              <a:ext uri="{FF2B5EF4-FFF2-40B4-BE49-F238E27FC236}">
-                <a16:creationId xmlns:a16="http://schemas.microsoft.com/office/drawing/2014/main" id="{4109C3C2-C0A8-4559-8462-8007573DF44C}"/>
-              </a:ext>
-              <a:ext uri="{C183D7F6-B498-43B3-948B-1728B52AA6E4}">
-                <adec:decorative xmlns:adec="http://schemas.microsoft.com/office/drawing/2017/decorative" val="1"/>
-              </a:ext>
-            </a:extLst>
-          </p:cNvPr>
-          <p:cNvSpPr>
-            <a:spLocks noGrp="1" noRot="1" noChangeAspect="1" noMove="1" noResize="1" noEditPoints="1" noAdjustHandles="1" noChangeArrowheads="1" noChangeShapeType="1" noTextEdit="1"/>
-          </p:cNvSpPr>
-          <p:nvPr>
-            <p:extLst>
-              <p:ext uri="{386F3935-93C4-4BCD-93E2-E3B085C9AB24}">
-                <p16:designElem xmlns:p16="http://schemas.microsoft.com/office/powerpoint/2015/main" val="1"/>
-              </p:ext>
-            </p:extLst>
-          </p:nvPr>
-        </p:nvSpPr>
-        <p:spPr>
-          <a:xfrm>
-            <a:off x="6093992" y="0"/>
-            <a:ext cx="6098427" cy="6858000"/>
-          </a:xfrm>
-          <a:prstGeom prst="rect">
-            <a:avLst/>
-          </a:prstGeom>
-          <a:solidFill>
-            <a:srgbClr val="FFFFFF"/>
-          </a:solidFill>
-          <a:ln>
-            <a:noFill/>
-          </a:ln>
-        </p:spPr>
-        <p:style>
-          <a:lnRef idx="2">
-            <a:schemeClr val="accent1">
-              <a:shade val="50000"/>
-            </a:schemeClr>
-          </a:lnRef>
-          <a:fillRef idx="1">
-            <a:schemeClr val="accent1"/>
-          </a:fillRef>
-          <a:effectRef idx="0">
-            <a:schemeClr val="accent1"/>
-          </a:effectRef>
-          <a:fontRef idx="minor">
-            <a:schemeClr val="lt1"/>
-          </a:fontRef>
-        </p:style>
-        <p:txBody>
-          <a:bodyPr rtlCol="0" anchor="ctr"/>
-          <a:lstStyle/>
-          <a:p>
-            <a:pPr algn="ctr"/>
-            <a:endParaRPr lang="en-US"/>
-          </a:p>
-        </p:txBody>
-      </p:sp>
-      <p:sp>
-        <p:nvSpPr>
-          <p:cNvPr id="13" name="Freeform 5">
-            <a:extLst>
-              <a:ext uri="{FF2B5EF4-FFF2-40B4-BE49-F238E27FC236}">
-                <a16:creationId xmlns:a16="http://schemas.microsoft.com/office/drawing/2014/main" id="{4C535542-B72A-4DE0-BE5A-5EA00508C77D}"/>
-              </a:ext>
-              <a:ext uri="{C183D7F6-B498-43B3-948B-1728B52AA6E4}">
-                <adec:decorative xmlns:adec="http://schemas.microsoft.com/office/drawing/2017/decorative" val="1"/>
-              </a:ext>
-            </a:extLst>
-          </p:cNvPr>
-          <p:cNvSpPr>
-            <a:spLocks noGrp="1" noRot="1" noChangeAspect="1" noMove="1" noResize="1" noEditPoints="1" noAdjustHandles="1" noChangeArrowheads="1" noChangeShapeType="1" noTextEdit="1"/>
-          </p:cNvSpPr>
-          <p:nvPr>
-            <p:extLst>
-              <p:ext uri="{386F3935-93C4-4BCD-93E2-E3B085C9AB24}">
-                <p16:designElem xmlns:p16="http://schemas.microsoft.com/office/powerpoint/2015/main" val="1"/>
-              </p:ext>
-            </p:extLst>
-          </p:nvPr>
-        </p:nvSpPr>
-        <p:spPr bwMode="gray">
-          <a:xfrm rot="16200000">
-            <a:off x="2450577" y="2756642"/>
-            <a:ext cx="6858000" cy="1344715"/>
-          </a:xfrm>
-          <a:custGeom>
-            <a:avLst/>
-            <a:gdLst/>
-            <a:ahLst/>
-            <a:cxnLst/>
-            <a:rect l="l" t="t" r="r" b="b"/>
-            <a:pathLst>
-              <a:path w="10000" h="8000">
-                <a:moveTo>
-                  <a:pt x="0" y="0"/>
-                </a:moveTo>
-                <a:lnTo>
-                  <a:pt x="0" y="7970"/>
-                </a:lnTo>
-                <a:lnTo>
-                  <a:pt x="10000" y="8000"/>
-                </a:lnTo>
-                <a:lnTo>
-                  <a:pt x="10000" y="7"/>
-                </a:lnTo>
-                <a:lnTo>
-                  <a:pt x="10000" y="7"/>
-                </a:lnTo>
-                <a:lnTo>
-                  <a:pt x="9773" y="156"/>
-                </a:lnTo>
-                <a:lnTo>
-                  <a:pt x="9547" y="298"/>
-                </a:lnTo>
-                <a:lnTo>
-                  <a:pt x="9320" y="437"/>
-                </a:lnTo>
-                <a:lnTo>
-                  <a:pt x="9092" y="556"/>
-                </a:lnTo>
-                <a:lnTo>
-                  <a:pt x="8865" y="676"/>
-                </a:lnTo>
-                <a:lnTo>
-                  <a:pt x="8637" y="788"/>
-                </a:lnTo>
-                <a:lnTo>
-                  <a:pt x="8412" y="884"/>
-                </a:lnTo>
-                <a:lnTo>
-                  <a:pt x="8184" y="975"/>
-                </a:lnTo>
-                <a:lnTo>
-                  <a:pt x="7957" y="1058"/>
-                </a:lnTo>
-                <a:lnTo>
-                  <a:pt x="7734" y="1130"/>
-                </a:lnTo>
-                <a:lnTo>
-                  <a:pt x="7508" y="1202"/>
-                </a:lnTo>
-                <a:lnTo>
-                  <a:pt x="7285" y="1262"/>
-                </a:lnTo>
-                <a:lnTo>
-                  <a:pt x="7062" y="1309"/>
-                </a:lnTo>
-                <a:lnTo>
-                  <a:pt x="6840" y="1358"/>
-                </a:lnTo>
-                <a:lnTo>
-                  <a:pt x="6620" y="1399"/>
-                </a:lnTo>
-                <a:lnTo>
-                  <a:pt x="6402" y="1428"/>
-                </a:lnTo>
-                <a:lnTo>
-                  <a:pt x="6184" y="1453"/>
-                </a:lnTo>
-                <a:lnTo>
-                  <a:pt x="5968" y="1477"/>
-                </a:lnTo>
-                <a:lnTo>
-                  <a:pt x="5755" y="1488"/>
-                </a:lnTo>
-                <a:lnTo>
-                  <a:pt x="5542" y="1500"/>
-                </a:lnTo>
-                <a:lnTo>
-                  <a:pt x="5332" y="1506"/>
-                </a:lnTo>
-                <a:lnTo>
-                  <a:pt x="5124" y="1500"/>
-                </a:lnTo>
-                <a:lnTo>
-                  <a:pt x="4918" y="1500"/>
-                </a:lnTo>
-                <a:lnTo>
-                  <a:pt x="4714" y="1488"/>
-                </a:lnTo>
-                <a:lnTo>
-                  <a:pt x="4514" y="1470"/>
-                </a:lnTo>
-                <a:lnTo>
-                  <a:pt x="4316" y="1453"/>
-                </a:lnTo>
-                <a:lnTo>
-                  <a:pt x="4122" y="1434"/>
-                </a:lnTo>
-                <a:lnTo>
-                  <a:pt x="3929" y="1405"/>
-                </a:lnTo>
-                <a:lnTo>
-                  <a:pt x="3739" y="1374"/>
-                </a:lnTo>
-                <a:lnTo>
-                  <a:pt x="3553" y="1346"/>
-                </a:lnTo>
-                <a:lnTo>
-                  <a:pt x="3190" y="1267"/>
-                </a:lnTo>
-                <a:lnTo>
-                  <a:pt x="2842" y="1183"/>
-                </a:lnTo>
-                <a:lnTo>
-                  <a:pt x="2508" y="1095"/>
-                </a:lnTo>
-                <a:lnTo>
-                  <a:pt x="2192" y="998"/>
-                </a:lnTo>
-                <a:lnTo>
-                  <a:pt x="1890" y="897"/>
-                </a:lnTo>
-                <a:lnTo>
-                  <a:pt x="1610" y="788"/>
-                </a:lnTo>
-                <a:lnTo>
-                  <a:pt x="1347" y="681"/>
-                </a:lnTo>
-                <a:lnTo>
-                  <a:pt x="1105" y="574"/>
-                </a:lnTo>
-                <a:lnTo>
-                  <a:pt x="883" y="473"/>
-                </a:lnTo>
-                <a:lnTo>
-                  <a:pt x="686" y="377"/>
-                </a:lnTo>
-                <a:lnTo>
-                  <a:pt x="508" y="286"/>
-                </a:lnTo>
-                <a:lnTo>
-                  <a:pt x="358" y="210"/>
-                </a:lnTo>
-                <a:lnTo>
-                  <a:pt x="232" y="138"/>
-                </a:lnTo>
-                <a:lnTo>
-                  <a:pt x="59" y="35"/>
-                </a:lnTo>
-                <a:lnTo>
-                  <a:pt x="0" y="0"/>
-                </a:lnTo>
-                <a:lnTo>
-                  <a:pt x="0" y="0"/>
-                </a:lnTo>
-                <a:close/>
-              </a:path>
-            </a:pathLst>
-          </a:custGeom>
-          <a:solidFill>
-            <a:srgbClr val="FFFFFF"/>
-          </a:solidFill>
-          <a:ln>
-            <a:noFill/>
-          </a:ln>
-        </p:spPr>
-      </p:sp>
-      <p:sp>
-        <p:nvSpPr>
-          <p:cNvPr id="15" name="Rectangle 14">
-            <a:extLst>
-              <a:ext uri="{FF2B5EF4-FFF2-40B4-BE49-F238E27FC236}">
-                <a16:creationId xmlns:a16="http://schemas.microsoft.com/office/drawing/2014/main" id="{11DF0705-615B-4CF3-A16F-8C14680D8BA6}"/>
-              </a:ext>
-              <a:ext uri="{C183D7F6-B498-43B3-948B-1728B52AA6E4}">
-                <adec:decorative xmlns:adec="http://schemas.microsoft.com/office/drawing/2017/decorative" val="1"/>
-              </a:ext>
-            </a:extLst>
-          </p:cNvPr>
-          <p:cNvSpPr>
-            <a:spLocks noGrp="1" noRot="1" noChangeAspect="1" noMove="1" noResize="1" noEditPoints="1" noAdjustHandles="1" noChangeArrowheads="1" noChangeShapeType="1" noTextEdit="1"/>
-          </p:cNvSpPr>
-          <p:nvPr>
-            <p:extLst>
-              <p:ext uri="{386F3935-93C4-4BCD-93E2-E3B085C9AB24}">
-                <p16:designElem xmlns:p16="http://schemas.microsoft.com/office/powerpoint/2015/main" val="1"/>
-              </p:ext>
-            </p:extLst>
-          </p:nvPr>
-        </p:nvSpPr>
-        <p:spPr>
-          <a:xfrm>
-            <a:off x="10442448" y="0"/>
-            <a:ext cx="685800" cy="1143000"/>
-          </a:xfrm>
-          <a:prstGeom prst="rect">
-            <a:avLst/>
-          </a:prstGeom>
-          <a:solidFill>
-            <a:schemeClr val="accent1"/>
-          </a:solidFill>
-          <a:ln>
-            <a:noFill/>
-          </a:ln>
-        </p:spPr>
-        <p:style>
-          <a:lnRef idx="1">
-            <a:schemeClr val="accent1"/>
-          </a:lnRef>
-          <a:fillRef idx="3">
-            <a:schemeClr val="accent1"/>
-          </a:fillRef>
-          <a:effectRef idx="2">
-            <a:schemeClr val="accent1"/>
-          </a:effectRef>
-          <a:fontRef idx="minor">
-            <a:schemeClr val="lt1"/>
-          </a:fontRef>
-        </p:style>
-      </p:sp>
-      <p:pic>
-        <p:nvPicPr>
-          <p:cNvPr id="6" name="Graphic 5">
-            <a:extLst>
-              <a:ext uri="{FF2B5EF4-FFF2-40B4-BE49-F238E27FC236}">
-                <a16:creationId xmlns:a16="http://schemas.microsoft.com/office/drawing/2014/main" id="{D1D8ECB9-C42E-4232-8496-B77AD3F6666C}"/>
-              </a:ext>
-            </a:extLst>
-          </p:cNvPr>
-          <p:cNvPicPr>
-            <a:picLocks noChangeAspect="1"/>
-          </p:cNvPicPr>
-          <p:nvPr/>
-        </p:nvPicPr>
-        <p:blipFill>
-          <a:blip r:embed="rId3">
-            <a:extLst>
-              <a:ext uri="{96DAC541-7B7A-43D3-8B79-37D633B846F1}">
-                <asvg:svgBlip xmlns:asvg="http://schemas.microsoft.com/office/drawing/2016/SVG/main" r:embed="rId4"/>
-              </a:ext>
-            </a:extLst>
-          </a:blip>
-          <a:stretch>
-            <a:fillRect/>
-          </a:stretch>
-        </p:blipFill>
-        <p:spPr>
-          <a:xfrm>
-            <a:off x="4103279" y="1006679"/>
-            <a:ext cx="7818533" cy="5472973"/>
-          </a:xfrm>
-          <a:prstGeom prst="rect">
-            <a:avLst/>
-          </a:prstGeom>
-        </p:spPr>
-      </p:pic>
-      <p:sp>
-        <p:nvSpPr>
-          <p:cNvPr id="12" name="Content Placeholder 2">
-            <a:extLst>
-              <a:ext uri="{FF2B5EF4-FFF2-40B4-BE49-F238E27FC236}">
-                <a16:creationId xmlns:a16="http://schemas.microsoft.com/office/drawing/2014/main" id="{B5E36733-5FCF-43F7-8439-1C3903BC0DF4}"/>
-              </a:ext>
-            </a:extLst>
-          </p:cNvPr>
-          <p:cNvSpPr txBox="1">
-            <a:spLocks/>
-          </p:cNvSpPr>
-          <p:nvPr/>
-        </p:nvSpPr>
-        <p:spPr>
-          <a:xfrm>
-            <a:off x="648931" y="2438400"/>
-            <a:ext cx="3104864" cy="3785419"/>
-          </a:xfrm>
-          <a:prstGeom prst="rect">
-            <a:avLst/>
-          </a:prstGeom>
-        </p:spPr>
-        <p:txBody>
-          <a:bodyPr vert="horz" lIns="91440" tIns="45720" rIns="91440" bIns="45720" rtlCol="0">
-            <a:normAutofit/>
-          </a:bodyPr>
-          <a:lstStyle>
-            <a:lvl1pPr marL="342900" indent="-342900" algn="l" defTabSz="457200" rtl="0" eaLnBrk="1" latinLnBrk="0" hangingPunct="1">
-              <a:spcBef>
-                <a:spcPts val="1000"/>
-              </a:spcBef>
-              <a:spcAft>
-                <a:spcPts val="0"/>
-              </a:spcAft>
-              <a:buClr>
-                <a:schemeClr val="accent1"/>
-              </a:buClr>
-              <a:buSzPct val="80000"/>
-              <a:buFont typeface="Wingdings 3" charset="2"/>
-              <a:buChar char=""/>
-              <a:defRPr sz="2000" b="0" i="0" kern="1200">
-                <a:solidFill>
-                  <a:schemeClr val="tx1"/>
-                </a:solidFill>
-                <a:latin typeface="+mj-lt"/>
-                <a:ea typeface="+mj-ea"/>
-                <a:cs typeface="+mj-cs"/>
-              </a:defRPr>
-            </a:lvl1pPr>
-            <a:lvl2pPr marL="742950" indent="-285750" algn="l" defTabSz="457200" rtl="0" eaLnBrk="1" latinLnBrk="0" hangingPunct="1">
-              <a:spcBef>
-                <a:spcPts val="1000"/>
-              </a:spcBef>
-              <a:spcAft>
-                <a:spcPts val="0"/>
-              </a:spcAft>
-              <a:buClr>
-                <a:schemeClr val="accent1"/>
-              </a:buClr>
-              <a:buSzPct val="80000"/>
-              <a:buFont typeface="Wingdings 3" charset="2"/>
-              <a:buChar char=""/>
-              <a:defRPr sz="1800" b="0" i="0" kern="1200">
-                <a:solidFill>
-                  <a:schemeClr val="tx1"/>
-                </a:solidFill>
-                <a:latin typeface="+mj-lt"/>
-                <a:ea typeface="+mj-ea"/>
-                <a:cs typeface="+mj-cs"/>
-              </a:defRPr>
-            </a:lvl2pPr>
-            <a:lvl3pPr marL="1143000" indent="-228600" algn="l" defTabSz="457200" rtl="0" eaLnBrk="1" latinLnBrk="0" hangingPunct="1">
-              <a:spcBef>
-                <a:spcPts val="1000"/>
-              </a:spcBef>
-              <a:spcAft>
-                <a:spcPts val="0"/>
-              </a:spcAft>
-              <a:buClr>
-                <a:schemeClr val="accent1"/>
-              </a:buClr>
-              <a:buSzPct val="80000"/>
-              <a:buFont typeface="Wingdings 3" charset="2"/>
-              <a:buChar char=""/>
-              <a:defRPr sz="1600" b="0" i="0" kern="1200">
-                <a:solidFill>
-                  <a:schemeClr val="tx1"/>
-                </a:solidFill>
-                <a:latin typeface="+mj-lt"/>
-                <a:ea typeface="+mj-ea"/>
-                <a:cs typeface="+mj-cs"/>
-              </a:defRPr>
-            </a:lvl3pPr>
-            <a:lvl4pPr marL="1600200" indent="-228600" algn="l" defTabSz="457200" rtl="0" eaLnBrk="1" latinLnBrk="0" hangingPunct="1">
-              <a:spcBef>
-                <a:spcPts val="1000"/>
-              </a:spcBef>
-              <a:spcAft>
-                <a:spcPts val="0"/>
-              </a:spcAft>
-              <a:buClr>
-                <a:schemeClr val="accent1"/>
-              </a:buClr>
-              <a:buSzPct val="80000"/>
-              <a:buFont typeface="Wingdings 3" charset="2"/>
-              <a:buChar char=""/>
-              <a:defRPr sz="1400" b="0" i="0" kern="1200">
-                <a:solidFill>
-                  <a:schemeClr val="tx1"/>
-                </a:solidFill>
-                <a:latin typeface="+mj-lt"/>
-                <a:ea typeface="+mj-ea"/>
-                <a:cs typeface="+mj-cs"/>
-              </a:defRPr>
-            </a:lvl4pPr>
-            <a:lvl5pPr marL="2057400" indent="-228600" algn="l" defTabSz="457200" rtl="0" eaLnBrk="1" latinLnBrk="0" hangingPunct="1">
-              <a:spcBef>
-                <a:spcPts val="1000"/>
-              </a:spcBef>
-              <a:spcAft>
-                <a:spcPts val="0"/>
-              </a:spcAft>
-              <a:buClr>
-                <a:schemeClr val="accent1"/>
-              </a:buClr>
-              <a:buSzPct val="80000"/>
-              <a:buFont typeface="Wingdings 3" charset="2"/>
-              <a:buChar char=""/>
-              <a:defRPr sz="1400" b="0" i="0" kern="1200">
-                <a:solidFill>
-                  <a:schemeClr val="tx1"/>
-                </a:solidFill>
-                <a:latin typeface="+mj-lt"/>
-                <a:ea typeface="+mj-ea"/>
-                <a:cs typeface="+mj-cs"/>
-              </a:defRPr>
-            </a:lvl5pPr>
-            <a:lvl6pPr marL="2514600" indent="-228600" algn="l" defTabSz="457200" rtl="0" eaLnBrk="1" latinLnBrk="0" hangingPunct="1">
-              <a:spcBef>
-                <a:spcPts val="1000"/>
-              </a:spcBef>
-              <a:spcAft>
-                <a:spcPts val="0"/>
-              </a:spcAft>
-              <a:buClr>
-                <a:schemeClr val="accent1"/>
-              </a:buClr>
-              <a:buSzPct val="80000"/>
-              <a:buFont typeface="Wingdings 3" charset="2"/>
-              <a:buChar char=""/>
-              <a:defRPr sz="1400" b="0" i="0" kern="1200">
-                <a:solidFill>
-                  <a:schemeClr val="tx1"/>
-                </a:solidFill>
-                <a:latin typeface="+mj-lt"/>
-                <a:ea typeface="+mj-ea"/>
-                <a:cs typeface="+mj-cs"/>
-              </a:defRPr>
-            </a:lvl6pPr>
-            <a:lvl7pPr marL="2971800" indent="-228600" algn="l" defTabSz="457200" rtl="0" eaLnBrk="1" latinLnBrk="0" hangingPunct="1">
-              <a:spcBef>
-                <a:spcPts val="1000"/>
-              </a:spcBef>
-              <a:spcAft>
-                <a:spcPts val="0"/>
-              </a:spcAft>
-              <a:buClr>
-                <a:schemeClr val="accent1"/>
-              </a:buClr>
-              <a:buSzPct val="80000"/>
-              <a:buFont typeface="Wingdings 3" charset="2"/>
-              <a:buChar char=""/>
-              <a:defRPr sz="1400" b="0" i="0" kern="1200">
-                <a:solidFill>
-                  <a:schemeClr val="tx1"/>
-                </a:solidFill>
-                <a:latin typeface="+mj-lt"/>
-                <a:ea typeface="+mj-ea"/>
-                <a:cs typeface="+mj-cs"/>
-              </a:defRPr>
-            </a:lvl7pPr>
-            <a:lvl8pPr marL="3429000" indent="-228600" algn="l" defTabSz="457200" rtl="0" eaLnBrk="1" latinLnBrk="0" hangingPunct="1">
-              <a:spcBef>
-                <a:spcPts val="1000"/>
-              </a:spcBef>
-              <a:spcAft>
-                <a:spcPts val="0"/>
-              </a:spcAft>
-              <a:buClr>
-                <a:schemeClr val="accent1"/>
-              </a:buClr>
-              <a:buSzPct val="80000"/>
-              <a:buFont typeface="Wingdings 3" charset="2"/>
-              <a:buChar char=""/>
-              <a:defRPr sz="1400" b="0" i="0" kern="1200">
-                <a:solidFill>
-                  <a:schemeClr val="tx1"/>
-                </a:solidFill>
-                <a:latin typeface="+mj-lt"/>
-                <a:ea typeface="+mj-ea"/>
-                <a:cs typeface="+mj-cs"/>
-              </a:defRPr>
-            </a:lvl8pPr>
-            <a:lvl9pPr marL="3886200" indent="-228600" algn="l" defTabSz="457200" rtl="0" eaLnBrk="1" latinLnBrk="0" hangingPunct="1">
-              <a:spcBef>
-                <a:spcPts val="1000"/>
-              </a:spcBef>
-              <a:spcAft>
-                <a:spcPts val="0"/>
-              </a:spcAft>
-              <a:buClr>
-                <a:schemeClr val="accent1"/>
-              </a:buClr>
-              <a:buSzPct val="80000"/>
-              <a:buFont typeface="Wingdings 3" charset="2"/>
-              <a:buChar char=""/>
-              <a:defRPr sz="1400" b="0" i="0" kern="1200">
-                <a:solidFill>
-                  <a:schemeClr val="tx1"/>
-                </a:solidFill>
-                <a:latin typeface="+mj-lt"/>
-                <a:ea typeface="+mj-ea"/>
-                <a:cs typeface="+mj-cs"/>
-              </a:defRPr>
-            </a:lvl9pPr>
-          </a:lstStyle>
-          <a:p>
-            <a:r>
-              <a:rPr lang="en-SG" sz="2800" dirty="0"/>
-              <a:t>Geographic &amp; demographic information</a:t>
-            </a:r>
-          </a:p>
-          <a:p>
-            <a:pPr marL="0" indent="0">
-              <a:buNone/>
-            </a:pPr>
-            <a:r>
-              <a:rPr lang="en-SG" sz="2800" dirty="0"/>
-              <a:t>	- Income</a:t>
-            </a:r>
-          </a:p>
-        </p:txBody>
-      </p:sp>
-      <p:sp>
-        <p:nvSpPr>
-          <p:cNvPr id="10" name="Rectangle 9">
-            <a:extLst>
-              <a:ext uri="{FF2B5EF4-FFF2-40B4-BE49-F238E27FC236}">
-                <a16:creationId xmlns:a16="http://schemas.microsoft.com/office/drawing/2014/main" id="{C09F51DD-1C96-47B3-9957-608EA80B78D7}"/>
-              </a:ext>
-            </a:extLst>
-          </p:cNvPr>
-          <p:cNvSpPr/>
-          <p:nvPr/>
-        </p:nvSpPr>
-        <p:spPr>
-          <a:xfrm>
-            <a:off x="7488891" y="1770078"/>
-            <a:ext cx="1235659" cy="4286774"/>
-          </a:xfrm>
-          <a:prstGeom prst="rect">
-            <a:avLst/>
-          </a:prstGeom>
-          <a:noFill/>
-          <a:ln>
-            <a:solidFill>
-              <a:srgbClr val="FF0000"/>
-            </a:solidFill>
-          </a:ln>
-        </p:spPr>
-        <p:style>
-          <a:lnRef idx="2">
-            <a:schemeClr val="accent3"/>
-          </a:lnRef>
-          <a:fillRef idx="1">
-            <a:schemeClr val="lt1"/>
-          </a:fillRef>
-          <a:effectRef idx="0">
-            <a:schemeClr val="accent3"/>
-          </a:effectRef>
-          <a:fontRef idx="minor">
-            <a:schemeClr val="dk1"/>
-          </a:fontRef>
-        </p:style>
-        <p:txBody>
-          <a:bodyPr rtlCol="0" anchor="ctr"/>
-          <a:lstStyle/>
-          <a:p>
-            <a:pPr algn="ctr"/>
-            <a:endParaRPr lang="en-SG"/>
-          </a:p>
-        </p:txBody>
-      </p:sp>
-    </p:spTree>
-    <p:extLst>
-      <p:ext uri="{BB962C8B-B14F-4D97-AF65-F5344CB8AC3E}">
-        <p14:creationId xmlns:p14="http://schemas.microsoft.com/office/powerpoint/2010/main" val="2655916380"/>
       </p:ext>
     </p:extLst>
   </p:cSld>
@@ -12775,7 +13586,7 @@
         <p:spPr>
           <a:xfrm>
             <a:off x="648931" y="629266"/>
-            <a:ext cx="3085546" cy="1622321"/>
+            <a:ext cx="3146692" cy="1622321"/>
           </a:xfrm>
         </p:spPr>
         <p:txBody>
@@ -12789,6 +13600,62 @@
               <a:t>Areas explored</a:t>
             </a:r>
             <a:endParaRPr lang="en-SG" dirty="0"/>
+          </a:p>
+        </p:txBody>
+      </p:sp>
+      <p:sp>
+        <p:nvSpPr>
+          <p:cNvPr id="3" name="Content Placeholder 2">
+            <a:extLst>
+              <a:ext uri="{FF2B5EF4-FFF2-40B4-BE49-F238E27FC236}">
+                <a16:creationId xmlns:a16="http://schemas.microsoft.com/office/drawing/2014/main" id="{293FCE9B-C27D-4872-8320-609F4718D3AB}"/>
+              </a:ext>
+            </a:extLst>
+          </p:cNvPr>
+          <p:cNvSpPr>
+            <a:spLocks noGrp="1"/>
+          </p:cNvSpPr>
+          <p:nvPr>
+            <p:ph idx="1"/>
+          </p:nvPr>
+        </p:nvSpPr>
+        <p:spPr>
+          <a:xfrm>
+            <a:off x="648932" y="2438400"/>
+            <a:ext cx="3346646" cy="3785419"/>
+          </a:xfrm>
+        </p:spPr>
+        <p:txBody>
+          <a:bodyPr>
+            <a:normAutofit/>
+          </a:bodyPr>
+          <a:lstStyle/>
+          <a:p>
+            <a:r>
+              <a:rPr lang="en-SG" sz="2800" dirty="0"/>
+              <a:t>Traffic volume by time </a:t>
+            </a:r>
+          </a:p>
+          <a:p>
+            <a:pPr lvl="1"/>
+            <a:r>
+              <a:rPr lang="en-SG" sz="2400" dirty="0"/>
+              <a:t>16:00-20:00</a:t>
+            </a:r>
+          </a:p>
+          <a:p>
+            <a:pPr lvl="1"/>
+            <a:r>
+              <a:rPr lang="en-SG" sz="2400" dirty="0"/>
+              <a:t>08:00-12:00</a:t>
+            </a:r>
+          </a:p>
+          <a:p>
+            <a:pPr lvl="1"/>
+            <a:r>
+              <a:rPr lang="en-SG" sz="2400" dirty="0"/>
+              <a:t>12:00-16:00</a:t>
+            </a:r>
           </a:p>
         </p:txBody>
       </p:sp>
@@ -13408,43 +14275,6 @@
           </a:ln>
         </p:spPr>
       </p:sp>
-      <p:pic>
-        <p:nvPicPr>
-          <p:cNvPr id="4" name="Graphic 3">
-            <a:extLst>
-              <a:ext uri="{FF2B5EF4-FFF2-40B4-BE49-F238E27FC236}">
-                <a16:creationId xmlns:a16="http://schemas.microsoft.com/office/drawing/2014/main" id="{EE26F668-B29D-4154-97E1-37997719AF0D}"/>
-              </a:ext>
-            </a:extLst>
-          </p:cNvPr>
-          <p:cNvPicPr>
-            <a:picLocks noChangeAspect="1"/>
-          </p:cNvPicPr>
-          <p:nvPr/>
-        </p:nvPicPr>
-        <p:blipFill>
-          <a:blip r:embed="rId3">
-            <a:extLst>
-              <a:ext uri="{96DAC541-7B7A-43D3-8B79-37D633B846F1}">
-                <asvg:svgBlip xmlns:asvg="http://schemas.microsoft.com/office/drawing/2016/SVG/main" r:embed="rId4"/>
-              </a:ext>
-            </a:extLst>
-          </a:blip>
-          <a:stretch>
-            <a:fillRect/>
-          </a:stretch>
-        </p:blipFill>
-        <p:spPr>
-          <a:xfrm>
-            <a:off x="4043494" y="1015069"/>
-            <a:ext cx="7902428" cy="5531699"/>
-          </a:xfrm>
-          <a:prstGeom prst="rect">
-            <a:avLst/>
-          </a:prstGeom>
-          <a:effectLst/>
-        </p:spPr>
-      </p:pic>
       <p:sp>
         <p:nvSpPr>
           <p:cNvPr id="15" name="Rectangle 14">
@@ -13498,12 +14328,48 @@
           </a:fontRef>
         </p:style>
       </p:sp>
+      <p:pic>
+        <p:nvPicPr>
+          <p:cNvPr id="6" name="Graphic 5">
+            <a:extLst>
+              <a:ext uri="{FF2B5EF4-FFF2-40B4-BE49-F238E27FC236}">
+                <a16:creationId xmlns:a16="http://schemas.microsoft.com/office/drawing/2014/main" id="{88052AE5-0A64-40EF-BBA3-00231E9DBCF7}"/>
+              </a:ext>
+            </a:extLst>
+          </p:cNvPr>
+          <p:cNvPicPr>
+            <a:picLocks noChangeAspect="1"/>
+          </p:cNvPicPr>
+          <p:nvPr/>
+        </p:nvPicPr>
+        <p:blipFill>
+          <a:blip r:embed="rId3">
+            <a:extLst>
+              <a:ext uri="{96DAC541-7B7A-43D3-8B79-37D633B846F1}">
+                <asvg:svgBlip xmlns:asvg="http://schemas.microsoft.com/office/drawing/2016/SVG/main" r:embed="rId4"/>
+              </a:ext>
+            </a:extLst>
+          </a:blip>
+          <a:stretch>
+            <a:fillRect/>
+          </a:stretch>
+        </p:blipFill>
+        <p:spPr>
+          <a:xfrm>
+            <a:off x="4152530" y="1187043"/>
+            <a:ext cx="7835185" cy="5484630"/>
+          </a:xfrm>
+          <a:prstGeom prst="rect">
+            <a:avLst/>
+          </a:prstGeom>
+        </p:spPr>
+      </p:pic>
       <p:sp>
         <p:nvSpPr>
           <p:cNvPr id="10" name="Rectangle 9">
             <a:extLst>
               <a:ext uri="{FF2B5EF4-FFF2-40B4-BE49-F238E27FC236}">
-                <a16:creationId xmlns:a16="http://schemas.microsoft.com/office/drawing/2014/main" id="{F53760C3-57A8-45CA-902C-C9EF6BB3B6D2}"/>
+                <a16:creationId xmlns:a16="http://schemas.microsoft.com/office/drawing/2014/main" id="{26B8F8CF-468B-41F1-A2CE-AEE96D2B55E3}"/>
               </a:ext>
             </a:extLst>
           </p:cNvPr>
@@ -13512,8 +14378,8 @@
         </p:nvSpPr>
         <p:spPr>
           <a:xfrm>
-            <a:off x="7508147" y="3070371"/>
-            <a:ext cx="1174459" cy="3045203"/>
+            <a:off x="6224631" y="1946246"/>
+            <a:ext cx="3338819" cy="4277573"/>
           </a:xfrm>
           <a:prstGeom prst="rect">
             <a:avLst/>
@@ -13548,254 +14414,10 @@
           </a:p>
         </p:txBody>
       </p:sp>
-      <p:sp>
-        <p:nvSpPr>
-          <p:cNvPr id="12" name="Content Placeholder 2">
-            <a:extLst>
-              <a:ext uri="{FF2B5EF4-FFF2-40B4-BE49-F238E27FC236}">
-                <a16:creationId xmlns:a16="http://schemas.microsoft.com/office/drawing/2014/main" id="{42B65349-6841-4909-854C-E1A0F9B232FF}"/>
-              </a:ext>
-            </a:extLst>
-          </p:cNvPr>
-          <p:cNvSpPr txBox="1">
-            <a:spLocks/>
-          </p:cNvSpPr>
-          <p:nvPr/>
-        </p:nvSpPr>
-        <p:spPr>
-          <a:xfrm>
-            <a:off x="648931" y="2438400"/>
-            <a:ext cx="3104864" cy="3785419"/>
-          </a:xfrm>
-          <a:prstGeom prst="rect">
-            <a:avLst/>
-          </a:prstGeom>
-        </p:spPr>
-        <p:txBody>
-          <a:bodyPr vert="horz" lIns="91440" tIns="45720" rIns="91440" bIns="45720" rtlCol="0">
-            <a:normAutofit/>
-          </a:bodyPr>
-          <a:lstStyle>
-            <a:lvl1pPr marL="342900" indent="-342900" algn="l" defTabSz="457200" rtl="0" eaLnBrk="1" latinLnBrk="0" hangingPunct="1">
-              <a:spcBef>
-                <a:spcPts val="1000"/>
-              </a:spcBef>
-              <a:spcAft>
-                <a:spcPts val="0"/>
-              </a:spcAft>
-              <a:buClr>
-                <a:schemeClr val="accent1"/>
-              </a:buClr>
-              <a:buSzPct val="80000"/>
-              <a:buFont typeface="Wingdings 3" charset="2"/>
-              <a:buChar char=""/>
-              <a:defRPr sz="2000" b="0" i="0" kern="1200">
-                <a:solidFill>
-                  <a:schemeClr val="tx1"/>
-                </a:solidFill>
-                <a:latin typeface="+mj-lt"/>
-                <a:ea typeface="+mj-ea"/>
-                <a:cs typeface="+mj-cs"/>
-              </a:defRPr>
-            </a:lvl1pPr>
-            <a:lvl2pPr marL="742950" indent="-285750" algn="l" defTabSz="457200" rtl="0" eaLnBrk="1" latinLnBrk="0" hangingPunct="1">
-              <a:spcBef>
-                <a:spcPts val="1000"/>
-              </a:spcBef>
-              <a:spcAft>
-                <a:spcPts val="0"/>
-              </a:spcAft>
-              <a:buClr>
-                <a:schemeClr val="accent1"/>
-              </a:buClr>
-              <a:buSzPct val="80000"/>
-              <a:buFont typeface="Wingdings 3" charset="2"/>
-              <a:buChar char=""/>
-              <a:defRPr sz="1800" b="0" i="0" kern="1200">
-                <a:solidFill>
-                  <a:schemeClr val="tx1"/>
-                </a:solidFill>
-                <a:latin typeface="+mj-lt"/>
-                <a:ea typeface="+mj-ea"/>
-                <a:cs typeface="+mj-cs"/>
-              </a:defRPr>
-            </a:lvl2pPr>
-            <a:lvl3pPr marL="1143000" indent="-228600" algn="l" defTabSz="457200" rtl="0" eaLnBrk="1" latinLnBrk="0" hangingPunct="1">
-              <a:spcBef>
-                <a:spcPts val="1000"/>
-              </a:spcBef>
-              <a:spcAft>
-                <a:spcPts val="0"/>
-              </a:spcAft>
-              <a:buClr>
-                <a:schemeClr val="accent1"/>
-              </a:buClr>
-              <a:buSzPct val="80000"/>
-              <a:buFont typeface="Wingdings 3" charset="2"/>
-              <a:buChar char=""/>
-              <a:defRPr sz="1600" b="0" i="0" kern="1200">
-                <a:solidFill>
-                  <a:schemeClr val="tx1"/>
-                </a:solidFill>
-                <a:latin typeface="+mj-lt"/>
-                <a:ea typeface="+mj-ea"/>
-                <a:cs typeface="+mj-cs"/>
-              </a:defRPr>
-            </a:lvl3pPr>
-            <a:lvl4pPr marL="1600200" indent="-228600" algn="l" defTabSz="457200" rtl="0" eaLnBrk="1" latinLnBrk="0" hangingPunct="1">
-              <a:spcBef>
-                <a:spcPts val="1000"/>
-              </a:spcBef>
-              <a:spcAft>
-                <a:spcPts val="0"/>
-              </a:spcAft>
-              <a:buClr>
-                <a:schemeClr val="accent1"/>
-              </a:buClr>
-              <a:buSzPct val="80000"/>
-              <a:buFont typeface="Wingdings 3" charset="2"/>
-              <a:buChar char=""/>
-              <a:defRPr sz="1400" b="0" i="0" kern="1200">
-                <a:solidFill>
-                  <a:schemeClr val="tx1"/>
-                </a:solidFill>
-                <a:latin typeface="+mj-lt"/>
-                <a:ea typeface="+mj-ea"/>
-                <a:cs typeface="+mj-cs"/>
-              </a:defRPr>
-            </a:lvl4pPr>
-            <a:lvl5pPr marL="2057400" indent="-228600" algn="l" defTabSz="457200" rtl="0" eaLnBrk="1" latinLnBrk="0" hangingPunct="1">
-              <a:spcBef>
-                <a:spcPts val="1000"/>
-              </a:spcBef>
-              <a:spcAft>
-                <a:spcPts val="0"/>
-              </a:spcAft>
-              <a:buClr>
-                <a:schemeClr val="accent1"/>
-              </a:buClr>
-              <a:buSzPct val="80000"/>
-              <a:buFont typeface="Wingdings 3" charset="2"/>
-              <a:buChar char=""/>
-              <a:defRPr sz="1400" b="0" i="0" kern="1200">
-                <a:solidFill>
-                  <a:schemeClr val="tx1"/>
-                </a:solidFill>
-                <a:latin typeface="+mj-lt"/>
-                <a:ea typeface="+mj-ea"/>
-                <a:cs typeface="+mj-cs"/>
-              </a:defRPr>
-            </a:lvl5pPr>
-            <a:lvl6pPr marL="2514600" indent="-228600" algn="l" defTabSz="457200" rtl="0" eaLnBrk="1" latinLnBrk="0" hangingPunct="1">
-              <a:spcBef>
-                <a:spcPts val="1000"/>
-              </a:spcBef>
-              <a:spcAft>
-                <a:spcPts val="0"/>
-              </a:spcAft>
-              <a:buClr>
-                <a:schemeClr val="accent1"/>
-              </a:buClr>
-              <a:buSzPct val="80000"/>
-              <a:buFont typeface="Wingdings 3" charset="2"/>
-              <a:buChar char=""/>
-              <a:defRPr sz="1400" b="0" i="0" kern="1200">
-                <a:solidFill>
-                  <a:schemeClr val="tx1"/>
-                </a:solidFill>
-                <a:latin typeface="+mj-lt"/>
-                <a:ea typeface="+mj-ea"/>
-                <a:cs typeface="+mj-cs"/>
-              </a:defRPr>
-            </a:lvl6pPr>
-            <a:lvl7pPr marL="2971800" indent="-228600" algn="l" defTabSz="457200" rtl="0" eaLnBrk="1" latinLnBrk="0" hangingPunct="1">
-              <a:spcBef>
-                <a:spcPts val="1000"/>
-              </a:spcBef>
-              <a:spcAft>
-                <a:spcPts val="0"/>
-              </a:spcAft>
-              <a:buClr>
-                <a:schemeClr val="accent1"/>
-              </a:buClr>
-              <a:buSzPct val="80000"/>
-              <a:buFont typeface="Wingdings 3" charset="2"/>
-              <a:buChar char=""/>
-              <a:defRPr sz="1400" b="0" i="0" kern="1200">
-                <a:solidFill>
-                  <a:schemeClr val="tx1"/>
-                </a:solidFill>
-                <a:latin typeface="+mj-lt"/>
-                <a:ea typeface="+mj-ea"/>
-                <a:cs typeface="+mj-cs"/>
-              </a:defRPr>
-            </a:lvl7pPr>
-            <a:lvl8pPr marL="3429000" indent="-228600" algn="l" defTabSz="457200" rtl="0" eaLnBrk="1" latinLnBrk="0" hangingPunct="1">
-              <a:spcBef>
-                <a:spcPts val="1000"/>
-              </a:spcBef>
-              <a:spcAft>
-                <a:spcPts val="0"/>
-              </a:spcAft>
-              <a:buClr>
-                <a:schemeClr val="accent1"/>
-              </a:buClr>
-              <a:buSzPct val="80000"/>
-              <a:buFont typeface="Wingdings 3" charset="2"/>
-              <a:buChar char=""/>
-              <a:defRPr sz="1400" b="0" i="0" kern="1200">
-                <a:solidFill>
-                  <a:schemeClr val="tx1"/>
-                </a:solidFill>
-                <a:latin typeface="+mj-lt"/>
-                <a:ea typeface="+mj-ea"/>
-                <a:cs typeface="+mj-cs"/>
-              </a:defRPr>
-            </a:lvl8pPr>
-            <a:lvl9pPr marL="3886200" indent="-228600" algn="l" defTabSz="457200" rtl="0" eaLnBrk="1" latinLnBrk="0" hangingPunct="1">
-              <a:spcBef>
-                <a:spcPts val="1000"/>
-              </a:spcBef>
-              <a:spcAft>
-                <a:spcPts val="0"/>
-              </a:spcAft>
-              <a:buClr>
-                <a:schemeClr val="accent1"/>
-              </a:buClr>
-              <a:buSzPct val="80000"/>
-              <a:buFont typeface="Wingdings 3" charset="2"/>
-              <a:buChar char=""/>
-              <a:defRPr sz="1400" b="0" i="0" kern="1200">
-                <a:solidFill>
-                  <a:schemeClr val="tx1"/>
-                </a:solidFill>
-                <a:latin typeface="+mj-lt"/>
-                <a:ea typeface="+mj-ea"/>
-                <a:cs typeface="+mj-cs"/>
-              </a:defRPr>
-            </a:lvl9pPr>
-          </a:lstStyle>
-          <a:p>
-            <a:r>
-              <a:rPr lang="en-SG" sz="2800" dirty="0"/>
-              <a:t>Geographic &amp; demographic information</a:t>
-            </a:r>
-          </a:p>
-          <a:p>
-            <a:pPr marL="0" indent="0">
-              <a:buNone/>
-            </a:pPr>
-            <a:r>
-              <a:rPr lang="en-SG" sz="2800" dirty="0"/>
-              <a:t>	- Gender 	proportion</a:t>
-            </a:r>
-          </a:p>
-        </p:txBody>
-      </p:sp>
     </p:spTree>
     <p:extLst>
       <p:ext uri="{BB962C8B-B14F-4D97-AF65-F5344CB8AC3E}">
-        <p14:creationId xmlns:p14="http://schemas.microsoft.com/office/powerpoint/2010/main" val="674561551"/>
+        <p14:creationId xmlns:p14="http://schemas.microsoft.com/office/powerpoint/2010/main" val="423824939"/>
       </p:ext>
     </p:extLst>
   </p:cSld>
